--- a/HoT-Meetup_2024_Pybricks.pptx
+++ b/HoT-Meetup_2024_Pybricks.pptx
@@ -4,24 +4,43 @@
   <p:sldMasterIdLst>
     <p:sldMasterId id="2147483648" r:id="rId1"/>
   </p:sldMasterIdLst>
+  <p:notesMasterIdLst>
+    <p:notesMasterId r:id="rId35"/>
+  </p:notesMasterIdLst>
   <p:sldIdLst>
     <p:sldId id="256" r:id="rId2"/>
-    <p:sldId id="259" r:id="rId3"/>
-    <p:sldId id="257" r:id="rId4"/>
-    <p:sldId id="260" r:id="rId5"/>
-    <p:sldId id="262" r:id="rId6"/>
-    <p:sldId id="264" r:id="rId7"/>
-    <p:sldId id="263" r:id="rId8"/>
-    <p:sldId id="265" r:id="rId9"/>
-    <p:sldId id="261" r:id="rId10"/>
-    <p:sldId id="266" r:id="rId11"/>
-    <p:sldId id="268" r:id="rId12"/>
-    <p:sldId id="271" r:id="rId13"/>
-    <p:sldId id="270" r:id="rId14"/>
-    <p:sldId id="269" r:id="rId15"/>
-    <p:sldId id="272" r:id="rId16"/>
-    <p:sldId id="274" r:id="rId17"/>
-    <p:sldId id="273" r:id="rId18"/>
+    <p:sldId id="279" r:id="rId3"/>
+    <p:sldId id="278" r:id="rId4"/>
+    <p:sldId id="280" r:id="rId5"/>
+    <p:sldId id="281" r:id="rId6"/>
+    <p:sldId id="259" r:id="rId7"/>
+    <p:sldId id="257" r:id="rId8"/>
+    <p:sldId id="262" r:id="rId9"/>
+    <p:sldId id="260" r:id="rId10"/>
+    <p:sldId id="264" r:id="rId11"/>
+    <p:sldId id="263" r:id="rId12"/>
+    <p:sldId id="265" r:id="rId13"/>
+    <p:sldId id="261" r:id="rId14"/>
+    <p:sldId id="266" r:id="rId15"/>
+    <p:sldId id="277" r:id="rId16"/>
+    <p:sldId id="268" r:id="rId17"/>
+    <p:sldId id="271" r:id="rId18"/>
+    <p:sldId id="270" r:id="rId19"/>
+    <p:sldId id="276" r:id="rId20"/>
+    <p:sldId id="275" r:id="rId21"/>
+    <p:sldId id="269" r:id="rId22"/>
+    <p:sldId id="272" r:id="rId23"/>
+    <p:sldId id="274" r:id="rId24"/>
+    <p:sldId id="273" r:id="rId25"/>
+    <p:sldId id="282" r:id="rId26"/>
+    <p:sldId id="283" r:id="rId27"/>
+    <p:sldId id="284" r:id="rId28"/>
+    <p:sldId id="286" r:id="rId29"/>
+    <p:sldId id="285" r:id="rId30"/>
+    <p:sldId id="287" r:id="rId31"/>
+    <p:sldId id="288" r:id="rId32"/>
+    <p:sldId id="289" r:id="rId33"/>
+    <p:sldId id="290" r:id="rId34"/>
   </p:sldIdLst>
   <p:sldSz cx="12192000" cy="6858000"/>
   <p:notesSz cx="6858000" cy="9144000"/>
@@ -126,10 +145,14 @@
         <p14:section name="Standardabschnitt" id="{6CED4FE6-2525-44E0-A0C7-F4BD8A6A8DF7}">
           <p14:sldIdLst>
             <p14:sldId id="256"/>
+            <p14:sldId id="279"/>
+            <p14:sldId id="278"/>
+            <p14:sldId id="280"/>
+            <p14:sldId id="281"/>
             <p14:sldId id="259"/>
             <p14:sldId id="257"/>
+            <p14:sldId id="262"/>
             <p14:sldId id="260"/>
-            <p14:sldId id="262"/>
           </p14:sldIdLst>
         </p14:section>
         <p14:section name="Python_Pybricks" id="{03DC6A8D-E43E-4E47-95E4-FE578B83BEDF}">
@@ -139,16 +162,43 @@
             <p14:sldId id="265"/>
             <p14:sldId id="261"/>
             <p14:sldId id="266"/>
+            <p14:sldId id="277"/>
             <p14:sldId id="268"/>
             <p14:sldId id="271"/>
+          </p14:sldIdLst>
+        </p14:section>
+        <p14:section name="Drivebase" id="{816C532E-E564-4D73-A5A3-F2C3CD4BBB64}">
+          <p14:sldIdLst>
             <p14:sldId id="270"/>
+            <p14:sldId id="276"/>
+            <p14:sldId id="275"/>
+          </p14:sldIdLst>
+        </p14:section>
+        <p14:section name="Live-Demo" id="{00D922A0-EABE-4397-9BA3-50B944CE5C80}">
+          <p14:sldIdLst>
             <p14:sldId id="269"/>
             <p14:sldId id="272"/>
             <p14:sldId id="274"/>
             <p14:sldId id="273"/>
           </p14:sldIdLst>
         </p14:section>
+        <p14:section name="Git" id="{094718F1-F2F7-4602-9AB4-5E1F90AA6641}">
+          <p14:sldIdLst>
+            <p14:sldId id="282"/>
+            <p14:sldId id="283"/>
+            <p14:sldId id="284"/>
+            <p14:sldId id="286"/>
+            <p14:sldId id="285"/>
+            <p14:sldId id="287"/>
+            <p14:sldId id="288"/>
+            <p14:sldId id="289"/>
+            <p14:sldId id="290"/>
+          </p14:sldIdLst>
+        </p14:section>
       </p14:sectionLst>
+    </p:ext>
+    <p:ext uri="{EFAFB233-063F-42B5-8137-9DF3F51BA10A}">
+      <p15:sldGuideLst xmlns:p15="http://schemas.microsoft.com/office/powerpoint/2012/main"/>
     </p:ext>
   </p:extLst>
 </p:presentation>
@@ -3327,6 +3377,882 @@
 </dgm:styleDef>
 </file>
 
+<file path=ppt/notesMasters/notesMaster1.xml><?xml version="1.0" encoding="utf-8"?>
+<p:notesMaster xmlns:a="http://schemas.openxmlformats.org/drawingml/2006/main" xmlns:r="http://schemas.openxmlformats.org/officeDocument/2006/relationships" xmlns:p="http://schemas.openxmlformats.org/presentationml/2006/main">
+  <p:cSld>
+    <p:bg>
+      <p:bgRef idx="1001">
+        <a:schemeClr val="bg1"/>
+      </p:bgRef>
+    </p:bg>
+    <p:spTree>
+      <p:nvGrpSpPr>
+        <p:cNvPr id="1" name=""/>
+        <p:cNvGrpSpPr/>
+        <p:nvPr/>
+      </p:nvGrpSpPr>
+      <p:grpSpPr>
+        <a:xfrm>
+          <a:off x="0" y="0"/>
+          <a:ext cx="0" cy="0"/>
+          <a:chOff x="0" y="0"/>
+          <a:chExt cx="0" cy="0"/>
+        </a:xfrm>
+      </p:grpSpPr>
+      <p:sp>
+        <p:nvSpPr>
+          <p:cNvPr id="2" name="Kopfzeilenplatzhalter 1"/>
+          <p:cNvSpPr>
+            <a:spLocks noGrp="1"/>
+          </p:cNvSpPr>
+          <p:nvPr>
+            <p:ph type="hdr" sz="quarter"/>
+          </p:nvPr>
+        </p:nvSpPr>
+        <p:spPr>
+          <a:xfrm>
+            <a:off x="0" y="0"/>
+            <a:ext cx="2971800" cy="458788"/>
+          </a:xfrm>
+          <a:prstGeom prst="rect">
+            <a:avLst/>
+          </a:prstGeom>
+        </p:spPr>
+        <p:txBody>
+          <a:bodyPr vert="horz" lIns="91440" tIns="45720" rIns="91440" bIns="45720" rtlCol="0"/>
+          <a:lstStyle>
+            <a:lvl1pPr algn="l">
+              <a:defRPr sz="1200"/>
+            </a:lvl1pPr>
+          </a:lstStyle>
+          <a:p>
+            <a:endParaRPr lang="de-DE"/>
+          </a:p>
+        </p:txBody>
+      </p:sp>
+      <p:sp>
+        <p:nvSpPr>
+          <p:cNvPr id="3" name="Datumsplatzhalter 2"/>
+          <p:cNvSpPr>
+            <a:spLocks noGrp="1"/>
+          </p:cNvSpPr>
+          <p:nvPr>
+            <p:ph type="dt" idx="1"/>
+          </p:nvPr>
+        </p:nvSpPr>
+        <p:spPr>
+          <a:xfrm>
+            <a:off x="3884613" y="0"/>
+            <a:ext cx="2971800" cy="458788"/>
+          </a:xfrm>
+          <a:prstGeom prst="rect">
+            <a:avLst/>
+          </a:prstGeom>
+        </p:spPr>
+        <p:txBody>
+          <a:bodyPr vert="horz" lIns="91440" tIns="45720" rIns="91440" bIns="45720" rtlCol="0"/>
+          <a:lstStyle>
+            <a:lvl1pPr algn="r">
+              <a:defRPr sz="1200"/>
+            </a:lvl1pPr>
+          </a:lstStyle>
+          <a:p>
+            <a:fld id="{099B0C14-BA6B-429A-881A-4F6393D808C3}" type="datetimeFigureOut">
+              <a:rPr lang="de-DE" smtClean="0"/>
+              <a:t>25.10.2024</a:t>
+            </a:fld>
+            <a:endParaRPr lang="de-DE"/>
+          </a:p>
+        </p:txBody>
+      </p:sp>
+      <p:sp>
+        <p:nvSpPr>
+          <p:cNvPr id="4" name="Folienbildplatzhalter 3"/>
+          <p:cNvSpPr>
+            <a:spLocks noGrp="1" noRot="1" noChangeAspect="1"/>
+          </p:cNvSpPr>
+          <p:nvPr>
+            <p:ph type="sldImg" idx="2"/>
+          </p:nvPr>
+        </p:nvSpPr>
+        <p:spPr>
+          <a:xfrm>
+            <a:off x="685800" y="1143000"/>
+            <a:ext cx="5486400" cy="3086100"/>
+          </a:xfrm>
+          <a:prstGeom prst="rect">
+            <a:avLst/>
+          </a:prstGeom>
+          <a:noFill/>
+          <a:ln w="12700">
+            <a:solidFill>
+              <a:prstClr val="black"/>
+            </a:solidFill>
+          </a:ln>
+        </p:spPr>
+        <p:txBody>
+          <a:bodyPr vert="horz" lIns="91440" tIns="45720" rIns="91440" bIns="45720" rtlCol="0" anchor="ctr"/>
+          <a:lstStyle/>
+          <a:p>
+            <a:endParaRPr lang="de-DE"/>
+          </a:p>
+        </p:txBody>
+      </p:sp>
+      <p:sp>
+        <p:nvSpPr>
+          <p:cNvPr id="5" name="Notizenplatzhalter 4"/>
+          <p:cNvSpPr>
+            <a:spLocks noGrp="1"/>
+          </p:cNvSpPr>
+          <p:nvPr>
+            <p:ph type="body" sz="quarter" idx="3"/>
+          </p:nvPr>
+        </p:nvSpPr>
+        <p:spPr>
+          <a:xfrm>
+            <a:off x="685800" y="4400550"/>
+            <a:ext cx="5486400" cy="3600450"/>
+          </a:xfrm>
+          <a:prstGeom prst="rect">
+            <a:avLst/>
+          </a:prstGeom>
+        </p:spPr>
+        <p:txBody>
+          <a:bodyPr vert="horz" lIns="91440" tIns="45720" rIns="91440" bIns="45720" rtlCol="0"/>
+          <a:lstStyle/>
+          <a:p>
+            <a:pPr lvl="0"/>
+            <a:r>
+              <a:rPr lang="de-DE"/>
+              <a:t>Mastertextformat bearbeiten</a:t>
+            </a:r>
+          </a:p>
+          <a:p>
+            <a:pPr lvl="1"/>
+            <a:r>
+              <a:rPr lang="de-DE"/>
+              <a:t>Zweite Ebene</a:t>
+            </a:r>
+          </a:p>
+          <a:p>
+            <a:pPr lvl="2"/>
+            <a:r>
+              <a:rPr lang="de-DE"/>
+              <a:t>Dritte Ebene</a:t>
+            </a:r>
+          </a:p>
+          <a:p>
+            <a:pPr lvl="3"/>
+            <a:r>
+              <a:rPr lang="de-DE"/>
+              <a:t>Vierte Ebene</a:t>
+            </a:r>
+          </a:p>
+          <a:p>
+            <a:pPr lvl="4"/>
+            <a:r>
+              <a:rPr lang="de-DE"/>
+              <a:t>Fünfte Ebene</a:t>
+            </a:r>
+          </a:p>
+        </p:txBody>
+      </p:sp>
+      <p:sp>
+        <p:nvSpPr>
+          <p:cNvPr id="6" name="Fußzeilenplatzhalter 5"/>
+          <p:cNvSpPr>
+            <a:spLocks noGrp="1"/>
+          </p:cNvSpPr>
+          <p:nvPr>
+            <p:ph type="ftr" sz="quarter" idx="4"/>
+          </p:nvPr>
+        </p:nvSpPr>
+        <p:spPr>
+          <a:xfrm>
+            <a:off x="0" y="8685213"/>
+            <a:ext cx="2971800" cy="458787"/>
+          </a:xfrm>
+          <a:prstGeom prst="rect">
+            <a:avLst/>
+          </a:prstGeom>
+        </p:spPr>
+        <p:txBody>
+          <a:bodyPr vert="horz" lIns="91440" tIns="45720" rIns="91440" bIns="45720" rtlCol="0" anchor="b"/>
+          <a:lstStyle>
+            <a:lvl1pPr algn="l">
+              <a:defRPr sz="1200"/>
+            </a:lvl1pPr>
+          </a:lstStyle>
+          <a:p>
+            <a:endParaRPr lang="de-DE"/>
+          </a:p>
+        </p:txBody>
+      </p:sp>
+      <p:sp>
+        <p:nvSpPr>
+          <p:cNvPr id="7" name="Foliennummernplatzhalter 6"/>
+          <p:cNvSpPr>
+            <a:spLocks noGrp="1"/>
+          </p:cNvSpPr>
+          <p:nvPr>
+            <p:ph type="sldNum" sz="quarter" idx="5"/>
+          </p:nvPr>
+        </p:nvSpPr>
+        <p:spPr>
+          <a:xfrm>
+            <a:off x="3884613" y="8685213"/>
+            <a:ext cx="2971800" cy="458787"/>
+          </a:xfrm>
+          <a:prstGeom prst="rect">
+            <a:avLst/>
+          </a:prstGeom>
+        </p:spPr>
+        <p:txBody>
+          <a:bodyPr vert="horz" lIns="91440" tIns="45720" rIns="91440" bIns="45720" rtlCol="0" anchor="b"/>
+          <a:lstStyle>
+            <a:lvl1pPr algn="r">
+              <a:defRPr sz="1200"/>
+            </a:lvl1pPr>
+          </a:lstStyle>
+          <a:p>
+            <a:fld id="{EB463D94-89EE-49D5-B83C-D8AF2FE5D3B4}" type="slidenum">
+              <a:rPr lang="de-DE" smtClean="0"/>
+              <a:t>‹Nr.›</a:t>
+            </a:fld>
+            <a:endParaRPr lang="de-DE"/>
+          </a:p>
+        </p:txBody>
+      </p:sp>
+    </p:spTree>
+    <p:extLst>
+      <p:ext uri="{BB962C8B-B14F-4D97-AF65-F5344CB8AC3E}">
+        <p14:creationId xmlns:p14="http://schemas.microsoft.com/office/powerpoint/2010/main" val="4004391145"/>
+      </p:ext>
+    </p:extLst>
+  </p:cSld>
+  <p:clrMap bg1="lt1" tx1="dk1" bg2="lt2" tx2="dk2" accent1="accent1" accent2="accent2" accent3="accent3" accent4="accent4" accent5="accent5" accent6="accent6" hlink="hlink" folHlink="folHlink"/>
+  <p:notesStyle>
+    <a:lvl1pPr marL="0" algn="l" defTabSz="914400" rtl="0" eaLnBrk="1" latinLnBrk="0" hangingPunct="1">
+      <a:defRPr sz="1200" kern="1200">
+        <a:solidFill>
+          <a:schemeClr val="tx1"/>
+        </a:solidFill>
+        <a:latin typeface="+mn-lt"/>
+        <a:ea typeface="+mn-ea"/>
+        <a:cs typeface="+mn-cs"/>
+      </a:defRPr>
+    </a:lvl1pPr>
+    <a:lvl2pPr marL="457200" algn="l" defTabSz="914400" rtl="0" eaLnBrk="1" latinLnBrk="0" hangingPunct="1">
+      <a:defRPr sz="1200" kern="1200">
+        <a:solidFill>
+          <a:schemeClr val="tx1"/>
+        </a:solidFill>
+        <a:latin typeface="+mn-lt"/>
+        <a:ea typeface="+mn-ea"/>
+        <a:cs typeface="+mn-cs"/>
+      </a:defRPr>
+    </a:lvl2pPr>
+    <a:lvl3pPr marL="914400" algn="l" defTabSz="914400" rtl="0" eaLnBrk="1" latinLnBrk="0" hangingPunct="1">
+      <a:defRPr sz="1200" kern="1200">
+        <a:solidFill>
+          <a:schemeClr val="tx1"/>
+        </a:solidFill>
+        <a:latin typeface="+mn-lt"/>
+        <a:ea typeface="+mn-ea"/>
+        <a:cs typeface="+mn-cs"/>
+      </a:defRPr>
+    </a:lvl3pPr>
+    <a:lvl4pPr marL="1371600" algn="l" defTabSz="914400" rtl="0" eaLnBrk="1" latinLnBrk="0" hangingPunct="1">
+      <a:defRPr sz="1200" kern="1200">
+        <a:solidFill>
+          <a:schemeClr val="tx1"/>
+        </a:solidFill>
+        <a:latin typeface="+mn-lt"/>
+        <a:ea typeface="+mn-ea"/>
+        <a:cs typeface="+mn-cs"/>
+      </a:defRPr>
+    </a:lvl4pPr>
+    <a:lvl5pPr marL="1828800" algn="l" defTabSz="914400" rtl="0" eaLnBrk="1" latinLnBrk="0" hangingPunct="1">
+      <a:defRPr sz="1200" kern="1200">
+        <a:solidFill>
+          <a:schemeClr val="tx1"/>
+        </a:solidFill>
+        <a:latin typeface="+mn-lt"/>
+        <a:ea typeface="+mn-ea"/>
+        <a:cs typeface="+mn-cs"/>
+      </a:defRPr>
+    </a:lvl5pPr>
+    <a:lvl6pPr marL="2286000" algn="l" defTabSz="914400" rtl="0" eaLnBrk="1" latinLnBrk="0" hangingPunct="1">
+      <a:defRPr sz="1200" kern="1200">
+        <a:solidFill>
+          <a:schemeClr val="tx1"/>
+        </a:solidFill>
+        <a:latin typeface="+mn-lt"/>
+        <a:ea typeface="+mn-ea"/>
+        <a:cs typeface="+mn-cs"/>
+      </a:defRPr>
+    </a:lvl6pPr>
+    <a:lvl7pPr marL="2743200" algn="l" defTabSz="914400" rtl="0" eaLnBrk="1" latinLnBrk="0" hangingPunct="1">
+      <a:defRPr sz="1200" kern="1200">
+        <a:solidFill>
+          <a:schemeClr val="tx1"/>
+        </a:solidFill>
+        <a:latin typeface="+mn-lt"/>
+        <a:ea typeface="+mn-ea"/>
+        <a:cs typeface="+mn-cs"/>
+      </a:defRPr>
+    </a:lvl7pPr>
+    <a:lvl8pPr marL="3200400" algn="l" defTabSz="914400" rtl="0" eaLnBrk="1" latinLnBrk="0" hangingPunct="1">
+      <a:defRPr sz="1200" kern="1200">
+        <a:solidFill>
+          <a:schemeClr val="tx1"/>
+        </a:solidFill>
+        <a:latin typeface="+mn-lt"/>
+        <a:ea typeface="+mn-ea"/>
+        <a:cs typeface="+mn-cs"/>
+      </a:defRPr>
+    </a:lvl8pPr>
+    <a:lvl9pPr marL="3657600" algn="l" defTabSz="914400" rtl="0" eaLnBrk="1" latinLnBrk="0" hangingPunct="1">
+      <a:defRPr sz="1200" kern="1200">
+        <a:solidFill>
+          <a:schemeClr val="tx1"/>
+        </a:solidFill>
+        <a:latin typeface="+mn-lt"/>
+        <a:ea typeface="+mn-ea"/>
+        <a:cs typeface="+mn-cs"/>
+      </a:defRPr>
+    </a:lvl9pPr>
+  </p:notesStyle>
+</p:notesMaster>
+</file>
+
+<file path=ppt/notesSlides/notesSlide1.xml><?xml version="1.0" encoding="utf-8"?>
+<p:notes xmlns:a="http://schemas.openxmlformats.org/drawingml/2006/main" xmlns:r="http://schemas.openxmlformats.org/officeDocument/2006/relationships" xmlns:p="http://schemas.openxmlformats.org/presentationml/2006/main">
+  <p:cSld>
+    <p:spTree>
+      <p:nvGrpSpPr>
+        <p:cNvPr id="1" name=""/>
+        <p:cNvGrpSpPr/>
+        <p:nvPr/>
+      </p:nvGrpSpPr>
+      <p:grpSpPr>
+        <a:xfrm>
+          <a:off x="0" y="0"/>
+          <a:ext cx="0" cy="0"/>
+          <a:chOff x="0" y="0"/>
+          <a:chExt cx="0" cy="0"/>
+        </a:xfrm>
+      </p:grpSpPr>
+      <p:sp>
+        <p:nvSpPr>
+          <p:cNvPr id="2" name="Folienbildplatzhalter 1"/>
+          <p:cNvSpPr>
+            <a:spLocks noGrp="1" noRot="1" noChangeAspect="1"/>
+          </p:cNvSpPr>
+          <p:nvPr>
+            <p:ph type="sldImg"/>
+          </p:nvPr>
+        </p:nvSpPr>
+        <p:spPr/>
+      </p:sp>
+      <p:sp>
+        <p:nvSpPr>
+          <p:cNvPr id="3" name="Notizenplatzhalter 2"/>
+          <p:cNvSpPr>
+            <a:spLocks noGrp="1"/>
+          </p:cNvSpPr>
+          <p:nvPr>
+            <p:ph type="body" idx="1"/>
+          </p:nvPr>
+        </p:nvSpPr>
+        <p:spPr/>
+        <p:txBody>
+          <a:bodyPr/>
+          <a:lstStyle/>
+          <a:p>
+            <a:endParaRPr lang="de-DE"/>
+          </a:p>
+        </p:txBody>
+      </p:sp>
+      <p:sp>
+        <p:nvSpPr>
+          <p:cNvPr id="4" name="Foliennummernplatzhalter 3"/>
+          <p:cNvSpPr>
+            <a:spLocks noGrp="1"/>
+          </p:cNvSpPr>
+          <p:nvPr>
+            <p:ph type="sldNum" sz="quarter" idx="5"/>
+          </p:nvPr>
+        </p:nvSpPr>
+        <p:spPr/>
+        <p:txBody>
+          <a:bodyPr/>
+          <a:lstStyle/>
+          <a:p>
+            <a:fld id="{EB463D94-89EE-49D5-B83C-D8AF2FE5D3B4}" type="slidenum">
+              <a:rPr lang="de-DE" smtClean="0"/>
+              <a:t>1</a:t>
+            </a:fld>
+            <a:endParaRPr lang="de-DE"/>
+          </a:p>
+        </p:txBody>
+      </p:sp>
+    </p:spTree>
+    <p:extLst>
+      <p:ext uri="{BB962C8B-B14F-4D97-AF65-F5344CB8AC3E}">
+        <p14:creationId xmlns:p14="http://schemas.microsoft.com/office/powerpoint/2010/main" val="1744701118"/>
+      </p:ext>
+    </p:extLst>
+  </p:cSld>
+  <p:clrMapOvr>
+    <a:masterClrMapping/>
+  </p:clrMapOvr>
+</p:notes>
+</file>
+
+<file path=ppt/notesSlides/notesSlide2.xml><?xml version="1.0" encoding="utf-8"?>
+<p:notes xmlns:a="http://schemas.openxmlformats.org/drawingml/2006/main" xmlns:r="http://schemas.openxmlformats.org/officeDocument/2006/relationships" xmlns:p="http://schemas.openxmlformats.org/presentationml/2006/main">
+  <p:cSld>
+    <p:spTree>
+      <p:nvGrpSpPr>
+        <p:cNvPr id="1" name=""/>
+        <p:cNvGrpSpPr/>
+        <p:nvPr/>
+      </p:nvGrpSpPr>
+      <p:grpSpPr>
+        <a:xfrm>
+          <a:off x="0" y="0"/>
+          <a:ext cx="0" cy="0"/>
+          <a:chOff x="0" y="0"/>
+          <a:chExt cx="0" cy="0"/>
+        </a:xfrm>
+      </p:grpSpPr>
+      <p:sp>
+        <p:nvSpPr>
+          <p:cNvPr id="2" name="Folienbildplatzhalter 1"/>
+          <p:cNvSpPr>
+            <a:spLocks noGrp="1" noRot="1" noChangeAspect="1"/>
+          </p:cNvSpPr>
+          <p:nvPr>
+            <p:ph type="sldImg"/>
+          </p:nvPr>
+        </p:nvSpPr>
+        <p:spPr/>
+      </p:sp>
+      <p:sp>
+        <p:nvSpPr>
+          <p:cNvPr id="3" name="Notizenplatzhalter 2"/>
+          <p:cNvSpPr>
+            <a:spLocks noGrp="1"/>
+          </p:cNvSpPr>
+          <p:nvPr>
+            <p:ph type="body" idx="1"/>
+          </p:nvPr>
+        </p:nvSpPr>
+        <p:spPr/>
+        <p:txBody>
+          <a:bodyPr/>
+          <a:lstStyle/>
+          <a:p>
+            <a:endParaRPr lang="de-DE" dirty="0"/>
+          </a:p>
+        </p:txBody>
+      </p:sp>
+      <p:sp>
+        <p:nvSpPr>
+          <p:cNvPr id="4" name="Foliennummernplatzhalter 3"/>
+          <p:cNvSpPr>
+            <a:spLocks noGrp="1"/>
+          </p:cNvSpPr>
+          <p:nvPr>
+            <p:ph type="sldNum" sz="quarter" idx="5"/>
+          </p:nvPr>
+        </p:nvSpPr>
+        <p:spPr/>
+        <p:txBody>
+          <a:bodyPr/>
+          <a:lstStyle/>
+          <a:p>
+            <a:fld id="{EB463D94-89EE-49D5-B83C-D8AF2FE5D3B4}" type="slidenum">
+              <a:rPr lang="de-DE" smtClean="0"/>
+              <a:t>5</a:t>
+            </a:fld>
+            <a:endParaRPr lang="de-DE"/>
+          </a:p>
+        </p:txBody>
+      </p:sp>
+    </p:spTree>
+    <p:extLst>
+      <p:ext uri="{BB962C8B-B14F-4D97-AF65-F5344CB8AC3E}">
+        <p14:creationId xmlns:p14="http://schemas.microsoft.com/office/powerpoint/2010/main" val="3315240825"/>
+      </p:ext>
+    </p:extLst>
+  </p:cSld>
+  <p:clrMapOvr>
+    <a:masterClrMapping/>
+  </p:clrMapOvr>
+</p:notes>
+</file>
+
+<file path=ppt/notesSlides/notesSlide3.xml><?xml version="1.0" encoding="utf-8"?>
+<p:notes xmlns:a="http://schemas.openxmlformats.org/drawingml/2006/main" xmlns:r="http://schemas.openxmlformats.org/officeDocument/2006/relationships" xmlns:p="http://schemas.openxmlformats.org/presentationml/2006/main">
+  <p:cSld>
+    <p:spTree>
+      <p:nvGrpSpPr>
+        <p:cNvPr id="1" name=""/>
+        <p:cNvGrpSpPr/>
+        <p:nvPr/>
+      </p:nvGrpSpPr>
+      <p:grpSpPr>
+        <a:xfrm>
+          <a:off x="0" y="0"/>
+          <a:ext cx="0" cy="0"/>
+          <a:chOff x="0" y="0"/>
+          <a:chExt cx="0" cy="0"/>
+        </a:xfrm>
+      </p:grpSpPr>
+      <p:sp>
+        <p:nvSpPr>
+          <p:cNvPr id="2" name="Folienbildplatzhalter 1"/>
+          <p:cNvSpPr>
+            <a:spLocks noGrp="1" noRot="1" noChangeAspect="1"/>
+          </p:cNvSpPr>
+          <p:nvPr>
+            <p:ph type="sldImg"/>
+          </p:nvPr>
+        </p:nvSpPr>
+        <p:spPr/>
+      </p:sp>
+      <p:sp>
+        <p:nvSpPr>
+          <p:cNvPr id="3" name="Notizenplatzhalter 2"/>
+          <p:cNvSpPr>
+            <a:spLocks noGrp="1"/>
+          </p:cNvSpPr>
+          <p:nvPr>
+            <p:ph type="body" idx="1"/>
+          </p:nvPr>
+        </p:nvSpPr>
+        <p:spPr/>
+        <p:txBody>
+          <a:bodyPr/>
+          <a:lstStyle/>
+          <a:p>
+            <a:r>
+              <a:rPr lang="de-DE" dirty="0"/>
+              <a:t>Wurde explizit mit dem Ziel gegründet, um einfach Motorsteuerung zu ermöglichen, ohne jedes mal einen kompletten PID-Controller zu schreiben</a:t>
+            </a:r>
+          </a:p>
+        </p:txBody>
+      </p:sp>
+      <p:sp>
+        <p:nvSpPr>
+          <p:cNvPr id="4" name="Foliennummernplatzhalter 3"/>
+          <p:cNvSpPr>
+            <a:spLocks noGrp="1"/>
+          </p:cNvSpPr>
+          <p:nvPr>
+            <p:ph type="sldNum" sz="quarter" idx="5"/>
+          </p:nvPr>
+        </p:nvSpPr>
+        <p:spPr/>
+        <p:txBody>
+          <a:bodyPr/>
+          <a:lstStyle/>
+          <a:p>
+            <a:fld id="{EB463D94-89EE-49D5-B83C-D8AF2FE5D3B4}" type="slidenum">
+              <a:rPr lang="de-DE" smtClean="0"/>
+              <a:t>16</a:t>
+            </a:fld>
+            <a:endParaRPr lang="de-DE"/>
+          </a:p>
+        </p:txBody>
+      </p:sp>
+    </p:spTree>
+    <p:extLst>
+      <p:ext uri="{BB962C8B-B14F-4D97-AF65-F5344CB8AC3E}">
+        <p14:creationId xmlns:p14="http://schemas.microsoft.com/office/powerpoint/2010/main" val="3030708624"/>
+      </p:ext>
+    </p:extLst>
+  </p:cSld>
+  <p:clrMapOvr>
+    <a:masterClrMapping/>
+  </p:clrMapOvr>
+</p:notes>
+</file>
+
+<file path=ppt/notesSlides/notesSlide4.xml><?xml version="1.0" encoding="utf-8"?>
+<p:notes xmlns:a="http://schemas.openxmlformats.org/drawingml/2006/main" xmlns:r="http://schemas.openxmlformats.org/officeDocument/2006/relationships" xmlns:p="http://schemas.openxmlformats.org/presentationml/2006/main">
+  <p:cSld>
+    <p:spTree>
+      <p:nvGrpSpPr>
+        <p:cNvPr id="1" name=""/>
+        <p:cNvGrpSpPr/>
+        <p:nvPr/>
+      </p:nvGrpSpPr>
+      <p:grpSpPr>
+        <a:xfrm>
+          <a:off x="0" y="0"/>
+          <a:ext cx="0" cy="0"/>
+          <a:chOff x="0" y="0"/>
+          <a:chExt cx="0" cy="0"/>
+        </a:xfrm>
+      </p:grpSpPr>
+      <p:sp>
+        <p:nvSpPr>
+          <p:cNvPr id="2" name="Folienbildplatzhalter 1"/>
+          <p:cNvSpPr>
+            <a:spLocks noGrp="1" noRot="1" noChangeAspect="1"/>
+          </p:cNvSpPr>
+          <p:nvPr>
+            <p:ph type="sldImg"/>
+          </p:nvPr>
+        </p:nvSpPr>
+        <p:spPr/>
+      </p:sp>
+      <p:sp>
+        <p:nvSpPr>
+          <p:cNvPr id="3" name="Notizenplatzhalter 2"/>
+          <p:cNvSpPr>
+            <a:spLocks noGrp="1"/>
+          </p:cNvSpPr>
+          <p:nvPr>
+            <p:ph type="body" idx="1"/>
+          </p:nvPr>
+        </p:nvSpPr>
+        <p:spPr/>
+        <p:txBody>
+          <a:bodyPr/>
+          <a:lstStyle/>
+          <a:p>
+            <a:r>
+              <a:rPr lang="de-DE" dirty="0"/>
+              <a:t>Sobald man die </a:t>
+            </a:r>
+            <a:r>
+              <a:rPr lang="de-DE" dirty="0" err="1"/>
+              <a:t>Drivebase</a:t>
+            </a:r>
+            <a:r>
+              <a:rPr lang="de-DE" dirty="0"/>
+              <a:t> als Objekt initialisiert hat, kann man es jederzeit wieder aufrufen, um verschiedene Bewegungen aufzurufen.</a:t>
+            </a:r>
+          </a:p>
+          <a:p>
+            <a:endParaRPr lang="de-DE" dirty="0"/>
+          </a:p>
+        </p:txBody>
+      </p:sp>
+      <p:sp>
+        <p:nvSpPr>
+          <p:cNvPr id="4" name="Foliennummernplatzhalter 3"/>
+          <p:cNvSpPr>
+            <a:spLocks noGrp="1"/>
+          </p:cNvSpPr>
+          <p:nvPr>
+            <p:ph type="sldNum" sz="quarter" idx="5"/>
+          </p:nvPr>
+        </p:nvSpPr>
+        <p:spPr/>
+        <p:txBody>
+          <a:bodyPr/>
+          <a:lstStyle/>
+          <a:p>
+            <a:fld id="{EB463D94-89EE-49D5-B83C-D8AF2FE5D3B4}" type="slidenum">
+              <a:rPr lang="de-DE" smtClean="0"/>
+              <a:t>20</a:t>
+            </a:fld>
+            <a:endParaRPr lang="de-DE"/>
+          </a:p>
+        </p:txBody>
+      </p:sp>
+    </p:spTree>
+    <p:extLst>
+      <p:ext uri="{BB962C8B-B14F-4D97-AF65-F5344CB8AC3E}">
+        <p14:creationId xmlns:p14="http://schemas.microsoft.com/office/powerpoint/2010/main" val="456690427"/>
+      </p:ext>
+    </p:extLst>
+  </p:cSld>
+  <p:clrMapOvr>
+    <a:masterClrMapping/>
+  </p:clrMapOvr>
+</p:notes>
+</file>
+
+<file path=ppt/notesSlides/notesSlide5.xml><?xml version="1.0" encoding="utf-8"?>
+<p:notes xmlns:a="http://schemas.openxmlformats.org/drawingml/2006/main" xmlns:r="http://schemas.openxmlformats.org/officeDocument/2006/relationships" xmlns:p="http://schemas.openxmlformats.org/presentationml/2006/main">
+  <p:cSld>
+    <p:spTree>
+      <p:nvGrpSpPr>
+        <p:cNvPr id="1" name=""/>
+        <p:cNvGrpSpPr/>
+        <p:nvPr/>
+      </p:nvGrpSpPr>
+      <p:grpSpPr>
+        <a:xfrm>
+          <a:off x="0" y="0"/>
+          <a:ext cx="0" cy="0"/>
+          <a:chOff x="0" y="0"/>
+          <a:chExt cx="0" cy="0"/>
+        </a:xfrm>
+      </p:grpSpPr>
+      <p:sp>
+        <p:nvSpPr>
+          <p:cNvPr id="2" name="Folienbildplatzhalter 1"/>
+          <p:cNvSpPr>
+            <a:spLocks noGrp="1" noRot="1" noChangeAspect="1"/>
+          </p:cNvSpPr>
+          <p:nvPr>
+            <p:ph type="sldImg"/>
+          </p:nvPr>
+        </p:nvSpPr>
+        <p:spPr/>
+      </p:sp>
+      <p:sp>
+        <p:nvSpPr>
+          <p:cNvPr id="3" name="Notizenplatzhalter 2"/>
+          <p:cNvSpPr>
+            <a:spLocks noGrp="1"/>
+          </p:cNvSpPr>
+          <p:nvPr>
+            <p:ph type="body" idx="1"/>
+          </p:nvPr>
+        </p:nvSpPr>
+        <p:spPr/>
+        <p:txBody>
+          <a:bodyPr/>
+          <a:lstStyle/>
+          <a:p>
+            <a:r>
+              <a:rPr lang="de-DE" dirty="0"/>
+              <a:t>Kennen wir es nicht alle?</a:t>
+            </a:r>
+          </a:p>
+        </p:txBody>
+      </p:sp>
+      <p:sp>
+        <p:nvSpPr>
+          <p:cNvPr id="4" name="Foliennummernplatzhalter 3"/>
+          <p:cNvSpPr>
+            <a:spLocks noGrp="1"/>
+          </p:cNvSpPr>
+          <p:nvPr>
+            <p:ph type="sldNum" sz="quarter" idx="5"/>
+          </p:nvPr>
+        </p:nvSpPr>
+        <p:spPr/>
+        <p:txBody>
+          <a:bodyPr/>
+          <a:lstStyle/>
+          <a:p>
+            <a:fld id="{EB463D94-89EE-49D5-B83C-D8AF2FE5D3B4}" type="slidenum">
+              <a:rPr lang="de-DE" smtClean="0"/>
+              <a:t>26</a:t>
+            </a:fld>
+            <a:endParaRPr lang="de-DE"/>
+          </a:p>
+        </p:txBody>
+      </p:sp>
+    </p:spTree>
+    <p:extLst>
+      <p:ext uri="{BB962C8B-B14F-4D97-AF65-F5344CB8AC3E}">
+        <p14:creationId xmlns:p14="http://schemas.microsoft.com/office/powerpoint/2010/main" val="3808348575"/>
+      </p:ext>
+    </p:extLst>
+  </p:cSld>
+  <p:clrMapOvr>
+    <a:masterClrMapping/>
+  </p:clrMapOvr>
+</p:notes>
+</file>
+
+<file path=ppt/notesSlides/notesSlide6.xml><?xml version="1.0" encoding="utf-8"?>
+<p:notes xmlns:a="http://schemas.openxmlformats.org/drawingml/2006/main" xmlns:r="http://schemas.openxmlformats.org/officeDocument/2006/relationships" xmlns:p="http://schemas.openxmlformats.org/presentationml/2006/main">
+  <p:cSld>
+    <p:spTree>
+      <p:nvGrpSpPr>
+        <p:cNvPr id="1" name=""/>
+        <p:cNvGrpSpPr/>
+        <p:nvPr/>
+      </p:nvGrpSpPr>
+      <p:grpSpPr>
+        <a:xfrm>
+          <a:off x="0" y="0"/>
+          <a:ext cx="0" cy="0"/>
+          <a:chOff x="0" y="0"/>
+          <a:chExt cx="0" cy="0"/>
+        </a:xfrm>
+      </p:grpSpPr>
+      <p:sp>
+        <p:nvSpPr>
+          <p:cNvPr id="2" name="Folienbildplatzhalter 1"/>
+          <p:cNvSpPr>
+            <a:spLocks noGrp="1" noRot="1" noChangeAspect="1"/>
+          </p:cNvSpPr>
+          <p:nvPr>
+            <p:ph type="sldImg"/>
+          </p:nvPr>
+        </p:nvSpPr>
+        <p:spPr/>
+      </p:sp>
+      <p:sp>
+        <p:nvSpPr>
+          <p:cNvPr id="3" name="Notizenplatzhalter 2"/>
+          <p:cNvSpPr>
+            <a:spLocks noGrp="1"/>
+          </p:cNvSpPr>
+          <p:nvPr>
+            <p:ph type="body" idx="1"/>
+          </p:nvPr>
+        </p:nvSpPr>
+        <p:spPr/>
+        <p:txBody>
+          <a:bodyPr/>
+          <a:lstStyle/>
+          <a:p>
+            <a:r>
+              <a:rPr lang="de-DE" dirty="0"/>
+              <a:t>Commit = Projektversion</a:t>
+            </a:r>
+          </a:p>
+        </p:txBody>
+      </p:sp>
+      <p:sp>
+        <p:nvSpPr>
+          <p:cNvPr id="4" name="Foliennummernplatzhalter 3"/>
+          <p:cNvSpPr>
+            <a:spLocks noGrp="1"/>
+          </p:cNvSpPr>
+          <p:nvPr>
+            <p:ph type="sldNum" sz="quarter" idx="5"/>
+          </p:nvPr>
+        </p:nvSpPr>
+        <p:spPr/>
+        <p:txBody>
+          <a:bodyPr/>
+          <a:lstStyle/>
+          <a:p>
+            <a:fld id="{EB463D94-89EE-49D5-B83C-D8AF2FE5D3B4}" type="slidenum">
+              <a:rPr lang="de-DE" smtClean="0"/>
+              <a:t>28</a:t>
+            </a:fld>
+            <a:endParaRPr lang="de-DE"/>
+          </a:p>
+        </p:txBody>
+      </p:sp>
+    </p:spTree>
+    <p:extLst>
+      <p:ext uri="{BB962C8B-B14F-4D97-AF65-F5344CB8AC3E}">
+        <p14:creationId xmlns:p14="http://schemas.microsoft.com/office/powerpoint/2010/main" val="2201835714"/>
+      </p:ext>
+    </p:extLst>
+  </p:cSld>
+  <p:clrMapOvr>
+    <a:masterClrMapping/>
+  </p:clrMapOvr>
+</p:notes>
+</file>
+
 <file path=ppt/slideLayouts/slideLayout1.xml><?xml version="1.0" encoding="utf-8"?>
 <p:sldLayout xmlns:a="http://schemas.openxmlformats.org/drawingml/2006/main" xmlns:r="http://schemas.openxmlformats.org/officeDocument/2006/relationships" xmlns:p="http://schemas.openxmlformats.org/presentationml/2006/main" type="title" preserve="1">
   <p:cSld name="Titelfolie">
@@ -3474,7 +4400,7 @@
           <a:p>
             <a:fld id="{01D46148-9C8E-4B79-A077-52CCDB86EE5D}" type="datetimeFigureOut">
               <a:rPr lang="de-DE" smtClean="0"/>
-              <a:t>24.10.2024</a:t>
+              <a:t>25.10.2024</a:t>
             </a:fld>
             <a:endParaRPr lang="de-DE"/>
           </a:p>
@@ -3672,7 +4598,7 @@
           <a:p>
             <a:fld id="{01D46148-9C8E-4B79-A077-52CCDB86EE5D}" type="datetimeFigureOut">
               <a:rPr lang="de-DE" smtClean="0"/>
-              <a:t>24.10.2024</a:t>
+              <a:t>25.10.2024</a:t>
             </a:fld>
             <a:endParaRPr lang="de-DE"/>
           </a:p>
@@ -3880,7 +4806,7 @@
           <a:p>
             <a:fld id="{01D46148-9C8E-4B79-A077-52CCDB86EE5D}" type="datetimeFigureOut">
               <a:rPr lang="de-DE" smtClean="0"/>
-              <a:t>24.10.2024</a:t>
+              <a:t>25.10.2024</a:t>
             </a:fld>
             <a:endParaRPr lang="de-DE"/>
           </a:p>
@@ -4078,7 +5004,7 @@
           <a:p>
             <a:fld id="{01D46148-9C8E-4B79-A077-52CCDB86EE5D}" type="datetimeFigureOut">
               <a:rPr lang="de-DE" smtClean="0"/>
-              <a:t>24.10.2024</a:t>
+              <a:t>25.10.2024</a:t>
             </a:fld>
             <a:endParaRPr lang="de-DE"/>
           </a:p>
@@ -4353,7 +5279,7 @@
           <a:p>
             <a:fld id="{01D46148-9C8E-4B79-A077-52CCDB86EE5D}" type="datetimeFigureOut">
               <a:rPr lang="de-DE" smtClean="0"/>
-              <a:t>24.10.2024</a:t>
+              <a:t>25.10.2024</a:t>
             </a:fld>
             <a:endParaRPr lang="de-DE"/>
           </a:p>
@@ -4618,7 +5544,7 @@
           <a:p>
             <a:fld id="{01D46148-9C8E-4B79-A077-52CCDB86EE5D}" type="datetimeFigureOut">
               <a:rPr lang="de-DE" smtClean="0"/>
-              <a:t>24.10.2024</a:t>
+              <a:t>25.10.2024</a:t>
             </a:fld>
             <a:endParaRPr lang="de-DE"/>
           </a:p>
@@ -5030,7 +5956,7 @@
           <a:p>
             <a:fld id="{01D46148-9C8E-4B79-A077-52CCDB86EE5D}" type="datetimeFigureOut">
               <a:rPr lang="de-DE" smtClean="0"/>
-              <a:t>24.10.2024</a:t>
+              <a:t>25.10.2024</a:t>
             </a:fld>
             <a:endParaRPr lang="de-DE"/>
           </a:p>
@@ -5171,7 +6097,7 @@
           <a:p>
             <a:fld id="{01D46148-9C8E-4B79-A077-52CCDB86EE5D}" type="datetimeFigureOut">
               <a:rPr lang="de-DE" smtClean="0"/>
-              <a:t>24.10.2024</a:t>
+              <a:t>25.10.2024</a:t>
             </a:fld>
             <a:endParaRPr lang="de-DE"/>
           </a:p>
@@ -5284,7 +6210,7 @@
           <a:p>
             <a:fld id="{01D46148-9C8E-4B79-A077-52CCDB86EE5D}" type="datetimeFigureOut">
               <a:rPr lang="de-DE" smtClean="0"/>
-              <a:t>24.10.2024</a:t>
+              <a:t>25.10.2024</a:t>
             </a:fld>
             <a:endParaRPr lang="de-DE"/>
           </a:p>
@@ -5595,7 +6521,7 @@
           <a:p>
             <a:fld id="{01D46148-9C8E-4B79-A077-52CCDB86EE5D}" type="datetimeFigureOut">
               <a:rPr lang="de-DE" smtClean="0"/>
-              <a:t>24.10.2024</a:t>
+              <a:t>25.10.2024</a:t>
             </a:fld>
             <a:endParaRPr lang="de-DE"/>
           </a:p>
@@ -5883,7 +6809,7 @@
           <a:p>
             <a:fld id="{01D46148-9C8E-4B79-A077-52CCDB86EE5D}" type="datetimeFigureOut">
               <a:rPr lang="de-DE" smtClean="0"/>
-              <a:t>24.10.2024</a:t>
+              <a:t>25.10.2024</a:t>
             </a:fld>
             <a:endParaRPr lang="de-DE"/>
           </a:p>
@@ -6124,7 +7050,7 @@
           <a:p>
             <a:fld id="{01D46148-9C8E-4B79-A077-52CCDB86EE5D}" type="datetimeFigureOut">
               <a:rPr lang="de-DE" smtClean="0"/>
-              <a:t>24.10.2024</a:t>
+              <a:t>25.10.2024</a:t>
             </a:fld>
             <a:endParaRPr lang="de-DE"/>
           </a:p>
@@ -6570,7 +7496,15 @@
                 <a:effectLst/>
                 <a:latin typeface="Berlin Sans FB Demi" panose="020E0802020502020306" pitchFamily="34" charset="0"/>
               </a:rPr>
-              <a:t>Wechsel von Scratch zu Python (</a:t>
+              <a:t>Wechsel von Scratch zu Python (Pybricks + </a:t>
+            </a:r>
+            <a:r>
+              <a:rPr lang="de-DE" b="1" dirty="0" err="1">
+                <a:solidFill>
+                  <a:srgbClr val="000000"/>
+                </a:solidFill>
+              </a:rPr>
+              <a:t>g</a:t>
             </a:r>
             <a:r>
               <a:rPr lang="de-DE" b="1" i="0" dirty="0" err="1">
@@ -6580,27 +7514,7 @@
                 <a:effectLst/>
                 <a:latin typeface="Berlin Sans FB Demi" panose="020E0802020502020306" pitchFamily="34" charset="0"/>
               </a:rPr>
-              <a:t>Pybricks</a:t>
-            </a:r>
-            <a:r>
-              <a:rPr lang="de-DE" b="1" i="0" dirty="0">
-                <a:solidFill>
-                  <a:srgbClr val="000000"/>
-                </a:solidFill>
-                <a:effectLst/>
-                <a:latin typeface="Berlin Sans FB Demi" panose="020E0802020502020306" pitchFamily="34" charset="0"/>
-              </a:rPr>
-              <a:t> + </a:t>
-            </a:r>
-            <a:r>
-              <a:rPr lang="de-DE" b="1" i="0" dirty="0" err="1">
-                <a:solidFill>
-                  <a:srgbClr val="000000"/>
-                </a:solidFill>
-                <a:effectLst/>
-                <a:latin typeface="Berlin Sans FB Demi" panose="020E0802020502020306" pitchFamily="34" charset="0"/>
-              </a:rPr>
-              <a:t>Git</a:t>
+              <a:t>it</a:t>
             </a:r>
             <a:r>
               <a:rPr lang="de-DE" b="1" i="0" dirty="0">
@@ -6639,7 +7553,10 @@
           <a:bodyPr/>
           <a:lstStyle/>
           <a:p>
-            <a:endParaRPr lang="de-DE" dirty="0"/>
+            <a:r>
+              <a:rPr lang="de-DE" dirty="0"/>
+              <a:t>Ein Einblick in die Welt von Python &amp; Pybricks</a:t>
+            </a:r>
           </a:p>
         </p:txBody>
       </p:sp>
@@ -6673,12 +7590,70 @@
           <a:chExt cx="0" cy="0"/>
         </a:xfrm>
       </p:grpSpPr>
+      <p:sp>
+        <p:nvSpPr>
+          <p:cNvPr id="4" name="Titel 3">
+            <a:extLst>
+              <a:ext uri="{FF2B5EF4-FFF2-40B4-BE49-F238E27FC236}">
+                <a16:creationId xmlns:a16="http://schemas.microsoft.com/office/drawing/2014/main" id="{C6A31772-BF0E-FA32-BD92-E1FF5F5407F6}"/>
+              </a:ext>
+            </a:extLst>
+          </p:cNvPr>
+          <p:cNvSpPr>
+            <a:spLocks noGrp="1"/>
+          </p:cNvSpPr>
+          <p:nvPr>
+            <p:ph type="title"/>
+          </p:nvPr>
+        </p:nvSpPr>
+        <p:spPr/>
+        <p:txBody>
+          <a:bodyPr/>
+          <a:lstStyle/>
+          <a:p>
+            <a:r>
+              <a:rPr lang="de-DE" dirty="0"/>
+              <a:t>Python &amp; </a:t>
+            </a:r>
+            <a:r>
+              <a:rPr lang="de-DE" dirty="0" err="1"/>
+              <a:t>PyBricks</a:t>
+            </a:r>
+            <a:endParaRPr lang="de-DE" dirty="0"/>
+          </a:p>
+        </p:txBody>
+      </p:sp>
+      <p:sp>
+        <p:nvSpPr>
+          <p:cNvPr id="5" name="Textplatzhalter 4">
+            <a:extLst>
+              <a:ext uri="{FF2B5EF4-FFF2-40B4-BE49-F238E27FC236}">
+                <a16:creationId xmlns:a16="http://schemas.microsoft.com/office/drawing/2014/main" id="{1C76AAF9-6147-FEA2-8522-8B48B9A39AF6}"/>
+              </a:ext>
+            </a:extLst>
+          </p:cNvPr>
+          <p:cNvSpPr>
+            <a:spLocks noGrp="1"/>
+          </p:cNvSpPr>
+          <p:nvPr>
+            <p:ph type="body" idx="1"/>
+          </p:nvPr>
+        </p:nvSpPr>
+        <p:spPr/>
+        <p:txBody>
+          <a:bodyPr/>
+          <a:lstStyle/>
+          <a:p>
+            <a:endParaRPr lang="de-DE" dirty="0"/>
+          </a:p>
+        </p:txBody>
+      </p:sp>
       <p:pic>
         <p:nvPicPr>
-          <p:cNvPr id="7" name="Grafik 6" descr="Ein Bild, das Text, Schrift, Screenshot, Grafiken enthält.&#10;&#10;Automatisch generierte Beschreibung">
-            <a:extLst>
-              <a:ext uri="{FF2B5EF4-FFF2-40B4-BE49-F238E27FC236}">
-                <a16:creationId xmlns:a16="http://schemas.microsoft.com/office/drawing/2014/main" id="{FF0A3201-9E6F-0BA5-9290-4C3A7CF28365}"/>
+          <p:cNvPr id="6" name="Grafik 5">
+            <a:extLst>
+              <a:ext uri="{FF2B5EF4-FFF2-40B4-BE49-F238E27FC236}">
+                <a16:creationId xmlns:a16="http://schemas.microsoft.com/office/drawing/2014/main" id="{4EA5347D-C2BE-80FF-2469-641894A9B101}"/>
               </a:ext>
             </a:extLst>
           </p:cNvPr>
@@ -6690,8 +7665,8 @@
         <p:blipFill>
           <a:blip r:embed="rId2">
             <a:extLst>
-              <a:ext uri="{28A0092B-C50C-407E-A947-70E740481C1C}">
-                <a14:useLocalDpi xmlns:a14="http://schemas.microsoft.com/office/drawing/2010/main" val="0"/>
+              <a:ext uri="{96DAC541-7B7A-43D3-8B79-37D633B846F1}">
+                <asvg:svgBlip xmlns:asvg="http://schemas.microsoft.com/office/drawing/2016/SVG/main" r:embed="rId3"/>
               </a:ext>
             </a:extLst>
           </a:blip>
@@ -6701,8 +7676,44 @@
         </p:blipFill>
         <p:spPr>
           <a:xfrm>
-            <a:off x="7994853" y="2411820"/>
-            <a:ext cx="3765143" cy="3765143"/>
+            <a:off x="6174695" y="109595"/>
+            <a:ext cx="2757488" cy="3026511"/>
+          </a:xfrm>
+          <a:prstGeom prst="rect">
+            <a:avLst/>
+          </a:prstGeom>
+        </p:spPr>
+      </p:pic>
+      <p:pic>
+        <p:nvPicPr>
+          <p:cNvPr id="7" name="Grafik 6" descr="Ein Bild, das Grafiken, Logo, Electric Blue (Farbe), Schrift enthält.&#10;&#10;Automatisch generierte Beschreibung">
+            <a:extLst>
+              <a:ext uri="{FF2B5EF4-FFF2-40B4-BE49-F238E27FC236}">
+                <a16:creationId xmlns:a16="http://schemas.microsoft.com/office/drawing/2014/main" id="{B483452E-BC5E-D7B0-414E-94342EFCCB1E}"/>
+              </a:ext>
+            </a:extLst>
+          </p:cNvPr>
+          <p:cNvPicPr>
+            <a:picLocks noChangeAspect="1"/>
+          </p:cNvPicPr>
+          <p:nvPr/>
+        </p:nvPicPr>
+        <p:blipFill>
+          <a:blip r:embed="rId4">
+            <a:extLst>
+              <a:ext uri="{28A0092B-C50C-407E-A947-70E740481C1C}">
+                <a14:useLocalDpi xmlns:a14="http://schemas.microsoft.com/office/drawing/2010/main" val="0"/>
+              </a:ext>
+            </a:extLst>
+          </a:blip>
+          <a:stretch>
+            <a:fillRect/>
+          </a:stretch>
+        </p:blipFill>
+        <p:spPr>
+          <a:xfrm>
+            <a:off x="9220200" y="241299"/>
+            <a:ext cx="2714625" cy="2714625"/>
           </a:xfrm>
           <a:prstGeom prst="rect">
             <a:avLst/>
@@ -6714,94 +7725,51 @@
           </a:ln>
         </p:spPr>
       </p:pic>
-      <p:sp>
-        <p:nvSpPr>
-          <p:cNvPr id="2" name="Titel 1">
-            <a:extLst>
-              <a:ext uri="{FF2B5EF4-FFF2-40B4-BE49-F238E27FC236}">
-                <a16:creationId xmlns:a16="http://schemas.microsoft.com/office/drawing/2014/main" id="{4B41C677-2A14-641F-B82D-D1B6A56F4AB3}"/>
-              </a:ext>
-            </a:extLst>
-          </p:cNvPr>
-          <p:cNvSpPr>
-            <a:spLocks noGrp="1"/>
-          </p:cNvSpPr>
-          <p:nvPr>
-            <p:ph type="title"/>
-          </p:nvPr>
-        </p:nvSpPr>
+      <p:pic>
+        <p:nvPicPr>
+          <p:cNvPr id="8" name="Grafik 7" descr="Ein Bild, das Text, Schrift, Screenshot, Grafiken enthält.&#10;&#10;Automatisch generierte Beschreibung">
+            <a:extLst>
+              <a:ext uri="{FF2B5EF4-FFF2-40B4-BE49-F238E27FC236}">
+                <a16:creationId xmlns:a16="http://schemas.microsoft.com/office/drawing/2014/main" id="{C32F5122-77BA-08A6-E06E-BD56B22B6EF1}"/>
+              </a:ext>
+            </a:extLst>
+          </p:cNvPr>
+          <p:cNvPicPr>
+            <a:picLocks noChangeAspect="1"/>
+          </p:cNvPicPr>
+          <p:nvPr/>
+        </p:nvPicPr>
+        <p:blipFill>
+          <a:blip r:embed="rId5">
+            <a:extLst>
+              <a:ext uri="{28A0092B-C50C-407E-A947-70E740481C1C}">
+                <a14:useLocalDpi xmlns:a14="http://schemas.microsoft.com/office/drawing/2010/main" val="0"/>
+              </a:ext>
+            </a:extLst>
+          </a:blip>
+          <a:stretch>
+            <a:fillRect/>
+          </a:stretch>
+        </p:blipFill>
         <p:spPr>
           <a:xfrm>
-            <a:off x="838200" y="365125"/>
-            <a:ext cx="9039225" cy="1325563"/>
+            <a:off x="8932183" y="3435996"/>
+            <a:ext cx="3002642" cy="3002642"/>
           </a:xfrm>
+          <a:prstGeom prst="rect">
+            <a:avLst/>
+          </a:prstGeom>
+          <a:ln>
+            <a:solidFill>
+              <a:schemeClr val="tx1"/>
+            </a:solidFill>
+          </a:ln>
         </p:spPr>
-        <p:txBody>
-          <a:bodyPr/>
-          <a:lstStyle/>
-          <a:p>
-            <a:r>
-              <a:rPr lang="de-DE" b="1" dirty="0"/>
-              <a:t>LEGO® Education SPIKE™ Prime</a:t>
-            </a:r>
-          </a:p>
-        </p:txBody>
-      </p:sp>
-      <p:sp>
-        <p:nvSpPr>
-          <p:cNvPr id="3" name="Inhaltsplatzhalter 2">
-            <a:extLst>
-              <a:ext uri="{FF2B5EF4-FFF2-40B4-BE49-F238E27FC236}">
-                <a16:creationId xmlns:a16="http://schemas.microsoft.com/office/drawing/2014/main" id="{FE4EA41C-5F20-E422-B49F-7D559D1CB309}"/>
-              </a:ext>
-            </a:extLst>
-          </p:cNvPr>
-          <p:cNvSpPr>
-            <a:spLocks noGrp="1"/>
-          </p:cNvSpPr>
-          <p:nvPr>
-            <p:ph idx="1"/>
-          </p:nvPr>
-        </p:nvSpPr>
-        <p:spPr>
-          <a:xfrm>
-            <a:off x="838200" y="1825625"/>
-            <a:ext cx="7156653" cy="4351338"/>
-          </a:xfrm>
-        </p:spPr>
-        <p:txBody>
-          <a:bodyPr/>
-          <a:lstStyle/>
-          <a:p>
-            <a:r>
-              <a:rPr lang="de-DE" dirty="0"/>
-              <a:t>Von Lego entwickelte Programmierumgebung</a:t>
-            </a:r>
-          </a:p>
-          <a:p>
-            <a:r>
-              <a:rPr lang="de-DE" dirty="0"/>
-              <a:t>Kompatibel mit originaler Firmware des Spikes</a:t>
-            </a:r>
-          </a:p>
-          <a:p>
-            <a:r>
-              <a:rPr lang="de-DE" dirty="0"/>
-              <a:t>Einfacher Start mit grundlegenden Bibliotheken</a:t>
-            </a:r>
-          </a:p>
-          <a:p>
-            <a:endParaRPr lang="de-DE" dirty="0"/>
-          </a:p>
-          <a:p>
-            <a:endParaRPr lang="de-DE" dirty="0"/>
-          </a:p>
-        </p:txBody>
-      </p:sp>
+      </p:pic>
     </p:spTree>
     <p:extLst>
       <p:ext uri="{BB962C8B-B14F-4D97-AF65-F5344CB8AC3E}">
-        <p14:creationId xmlns:p14="http://schemas.microsoft.com/office/powerpoint/2010/main" val="1557237797"/>
+        <p14:creationId xmlns:p14="http://schemas.microsoft.com/office/powerpoint/2010/main" val="2902711541"/>
       </p:ext>
     </p:extLst>
   </p:cSld>
@@ -6833,7 +7801,7 @@
           <p:cNvPr id="2" name="Titel 1">
             <a:extLst>
               <a:ext uri="{FF2B5EF4-FFF2-40B4-BE49-F238E27FC236}">
-                <a16:creationId xmlns:a16="http://schemas.microsoft.com/office/drawing/2014/main" id="{7E8EB133-8F34-A66A-F62B-7351F8B040CE}"/>
+                <a16:creationId xmlns:a16="http://schemas.microsoft.com/office/drawing/2014/main" id="{2146F3F5-4039-AD8D-D2AD-C923C104D199}"/>
               </a:ext>
             </a:extLst>
           </p:cNvPr>
@@ -6850,10 +7818,9 @@
           <a:lstStyle/>
           <a:p>
             <a:r>
-              <a:rPr lang="de-DE" dirty="0" err="1"/>
-              <a:t>Pybricks</a:t>
-            </a:r>
-            <a:endParaRPr lang="de-DE" dirty="0"/>
+              <a:rPr lang="de-DE" dirty="0"/>
+              <a:t>Python</a:t>
+            </a:r>
           </a:p>
         </p:txBody>
       </p:sp>
@@ -6862,7 +7829,7 @@
           <p:cNvPr id="3" name="Inhaltsplatzhalter 2">
             <a:extLst>
               <a:ext uri="{FF2B5EF4-FFF2-40B4-BE49-F238E27FC236}">
-                <a16:creationId xmlns:a16="http://schemas.microsoft.com/office/drawing/2014/main" id="{34A7DB82-7984-3375-118D-7FD681B52C18}"/>
+                <a16:creationId xmlns:a16="http://schemas.microsoft.com/office/drawing/2014/main" id="{287B3256-5A19-495A-D86A-03A4D22A56FB}"/>
               </a:ext>
             </a:extLst>
           </p:cNvPr>
@@ -6873,92 +7840,47 @@
             <p:ph idx="1"/>
           </p:nvPr>
         </p:nvSpPr>
-        <p:spPr/>
-        <p:txBody>
-          <a:bodyPr>
-            <a:normAutofit/>
-          </a:bodyPr>
+        <p:spPr>
+          <a:xfrm>
+            <a:off x="838200" y="1825625"/>
+            <a:ext cx="8277225" cy="4351338"/>
+          </a:xfrm>
+        </p:spPr>
+        <p:txBody>
+          <a:bodyPr/>
           <a:lstStyle/>
           <a:p>
-            <a:pPr marL="0" indent="0">
-              <a:buNone/>
-            </a:pPr>
-            <a:r>
-              <a:rPr lang="de-DE" dirty="0" err="1"/>
-              <a:t>OpenSource</a:t>
-            </a:r>
             <a:r>
               <a:rPr lang="de-DE" dirty="0"/>
-              <a:t>-Projekt</a:t>
-            </a:r>
-          </a:p>
-          <a:p>
-            <a:r>
-              <a:rPr lang="de-DE" sz="2400" dirty="0"/>
-              <a:t>Eigene Firmware für Spike Prime</a:t>
-            </a:r>
-          </a:p>
-          <a:p>
-            <a:r>
-              <a:rPr lang="de-DE" sz="2400" dirty="0"/>
-              <a:t>IDE als Web-App verfügbar (Chromium)</a:t>
-            </a:r>
-          </a:p>
-          <a:p>
-            <a:pPr marL="0" indent="0">
-              <a:buNone/>
-            </a:pPr>
+              <a:t>Höhere Programmiersprache mit universellen Anwendungen</a:t>
+            </a:r>
+          </a:p>
+          <a:p>
             <a:r>
               <a:rPr lang="de-DE" dirty="0"/>
-              <a:t>Besonderheiten:</a:t>
-            </a:r>
-          </a:p>
-          <a:p>
-            <a:r>
-              <a:rPr lang="de-DE" sz="2400" dirty="0"/>
-              <a:t>Aktive Entwicklung durch Community</a:t>
-            </a:r>
-          </a:p>
-          <a:p>
-            <a:r>
-              <a:rPr lang="de-DE" sz="2400" dirty="0"/>
-              <a:t>Umfangreiche, leistungsstarke Bibliotheken</a:t>
-            </a:r>
-          </a:p>
-          <a:p>
-            <a:pPr lvl="1"/>
-            <a:r>
-              <a:rPr lang="de-DE" dirty="0" err="1"/>
-              <a:t>DriveBase</a:t>
-            </a:r>
-            <a:endParaRPr lang="de-DE" dirty="0"/>
-          </a:p>
-          <a:p>
-            <a:pPr lvl="1"/>
+              <a:t>Gut lesbar</a:t>
+            </a:r>
+          </a:p>
+          <a:p>
             <a:r>
               <a:rPr lang="de-DE" dirty="0"/>
-              <a:t>Hub</a:t>
-            </a:r>
-          </a:p>
-          <a:p>
-            <a:pPr lvl="1"/>
-            <a:r>
-              <a:rPr lang="de-DE" dirty="0" err="1"/>
-              <a:t>XBox</a:t>
-            </a:r>
+              <a:t>Programmierblöcke durch Einrückungen strukturiert (TAB)</a:t>
+            </a:r>
+          </a:p>
+          <a:p>
             <a:r>
               <a:rPr lang="de-DE" dirty="0"/>
-              <a:t>-Controller &amp; Terminal als Input</a:t>
+              <a:t>Besonderheit: Variablen haben keinen festen Datentyp</a:t>
             </a:r>
           </a:p>
         </p:txBody>
       </p:sp>
       <p:pic>
         <p:nvPicPr>
-          <p:cNvPr id="5" name="Grafik 4" descr="Ein Bild, das Grafiken, Logo, Electric Blue (Farbe), Schrift enthält.&#10;&#10;Automatisch generierte Beschreibung">
-            <a:extLst>
-              <a:ext uri="{FF2B5EF4-FFF2-40B4-BE49-F238E27FC236}">
-                <a16:creationId xmlns:a16="http://schemas.microsoft.com/office/drawing/2014/main" id="{A2CCC812-A597-BC35-ADCB-D40C7DD977C7}"/>
+          <p:cNvPr id="5" name="Grafik 4">
+            <a:extLst>
+              <a:ext uri="{FF2B5EF4-FFF2-40B4-BE49-F238E27FC236}">
+                <a16:creationId xmlns:a16="http://schemas.microsoft.com/office/drawing/2014/main" id="{B15CB195-0747-8B74-29B5-D46CE051CF98}"/>
               </a:ext>
             </a:extLst>
           </p:cNvPr>
@@ -6969,6 +7891,930 @@
         </p:nvPicPr>
         <p:blipFill>
           <a:blip r:embed="rId2">
+            <a:extLst>
+              <a:ext uri="{96DAC541-7B7A-43D3-8B79-37D633B846F1}">
+                <asvg:svgBlip xmlns:asvg="http://schemas.microsoft.com/office/drawing/2016/SVG/main" r:embed="rId3"/>
+              </a:ext>
+            </a:extLst>
+          </a:blip>
+          <a:stretch>
+            <a:fillRect/>
+          </a:stretch>
+        </p:blipFill>
+        <p:spPr>
+          <a:xfrm>
+            <a:off x="9215437" y="402489"/>
+            <a:ext cx="2757488" cy="3026511"/>
+          </a:xfrm>
+          <a:prstGeom prst="rect">
+            <a:avLst/>
+          </a:prstGeom>
+        </p:spPr>
+      </p:pic>
+    </p:spTree>
+    <p:extLst>
+      <p:ext uri="{BB962C8B-B14F-4D97-AF65-F5344CB8AC3E}">
+        <p14:creationId xmlns:p14="http://schemas.microsoft.com/office/powerpoint/2010/main" val="4079635884"/>
+      </p:ext>
+    </p:extLst>
+  </p:cSld>
+  <p:clrMapOvr>
+    <a:masterClrMapping/>
+  </p:clrMapOvr>
+</p:sld>
+</file>
+
+<file path=ppt/slides/slide12.xml><?xml version="1.0" encoding="utf-8"?>
+<p:sld xmlns:a="http://schemas.openxmlformats.org/drawingml/2006/main" xmlns:r="http://schemas.openxmlformats.org/officeDocument/2006/relationships" xmlns:p="http://schemas.openxmlformats.org/presentationml/2006/main">
+  <p:cSld>
+    <p:spTree>
+      <p:nvGrpSpPr>
+        <p:cNvPr id="1" name=""/>
+        <p:cNvGrpSpPr/>
+        <p:nvPr/>
+      </p:nvGrpSpPr>
+      <p:grpSpPr>
+        <a:xfrm>
+          <a:off x="0" y="0"/>
+          <a:ext cx="0" cy="0"/>
+          <a:chOff x="0" y="0"/>
+          <a:chExt cx="0" cy="0"/>
+        </a:xfrm>
+      </p:grpSpPr>
+      <p:sp>
+        <p:nvSpPr>
+          <p:cNvPr id="2" name="Titel 1">
+            <a:extLst>
+              <a:ext uri="{FF2B5EF4-FFF2-40B4-BE49-F238E27FC236}">
+                <a16:creationId xmlns:a16="http://schemas.microsoft.com/office/drawing/2014/main" id="{2EBE1A68-A262-EB26-4917-F61383E493AE}"/>
+              </a:ext>
+            </a:extLst>
+          </p:cNvPr>
+          <p:cNvSpPr>
+            <a:spLocks noGrp="1"/>
+          </p:cNvSpPr>
+          <p:nvPr>
+            <p:ph type="title"/>
+          </p:nvPr>
+        </p:nvSpPr>
+        <p:spPr/>
+        <p:txBody>
+          <a:bodyPr/>
+          <a:lstStyle/>
+          <a:p>
+            <a:r>
+              <a:rPr lang="de-DE" dirty="0"/>
+              <a:t>Programmieren mit Python</a:t>
+            </a:r>
+          </a:p>
+        </p:txBody>
+      </p:sp>
+      <p:sp>
+        <p:nvSpPr>
+          <p:cNvPr id="3" name="Inhaltsplatzhalter 2">
+            <a:extLst>
+              <a:ext uri="{FF2B5EF4-FFF2-40B4-BE49-F238E27FC236}">
+                <a16:creationId xmlns:a16="http://schemas.microsoft.com/office/drawing/2014/main" id="{3F928FD9-0461-11A3-3F9B-13116E86F9ED}"/>
+              </a:ext>
+            </a:extLst>
+          </p:cNvPr>
+          <p:cNvSpPr>
+            <a:spLocks noGrp="1"/>
+          </p:cNvSpPr>
+          <p:nvPr>
+            <p:ph idx="1"/>
+          </p:nvPr>
+        </p:nvSpPr>
+        <p:spPr/>
+        <p:txBody>
+          <a:bodyPr/>
+          <a:lstStyle/>
+          <a:p>
+            <a:pPr marL="0" indent="0">
+              <a:buNone/>
+            </a:pPr>
+            <a:r>
+              <a:rPr lang="de-DE" sz="3200" dirty="0"/>
+              <a:t>Grundlagen:</a:t>
+            </a:r>
+          </a:p>
+          <a:p>
+            <a:r>
+              <a:rPr lang="de-DE" dirty="0"/>
+              <a:t>Kommentare:</a:t>
+            </a:r>
+          </a:p>
+          <a:p>
+            <a:pPr lvl="1"/>
+            <a:r>
+              <a:rPr lang="de-DE" dirty="0">
+                <a:latin typeface="Consolas" panose="020B0609020204030204" pitchFamily="49" charset="0"/>
+              </a:rPr>
+              <a:t>#</a:t>
+            </a:r>
+            <a:r>
+              <a:rPr lang="de-DE" dirty="0"/>
+              <a:t> für einzeilige Kommentare</a:t>
+            </a:r>
+          </a:p>
+          <a:p>
+            <a:pPr lvl="1"/>
+            <a:r>
+              <a:rPr lang="de-DE" dirty="0">
+                <a:latin typeface="Consolas" panose="020B0609020204030204" pitchFamily="49" charset="0"/>
+              </a:rPr>
+              <a:t>'''</a:t>
+            </a:r>
+            <a:r>
+              <a:rPr lang="de-DE" dirty="0"/>
+              <a:t> zum Anfangen und Beenden eines mehrzeiligen Kommentares</a:t>
+            </a:r>
+          </a:p>
+          <a:p>
+            <a:r>
+              <a:rPr lang="de-DE" dirty="0"/>
+              <a:t>Funktionen:</a:t>
+            </a:r>
+          </a:p>
+          <a:p>
+            <a:pPr lvl="1"/>
+            <a:r>
+              <a:rPr lang="de-DE" dirty="0" err="1">
+                <a:latin typeface="Consolas" panose="020B0609020204030204" pitchFamily="49" charset="0"/>
+              </a:rPr>
+              <a:t>def</a:t>
+            </a:r>
+            <a:r>
+              <a:rPr lang="de-DE" dirty="0">
+                <a:latin typeface="Consolas" panose="020B0609020204030204" pitchFamily="49" charset="0"/>
+              </a:rPr>
+              <a:t> </a:t>
+            </a:r>
+            <a:r>
+              <a:rPr lang="de-DE" dirty="0" err="1">
+                <a:latin typeface="Consolas" panose="020B0609020204030204" pitchFamily="49" charset="0"/>
+              </a:rPr>
+              <a:t>funktionsName</a:t>
+            </a:r>
+            <a:r>
+              <a:rPr lang="de-DE" dirty="0">
+                <a:latin typeface="Consolas" panose="020B0609020204030204" pitchFamily="49" charset="0"/>
+              </a:rPr>
+              <a:t>(Argumente):</a:t>
+            </a:r>
+          </a:p>
+          <a:p>
+            <a:r>
+              <a:rPr lang="de-DE" dirty="0"/>
+              <a:t>Variablen:</a:t>
+            </a:r>
+          </a:p>
+          <a:p>
+            <a:pPr lvl="1"/>
+            <a:r>
+              <a:rPr lang="de-DE" dirty="0">
+                <a:latin typeface="Consolas" panose="020B0609020204030204" pitchFamily="49" charset="0"/>
+              </a:rPr>
+              <a:t>i = 2</a:t>
+            </a:r>
+          </a:p>
+          <a:p>
+            <a:pPr lvl="1"/>
+            <a:r>
+              <a:rPr lang="de-DE" dirty="0"/>
+              <a:t>Typ wird durch Funktionen definiert: </a:t>
+            </a:r>
+            <a:r>
+              <a:rPr lang="de-DE" dirty="0" err="1">
+                <a:latin typeface="Consolas" panose="020B0609020204030204" pitchFamily="49" charset="0"/>
+              </a:rPr>
+              <a:t>int</a:t>
+            </a:r>
+            <a:r>
+              <a:rPr lang="de-DE" dirty="0">
+                <a:latin typeface="Consolas" panose="020B0609020204030204" pitchFamily="49" charset="0"/>
+              </a:rPr>
+              <a:t>(i)</a:t>
+            </a:r>
+            <a:endParaRPr lang="de-DE" dirty="0"/>
+          </a:p>
+          <a:p>
+            <a:pPr lvl="1"/>
+            <a:endParaRPr lang="de-DE" dirty="0"/>
+          </a:p>
+        </p:txBody>
+      </p:sp>
+    </p:spTree>
+    <p:extLst>
+      <p:ext uri="{BB962C8B-B14F-4D97-AF65-F5344CB8AC3E}">
+        <p14:creationId xmlns:p14="http://schemas.microsoft.com/office/powerpoint/2010/main" val="2453506539"/>
+      </p:ext>
+    </p:extLst>
+  </p:cSld>
+  <p:clrMapOvr>
+    <a:masterClrMapping/>
+  </p:clrMapOvr>
+</p:sld>
+</file>
+
+<file path=ppt/slides/slide13.xml><?xml version="1.0" encoding="utf-8"?>
+<p:sld xmlns:a="http://schemas.openxmlformats.org/drawingml/2006/main" xmlns:r="http://schemas.openxmlformats.org/officeDocument/2006/relationships" xmlns:p="http://schemas.openxmlformats.org/presentationml/2006/main">
+  <p:cSld>
+    <p:spTree>
+      <p:nvGrpSpPr>
+        <p:cNvPr id="1" name=""/>
+        <p:cNvGrpSpPr/>
+        <p:nvPr/>
+      </p:nvGrpSpPr>
+      <p:grpSpPr>
+        <a:xfrm>
+          <a:off x="0" y="0"/>
+          <a:ext cx="0" cy="0"/>
+          <a:chOff x="0" y="0"/>
+          <a:chExt cx="0" cy="0"/>
+        </a:xfrm>
+      </p:grpSpPr>
+      <p:grpSp>
+        <p:nvGrpSpPr>
+          <p:cNvPr id="11" name="Gruppieren 10">
+            <a:extLst>
+              <a:ext uri="{FF2B5EF4-FFF2-40B4-BE49-F238E27FC236}">
+                <a16:creationId xmlns:a16="http://schemas.microsoft.com/office/drawing/2014/main" id="{E772F681-0BF4-BAD1-B530-34C077B1C878}"/>
+              </a:ext>
+            </a:extLst>
+          </p:cNvPr>
+          <p:cNvGrpSpPr/>
+          <p:nvPr/>
+        </p:nvGrpSpPr>
+        <p:grpSpPr>
+          <a:xfrm>
+            <a:off x="3087371" y="417364"/>
+            <a:ext cx="5880416" cy="1221084"/>
+            <a:chOff x="1692887" y="1013872"/>
+            <a:chExt cx="1353080" cy="859035"/>
+          </a:xfrm>
+        </p:grpSpPr>
+        <p:sp>
+          <p:nvSpPr>
+            <p:cNvPr id="12" name="Rechteck: abgerundete Ecken 11">
+              <a:extLst>
+                <a:ext uri="{FF2B5EF4-FFF2-40B4-BE49-F238E27FC236}">
+                  <a16:creationId xmlns:a16="http://schemas.microsoft.com/office/drawing/2014/main" id="{CFAB07D2-4C5B-D62A-04E1-794A312ADB59}"/>
+                </a:ext>
+              </a:extLst>
+            </p:cNvPr>
+            <p:cNvSpPr/>
+            <p:nvPr/>
+          </p:nvSpPr>
+          <p:spPr>
+            <a:xfrm>
+              <a:off x="1724374" y="1013872"/>
+              <a:ext cx="1321593" cy="859035"/>
+            </a:xfrm>
+            <a:prstGeom prst="roundRect">
+              <a:avLst/>
+            </a:prstGeom>
+          </p:spPr>
+          <p:style>
+            <a:lnRef idx="2">
+              <a:schemeClr val="lt1">
+                <a:hueOff val="0"/>
+                <a:satOff val="0"/>
+                <a:lumOff val="0"/>
+                <a:alphaOff val="0"/>
+              </a:schemeClr>
+            </a:lnRef>
+            <a:fillRef idx="1">
+              <a:schemeClr val="accent1">
+                <a:hueOff val="0"/>
+                <a:satOff val="0"/>
+                <a:lumOff val="0"/>
+                <a:alphaOff val="0"/>
+              </a:schemeClr>
+            </a:fillRef>
+            <a:effectRef idx="0">
+              <a:schemeClr val="accent1">
+                <a:hueOff val="0"/>
+                <a:satOff val="0"/>
+                <a:lumOff val="0"/>
+                <a:alphaOff val="0"/>
+              </a:schemeClr>
+            </a:effectRef>
+            <a:fontRef idx="minor">
+              <a:schemeClr val="lt1"/>
+            </a:fontRef>
+          </p:style>
+          <p:txBody>
+            <a:bodyPr/>
+            <a:lstStyle/>
+            <a:p>
+              <a:endParaRPr lang="de-DE"/>
+            </a:p>
+          </p:txBody>
+        </p:sp>
+        <p:sp>
+          <p:nvSpPr>
+            <p:cNvPr id="13" name="Rechteck: abgerundete Ecken 4">
+              <a:extLst>
+                <a:ext uri="{FF2B5EF4-FFF2-40B4-BE49-F238E27FC236}">
+                  <a16:creationId xmlns:a16="http://schemas.microsoft.com/office/drawing/2014/main" id="{B753524F-9A9A-FE30-D1C0-94CE2651609B}"/>
+                </a:ext>
+              </a:extLst>
+            </p:cNvPr>
+            <p:cNvSpPr txBox="1"/>
+            <p:nvPr/>
+          </p:nvSpPr>
+          <p:spPr>
+            <a:xfrm>
+              <a:off x="1692887" y="1055807"/>
+              <a:ext cx="1237723" cy="775165"/>
+            </a:xfrm>
+            <a:prstGeom prst="rect">
+              <a:avLst/>
+            </a:prstGeom>
+          </p:spPr>
+          <p:style>
+            <a:lnRef idx="0">
+              <a:scrgbClr r="0" g="0" b="0"/>
+            </a:lnRef>
+            <a:fillRef idx="0">
+              <a:scrgbClr r="0" g="0" b="0"/>
+            </a:fillRef>
+            <a:effectRef idx="0">
+              <a:scrgbClr r="0" g="0" b="0"/>
+            </a:effectRef>
+            <a:fontRef idx="minor">
+              <a:schemeClr val="lt1"/>
+            </a:fontRef>
+          </p:style>
+          <p:txBody>
+            <a:bodyPr spcFirstLastPara="0" vert="horz" wrap="square" lIns="64770" tIns="64770" rIns="64770" bIns="64770" numCol="1" spcCol="1270" anchor="ctr" anchorCtr="0">
+              <a:noAutofit/>
+            </a:bodyPr>
+            <a:lstStyle/>
+            <a:p>
+              <a:pPr marL="0" lvl="0" indent="0" algn="ctr" defTabSz="755650">
+                <a:lnSpc>
+                  <a:spcPct val="90000"/>
+                </a:lnSpc>
+                <a:spcBef>
+                  <a:spcPct val="0"/>
+                </a:spcBef>
+                <a:spcAft>
+                  <a:spcPct val="35000"/>
+                </a:spcAft>
+                <a:buNone/>
+              </a:pPr>
+              <a:r>
+                <a:rPr lang="de-DE" sz="3600" kern="1200" dirty="0">
+                  <a:latin typeface="Berlin Sans FB Demi" panose="020E0802020502020306" pitchFamily="34" charset="0"/>
+                </a:rPr>
+                <a:t>Programm-Struktur</a:t>
+              </a:r>
+            </a:p>
+          </p:txBody>
+        </p:sp>
+      </p:grpSp>
+      <p:sp>
+        <p:nvSpPr>
+          <p:cNvPr id="17" name="Inhaltsplatzhalter 16">
+            <a:extLst>
+              <a:ext uri="{FF2B5EF4-FFF2-40B4-BE49-F238E27FC236}">
+                <a16:creationId xmlns:a16="http://schemas.microsoft.com/office/drawing/2014/main" id="{37D7B1A0-6A64-22F5-1C24-07E7BB2638F4}"/>
+              </a:ext>
+            </a:extLst>
+          </p:cNvPr>
+          <p:cNvSpPr>
+            <a:spLocks noGrp="1"/>
+          </p:cNvSpPr>
+          <p:nvPr>
+            <p:ph idx="1"/>
+          </p:nvPr>
+        </p:nvSpPr>
+        <p:spPr/>
+        <p:txBody>
+          <a:bodyPr/>
+          <a:lstStyle/>
+          <a:p>
+            <a:pPr marL="514350" indent="-514350">
+              <a:buFont typeface="+mj-lt"/>
+              <a:buAutoNum type="arabicPeriod"/>
+            </a:pPr>
+            <a:r>
+              <a:rPr lang="de-DE" dirty="0"/>
+              <a:t>Aufruf der Bibliotheken</a:t>
+            </a:r>
+          </a:p>
+          <a:p>
+            <a:pPr marL="514350" indent="-514350">
+              <a:buFont typeface="+mj-lt"/>
+              <a:buAutoNum type="arabicPeriod"/>
+            </a:pPr>
+            <a:r>
+              <a:rPr lang="de-DE" dirty="0"/>
+              <a:t>Deklaration von </a:t>
+            </a:r>
+          </a:p>
+          <a:p>
+            <a:pPr marL="971550" lvl="1" indent="-514350">
+              <a:buFont typeface="+mj-lt"/>
+              <a:buAutoNum type="arabicPeriod"/>
+            </a:pPr>
+            <a:r>
+              <a:rPr lang="de-DE" dirty="0"/>
+              <a:t>Variablen &amp; Konstanten</a:t>
+            </a:r>
+          </a:p>
+          <a:p>
+            <a:pPr marL="971550" lvl="1" indent="-514350">
+              <a:buFont typeface="+mj-lt"/>
+              <a:buAutoNum type="arabicPeriod"/>
+            </a:pPr>
+            <a:r>
+              <a:rPr lang="de-DE" dirty="0"/>
+              <a:t>Objekten (Hub, </a:t>
+            </a:r>
+            <a:r>
+              <a:rPr lang="de-DE" dirty="0" err="1"/>
+              <a:t>DriveBase</a:t>
+            </a:r>
+            <a:r>
+              <a:rPr lang="de-DE" dirty="0"/>
+              <a:t>, etc.)</a:t>
+            </a:r>
+          </a:p>
+          <a:p>
+            <a:pPr marL="514350" indent="-514350">
+              <a:buFont typeface="+mj-lt"/>
+              <a:buAutoNum type="arabicPeriod"/>
+            </a:pPr>
+            <a:r>
+              <a:rPr lang="de-DE" dirty="0"/>
+              <a:t>Definition der Funktionen</a:t>
+            </a:r>
+          </a:p>
+          <a:p>
+            <a:pPr marL="971550" lvl="1" indent="-514350">
+              <a:buFont typeface="+mj-lt"/>
+              <a:buAutoNum type="arabicPeriod"/>
+            </a:pPr>
+            <a:r>
+              <a:rPr lang="de-DE" dirty="0"/>
+              <a:t>Normale Funktionen</a:t>
+            </a:r>
+          </a:p>
+          <a:p>
+            <a:pPr marL="971550" lvl="1" indent="-514350">
+              <a:buFont typeface="+mj-lt"/>
+              <a:buAutoNum type="arabicPeriod"/>
+            </a:pPr>
+            <a:r>
+              <a:rPr lang="de-DE" dirty="0"/>
+              <a:t>Fahrten</a:t>
+            </a:r>
+          </a:p>
+          <a:p>
+            <a:pPr marL="514350" indent="-514350">
+              <a:buFont typeface="+mj-lt"/>
+              <a:buAutoNum type="arabicPeriod"/>
+            </a:pPr>
+            <a:r>
+              <a:rPr lang="de-DE" dirty="0"/>
+              <a:t>Aufruf der Funktionen im Abschnitt </a:t>
+            </a:r>
+            <a:r>
+              <a:rPr lang="de-DE" dirty="0" err="1">
+                <a:latin typeface="Consolas" panose="020B0609020204030204" pitchFamily="49" charset="0"/>
+              </a:rPr>
+              <a:t>main</a:t>
+            </a:r>
+            <a:endParaRPr lang="de-DE" dirty="0">
+              <a:latin typeface="Consolas" panose="020B0609020204030204" pitchFamily="49" charset="0"/>
+            </a:endParaRPr>
+          </a:p>
+          <a:p>
+            <a:pPr marL="514350" indent="-514350">
+              <a:buFont typeface="+mj-lt"/>
+              <a:buAutoNum type="arabicPeriod"/>
+            </a:pPr>
+            <a:endParaRPr lang="de-DE" dirty="0"/>
+          </a:p>
+        </p:txBody>
+      </p:sp>
+    </p:spTree>
+    <p:extLst>
+      <p:ext uri="{BB962C8B-B14F-4D97-AF65-F5344CB8AC3E}">
+        <p14:creationId xmlns:p14="http://schemas.microsoft.com/office/powerpoint/2010/main" val="2336521558"/>
+      </p:ext>
+    </p:extLst>
+  </p:cSld>
+  <p:clrMapOvr>
+    <a:masterClrMapping/>
+  </p:clrMapOvr>
+</p:sld>
+</file>
+
+<file path=ppt/slides/slide14.xml><?xml version="1.0" encoding="utf-8"?>
+<p:sld xmlns:a="http://schemas.openxmlformats.org/drawingml/2006/main" xmlns:r="http://schemas.openxmlformats.org/officeDocument/2006/relationships" xmlns:p="http://schemas.openxmlformats.org/presentationml/2006/main">
+  <p:cSld>
+    <p:spTree>
+      <p:nvGrpSpPr>
+        <p:cNvPr id="1" name=""/>
+        <p:cNvGrpSpPr/>
+        <p:nvPr/>
+      </p:nvGrpSpPr>
+      <p:grpSpPr>
+        <a:xfrm>
+          <a:off x="0" y="0"/>
+          <a:ext cx="0" cy="0"/>
+          <a:chOff x="0" y="0"/>
+          <a:chExt cx="0" cy="0"/>
+        </a:xfrm>
+      </p:grpSpPr>
+      <p:pic>
+        <p:nvPicPr>
+          <p:cNvPr id="7" name="Grafik 6" descr="Ein Bild, das Text, Schrift, Screenshot, Grafiken enthält.&#10;&#10;Automatisch generierte Beschreibung">
+            <a:extLst>
+              <a:ext uri="{FF2B5EF4-FFF2-40B4-BE49-F238E27FC236}">
+                <a16:creationId xmlns:a16="http://schemas.microsoft.com/office/drawing/2014/main" id="{FF0A3201-9E6F-0BA5-9290-4C3A7CF28365}"/>
+              </a:ext>
+            </a:extLst>
+          </p:cNvPr>
+          <p:cNvPicPr>
+            <a:picLocks noChangeAspect="1"/>
+          </p:cNvPicPr>
+          <p:nvPr/>
+        </p:nvPicPr>
+        <p:blipFill>
+          <a:blip r:embed="rId2">
+            <a:extLst>
+              <a:ext uri="{28A0092B-C50C-407E-A947-70E740481C1C}">
+                <a14:useLocalDpi xmlns:a14="http://schemas.microsoft.com/office/drawing/2010/main" val="0"/>
+              </a:ext>
+            </a:extLst>
+          </a:blip>
+          <a:stretch>
+            <a:fillRect/>
+          </a:stretch>
+        </p:blipFill>
+        <p:spPr>
+          <a:xfrm>
+            <a:off x="7994853" y="2411820"/>
+            <a:ext cx="3765143" cy="3765143"/>
+          </a:xfrm>
+          <a:prstGeom prst="rect">
+            <a:avLst/>
+          </a:prstGeom>
+          <a:ln>
+            <a:solidFill>
+              <a:schemeClr val="tx1"/>
+            </a:solidFill>
+          </a:ln>
+        </p:spPr>
+      </p:pic>
+      <p:sp>
+        <p:nvSpPr>
+          <p:cNvPr id="2" name="Titel 1">
+            <a:extLst>
+              <a:ext uri="{FF2B5EF4-FFF2-40B4-BE49-F238E27FC236}">
+                <a16:creationId xmlns:a16="http://schemas.microsoft.com/office/drawing/2014/main" id="{4B41C677-2A14-641F-B82D-D1B6A56F4AB3}"/>
+              </a:ext>
+            </a:extLst>
+          </p:cNvPr>
+          <p:cNvSpPr>
+            <a:spLocks noGrp="1"/>
+          </p:cNvSpPr>
+          <p:nvPr>
+            <p:ph type="title"/>
+          </p:nvPr>
+        </p:nvSpPr>
+        <p:spPr>
+          <a:xfrm>
+            <a:off x="838200" y="365125"/>
+            <a:ext cx="9039225" cy="1325563"/>
+          </a:xfrm>
+        </p:spPr>
+        <p:txBody>
+          <a:bodyPr/>
+          <a:lstStyle/>
+          <a:p>
+            <a:r>
+              <a:rPr lang="de-DE" b="1" dirty="0"/>
+              <a:t>LEGO® Education SPIKE™ Prime</a:t>
+            </a:r>
+          </a:p>
+        </p:txBody>
+      </p:sp>
+      <p:sp>
+        <p:nvSpPr>
+          <p:cNvPr id="3" name="Inhaltsplatzhalter 2">
+            <a:extLst>
+              <a:ext uri="{FF2B5EF4-FFF2-40B4-BE49-F238E27FC236}">
+                <a16:creationId xmlns:a16="http://schemas.microsoft.com/office/drawing/2014/main" id="{FE4EA41C-5F20-E422-B49F-7D559D1CB309}"/>
+              </a:ext>
+            </a:extLst>
+          </p:cNvPr>
+          <p:cNvSpPr>
+            <a:spLocks noGrp="1"/>
+          </p:cNvSpPr>
+          <p:nvPr>
+            <p:ph idx="1"/>
+          </p:nvPr>
+        </p:nvSpPr>
+        <p:spPr>
+          <a:xfrm>
+            <a:off x="838200" y="1825625"/>
+            <a:ext cx="7156653" cy="4351338"/>
+          </a:xfrm>
+        </p:spPr>
+        <p:txBody>
+          <a:bodyPr/>
+          <a:lstStyle/>
+          <a:p>
+            <a:r>
+              <a:rPr lang="de-DE" dirty="0"/>
+              <a:t>Von Lego entwickelte Programmierumgebung</a:t>
+            </a:r>
+          </a:p>
+          <a:p>
+            <a:r>
+              <a:rPr lang="de-DE" dirty="0"/>
+              <a:t>Kompatibel mit originaler Firmware des Spikes</a:t>
+            </a:r>
+          </a:p>
+          <a:p>
+            <a:r>
+              <a:rPr lang="de-DE" dirty="0"/>
+              <a:t>Einfacher Start mit grundlegenden Bibliotheken</a:t>
+            </a:r>
+          </a:p>
+          <a:p>
+            <a:endParaRPr lang="de-DE" dirty="0"/>
+          </a:p>
+          <a:p>
+            <a:endParaRPr lang="de-DE" dirty="0"/>
+          </a:p>
+        </p:txBody>
+      </p:sp>
+    </p:spTree>
+    <p:extLst>
+      <p:ext uri="{BB962C8B-B14F-4D97-AF65-F5344CB8AC3E}">
+        <p14:creationId xmlns:p14="http://schemas.microsoft.com/office/powerpoint/2010/main" val="1557237797"/>
+      </p:ext>
+    </p:extLst>
+  </p:cSld>
+  <p:clrMapOvr>
+    <a:masterClrMapping/>
+  </p:clrMapOvr>
+</p:sld>
+</file>
+
+<file path=ppt/slides/slide15.xml><?xml version="1.0" encoding="utf-8"?>
+<p:sld xmlns:a="http://schemas.openxmlformats.org/drawingml/2006/main" xmlns:r="http://schemas.openxmlformats.org/officeDocument/2006/relationships" xmlns:p="http://schemas.openxmlformats.org/presentationml/2006/main">
+  <p:cSld>
+    <p:spTree>
+      <p:nvGrpSpPr>
+        <p:cNvPr id="1" name=""/>
+        <p:cNvGrpSpPr/>
+        <p:nvPr/>
+      </p:nvGrpSpPr>
+      <p:grpSpPr>
+        <a:xfrm>
+          <a:off x="0" y="0"/>
+          <a:ext cx="0" cy="0"/>
+          <a:chOff x="0" y="0"/>
+          <a:chExt cx="0" cy="0"/>
+        </a:xfrm>
+      </p:grpSpPr>
+      <p:sp>
+        <p:nvSpPr>
+          <p:cNvPr id="2" name="Titel 1">
+            <a:extLst>
+              <a:ext uri="{FF2B5EF4-FFF2-40B4-BE49-F238E27FC236}">
+                <a16:creationId xmlns:a16="http://schemas.microsoft.com/office/drawing/2014/main" id="{1A4FD9B2-44D6-2DE6-2686-83384299E470}"/>
+              </a:ext>
+            </a:extLst>
+          </p:cNvPr>
+          <p:cNvSpPr>
+            <a:spLocks noGrp="1"/>
+          </p:cNvSpPr>
+          <p:nvPr>
+            <p:ph type="title"/>
+          </p:nvPr>
+        </p:nvSpPr>
+        <p:spPr/>
+        <p:txBody>
+          <a:bodyPr/>
+          <a:lstStyle/>
+          <a:p>
+            <a:r>
+              <a:rPr lang="de-DE" dirty="0"/>
+              <a:t>VS-Code Erweiterung erwähnen?</a:t>
+            </a:r>
+          </a:p>
+        </p:txBody>
+      </p:sp>
+      <p:sp>
+        <p:nvSpPr>
+          <p:cNvPr id="3" name="Inhaltsplatzhalter 2">
+            <a:extLst>
+              <a:ext uri="{FF2B5EF4-FFF2-40B4-BE49-F238E27FC236}">
+                <a16:creationId xmlns:a16="http://schemas.microsoft.com/office/drawing/2014/main" id="{2AFC08C2-0B8D-2824-E5E7-CC32093EA2B5}"/>
+              </a:ext>
+            </a:extLst>
+          </p:cNvPr>
+          <p:cNvSpPr>
+            <a:spLocks noGrp="1"/>
+          </p:cNvSpPr>
+          <p:nvPr>
+            <p:ph idx="1"/>
+          </p:nvPr>
+        </p:nvSpPr>
+        <p:spPr/>
+        <p:txBody>
+          <a:bodyPr/>
+          <a:lstStyle/>
+          <a:p>
+            <a:r>
+              <a:rPr lang="de-DE" dirty="0"/>
+              <a:t>Wir haben halt wenig Erfahrung damit ne</a:t>
+            </a:r>
+          </a:p>
+          <a:p>
+            <a:endParaRPr lang="de-DE" dirty="0"/>
+          </a:p>
+        </p:txBody>
+      </p:sp>
+    </p:spTree>
+    <p:extLst>
+      <p:ext uri="{BB962C8B-B14F-4D97-AF65-F5344CB8AC3E}">
+        <p14:creationId xmlns:p14="http://schemas.microsoft.com/office/powerpoint/2010/main" val="339649627"/>
+      </p:ext>
+    </p:extLst>
+  </p:cSld>
+  <p:clrMapOvr>
+    <a:masterClrMapping/>
+  </p:clrMapOvr>
+</p:sld>
+</file>
+
+<file path=ppt/slides/slide16.xml><?xml version="1.0" encoding="utf-8"?>
+<p:sld xmlns:a="http://schemas.openxmlformats.org/drawingml/2006/main" xmlns:r="http://schemas.openxmlformats.org/officeDocument/2006/relationships" xmlns:p="http://schemas.openxmlformats.org/presentationml/2006/main">
+  <p:cSld>
+    <p:spTree>
+      <p:nvGrpSpPr>
+        <p:cNvPr id="1" name=""/>
+        <p:cNvGrpSpPr/>
+        <p:nvPr/>
+      </p:nvGrpSpPr>
+      <p:grpSpPr>
+        <a:xfrm>
+          <a:off x="0" y="0"/>
+          <a:ext cx="0" cy="0"/>
+          <a:chOff x="0" y="0"/>
+          <a:chExt cx="0" cy="0"/>
+        </a:xfrm>
+      </p:grpSpPr>
+      <p:sp>
+        <p:nvSpPr>
+          <p:cNvPr id="2" name="Titel 1">
+            <a:extLst>
+              <a:ext uri="{FF2B5EF4-FFF2-40B4-BE49-F238E27FC236}">
+                <a16:creationId xmlns:a16="http://schemas.microsoft.com/office/drawing/2014/main" id="{7E8EB133-8F34-A66A-F62B-7351F8B040CE}"/>
+              </a:ext>
+            </a:extLst>
+          </p:cNvPr>
+          <p:cNvSpPr>
+            <a:spLocks noGrp="1"/>
+          </p:cNvSpPr>
+          <p:nvPr>
+            <p:ph type="title"/>
+          </p:nvPr>
+        </p:nvSpPr>
+        <p:spPr/>
+        <p:txBody>
+          <a:bodyPr/>
+          <a:lstStyle/>
+          <a:p>
+            <a:r>
+              <a:rPr lang="de-DE" dirty="0"/>
+              <a:t>Pybricks</a:t>
+            </a:r>
+          </a:p>
+        </p:txBody>
+      </p:sp>
+      <p:sp>
+        <p:nvSpPr>
+          <p:cNvPr id="3" name="Inhaltsplatzhalter 2">
+            <a:extLst>
+              <a:ext uri="{FF2B5EF4-FFF2-40B4-BE49-F238E27FC236}">
+                <a16:creationId xmlns:a16="http://schemas.microsoft.com/office/drawing/2014/main" id="{34A7DB82-7984-3375-118D-7FD681B52C18}"/>
+              </a:ext>
+            </a:extLst>
+          </p:cNvPr>
+          <p:cNvSpPr>
+            <a:spLocks noGrp="1"/>
+          </p:cNvSpPr>
+          <p:nvPr>
+            <p:ph idx="1"/>
+          </p:nvPr>
+        </p:nvSpPr>
+        <p:spPr/>
+        <p:txBody>
+          <a:bodyPr>
+            <a:normAutofit/>
+          </a:bodyPr>
+          <a:lstStyle/>
+          <a:p>
+            <a:pPr marL="0" indent="0">
+              <a:buNone/>
+            </a:pPr>
+            <a:r>
+              <a:rPr lang="de-DE" dirty="0" err="1"/>
+              <a:t>OpenSource</a:t>
+            </a:r>
+            <a:r>
+              <a:rPr lang="de-DE" dirty="0"/>
+              <a:t>-Projekt</a:t>
+            </a:r>
+          </a:p>
+          <a:p>
+            <a:r>
+              <a:rPr lang="de-DE" sz="2400" dirty="0"/>
+              <a:t>Eigene Firmware für Spike Prime</a:t>
+            </a:r>
+          </a:p>
+          <a:p>
+            <a:r>
+              <a:rPr lang="de-DE" sz="2400" dirty="0"/>
+              <a:t>IDE als Web-App verfügbar (Chromium)</a:t>
+            </a:r>
+          </a:p>
+          <a:p>
+            <a:pPr marL="0" indent="0">
+              <a:buNone/>
+            </a:pPr>
+            <a:r>
+              <a:rPr lang="de-DE" dirty="0"/>
+              <a:t>Besonderheiten:</a:t>
+            </a:r>
+          </a:p>
+          <a:p>
+            <a:r>
+              <a:rPr lang="de-DE" sz="2400" dirty="0"/>
+              <a:t>Aktive Entwicklung durch Community</a:t>
+            </a:r>
+          </a:p>
+          <a:p>
+            <a:r>
+              <a:rPr lang="de-DE" sz="2400" dirty="0"/>
+              <a:t>Umfangreiche, leistungsstarke Bibliotheken</a:t>
+            </a:r>
+          </a:p>
+          <a:p>
+            <a:pPr lvl="1"/>
+            <a:r>
+              <a:rPr lang="de-DE" dirty="0" err="1"/>
+              <a:t>DriveBase</a:t>
+            </a:r>
+            <a:endParaRPr lang="de-DE" dirty="0"/>
+          </a:p>
+          <a:p>
+            <a:pPr lvl="1"/>
+            <a:r>
+              <a:rPr lang="de-DE" dirty="0"/>
+              <a:t>Hub</a:t>
+            </a:r>
+          </a:p>
+          <a:p>
+            <a:pPr lvl="1"/>
+            <a:r>
+              <a:rPr lang="de-DE" dirty="0" err="1"/>
+              <a:t>XBox</a:t>
+            </a:r>
+            <a:r>
+              <a:rPr lang="de-DE" dirty="0"/>
+              <a:t>-Controller &amp; Terminal als Input</a:t>
+            </a:r>
+          </a:p>
+        </p:txBody>
+      </p:sp>
+      <p:pic>
+        <p:nvPicPr>
+          <p:cNvPr id="5" name="Grafik 4" descr="Ein Bild, das Grafiken, Logo, Electric Blue (Farbe), Schrift enthält.&#10;&#10;Automatisch generierte Beschreibung">
+            <a:extLst>
+              <a:ext uri="{FF2B5EF4-FFF2-40B4-BE49-F238E27FC236}">
+                <a16:creationId xmlns:a16="http://schemas.microsoft.com/office/drawing/2014/main" id="{A2CCC812-A597-BC35-ADCB-D40C7DD977C7}"/>
+              </a:ext>
+            </a:extLst>
+          </p:cNvPr>
+          <p:cNvPicPr>
+            <a:picLocks noChangeAspect="1"/>
+          </p:cNvPicPr>
+          <p:nvPr/>
+        </p:nvPicPr>
+        <p:blipFill>
+          <a:blip r:embed="rId3">
             <a:extLst>
               <a:ext uri="{28A0092B-C50C-407E-A947-70E740481C1C}">
                 <a14:useLocalDpi xmlns:a14="http://schemas.microsoft.com/office/drawing/2010/main" val="0"/>
@@ -7027,7 +8873,7 @@
               <a:rPr lang="de-DE" dirty="0">
                 <a:latin typeface="Berlin Sans FB Demi" panose="020E0802020502020306" pitchFamily="34" charset="0"/>
               </a:rPr>
-              <a:t>(natürlich nicht während des Wettkampfes;)</a:t>
+              <a:t>(natürlich nicht während des Wettkampfes ;)</a:t>
             </a:r>
           </a:p>
         </p:txBody>
@@ -7169,7 +9015,7 @@
 </p:sld>
 </file>
 
-<file path=ppt/slides/slide12.xml><?xml version="1.0" encoding="utf-8"?>
+<file path=ppt/slides/slide17.xml><?xml version="1.0" encoding="utf-8"?>
 <p:sld xmlns:a="http://schemas.openxmlformats.org/drawingml/2006/main" xmlns:r="http://schemas.openxmlformats.org/officeDocument/2006/relationships" xmlns:p="http://schemas.openxmlformats.org/presentationml/2006/main">
   <p:cSld>
     <p:spTree>
@@ -7209,13 +9055,8 @@
           <a:p>
             <a:r>
               <a:rPr lang="de-DE" dirty="0"/>
-              <a:t> Lego Python vs. </a:t>
-            </a:r>
-            <a:r>
-              <a:rPr lang="de-DE" dirty="0" err="1"/>
-              <a:t>Pybricks</a:t>
-            </a:r>
-            <a:endParaRPr lang="de-DE" dirty="0"/>
+              <a:t> Lego Python vs. Pybricks</a:t>
+            </a:r>
           </a:p>
         </p:txBody>
       </p:sp>
@@ -7288,14 +9129,11 @@
                     <a:lstStyle/>
                     <a:p>
                       <a:r>
-                        <a:rPr lang="de-DE" sz="2400" dirty="0" err="1">
+                        <a:rPr lang="de-DE" sz="2400" dirty="0">
                           <a:latin typeface="Berlin Sans FB Demi" panose="020E0802020502020306" pitchFamily="34" charset="0"/>
                         </a:rPr>
                         <a:t>Pybricks</a:t>
                       </a:r>
-                      <a:endParaRPr lang="de-DE" sz="2400" dirty="0">
-                        <a:latin typeface="Berlin Sans FB Demi" panose="020E0802020502020306" pitchFamily="34" charset="0"/>
-                      </a:endParaRPr>
                     </a:p>
                   </a:txBody>
                   <a:tcPr/>
@@ -7737,7 +9575,7 @@
 </p:sld>
 </file>
 
-<file path=ppt/slides/slide13.xml><?xml version="1.0" encoding="utf-8"?>
+<file path=ppt/slides/slide18.xml><?xml version="1.0" encoding="utf-8"?>
 <p:sld xmlns:a="http://schemas.openxmlformats.org/drawingml/2006/main" xmlns:r="http://schemas.openxmlformats.org/officeDocument/2006/relationships" xmlns:p="http://schemas.openxmlformats.org/presentationml/2006/main">
   <p:cSld>
     <p:spTree>
@@ -7778,12 +9616,8 @@
           <a:lstStyle/>
           <a:p>
             <a:r>
-              <a:rPr lang="de-DE" dirty="0" err="1"/>
-              <a:t>Pybricks</a:t>
-            </a:r>
-            <a:r>
               <a:rPr lang="de-DE" dirty="0"/>
-              <a:t> </a:t>
+              <a:t>Pybricks </a:t>
             </a:r>
             <a:r>
               <a:rPr lang="de-DE" dirty="0" err="1"/>
@@ -7871,7 +9705,7 @@
 </p:sld>
 </file>
 
-<file path=ppt/slides/slide14.xml><?xml version="1.0" encoding="utf-8"?>
+<file path=ppt/slides/slide19.xml><?xml version="1.0" encoding="utf-8"?>
 <p:sld xmlns:a="http://schemas.openxmlformats.org/drawingml/2006/main" xmlns:r="http://schemas.openxmlformats.org/officeDocument/2006/relationships" xmlns:p="http://schemas.openxmlformats.org/presentationml/2006/main">
   <p:cSld>
     <p:spTree>
@@ -7890,10 +9724,10 @@
       </p:grpSpPr>
       <p:sp>
         <p:nvSpPr>
-          <p:cNvPr id="5" name="Titel 4">
-            <a:extLst>
-              <a:ext uri="{FF2B5EF4-FFF2-40B4-BE49-F238E27FC236}">
-                <a16:creationId xmlns:a16="http://schemas.microsoft.com/office/drawing/2014/main" id="{B5F26D4B-673A-83AE-E2BC-A142E13C4B0F}"/>
+          <p:cNvPr id="2" name="Titel 1">
+            <a:extLst>
+              <a:ext uri="{FF2B5EF4-FFF2-40B4-BE49-F238E27FC236}">
+                <a16:creationId xmlns:a16="http://schemas.microsoft.com/office/drawing/2014/main" id="{21B97D1F-A7CF-0D90-B080-C1105F1FDB62}"/>
               </a:ext>
             </a:extLst>
           </p:cNvPr>
@@ -7904,314 +9738,60 @@
             <p:ph type="title"/>
           </p:nvPr>
         </p:nvSpPr>
-        <p:spPr/>
+        <p:spPr>
+          <a:xfrm>
+            <a:off x="707571" y="214296"/>
+            <a:ext cx="3657039" cy="2057564"/>
+          </a:xfrm>
+        </p:spPr>
         <p:txBody>
           <a:bodyPr/>
           <a:lstStyle/>
           <a:p>
             <a:r>
+              <a:rPr lang="de-DE" dirty="0" err="1"/>
+              <a:t>Drivebase</a:t>
+            </a:r>
+            <a:r>
               <a:rPr lang="de-DE" dirty="0"/>
-              <a:t>Live-Demo: </a:t>
-            </a:r>
-            <a:br>
-              <a:rPr lang="de-DE" dirty="0"/>
-            </a:br>
-            <a:r>
-              <a:rPr lang="de-DE" dirty="0" err="1"/>
-              <a:t>Pybricks</a:t>
-            </a:r>
-            <a:r>
-              <a:rPr lang="de-DE" dirty="0"/>
-              <a:t>-Firmware installieren</a:t>
-            </a:r>
-          </a:p>
-        </p:txBody>
-      </p:sp>
-      <p:sp>
-        <p:nvSpPr>
-          <p:cNvPr id="6" name="Textplatzhalter 5">
-            <a:extLst>
-              <a:ext uri="{FF2B5EF4-FFF2-40B4-BE49-F238E27FC236}">
-                <a16:creationId xmlns:a16="http://schemas.microsoft.com/office/drawing/2014/main" id="{B738C7F0-80A1-DA6C-1959-8E67A0E0F43D}"/>
-              </a:ext>
-            </a:extLst>
-          </p:cNvPr>
-          <p:cNvSpPr>
-            <a:spLocks noGrp="1"/>
-          </p:cNvSpPr>
-          <p:nvPr>
-            <p:ph type="body" idx="1"/>
-          </p:nvPr>
-        </p:nvSpPr>
-        <p:spPr/>
-        <p:txBody>
-          <a:bodyPr/>
-          <a:lstStyle/>
-          <a:p>
-            <a:endParaRPr lang="de-DE" dirty="0"/>
-          </a:p>
-        </p:txBody>
-      </p:sp>
+              <a:t>: Einrichtung</a:t>
+            </a:r>
+          </a:p>
+        </p:txBody>
+      </p:sp>
+      <p:pic>
+        <p:nvPicPr>
+          <p:cNvPr id="5" name="Inhaltsplatzhalter 4">
+            <a:extLst>
+              <a:ext uri="{FF2B5EF4-FFF2-40B4-BE49-F238E27FC236}">
+                <a16:creationId xmlns:a16="http://schemas.microsoft.com/office/drawing/2014/main" id="{EA98AFB8-182C-B288-69F2-0D4F69BE6C0B}"/>
+              </a:ext>
+            </a:extLst>
+          </p:cNvPr>
+          <p:cNvPicPr>
+            <a:picLocks noGrp="1" noChangeAspect="1"/>
+          </p:cNvPicPr>
+          <p:nvPr>
+            <p:ph idx="1"/>
+          </p:nvPr>
+        </p:nvPicPr>
+        <p:blipFill>
+          <a:blip r:embed="rId2"/>
+          <a:stretch>
+            <a:fillRect/>
+          </a:stretch>
+        </p:blipFill>
+        <p:spPr>
+          <a:xfrm>
+            <a:off x="4364610" y="346953"/>
+            <a:ext cx="7348357" cy="6028374"/>
+          </a:xfrm>
+        </p:spPr>
+      </p:pic>
     </p:spTree>
     <p:extLst>
       <p:ext uri="{BB962C8B-B14F-4D97-AF65-F5344CB8AC3E}">
-        <p14:creationId xmlns:p14="http://schemas.microsoft.com/office/powerpoint/2010/main" val="2733101690"/>
-      </p:ext>
-    </p:extLst>
-  </p:cSld>
-  <p:clrMapOvr>
-    <a:masterClrMapping/>
-  </p:clrMapOvr>
-</p:sld>
-</file>
-
-<file path=ppt/slides/slide15.xml><?xml version="1.0" encoding="utf-8"?>
-<p:sld xmlns:a="http://schemas.openxmlformats.org/drawingml/2006/main" xmlns:r="http://schemas.openxmlformats.org/officeDocument/2006/relationships" xmlns:p="http://schemas.openxmlformats.org/presentationml/2006/main">
-  <p:cSld>
-    <p:spTree>
-      <p:nvGrpSpPr>
-        <p:cNvPr id="1" name=""/>
-        <p:cNvGrpSpPr/>
-        <p:nvPr/>
-      </p:nvGrpSpPr>
-      <p:grpSpPr>
-        <a:xfrm>
-          <a:off x="0" y="0"/>
-          <a:ext cx="0" cy="0"/>
-          <a:chOff x="0" y="0"/>
-          <a:chExt cx="0" cy="0"/>
-        </a:xfrm>
-      </p:grpSpPr>
-      <p:sp>
-        <p:nvSpPr>
-          <p:cNvPr id="2" name="Titel 1">
-            <a:extLst>
-              <a:ext uri="{FF2B5EF4-FFF2-40B4-BE49-F238E27FC236}">
-                <a16:creationId xmlns:a16="http://schemas.microsoft.com/office/drawing/2014/main" id="{44DA5557-9C1F-5705-046D-E426D8F2C669}"/>
-              </a:ext>
-            </a:extLst>
-          </p:cNvPr>
-          <p:cNvSpPr>
-            <a:spLocks noGrp="1"/>
-          </p:cNvSpPr>
-          <p:nvPr>
-            <p:ph type="title"/>
-          </p:nvPr>
-        </p:nvSpPr>
-        <p:spPr/>
-        <p:txBody>
-          <a:bodyPr/>
-          <a:lstStyle/>
-          <a:p>
-            <a:r>
-              <a:rPr lang="de-DE" dirty="0"/>
-              <a:t>Live-Demo:</a:t>
-            </a:r>
-            <a:br>
-              <a:rPr lang="de-DE" dirty="0"/>
-            </a:br>
-            <a:r>
-              <a:rPr lang="de-DE" dirty="0"/>
-              <a:t>Beispiel-Aufgabe</a:t>
-            </a:r>
-          </a:p>
-        </p:txBody>
-      </p:sp>
-      <p:sp>
-        <p:nvSpPr>
-          <p:cNvPr id="3" name="Textplatzhalter 2">
-            <a:extLst>
-              <a:ext uri="{FF2B5EF4-FFF2-40B4-BE49-F238E27FC236}">
-                <a16:creationId xmlns:a16="http://schemas.microsoft.com/office/drawing/2014/main" id="{8CAC3B4A-BCD1-4F35-5C90-D81F02154C0D}"/>
-              </a:ext>
-            </a:extLst>
-          </p:cNvPr>
-          <p:cNvSpPr>
-            <a:spLocks noGrp="1"/>
-          </p:cNvSpPr>
-          <p:nvPr>
-            <p:ph type="body" idx="1"/>
-          </p:nvPr>
-        </p:nvSpPr>
-        <p:spPr/>
-        <p:txBody>
-          <a:bodyPr/>
-          <a:lstStyle/>
-          <a:p>
-            <a:endParaRPr lang="de-DE" dirty="0"/>
-          </a:p>
-        </p:txBody>
-      </p:sp>
-    </p:spTree>
-    <p:extLst>
-      <p:ext uri="{BB962C8B-B14F-4D97-AF65-F5344CB8AC3E}">
-        <p14:creationId xmlns:p14="http://schemas.microsoft.com/office/powerpoint/2010/main" val="2145304375"/>
-      </p:ext>
-    </p:extLst>
-  </p:cSld>
-  <p:clrMapOvr>
-    <a:masterClrMapping/>
-  </p:clrMapOvr>
-</p:sld>
-</file>
-
-<file path=ppt/slides/slide16.xml><?xml version="1.0" encoding="utf-8"?>
-<p:sld xmlns:a="http://schemas.openxmlformats.org/drawingml/2006/main" xmlns:r="http://schemas.openxmlformats.org/officeDocument/2006/relationships" xmlns:p="http://schemas.openxmlformats.org/presentationml/2006/main">
-  <p:cSld>
-    <p:spTree>
-      <p:nvGrpSpPr>
-        <p:cNvPr id="1" name=""/>
-        <p:cNvGrpSpPr/>
-        <p:nvPr/>
-      </p:nvGrpSpPr>
-      <p:grpSpPr>
-        <a:xfrm>
-          <a:off x="0" y="0"/>
-          <a:ext cx="0" cy="0"/>
-          <a:chOff x="0" y="0"/>
-          <a:chExt cx="0" cy="0"/>
-        </a:xfrm>
-      </p:grpSpPr>
-      <p:sp>
-        <p:nvSpPr>
-          <p:cNvPr id="4" name="Titel 3">
-            <a:extLst>
-              <a:ext uri="{FF2B5EF4-FFF2-40B4-BE49-F238E27FC236}">
-                <a16:creationId xmlns:a16="http://schemas.microsoft.com/office/drawing/2014/main" id="{3369538A-5422-7035-8D0C-E53CDC0319EA}"/>
-              </a:ext>
-            </a:extLst>
-          </p:cNvPr>
-          <p:cNvSpPr>
-            <a:spLocks noGrp="1"/>
-          </p:cNvSpPr>
-          <p:nvPr>
-            <p:ph type="title"/>
-          </p:nvPr>
-        </p:nvSpPr>
-        <p:spPr/>
-        <p:txBody>
-          <a:bodyPr/>
-          <a:lstStyle/>
-          <a:p>
-            <a:r>
-              <a:rPr lang="de-DE" dirty="0"/>
-              <a:t>Aufgabenumfang</a:t>
-            </a:r>
-          </a:p>
-        </p:txBody>
-      </p:sp>
-      <p:sp>
-        <p:nvSpPr>
-          <p:cNvPr id="5" name="Inhaltsplatzhalter 4">
-            <a:extLst>
-              <a:ext uri="{FF2B5EF4-FFF2-40B4-BE49-F238E27FC236}">
-                <a16:creationId xmlns:a16="http://schemas.microsoft.com/office/drawing/2014/main" id="{75AD413C-A744-42D7-C1EC-FA56FA1959BE}"/>
-              </a:ext>
-            </a:extLst>
-          </p:cNvPr>
-          <p:cNvSpPr>
-            <a:spLocks noGrp="1"/>
-          </p:cNvSpPr>
-          <p:nvPr>
-            <p:ph idx="1"/>
-          </p:nvPr>
-        </p:nvSpPr>
-        <p:spPr/>
-        <p:txBody>
-          <a:bodyPr/>
-          <a:lstStyle/>
-          <a:p>
-            <a:endParaRPr lang="de-DE"/>
-          </a:p>
-        </p:txBody>
-      </p:sp>
-    </p:spTree>
-    <p:extLst>
-      <p:ext uri="{BB962C8B-B14F-4D97-AF65-F5344CB8AC3E}">
-        <p14:creationId xmlns:p14="http://schemas.microsoft.com/office/powerpoint/2010/main" val="2147833742"/>
-      </p:ext>
-    </p:extLst>
-  </p:cSld>
-  <p:clrMapOvr>
-    <a:masterClrMapping/>
-  </p:clrMapOvr>
-</p:sld>
-</file>
-
-<file path=ppt/slides/slide17.xml><?xml version="1.0" encoding="utf-8"?>
-<p:sld xmlns:a="http://schemas.openxmlformats.org/drawingml/2006/main" xmlns:r="http://schemas.openxmlformats.org/officeDocument/2006/relationships" xmlns:p="http://schemas.openxmlformats.org/presentationml/2006/main">
-  <p:cSld>
-    <p:spTree>
-      <p:nvGrpSpPr>
-        <p:cNvPr id="1" name=""/>
-        <p:cNvGrpSpPr/>
-        <p:nvPr/>
-      </p:nvGrpSpPr>
-      <p:grpSpPr>
-        <a:xfrm>
-          <a:off x="0" y="0"/>
-          <a:ext cx="0" cy="0"/>
-          <a:chOff x="0" y="0"/>
-          <a:chExt cx="0" cy="0"/>
-        </a:xfrm>
-      </p:grpSpPr>
-      <p:sp>
-        <p:nvSpPr>
-          <p:cNvPr id="4" name="Titel 3">
-            <a:extLst>
-              <a:ext uri="{FF2B5EF4-FFF2-40B4-BE49-F238E27FC236}">
-                <a16:creationId xmlns:a16="http://schemas.microsoft.com/office/drawing/2014/main" id="{6FCAC3D1-B3E9-3A41-E00F-B268B215538E}"/>
-              </a:ext>
-            </a:extLst>
-          </p:cNvPr>
-          <p:cNvSpPr>
-            <a:spLocks noGrp="1"/>
-          </p:cNvSpPr>
-          <p:nvPr>
-            <p:ph type="title"/>
-          </p:nvPr>
-        </p:nvSpPr>
-        <p:spPr/>
-        <p:txBody>
-          <a:bodyPr/>
-          <a:lstStyle/>
-          <a:p>
-            <a:r>
-              <a:rPr lang="de-DE" dirty="0"/>
-              <a:t>Aufbau</a:t>
-            </a:r>
-          </a:p>
-        </p:txBody>
-      </p:sp>
-      <p:sp>
-        <p:nvSpPr>
-          <p:cNvPr id="5" name="Inhaltsplatzhalter 4">
-            <a:extLst>
-              <a:ext uri="{FF2B5EF4-FFF2-40B4-BE49-F238E27FC236}">
-                <a16:creationId xmlns:a16="http://schemas.microsoft.com/office/drawing/2014/main" id="{5118891A-B2A9-E95F-C353-2633172A0ED6}"/>
-              </a:ext>
-            </a:extLst>
-          </p:cNvPr>
-          <p:cNvSpPr>
-            <a:spLocks noGrp="1"/>
-          </p:cNvSpPr>
-          <p:nvPr>
-            <p:ph idx="1"/>
-          </p:nvPr>
-        </p:nvSpPr>
-        <p:spPr/>
-        <p:txBody>
-          <a:bodyPr/>
-          <a:lstStyle/>
-          <a:p>
-            <a:endParaRPr lang="de-DE"/>
-          </a:p>
-        </p:txBody>
-      </p:sp>
-    </p:spTree>
-    <p:extLst>
-      <p:ext uri="{BB962C8B-B14F-4D97-AF65-F5344CB8AC3E}">
-        <p14:creationId xmlns:p14="http://schemas.microsoft.com/office/powerpoint/2010/main" val="2159942892"/>
+        <p14:creationId xmlns:p14="http://schemas.microsoft.com/office/powerpoint/2010/main" val="3066044104"/>
       </p:ext>
     </p:extLst>
   </p:cSld>
@@ -8240,10 +9820,10 @@
       </p:grpSpPr>
       <p:sp>
         <p:nvSpPr>
-          <p:cNvPr id="4" name="Titel 3">
-            <a:extLst>
-              <a:ext uri="{FF2B5EF4-FFF2-40B4-BE49-F238E27FC236}">
-                <a16:creationId xmlns:a16="http://schemas.microsoft.com/office/drawing/2014/main" id="{545EFD3D-3952-DB46-F460-757AB3EB0EA3}"/>
+          <p:cNvPr id="2" name="Titel 1">
+            <a:extLst>
+              <a:ext uri="{FF2B5EF4-FFF2-40B4-BE49-F238E27FC236}">
+                <a16:creationId xmlns:a16="http://schemas.microsoft.com/office/drawing/2014/main" id="{2DAA60E8-34DB-3345-9FC9-AE886A460BCF}"/>
               </a:ext>
             </a:extLst>
           </p:cNvPr>
@@ -8260,43 +9840,1612 @@
           <a:lstStyle/>
           <a:p>
             <a:r>
-              <a:rPr lang="de-DE" dirty="0">
-                <a:latin typeface="Berlin Sans FB Demi" panose="020E0802020502020306" pitchFamily="34" charset="0"/>
-              </a:rPr>
-              <a:t>Wie kann ich mein Team beim Umstieg von Scratch auf Python unterstützen?</a:t>
-            </a:r>
-          </a:p>
-        </p:txBody>
-      </p:sp>
-      <p:sp>
-        <p:nvSpPr>
-          <p:cNvPr id="5" name="Textplatzhalter 4">
-            <a:extLst>
-              <a:ext uri="{FF2B5EF4-FFF2-40B4-BE49-F238E27FC236}">
-                <a16:creationId xmlns:a16="http://schemas.microsoft.com/office/drawing/2014/main" id="{3D096D93-6C16-F261-77D3-54E2A0FACE71}"/>
-              </a:ext>
-            </a:extLst>
-          </p:cNvPr>
-          <p:cNvSpPr>
-            <a:spLocks noGrp="1"/>
-          </p:cNvSpPr>
-          <p:nvPr>
-            <p:ph type="body" idx="1"/>
-          </p:nvPr>
-        </p:nvSpPr>
-        <p:spPr/>
-        <p:txBody>
-          <a:bodyPr/>
+              <a:rPr lang="de-DE" dirty="0"/>
+              <a:t>Inhalt</a:t>
+            </a:r>
+          </a:p>
+        </p:txBody>
+      </p:sp>
+      <p:sp>
+        <p:nvSpPr>
+          <p:cNvPr id="3" name="Inhaltsplatzhalter 2">
+            <a:extLst>
+              <a:ext uri="{FF2B5EF4-FFF2-40B4-BE49-F238E27FC236}">
+                <a16:creationId xmlns:a16="http://schemas.microsoft.com/office/drawing/2014/main" id="{466433A8-3BA5-B74D-7D17-805EB6E01BCD}"/>
+              </a:ext>
+            </a:extLst>
+          </p:cNvPr>
+          <p:cNvSpPr>
+            <a:spLocks noGrp="1"/>
+          </p:cNvSpPr>
+          <p:nvPr>
+            <p:ph idx="1"/>
+          </p:nvPr>
+        </p:nvSpPr>
+        <p:spPr>
+          <a:xfrm>
+            <a:off x="3084022" y="0"/>
+            <a:ext cx="8269778" cy="8794865"/>
+          </a:xfrm>
+        </p:spPr>
+        <p:txBody>
+          <a:bodyPr>
+            <a:normAutofit/>
+          </a:bodyPr>
           <a:lstStyle/>
           <a:p>
-            <a:endParaRPr lang="de-DE"/>
+            <a:r>
+              <a:rPr lang="de-DE" sz="2400" dirty="0"/>
+              <a:t>Einstieg: Fragerunde</a:t>
+            </a:r>
+          </a:p>
+          <a:p>
+            <a:r>
+              <a:rPr lang="de-DE" sz="2400" dirty="0"/>
+              <a:t>Übersicht Python &amp; Spike Prime</a:t>
+            </a:r>
+          </a:p>
+          <a:p>
+            <a:r>
+              <a:rPr lang="de-DE" sz="2400" dirty="0"/>
+              <a:t>Pybricks</a:t>
+            </a:r>
+          </a:p>
+          <a:p>
+            <a:r>
+              <a:rPr lang="de-DE" sz="2400" dirty="0"/>
+              <a:t>Live-Demo:</a:t>
+            </a:r>
+          </a:p>
+          <a:p>
+            <a:pPr lvl="1"/>
+            <a:r>
+              <a:rPr lang="de-DE" sz="2000" dirty="0"/>
+              <a:t>Firmware auf Spike Prime installieren</a:t>
+            </a:r>
+          </a:p>
+          <a:p>
+            <a:pPr lvl="1"/>
+            <a:r>
+              <a:rPr lang="de-DE" sz="2000" dirty="0"/>
+              <a:t>Beispiel-Aufgabe</a:t>
+            </a:r>
+          </a:p>
+          <a:p>
+            <a:pPr lvl="2"/>
+            <a:r>
+              <a:rPr lang="de-DE" sz="1800" dirty="0"/>
+              <a:t>Übersicht</a:t>
+            </a:r>
+          </a:p>
+          <a:p>
+            <a:pPr lvl="2"/>
+            <a:r>
+              <a:rPr lang="de-DE" sz="1800" dirty="0"/>
+              <a:t>Übersicht Programm</a:t>
+            </a:r>
+          </a:p>
+          <a:p>
+            <a:pPr lvl="2"/>
+            <a:r>
+              <a:rPr lang="de-DE" sz="1800" dirty="0"/>
+              <a:t>Erster Entwurf</a:t>
+            </a:r>
+          </a:p>
+          <a:p>
+            <a:pPr lvl="2"/>
+            <a:r>
+              <a:rPr lang="de-DE" sz="1800" dirty="0"/>
+              <a:t>Übergang zu </a:t>
+            </a:r>
+            <a:r>
+              <a:rPr lang="de-DE" sz="1800" dirty="0" err="1"/>
+              <a:t>git</a:t>
+            </a:r>
+            <a:endParaRPr lang="de-DE" sz="1800" dirty="0"/>
+          </a:p>
+          <a:p>
+            <a:r>
+              <a:rPr lang="de-DE" sz="2600" dirty="0" err="1"/>
+              <a:t>git</a:t>
+            </a:r>
+            <a:endParaRPr lang="de-DE" sz="2600" dirty="0"/>
+          </a:p>
+          <a:p>
+            <a:pPr lvl="1"/>
+            <a:r>
+              <a:rPr lang="de-DE" sz="2200" dirty="0"/>
+              <a:t>Was ist </a:t>
+            </a:r>
+            <a:r>
+              <a:rPr lang="de-DE" sz="2200" dirty="0" err="1"/>
+              <a:t>git</a:t>
+            </a:r>
+            <a:r>
+              <a:rPr lang="de-DE" sz="2200" dirty="0"/>
+              <a:t>?</a:t>
+            </a:r>
+          </a:p>
+          <a:p>
+            <a:pPr lvl="1"/>
+            <a:r>
+              <a:rPr lang="de-DE" sz="2200" dirty="0"/>
+              <a:t>Warum </a:t>
+            </a:r>
+            <a:r>
+              <a:rPr lang="de-DE" sz="2200" dirty="0" err="1"/>
+              <a:t>git</a:t>
+            </a:r>
+            <a:r>
+              <a:rPr lang="de-DE" sz="2200" dirty="0"/>
+              <a:t>?</a:t>
+            </a:r>
+          </a:p>
+          <a:p>
+            <a:pPr lvl="1"/>
+            <a:r>
+              <a:rPr lang="de-DE" sz="2200" dirty="0"/>
+              <a:t>GitHub</a:t>
+            </a:r>
+          </a:p>
+          <a:p>
+            <a:pPr lvl="1"/>
+            <a:endParaRPr lang="de-DE" sz="2200" dirty="0"/>
           </a:p>
         </p:txBody>
       </p:sp>
     </p:spTree>
     <p:extLst>
       <p:ext uri="{BB962C8B-B14F-4D97-AF65-F5344CB8AC3E}">
-        <p14:creationId xmlns:p14="http://schemas.microsoft.com/office/powerpoint/2010/main" val="3787179269"/>
+        <p14:creationId xmlns:p14="http://schemas.microsoft.com/office/powerpoint/2010/main" val="1305839947"/>
+      </p:ext>
+    </p:extLst>
+  </p:cSld>
+  <p:clrMapOvr>
+    <a:masterClrMapping/>
+  </p:clrMapOvr>
+</p:sld>
+</file>
+
+<file path=ppt/slides/slide20.xml><?xml version="1.0" encoding="utf-8"?>
+<p:sld xmlns:a="http://schemas.openxmlformats.org/drawingml/2006/main" xmlns:r="http://schemas.openxmlformats.org/officeDocument/2006/relationships" xmlns:p="http://schemas.openxmlformats.org/presentationml/2006/main">
+  <p:cSld>
+    <p:spTree>
+      <p:nvGrpSpPr>
+        <p:cNvPr id="1" name=""/>
+        <p:cNvGrpSpPr/>
+        <p:nvPr/>
+      </p:nvGrpSpPr>
+      <p:grpSpPr>
+        <a:xfrm>
+          <a:off x="0" y="0"/>
+          <a:ext cx="0" cy="0"/>
+          <a:chOff x="0" y="0"/>
+          <a:chExt cx="0" cy="0"/>
+        </a:xfrm>
+      </p:grpSpPr>
+      <p:sp>
+        <p:nvSpPr>
+          <p:cNvPr id="2" name="Titel 1">
+            <a:extLst>
+              <a:ext uri="{FF2B5EF4-FFF2-40B4-BE49-F238E27FC236}">
+                <a16:creationId xmlns:a16="http://schemas.microsoft.com/office/drawing/2014/main" id="{DFE25653-AF1B-147B-4D89-9EC851AAD03F}"/>
+              </a:ext>
+            </a:extLst>
+          </p:cNvPr>
+          <p:cNvSpPr>
+            <a:spLocks noGrp="1"/>
+          </p:cNvSpPr>
+          <p:nvPr>
+            <p:ph type="title"/>
+          </p:nvPr>
+        </p:nvSpPr>
+        <p:spPr/>
+        <p:txBody>
+          <a:bodyPr/>
+          <a:lstStyle/>
+          <a:p>
+            <a:r>
+              <a:rPr lang="de-DE" dirty="0" err="1"/>
+              <a:t>Drivebase</a:t>
+            </a:r>
+            <a:r>
+              <a:rPr lang="de-DE" dirty="0"/>
+              <a:t>: Verwendung</a:t>
+            </a:r>
+          </a:p>
+        </p:txBody>
+      </p:sp>
+      <p:pic>
+        <p:nvPicPr>
+          <p:cNvPr id="7" name="Grafik 6">
+            <a:extLst>
+              <a:ext uri="{FF2B5EF4-FFF2-40B4-BE49-F238E27FC236}">
+                <a16:creationId xmlns:a16="http://schemas.microsoft.com/office/drawing/2014/main" id="{39389F90-7517-5E76-6965-E122333E7391}"/>
+              </a:ext>
+            </a:extLst>
+          </p:cNvPr>
+          <p:cNvPicPr>
+            <a:picLocks noChangeAspect="1"/>
+          </p:cNvPicPr>
+          <p:nvPr/>
+        </p:nvPicPr>
+        <p:blipFill>
+          <a:blip r:embed="rId3">
+            <a:extLst>
+              <a:ext uri="{28A0092B-C50C-407E-A947-70E740481C1C}">
+                <a14:useLocalDpi xmlns:a14="http://schemas.microsoft.com/office/drawing/2010/main" val="0"/>
+              </a:ext>
+            </a:extLst>
+          </a:blip>
+          <a:srcRect/>
+          <a:stretch/>
+        </p:blipFill>
+        <p:spPr>
+          <a:xfrm>
+            <a:off x="4806760" y="3299381"/>
+            <a:ext cx="7159782" cy="3111931"/>
+          </a:xfrm>
+          <a:prstGeom prst="rect">
+            <a:avLst/>
+          </a:prstGeom>
+        </p:spPr>
+      </p:pic>
+      <p:pic>
+        <p:nvPicPr>
+          <p:cNvPr id="5" name="Inhaltsplatzhalter 4">
+            <a:extLst>
+              <a:ext uri="{FF2B5EF4-FFF2-40B4-BE49-F238E27FC236}">
+                <a16:creationId xmlns:a16="http://schemas.microsoft.com/office/drawing/2014/main" id="{8A24C23F-698B-F0E3-DCCF-466CF6103EFB}"/>
+              </a:ext>
+            </a:extLst>
+          </p:cNvPr>
+          <p:cNvPicPr>
+            <a:picLocks noGrp="1" noChangeAspect="1"/>
+          </p:cNvPicPr>
+          <p:nvPr>
+            <p:ph idx="1"/>
+          </p:nvPr>
+        </p:nvPicPr>
+        <p:blipFill>
+          <a:blip r:embed="rId4">
+            <a:extLst>
+              <a:ext uri="{28A0092B-C50C-407E-A947-70E740481C1C}">
+                <a14:useLocalDpi xmlns:a14="http://schemas.microsoft.com/office/drawing/2010/main" val="0"/>
+              </a:ext>
+            </a:extLst>
+          </a:blip>
+          <a:srcRect/>
+          <a:stretch/>
+        </p:blipFill>
+        <p:spPr>
+          <a:xfrm>
+            <a:off x="329906" y="1343529"/>
+            <a:ext cx="6608427" cy="3859025"/>
+          </a:xfrm>
+        </p:spPr>
+      </p:pic>
+    </p:spTree>
+    <p:extLst>
+      <p:ext uri="{BB962C8B-B14F-4D97-AF65-F5344CB8AC3E}">
+        <p14:creationId xmlns:p14="http://schemas.microsoft.com/office/powerpoint/2010/main" val="3829661927"/>
+      </p:ext>
+    </p:extLst>
+  </p:cSld>
+  <p:clrMapOvr>
+    <a:masterClrMapping/>
+  </p:clrMapOvr>
+</p:sld>
+</file>
+
+<file path=ppt/slides/slide21.xml><?xml version="1.0" encoding="utf-8"?>
+<p:sld xmlns:a="http://schemas.openxmlformats.org/drawingml/2006/main" xmlns:r="http://schemas.openxmlformats.org/officeDocument/2006/relationships" xmlns:p="http://schemas.openxmlformats.org/presentationml/2006/main">
+  <p:cSld>
+    <p:spTree>
+      <p:nvGrpSpPr>
+        <p:cNvPr id="1" name=""/>
+        <p:cNvGrpSpPr/>
+        <p:nvPr/>
+      </p:nvGrpSpPr>
+      <p:grpSpPr>
+        <a:xfrm>
+          <a:off x="0" y="0"/>
+          <a:ext cx="0" cy="0"/>
+          <a:chOff x="0" y="0"/>
+          <a:chExt cx="0" cy="0"/>
+        </a:xfrm>
+      </p:grpSpPr>
+      <p:sp>
+        <p:nvSpPr>
+          <p:cNvPr id="5" name="Titel 4">
+            <a:extLst>
+              <a:ext uri="{FF2B5EF4-FFF2-40B4-BE49-F238E27FC236}">
+                <a16:creationId xmlns:a16="http://schemas.microsoft.com/office/drawing/2014/main" id="{B5F26D4B-673A-83AE-E2BC-A142E13C4B0F}"/>
+              </a:ext>
+            </a:extLst>
+          </p:cNvPr>
+          <p:cNvSpPr>
+            <a:spLocks noGrp="1"/>
+          </p:cNvSpPr>
+          <p:nvPr>
+            <p:ph type="title"/>
+          </p:nvPr>
+        </p:nvSpPr>
+        <p:spPr/>
+        <p:txBody>
+          <a:bodyPr/>
+          <a:lstStyle/>
+          <a:p>
+            <a:r>
+              <a:rPr lang="de-DE" dirty="0"/>
+              <a:t>Live-Demo: </a:t>
+            </a:r>
+            <a:br>
+              <a:rPr lang="de-DE" dirty="0"/>
+            </a:br>
+            <a:r>
+              <a:rPr lang="de-DE" dirty="0"/>
+              <a:t>Pybricks-Firmware installieren</a:t>
+            </a:r>
+          </a:p>
+        </p:txBody>
+      </p:sp>
+      <p:sp>
+        <p:nvSpPr>
+          <p:cNvPr id="6" name="Textplatzhalter 5">
+            <a:extLst>
+              <a:ext uri="{FF2B5EF4-FFF2-40B4-BE49-F238E27FC236}">
+                <a16:creationId xmlns:a16="http://schemas.microsoft.com/office/drawing/2014/main" id="{B738C7F0-80A1-DA6C-1959-8E67A0E0F43D}"/>
+              </a:ext>
+            </a:extLst>
+          </p:cNvPr>
+          <p:cNvSpPr>
+            <a:spLocks noGrp="1"/>
+          </p:cNvSpPr>
+          <p:nvPr>
+            <p:ph type="body" idx="1"/>
+          </p:nvPr>
+        </p:nvSpPr>
+        <p:spPr/>
+        <p:txBody>
+          <a:bodyPr/>
+          <a:lstStyle/>
+          <a:p>
+            <a:endParaRPr lang="de-DE" dirty="0"/>
+          </a:p>
+        </p:txBody>
+      </p:sp>
+    </p:spTree>
+    <p:extLst>
+      <p:ext uri="{BB962C8B-B14F-4D97-AF65-F5344CB8AC3E}">
+        <p14:creationId xmlns:p14="http://schemas.microsoft.com/office/powerpoint/2010/main" val="2733101690"/>
+      </p:ext>
+    </p:extLst>
+  </p:cSld>
+  <p:clrMapOvr>
+    <a:masterClrMapping/>
+  </p:clrMapOvr>
+</p:sld>
+</file>
+
+<file path=ppt/slides/slide22.xml><?xml version="1.0" encoding="utf-8"?>
+<p:sld xmlns:a="http://schemas.openxmlformats.org/drawingml/2006/main" xmlns:r="http://schemas.openxmlformats.org/officeDocument/2006/relationships" xmlns:p="http://schemas.openxmlformats.org/presentationml/2006/main">
+  <p:cSld>
+    <p:spTree>
+      <p:nvGrpSpPr>
+        <p:cNvPr id="1" name=""/>
+        <p:cNvGrpSpPr/>
+        <p:nvPr/>
+      </p:nvGrpSpPr>
+      <p:grpSpPr>
+        <a:xfrm>
+          <a:off x="0" y="0"/>
+          <a:ext cx="0" cy="0"/>
+          <a:chOff x="0" y="0"/>
+          <a:chExt cx="0" cy="0"/>
+        </a:xfrm>
+      </p:grpSpPr>
+      <p:sp>
+        <p:nvSpPr>
+          <p:cNvPr id="2" name="Titel 1">
+            <a:extLst>
+              <a:ext uri="{FF2B5EF4-FFF2-40B4-BE49-F238E27FC236}">
+                <a16:creationId xmlns:a16="http://schemas.microsoft.com/office/drawing/2014/main" id="{44DA5557-9C1F-5705-046D-E426D8F2C669}"/>
+              </a:ext>
+            </a:extLst>
+          </p:cNvPr>
+          <p:cNvSpPr>
+            <a:spLocks noGrp="1"/>
+          </p:cNvSpPr>
+          <p:nvPr>
+            <p:ph type="title"/>
+          </p:nvPr>
+        </p:nvSpPr>
+        <p:spPr/>
+        <p:txBody>
+          <a:bodyPr/>
+          <a:lstStyle/>
+          <a:p>
+            <a:r>
+              <a:rPr lang="de-DE" dirty="0"/>
+              <a:t>Live-Demo:</a:t>
+            </a:r>
+            <a:br>
+              <a:rPr lang="de-DE" dirty="0"/>
+            </a:br>
+            <a:r>
+              <a:rPr lang="de-DE" dirty="0"/>
+              <a:t>Beispiel-Aufgabe</a:t>
+            </a:r>
+          </a:p>
+        </p:txBody>
+      </p:sp>
+      <p:sp>
+        <p:nvSpPr>
+          <p:cNvPr id="3" name="Textplatzhalter 2">
+            <a:extLst>
+              <a:ext uri="{FF2B5EF4-FFF2-40B4-BE49-F238E27FC236}">
+                <a16:creationId xmlns:a16="http://schemas.microsoft.com/office/drawing/2014/main" id="{8CAC3B4A-BCD1-4F35-5C90-D81F02154C0D}"/>
+              </a:ext>
+            </a:extLst>
+          </p:cNvPr>
+          <p:cNvSpPr>
+            <a:spLocks noGrp="1"/>
+          </p:cNvSpPr>
+          <p:nvPr>
+            <p:ph type="body" idx="1"/>
+          </p:nvPr>
+        </p:nvSpPr>
+        <p:spPr/>
+        <p:txBody>
+          <a:bodyPr/>
+          <a:lstStyle/>
+          <a:p>
+            <a:endParaRPr lang="de-DE" dirty="0"/>
+          </a:p>
+        </p:txBody>
+      </p:sp>
+    </p:spTree>
+    <p:extLst>
+      <p:ext uri="{BB962C8B-B14F-4D97-AF65-F5344CB8AC3E}">
+        <p14:creationId xmlns:p14="http://schemas.microsoft.com/office/powerpoint/2010/main" val="2145304375"/>
+      </p:ext>
+    </p:extLst>
+  </p:cSld>
+  <p:clrMapOvr>
+    <a:masterClrMapping/>
+  </p:clrMapOvr>
+</p:sld>
+</file>
+
+<file path=ppt/slides/slide23.xml><?xml version="1.0" encoding="utf-8"?>
+<p:sld xmlns:a="http://schemas.openxmlformats.org/drawingml/2006/main" xmlns:r="http://schemas.openxmlformats.org/officeDocument/2006/relationships" xmlns:p="http://schemas.openxmlformats.org/presentationml/2006/main">
+  <p:cSld>
+    <p:spTree>
+      <p:nvGrpSpPr>
+        <p:cNvPr id="1" name=""/>
+        <p:cNvGrpSpPr/>
+        <p:nvPr/>
+      </p:nvGrpSpPr>
+      <p:grpSpPr>
+        <a:xfrm>
+          <a:off x="0" y="0"/>
+          <a:ext cx="0" cy="0"/>
+          <a:chOff x="0" y="0"/>
+          <a:chExt cx="0" cy="0"/>
+        </a:xfrm>
+      </p:grpSpPr>
+      <p:sp>
+        <p:nvSpPr>
+          <p:cNvPr id="4" name="Titel 3">
+            <a:extLst>
+              <a:ext uri="{FF2B5EF4-FFF2-40B4-BE49-F238E27FC236}">
+                <a16:creationId xmlns:a16="http://schemas.microsoft.com/office/drawing/2014/main" id="{3369538A-5422-7035-8D0C-E53CDC0319EA}"/>
+              </a:ext>
+            </a:extLst>
+          </p:cNvPr>
+          <p:cNvSpPr>
+            <a:spLocks noGrp="1"/>
+          </p:cNvSpPr>
+          <p:nvPr>
+            <p:ph type="title"/>
+          </p:nvPr>
+        </p:nvSpPr>
+        <p:spPr/>
+        <p:txBody>
+          <a:bodyPr/>
+          <a:lstStyle/>
+          <a:p>
+            <a:r>
+              <a:rPr lang="de-DE" dirty="0"/>
+              <a:t>Aufgabenumfang</a:t>
+            </a:r>
+          </a:p>
+        </p:txBody>
+      </p:sp>
+      <p:sp>
+        <p:nvSpPr>
+          <p:cNvPr id="5" name="Inhaltsplatzhalter 4">
+            <a:extLst>
+              <a:ext uri="{FF2B5EF4-FFF2-40B4-BE49-F238E27FC236}">
+                <a16:creationId xmlns:a16="http://schemas.microsoft.com/office/drawing/2014/main" id="{75AD413C-A744-42D7-C1EC-FA56FA1959BE}"/>
+              </a:ext>
+            </a:extLst>
+          </p:cNvPr>
+          <p:cNvSpPr>
+            <a:spLocks noGrp="1"/>
+          </p:cNvSpPr>
+          <p:nvPr>
+            <p:ph idx="1"/>
+          </p:nvPr>
+        </p:nvSpPr>
+        <p:spPr/>
+        <p:txBody>
+          <a:bodyPr/>
+          <a:lstStyle/>
+          <a:p>
+            <a:endParaRPr lang="de-DE"/>
+          </a:p>
+        </p:txBody>
+      </p:sp>
+    </p:spTree>
+    <p:extLst>
+      <p:ext uri="{BB962C8B-B14F-4D97-AF65-F5344CB8AC3E}">
+        <p14:creationId xmlns:p14="http://schemas.microsoft.com/office/powerpoint/2010/main" val="2147833742"/>
+      </p:ext>
+    </p:extLst>
+  </p:cSld>
+  <p:clrMapOvr>
+    <a:masterClrMapping/>
+  </p:clrMapOvr>
+</p:sld>
+</file>
+
+<file path=ppt/slides/slide24.xml><?xml version="1.0" encoding="utf-8"?>
+<p:sld xmlns:a="http://schemas.openxmlformats.org/drawingml/2006/main" xmlns:r="http://schemas.openxmlformats.org/officeDocument/2006/relationships" xmlns:p="http://schemas.openxmlformats.org/presentationml/2006/main">
+  <p:cSld>
+    <p:spTree>
+      <p:nvGrpSpPr>
+        <p:cNvPr id="1" name=""/>
+        <p:cNvGrpSpPr/>
+        <p:nvPr/>
+      </p:nvGrpSpPr>
+      <p:grpSpPr>
+        <a:xfrm>
+          <a:off x="0" y="0"/>
+          <a:ext cx="0" cy="0"/>
+          <a:chOff x="0" y="0"/>
+          <a:chExt cx="0" cy="0"/>
+        </a:xfrm>
+      </p:grpSpPr>
+      <p:sp>
+        <p:nvSpPr>
+          <p:cNvPr id="4" name="Titel 3">
+            <a:extLst>
+              <a:ext uri="{FF2B5EF4-FFF2-40B4-BE49-F238E27FC236}">
+                <a16:creationId xmlns:a16="http://schemas.microsoft.com/office/drawing/2014/main" id="{6FCAC3D1-B3E9-3A41-E00F-B268B215538E}"/>
+              </a:ext>
+            </a:extLst>
+          </p:cNvPr>
+          <p:cNvSpPr>
+            <a:spLocks noGrp="1"/>
+          </p:cNvSpPr>
+          <p:nvPr>
+            <p:ph type="title"/>
+          </p:nvPr>
+        </p:nvSpPr>
+        <p:spPr/>
+        <p:txBody>
+          <a:bodyPr/>
+          <a:lstStyle/>
+          <a:p>
+            <a:r>
+              <a:rPr lang="de-DE" dirty="0"/>
+              <a:t>Aufbau</a:t>
+            </a:r>
+          </a:p>
+        </p:txBody>
+      </p:sp>
+      <p:sp>
+        <p:nvSpPr>
+          <p:cNvPr id="5" name="Inhaltsplatzhalter 4">
+            <a:extLst>
+              <a:ext uri="{FF2B5EF4-FFF2-40B4-BE49-F238E27FC236}">
+                <a16:creationId xmlns:a16="http://schemas.microsoft.com/office/drawing/2014/main" id="{5118891A-B2A9-E95F-C353-2633172A0ED6}"/>
+              </a:ext>
+            </a:extLst>
+          </p:cNvPr>
+          <p:cNvSpPr>
+            <a:spLocks noGrp="1"/>
+          </p:cNvSpPr>
+          <p:nvPr>
+            <p:ph idx="1"/>
+          </p:nvPr>
+        </p:nvSpPr>
+        <p:spPr/>
+        <p:txBody>
+          <a:bodyPr/>
+          <a:lstStyle/>
+          <a:p>
+            <a:endParaRPr lang="de-DE"/>
+          </a:p>
+        </p:txBody>
+      </p:sp>
+    </p:spTree>
+    <p:extLst>
+      <p:ext uri="{BB962C8B-B14F-4D97-AF65-F5344CB8AC3E}">
+        <p14:creationId xmlns:p14="http://schemas.microsoft.com/office/powerpoint/2010/main" val="2159942892"/>
+      </p:ext>
+    </p:extLst>
+  </p:cSld>
+  <p:clrMapOvr>
+    <a:masterClrMapping/>
+  </p:clrMapOvr>
+</p:sld>
+</file>
+
+<file path=ppt/slides/slide25.xml><?xml version="1.0" encoding="utf-8"?>
+<p:sld xmlns:a="http://schemas.openxmlformats.org/drawingml/2006/main" xmlns:r="http://schemas.openxmlformats.org/officeDocument/2006/relationships" xmlns:p="http://schemas.openxmlformats.org/presentationml/2006/main">
+  <p:cSld>
+    <p:bg>
+      <p:bgPr>
+        <a:solidFill>
+          <a:schemeClr val="bg1"/>
+        </a:solidFill>
+        <a:effectLst/>
+      </p:bgPr>
+    </p:bg>
+    <p:spTree>
+      <p:nvGrpSpPr>
+        <p:cNvPr id="1" name=""/>
+        <p:cNvGrpSpPr/>
+        <p:nvPr/>
+      </p:nvGrpSpPr>
+      <p:grpSpPr>
+        <a:xfrm>
+          <a:off x="0" y="0"/>
+          <a:ext cx="0" cy="0"/>
+          <a:chOff x="0" y="0"/>
+          <a:chExt cx="0" cy="0"/>
+        </a:xfrm>
+      </p:grpSpPr>
+      <p:pic>
+        <p:nvPicPr>
+          <p:cNvPr id="8" name="Grafik 7">
+            <a:extLst>
+              <a:ext uri="{FF2B5EF4-FFF2-40B4-BE49-F238E27FC236}">
+                <a16:creationId xmlns:a16="http://schemas.microsoft.com/office/drawing/2014/main" id="{C43262B6-049C-8BD2-DB1E-EE5D6E889294}"/>
+              </a:ext>
+            </a:extLst>
+          </p:cNvPr>
+          <p:cNvPicPr>
+            <a:picLocks noChangeAspect="1"/>
+          </p:cNvPicPr>
+          <p:nvPr/>
+        </p:nvPicPr>
+        <p:blipFill>
+          <a:blip r:embed="rId2">
+            <a:extLst>
+              <a:ext uri="{96DAC541-7B7A-43D3-8B79-37D633B846F1}">
+                <asvg:svgBlip xmlns:asvg="http://schemas.microsoft.com/office/drawing/2016/SVG/main" r:embed="rId3"/>
+              </a:ext>
+            </a:extLst>
+          </a:blip>
+          <a:stretch>
+            <a:fillRect/>
+          </a:stretch>
+        </p:blipFill>
+        <p:spPr>
+          <a:xfrm>
+            <a:off x="643467" y="1152118"/>
+            <a:ext cx="10905066" cy="4553763"/>
+          </a:xfrm>
+          <a:prstGeom prst="rect">
+            <a:avLst/>
+          </a:prstGeom>
+        </p:spPr>
+      </p:pic>
+      <p:sp>
+        <p:nvSpPr>
+          <p:cNvPr id="6" name="Textplatzhalter 4">
+            <a:extLst>
+              <a:ext uri="{FF2B5EF4-FFF2-40B4-BE49-F238E27FC236}">
+                <a16:creationId xmlns:a16="http://schemas.microsoft.com/office/drawing/2014/main" id="{DEDA8482-679B-A853-1369-7E014165D1AE}"/>
+              </a:ext>
+            </a:extLst>
+          </p:cNvPr>
+          <p:cNvSpPr txBox="1">
+            <a:spLocks/>
+          </p:cNvSpPr>
+          <p:nvPr/>
+        </p:nvSpPr>
+        <p:spPr>
+          <a:xfrm>
+            <a:off x="3675232" y="5887969"/>
+            <a:ext cx="4828834" cy="609600"/>
+          </a:xfrm>
+          <a:prstGeom prst="rect">
+            <a:avLst/>
+          </a:prstGeom>
+        </p:spPr>
+        <p:txBody>
+          <a:bodyPr vert="horz" lIns="91440" tIns="45720" rIns="91440" bIns="45720" rtlCol="0">
+            <a:normAutofit/>
+          </a:bodyPr>
+          <a:lstStyle>
+            <a:lvl1pPr marL="0" indent="0" algn="l" defTabSz="914400" rtl="0" eaLnBrk="1" latinLnBrk="0" hangingPunct="1">
+              <a:lnSpc>
+                <a:spcPct val="90000"/>
+              </a:lnSpc>
+              <a:spcBef>
+                <a:spcPts val="1000"/>
+              </a:spcBef>
+              <a:buFont typeface="Arial" panose="020B0604020202020204" pitchFamily="34" charset="0"/>
+              <a:buNone/>
+              <a:defRPr sz="2400" kern="1200">
+                <a:solidFill>
+                  <a:schemeClr val="tx1">
+                    <a:tint val="82000"/>
+                  </a:schemeClr>
+                </a:solidFill>
+                <a:latin typeface="Berlin Sans FB Demi" panose="020E0802020502020306" pitchFamily="34" charset="0"/>
+                <a:ea typeface="+mn-ea"/>
+                <a:cs typeface="+mn-cs"/>
+              </a:defRPr>
+            </a:lvl1pPr>
+            <a:lvl2pPr marL="457200" indent="0" algn="l" defTabSz="914400" rtl="0" eaLnBrk="1" latinLnBrk="0" hangingPunct="1">
+              <a:lnSpc>
+                <a:spcPct val="90000"/>
+              </a:lnSpc>
+              <a:spcBef>
+                <a:spcPts val="500"/>
+              </a:spcBef>
+              <a:buFont typeface="Arial" panose="020B0604020202020204" pitchFamily="34" charset="0"/>
+              <a:buNone/>
+              <a:defRPr sz="2000" kern="1200">
+                <a:solidFill>
+                  <a:schemeClr val="tx1">
+                    <a:tint val="82000"/>
+                  </a:schemeClr>
+                </a:solidFill>
+                <a:latin typeface="Berlin Sans FB Demi" panose="020E0802020502020306" pitchFamily="34" charset="0"/>
+                <a:ea typeface="+mn-ea"/>
+                <a:cs typeface="+mn-cs"/>
+              </a:defRPr>
+            </a:lvl2pPr>
+            <a:lvl3pPr marL="914400" indent="0" algn="l" defTabSz="914400" rtl="0" eaLnBrk="1" latinLnBrk="0" hangingPunct="1">
+              <a:lnSpc>
+                <a:spcPct val="90000"/>
+              </a:lnSpc>
+              <a:spcBef>
+                <a:spcPts val="500"/>
+              </a:spcBef>
+              <a:buFont typeface="Arial" panose="020B0604020202020204" pitchFamily="34" charset="0"/>
+              <a:buNone/>
+              <a:defRPr sz="1800" kern="1200">
+                <a:solidFill>
+                  <a:schemeClr val="tx1">
+                    <a:tint val="82000"/>
+                  </a:schemeClr>
+                </a:solidFill>
+                <a:latin typeface="Berlin Sans FB Demi" panose="020E0802020502020306" pitchFamily="34" charset="0"/>
+                <a:ea typeface="+mn-ea"/>
+                <a:cs typeface="+mn-cs"/>
+              </a:defRPr>
+            </a:lvl3pPr>
+            <a:lvl4pPr marL="1371600" indent="0" algn="l" defTabSz="914400" rtl="0" eaLnBrk="1" latinLnBrk="0" hangingPunct="1">
+              <a:lnSpc>
+                <a:spcPct val="90000"/>
+              </a:lnSpc>
+              <a:spcBef>
+                <a:spcPts val="500"/>
+              </a:spcBef>
+              <a:buFont typeface="Arial" panose="020B0604020202020204" pitchFamily="34" charset="0"/>
+              <a:buNone/>
+              <a:defRPr sz="1600" kern="1200">
+                <a:solidFill>
+                  <a:schemeClr val="tx1">
+                    <a:tint val="82000"/>
+                  </a:schemeClr>
+                </a:solidFill>
+                <a:latin typeface="Berlin Sans FB Demi" panose="020E0802020502020306" pitchFamily="34" charset="0"/>
+                <a:ea typeface="+mn-ea"/>
+                <a:cs typeface="+mn-cs"/>
+              </a:defRPr>
+            </a:lvl4pPr>
+            <a:lvl5pPr marL="1828800" indent="0" algn="l" defTabSz="914400" rtl="0" eaLnBrk="1" latinLnBrk="0" hangingPunct="1">
+              <a:lnSpc>
+                <a:spcPct val="90000"/>
+              </a:lnSpc>
+              <a:spcBef>
+                <a:spcPts val="500"/>
+              </a:spcBef>
+              <a:buFont typeface="Arial" panose="020B0604020202020204" pitchFamily="34" charset="0"/>
+              <a:buNone/>
+              <a:defRPr sz="1600" kern="1200">
+                <a:solidFill>
+                  <a:schemeClr val="tx1">
+                    <a:tint val="82000"/>
+                  </a:schemeClr>
+                </a:solidFill>
+                <a:latin typeface="Berlin Sans FB Demi" panose="020E0802020502020306" pitchFamily="34" charset="0"/>
+                <a:ea typeface="+mn-ea"/>
+                <a:cs typeface="+mn-cs"/>
+              </a:defRPr>
+            </a:lvl5pPr>
+            <a:lvl6pPr marL="2286000" indent="0" algn="l" defTabSz="914400" rtl="0" eaLnBrk="1" latinLnBrk="0" hangingPunct="1">
+              <a:lnSpc>
+                <a:spcPct val="90000"/>
+              </a:lnSpc>
+              <a:spcBef>
+                <a:spcPts val="500"/>
+              </a:spcBef>
+              <a:buFont typeface="Arial" panose="020B0604020202020204" pitchFamily="34" charset="0"/>
+              <a:buNone/>
+              <a:defRPr sz="1600" kern="1200">
+                <a:solidFill>
+                  <a:schemeClr val="tx1">
+                    <a:tint val="82000"/>
+                  </a:schemeClr>
+                </a:solidFill>
+                <a:latin typeface="+mn-lt"/>
+                <a:ea typeface="+mn-ea"/>
+                <a:cs typeface="+mn-cs"/>
+              </a:defRPr>
+            </a:lvl6pPr>
+            <a:lvl7pPr marL="2743200" indent="0" algn="l" defTabSz="914400" rtl="0" eaLnBrk="1" latinLnBrk="0" hangingPunct="1">
+              <a:lnSpc>
+                <a:spcPct val="90000"/>
+              </a:lnSpc>
+              <a:spcBef>
+                <a:spcPts val="500"/>
+              </a:spcBef>
+              <a:buFont typeface="Arial" panose="020B0604020202020204" pitchFamily="34" charset="0"/>
+              <a:buNone/>
+              <a:defRPr sz="1600" kern="1200">
+                <a:solidFill>
+                  <a:schemeClr val="tx1">
+                    <a:tint val="82000"/>
+                  </a:schemeClr>
+                </a:solidFill>
+                <a:latin typeface="+mn-lt"/>
+                <a:ea typeface="+mn-ea"/>
+                <a:cs typeface="+mn-cs"/>
+              </a:defRPr>
+            </a:lvl7pPr>
+            <a:lvl8pPr marL="3200400" indent="0" algn="l" defTabSz="914400" rtl="0" eaLnBrk="1" latinLnBrk="0" hangingPunct="1">
+              <a:lnSpc>
+                <a:spcPct val="90000"/>
+              </a:lnSpc>
+              <a:spcBef>
+                <a:spcPts val="500"/>
+              </a:spcBef>
+              <a:buFont typeface="Arial" panose="020B0604020202020204" pitchFamily="34" charset="0"/>
+              <a:buNone/>
+              <a:defRPr sz="1600" kern="1200">
+                <a:solidFill>
+                  <a:schemeClr val="tx1">
+                    <a:tint val="82000"/>
+                  </a:schemeClr>
+                </a:solidFill>
+                <a:latin typeface="+mn-lt"/>
+                <a:ea typeface="+mn-ea"/>
+                <a:cs typeface="+mn-cs"/>
+              </a:defRPr>
+            </a:lvl8pPr>
+            <a:lvl9pPr marL="3657600" indent="0" algn="l" defTabSz="914400" rtl="0" eaLnBrk="1" latinLnBrk="0" hangingPunct="1">
+              <a:lnSpc>
+                <a:spcPct val="90000"/>
+              </a:lnSpc>
+              <a:spcBef>
+                <a:spcPts val="500"/>
+              </a:spcBef>
+              <a:buFont typeface="Arial" panose="020B0604020202020204" pitchFamily="34" charset="0"/>
+              <a:buNone/>
+              <a:defRPr sz="1600" kern="1200">
+                <a:solidFill>
+                  <a:schemeClr val="tx1">
+                    <a:tint val="82000"/>
+                  </a:schemeClr>
+                </a:solidFill>
+                <a:latin typeface="+mn-lt"/>
+                <a:ea typeface="+mn-ea"/>
+                <a:cs typeface="+mn-cs"/>
+              </a:defRPr>
+            </a:lvl9pPr>
+          </a:lstStyle>
+          <a:p>
+            <a:pPr algn="ctr"/>
+            <a:endParaRPr lang="de-DE" sz="2000" i="1" dirty="0"/>
+          </a:p>
+        </p:txBody>
+      </p:sp>
+    </p:spTree>
+    <p:extLst>
+      <p:ext uri="{BB962C8B-B14F-4D97-AF65-F5344CB8AC3E}">
+        <p14:creationId xmlns:p14="http://schemas.microsoft.com/office/powerpoint/2010/main" val="3362088960"/>
+      </p:ext>
+    </p:extLst>
+  </p:cSld>
+  <p:clrMapOvr>
+    <a:masterClrMapping/>
+  </p:clrMapOvr>
+  <p:timing>
+    <p:tnLst>
+      <p:par>
+        <p:cTn id="1" dur="indefinite" restart="never" nodeType="tmRoot">
+          <p:childTnLst>
+            <p:seq concurrent="1" nextAc="seek">
+              <p:cTn id="2" dur="indefinite" nodeType="mainSeq">
+                <p:childTnLst>
+                  <p:par>
+                    <p:cTn id="3" fill="hold">
+                      <p:stCondLst>
+                        <p:cond delay="indefinite"/>
+                      </p:stCondLst>
+                      <p:childTnLst>
+                        <p:par>
+                          <p:cTn id="4" fill="hold">
+                            <p:stCondLst>
+                              <p:cond delay="0"/>
+                            </p:stCondLst>
+                            <p:childTnLst>
+                              <p:par>
+                                <p:cTn id="5" presetID="10" presetClass="entr" presetSubtype="0" fill="hold" grpId="0" nodeType="clickEffect" nodePh="1">
+                                  <p:stCondLst>
+                                    <p:cond delay="0"/>
+                                  </p:stCondLst>
+                                  <p:endCondLst>
+                                    <p:cond evt="begin" delay="0">
+                                      <p:tn val="5"/>
+                                    </p:cond>
+                                  </p:endCondLst>
+                                  <p:childTnLst>
+                                    <p:set>
+                                      <p:cBhvr>
+                                        <p:cTn id="6" dur="1" fill="hold">
+                                          <p:stCondLst>
+                                            <p:cond delay="0"/>
+                                          </p:stCondLst>
+                                        </p:cTn>
+                                        <p:tgtEl>
+                                          <p:spTgt spid="6"/>
+                                        </p:tgtEl>
+                                        <p:attrNameLst>
+                                          <p:attrName>style.visibility</p:attrName>
+                                        </p:attrNameLst>
+                                      </p:cBhvr>
+                                      <p:to>
+                                        <p:strVal val="visible"/>
+                                      </p:to>
+                                    </p:set>
+                                    <p:animEffect transition="in" filter="fade">
+                                      <p:cBhvr>
+                                        <p:cTn id="7" dur="500"/>
+                                        <p:tgtEl>
+                                          <p:spTgt spid="6"/>
+                                        </p:tgtEl>
+                                      </p:cBhvr>
+                                    </p:animEffect>
+                                  </p:childTnLst>
+                                </p:cTn>
+                              </p:par>
+                            </p:childTnLst>
+                          </p:cTn>
+                        </p:par>
+                      </p:childTnLst>
+                    </p:cTn>
+                  </p:par>
+                </p:childTnLst>
+              </p:cTn>
+              <p:prevCondLst>
+                <p:cond evt="onPrev" delay="0">
+                  <p:tgtEl>
+                    <p:sldTgt/>
+                  </p:tgtEl>
+                </p:cond>
+              </p:prevCondLst>
+              <p:nextCondLst>
+                <p:cond evt="onNext" delay="0">
+                  <p:tgtEl>
+                    <p:sldTgt/>
+                  </p:tgtEl>
+                </p:cond>
+              </p:nextCondLst>
+            </p:seq>
+          </p:childTnLst>
+        </p:cTn>
+      </p:par>
+    </p:tnLst>
+    <p:bldLst>
+      <p:bldP spid="6" grpId="0"/>
+    </p:bldLst>
+  </p:timing>
+</p:sld>
+</file>
+
+<file path=ppt/slides/slide26.xml><?xml version="1.0" encoding="utf-8"?>
+<p:sld xmlns:a="http://schemas.openxmlformats.org/drawingml/2006/main" xmlns:r="http://schemas.openxmlformats.org/officeDocument/2006/relationships" xmlns:p="http://schemas.openxmlformats.org/presentationml/2006/main">
+  <p:cSld>
+    <p:spTree>
+      <p:nvGrpSpPr>
+        <p:cNvPr id="1" name=""/>
+        <p:cNvGrpSpPr/>
+        <p:nvPr/>
+      </p:nvGrpSpPr>
+      <p:grpSpPr>
+        <a:xfrm>
+          <a:off x="0" y="0"/>
+          <a:ext cx="0" cy="0"/>
+          <a:chOff x="0" y="0"/>
+          <a:chExt cx="0" cy="0"/>
+        </a:xfrm>
+      </p:grpSpPr>
+      <p:sp>
+        <p:nvSpPr>
+          <p:cNvPr id="4" name="Titel 3">
+            <a:extLst>
+              <a:ext uri="{FF2B5EF4-FFF2-40B4-BE49-F238E27FC236}">
+                <a16:creationId xmlns:a16="http://schemas.microsoft.com/office/drawing/2014/main" id="{99DB71E1-9647-1525-C28C-47BA19D61339}"/>
+              </a:ext>
+            </a:extLst>
+          </p:cNvPr>
+          <p:cNvSpPr>
+            <a:spLocks noGrp="1"/>
+          </p:cNvSpPr>
+          <p:nvPr>
+            <p:ph type="title"/>
+          </p:nvPr>
+        </p:nvSpPr>
+        <p:spPr/>
+        <p:txBody>
+          <a:bodyPr/>
+          <a:lstStyle/>
+          <a:p>
+            <a:r>
+              <a:rPr lang="de-DE" dirty="0"/>
+              <a:t>Warum Versionskontrolle?</a:t>
+            </a:r>
+          </a:p>
+        </p:txBody>
+      </p:sp>
+      <p:sp>
+        <p:nvSpPr>
+          <p:cNvPr id="5" name="Inhaltsplatzhalter 4">
+            <a:extLst>
+              <a:ext uri="{FF2B5EF4-FFF2-40B4-BE49-F238E27FC236}">
+                <a16:creationId xmlns:a16="http://schemas.microsoft.com/office/drawing/2014/main" id="{50A41A64-3A62-F722-DF2C-3482CA31147B}"/>
+              </a:ext>
+            </a:extLst>
+          </p:cNvPr>
+          <p:cNvSpPr>
+            <a:spLocks noGrp="1"/>
+          </p:cNvSpPr>
+          <p:nvPr>
+            <p:ph idx="1"/>
+          </p:nvPr>
+        </p:nvSpPr>
+        <p:spPr/>
+        <p:txBody>
+          <a:bodyPr/>
+          <a:lstStyle/>
+          <a:p>
+            <a:r>
+              <a:rPr lang="de-DE" dirty="0"/>
+              <a:t>„Was habe ich nochmal an meinem Code geändert??“</a:t>
+            </a:r>
+          </a:p>
+          <a:p>
+            <a:r>
+              <a:rPr lang="de-DE" dirty="0"/>
+              <a:t>„Wer hat diesen Code das letzte Mal angefasst?? </a:t>
+            </a:r>
+            <a:br>
+              <a:rPr lang="de-DE" dirty="0"/>
+            </a:br>
+            <a:r>
+              <a:rPr lang="de-DE" dirty="0"/>
+              <a:t>  Er funktioniert nicht mehr!“</a:t>
+            </a:r>
+          </a:p>
+          <a:p>
+            <a:r>
+              <a:rPr lang="de-DE" dirty="0"/>
+              <a:t>„Wer hat die neuste Version des Codes?“</a:t>
+            </a:r>
+          </a:p>
+          <a:p>
+            <a:r>
+              <a:rPr lang="de-DE" dirty="0"/>
+              <a:t>„Wenn ich doch nur die Zeit zurückdrehen könnte!“</a:t>
+            </a:r>
+          </a:p>
+          <a:p>
+            <a:r>
+              <a:rPr lang="de-DE" dirty="0"/>
+              <a:t>„Also letzten Donnerstag hat das noch funktioniert!“</a:t>
+            </a:r>
+          </a:p>
+          <a:p>
+            <a:pPr marL="0" indent="0">
+              <a:buNone/>
+            </a:pPr>
+            <a:endParaRPr lang="de-DE" dirty="0"/>
+          </a:p>
+        </p:txBody>
+      </p:sp>
+    </p:spTree>
+    <p:extLst>
+      <p:ext uri="{BB962C8B-B14F-4D97-AF65-F5344CB8AC3E}">
+        <p14:creationId xmlns:p14="http://schemas.microsoft.com/office/powerpoint/2010/main" val="3812971024"/>
+      </p:ext>
+    </p:extLst>
+  </p:cSld>
+  <p:clrMapOvr>
+    <a:masterClrMapping/>
+  </p:clrMapOvr>
+</p:sld>
+</file>
+
+<file path=ppt/slides/slide27.xml><?xml version="1.0" encoding="utf-8"?>
+<p:sld xmlns:a="http://schemas.openxmlformats.org/drawingml/2006/main" xmlns:r="http://schemas.openxmlformats.org/officeDocument/2006/relationships" xmlns:p="http://schemas.openxmlformats.org/presentationml/2006/main">
+  <p:cSld>
+    <p:spTree>
+      <p:nvGrpSpPr>
+        <p:cNvPr id="1" name=""/>
+        <p:cNvGrpSpPr/>
+        <p:nvPr/>
+      </p:nvGrpSpPr>
+      <p:grpSpPr>
+        <a:xfrm>
+          <a:off x="0" y="0"/>
+          <a:ext cx="0" cy="0"/>
+          <a:chOff x="0" y="0"/>
+          <a:chExt cx="0" cy="0"/>
+        </a:xfrm>
+      </p:grpSpPr>
+      <p:sp>
+        <p:nvSpPr>
+          <p:cNvPr id="12" name="Titel 11">
+            <a:extLst>
+              <a:ext uri="{FF2B5EF4-FFF2-40B4-BE49-F238E27FC236}">
+                <a16:creationId xmlns:a16="http://schemas.microsoft.com/office/drawing/2014/main" id="{4E27DF29-A241-3335-530F-379B3859CC53}"/>
+              </a:ext>
+            </a:extLst>
+          </p:cNvPr>
+          <p:cNvSpPr>
+            <a:spLocks noGrp="1"/>
+          </p:cNvSpPr>
+          <p:nvPr>
+            <p:ph type="title"/>
+          </p:nvPr>
+        </p:nvSpPr>
+        <p:spPr/>
+        <p:txBody>
+          <a:bodyPr/>
+          <a:lstStyle/>
+          <a:p>
+            <a:r>
+              <a:rPr lang="de-DE" dirty="0"/>
+              <a:t>Konzept von Versionskontrolle</a:t>
+            </a:r>
+          </a:p>
+        </p:txBody>
+      </p:sp>
+      <p:sp>
+        <p:nvSpPr>
+          <p:cNvPr id="7" name="Inhaltsplatzhalter 6">
+            <a:extLst>
+              <a:ext uri="{FF2B5EF4-FFF2-40B4-BE49-F238E27FC236}">
+                <a16:creationId xmlns:a16="http://schemas.microsoft.com/office/drawing/2014/main" id="{D85E7FF5-C5F9-A76F-6475-B96CC5C14043}"/>
+              </a:ext>
+            </a:extLst>
+          </p:cNvPr>
+          <p:cNvSpPr>
+            <a:spLocks noGrp="1"/>
+          </p:cNvSpPr>
+          <p:nvPr>
+            <p:ph sz="half" idx="1"/>
+          </p:nvPr>
+        </p:nvSpPr>
+        <p:spPr/>
+        <p:txBody>
+          <a:bodyPr/>
+          <a:lstStyle/>
+          <a:p>
+            <a:r>
+              <a:rPr lang="de-DE" dirty="0"/>
+              <a:t>Festhalten von Zuständen von Dateien</a:t>
+            </a:r>
+          </a:p>
+          <a:p>
+            <a:pPr lvl="1"/>
+            <a:r>
+              <a:rPr lang="de-DE" dirty="0"/>
+              <a:t>Änderungen an Dateien</a:t>
+            </a:r>
+          </a:p>
+          <a:p>
+            <a:pPr lvl="1"/>
+            <a:r>
+              <a:rPr lang="de-DE" dirty="0"/>
+              <a:t>Hinzufügen neuer Dateien</a:t>
+            </a:r>
+          </a:p>
+          <a:p>
+            <a:pPr lvl="1"/>
+            <a:r>
+              <a:rPr lang="de-DE" dirty="0"/>
+              <a:t>Entfernen von Dateien</a:t>
+            </a:r>
+          </a:p>
+          <a:p>
+            <a:r>
+              <a:rPr lang="de-DE" dirty="0"/>
+              <a:t>Vorteile:</a:t>
+            </a:r>
+          </a:p>
+          <a:p>
+            <a:pPr lvl="1"/>
+            <a:r>
+              <a:rPr lang="de-DE" dirty="0"/>
+              <a:t>Umfassender Änderungsverlauf</a:t>
+            </a:r>
+          </a:p>
+          <a:p>
+            <a:pPr lvl="1"/>
+            <a:r>
+              <a:rPr lang="de-DE" dirty="0"/>
+              <a:t>Nachverfolgbarkeit</a:t>
+            </a:r>
+          </a:p>
+          <a:p>
+            <a:pPr lvl="1"/>
+            <a:endParaRPr lang="de-DE" dirty="0"/>
+          </a:p>
+        </p:txBody>
+      </p:sp>
+      <p:pic>
+        <p:nvPicPr>
+          <p:cNvPr id="18" name="Inhaltsplatzhalter 17" descr="Ein Bild, das Text, Screenshot, Schrift, Zahl enthält.&#10;&#10;Automatisch generierte Beschreibung">
+            <a:extLst>
+              <a:ext uri="{FF2B5EF4-FFF2-40B4-BE49-F238E27FC236}">
+                <a16:creationId xmlns:a16="http://schemas.microsoft.com/office/drawing/2014/main" id="{0E6B64A1-52D9-305B-93B8-4034107EAB37}"/>
+              </a:ext>
+            </a:extLst>
+          </p:cNvPr>
+          <p:cNvPicPr>
+            <a:picLocks noGrp="1" noChangeAspect="1"/>
+          </p:cNvPicPr>
+          <p:nvPr>
+            <p:ph sz="half" idx="2"/>
+          </p:nvPr>
+        </p:nvPicPr>
+        <p:blipFill>
+          <a:blip r:embed="rId2">
+            <a:extLst>
+              <a:ext uri="{28A0092B-C50C-407E-A947-70E740481C1C}">
+                <a14:useLocalDpi xmlns:a14="http://schemas.microsoft.com/office/drawing/2010/main" val="0"/>
+              </a:ext>
+            </a:extLst>
+          </a:blip>
+          <a:stretch>
+            <a:fillRect/>
+          </a:stretch>
+        </p:blipFill>
+        <p:spPr>
+          <a:xfrm>
+            <a:off x="6215875" y="1825625"/>
+            <a:ext cx="5094249" cy="4351338"/>
+          </a:xfrm>
+          <a:prstGeom prst="rect">
+            <a:avLst/>
+          </a:prstGeom>
+        </p:spPr>
+      </p:pic>
+    </p:spTree>
+    <p:extLst>
+      <p:ext uri="{BB962C8B-B14F-4D97-AF65-F5344CB8AC3E}">
+        <p14:creationId xmlns:p14="http://schemas.microsoft.com/office/powerpoint/2010/main" val="228809835"/>
+      </p:ext>
+    </p:extLst>
+  </p:cSld>
+  <p:clrMapOvr>
+    <a:masterClrMapping/>
+  </p:clrMapOvr>
+</p:sld>
+</file>
+
+<file path=ppt/slides/slide28.xml><?xml version="1.0" encoding="utf-8"?>
+<p:sld xmlns:a="http://schemas.openxmlformats.org/drawingml/2006/main" xmlns:r="http://schemas.openxmlformats.org/officeDocument/2006/relationships" xmlns:p="http://schemas.openxmlformats.org/presentationml/2006/main">
+  <p:cSld>
+    <p:spTree>
+      <p:nvGrpSpPr>
+        <p:cNvPr id="1" name=""/>
+        <p:cNvGrpSpPr/>
+        <p:nvPr/>
+      </p:nvGrpSpPr>
+      <p:grpSpPr>
+        <a:xfrm>
+          <a:off x="0" y="0"/>
+          <a:ext cx="0" cy="0"/>
+          <a:chOff x="0" y="0"/>
+          <a:chExt cx="0" cy="0"/>
+        </a:xfrm>
+      </p:grpSpPr>
+      <p:sp>
+        <p:nvSpPr>
+          <p:cNvPr id="2" name="Titel 1">
+            <a:extLst>
+              <a:ext uri="{FF2B5EF4-FFF2-40B4-BE49-F238E27FC236}">
+                <a16:creationId xmlns:a16="http://schemas.microsoft.com/office/drawing/2014/main" id="{DB189D99-46B2-6EC6-374A-293EF3E3DA26}"/>
+              </a:ext>
+            </a:extLst>
+          </p:cNvPr>
+          <p:cNvSpPr>
+            <a:spLocks noGrp="1"/>
+          </p:cNvSpPr>
+          <p:nvPr>
+            <p:ph type="title"/>
+          </p:nvPr>
+        </p:nvSpPr>
+        <p:spPr/>
+        <p:txBody>
+          <a:bodyPr/>
+          <a:lstStyle/>
+          <a:p>
+            <a:r>
+              <a:rPr lang="de-DE" dirty="0"/>
+              <a:t>Beispiel von </a:t>
+            </a:r>
+            <a:r>
+              <a:rPr lang="de-DE" dirty="0" err="1"/>
+              <a:t>Commits</a:t>
+            </a:r>
+            <a:endParaRPr lang="de-DE" dirty="0"/>
+          </a:p>
+        </p:txBody>
+      </p:sp>
+      <p:pic>
+        <p:nvPicPr>
+          <p:cNvPr id="14" name="Inhaltsplatzhalter 13">
+            <a:extLst>
+              <a:ext uri="{FF2B5EF4-FFF2-40B4-BE49-F238E27FC236}">
+                <a16:creationId xmlns:a16="http://schemas.microsoft.com/office/drawing/2014/main" id="{C5BE0075-FF10-A46A-6616-58EB7829B92C}"/>
+              </a:ext>
+            </a:extLst>
+          </p:cNvPr>
+          <p:cNvPicPr>
+            <a:picLocks noGrp="1" noChangeAspect="1"/>
+          </p:cNvPicPr>
+          <p:nvPr>
+            <p:ph idx="1"/>
+          </p:nvPr>
+        </p:nvPicPr>
+        <p:blipFill>
+          <a:blip r:embed="rId3"/>
+          <a:stretch>
+            <a:fillRect/>
+          </a:stretch>
+        </p:blipFill>
+        <p:spPr>
+          <a:xfrm>
+            <a:off x="838200" y="2280911"/>
+            <a:ext cx="10515600" cy="3440766"/>
+          </a:xfrm>
+          <a:prstGeom prst="rect">
+            <a:avLst/>
+          </a:prstGeom>
+        </p:spPr>
+      </p:pic>
+    </p:spTree>
+    <p:extLst>
+      <p:ext uri="{BB962C8B-B14F-4D97-AF65-F5344CB8AC3E}">
+        <p14:creationId xmlns:p14="http://schemas.microsoft.com/office/powerpoint/2010/main" val="4040444793"/>
+      </p:ext>
+    </p:extLst>
+  </p:cSld>
+  <p:clrMapOvr>
+    <a:masterClrMapping/>
+  </p:clrMapOvr>
+</p:sld>
+</file>
+
+<file path=ppt/slides/slide29.xml><?xml version="1.0" encoding="utf-8"?>
+<p:sld xmlns:a="http://schemas.openxmlformats.org/drawingml/2006/main" xmlns:r="http://schemas.openxmlformats.org/officeDocument/2006/relationships" xmlns:p="http://schemas.openxmlformats.org/presentationml/2006/main">
+  <p:cSld>
+    <p:spTree>
+      <p:nvGrpSpPr>
+        <p:cNvPr id="1" name=""/>
+        <p:cNvGrpSpPr/>
+        <p:nvPr/>
+      </p:nvGrpSpPr>
+      <p:grpSpPr>
+        <a:xfrm>
+          <a:off x="0" y="0"/>
+          <a:ext cx="0" cy="0"/>
+          <a:chOff x="0" y="0"/>
+          <a:chExt cx="0" cy="0"/>
+        </a:xfrm>
+      </p:grpSpPr>
+      <p:sp>
+        <p:nvSpPr>
+          <p:cNvPr id="2" name="Titel 1">
+            <a:extLst>
+              <a:ext uri="{FF2B5EF4-FFF2-40B4-BE49-F238E27FC236}">
+                <a16:creationId xmlns:a16="http://schemas.microsoft.com/office/drawing/2014/main" id="{47B95371-FB67-A5ED-3137-B28A810544E0}"/>
+              </a:ext>
+            </a:extLst>
+          </p:cNvPr>
+          <p:cNvSpPr>
+            <a:spLocks noGrp="1"/>
+          </p:cNvSpPr>
+          <p:nvPr>
+            <p:ph type="title"/>
+          </p:nvPr>
+        </p:nvSpPr>
+        <p:spPr/>
+        <p:txBody>
+          <a:bodyPr/>
+          <a:lstStyle/>
+          <a:p>
+            <a:r>
+              <a:rPr lang="de-DE" dirty="0" err="1"/>
+              <a:t>git</a:t>
+            </a:r>
+            <a:endParaRPr lang="de-DE" dirty="0"/>
+          </a:p>
+        </p:txBody>
+      </p:sp>
+      <p:sp>
+        <p:nvSpPr>
+          <p:cNvPr id="3" name="Inhaltsplatzhalter 2">
+            <a:extLst>
+              <a:ext uri="{FF2B5EF4-FFF2-40B4-BE49-F238E27FC236}">
+                <a16:creationId xmlns:a16="http://schemas.microsoft.com/office/drawing/2014/main" id="{34D07182-57ED-4BF8-7468-3B9A525601F6}"/>
+              </a:ext>
+            </a:extLst>
+          </p:cNvPr>
+          <p:cNvSpPr>
+            <a:spLocks noGrp="1"/>
+          </p:cNvSpPr>
+          <p:nvPr>
+            <p:ph idx="1"/>
+          </p:nvPr>
+        </p:nvSpPr>
+        <p:spPr/>
+        <p:txBody>
+          <a:bodyPr/>
+          <a:lstStyle/>
+          <a:p>
+            <a:pPr marL="0" indent="0">
+              <a:buNone/>
+            </a:pPr>
+            <a:r>
+              <a:rPr lang="de-DE" i="1" dirty="0"/>
+              <a:t>Global </a:t>
+            </a:r>
+            <a:r>
+              <a:rPr lang="de-DE" i="1" dirty="0" err="1"/>
+              <a:t>information</a:t>
+            </a:r>
+            <a:r>
+              <a:rPr lang="de-DE" i="1" dirty="0"/>
+              <a:t> </a:t>
+            </a:r>
+            <a:r>
+              <a:rPr lang="de-DE" i="1" dirty="0" err="1"/>
+              <a:t>tracker</a:t>
+            </a:r>
+            <a:endParaRPr lang="de-DE" i="1" dirty="0"/>
+          </a:p>
+          <a:p>
+            <a:r>
+              <a:rPr lang="de-DE" dirty="0"/>
+              <a:t>Arbeiten mit „</a:t>
+            </a:r>
+            <a:r>
+              <a:rPr lang="de-DE" dirty="0" err="1"/>
+              <a:t>Commits</a:t>
+            </a:r>
+            <a:r>
+              <a:rPr lang="de-DE" dirty="0"/>
+              <a:t>“ &amp; „</a:t>
+            </a:r>
+            <a:r>
+              <a:rPr lang="de-DE" dirty="0" err="1"/>
+              <a:t>Branches</a:t>
+            </a:r>
+            <a:r>
+              <a:rPr lang="de-DE" dirty="0"/>
+              <a:t>“</a:t>
+            </a:r>
+          </a:p>
+          <a:p>
+            <a:r>
+              <a:rPr lang="de-DE" dirty="0"/>
+              <a:t>Serveranbindung: z.B. GitHub</a:t>
+            </a:r>
+          </a:p>
+        </p:txBody>
+      </p:sp>
+      <p:pic>
+        <p:nvPicPr>
+          <p:cNvPr id="4" name="Grafik 3">
+            <a:extLst>
+              <a:ext uri="{FF2B5EF4-FFF2-40B4-BE49-F238E27FC236}">
+                <a16:creationId xmlns:a16="http://schemas.microsoft.com/office/drawing/2014/main" id="{967B55DE-EDBF-A03E-22D7-B6B43E9023DD}"/>
+              </a:ext>
+            </a:extLst>
+          </p:cNvPr>
+          <p:cNvPicPr>
+            <a:picLocks noChangeAspect="1"/>
+          </p:cNvPicPr>
+          <p:nvPr/>
+        </p:nvPicPr>
+        <p:blipFill>
+          <a:blip r:embed="rId2">
+            <a:extLst>
+              <a:ext uri="{96DAC541-7B7A-43D3-8B79-37D633B846F1}">
+                <asvg:svgBlip xmlns:asvg="http://schemas.microsoft.com/office/drawing/2016/SVG/main" r:embed="rId3"/>
+              </a:ext>
+            </a:extLst>
+          </a:blip>
+          <a:stretch>
+            <a:fillRect/>
+          </a:stretch>
+        </p:blipFill>
+        <p:spPr>
+          <a:xfrm>
+            <a:off x="8077199" y="365125"/>
+            <a:ext cx="3776133" cy="1576846"/>
+          </a:xfrm>
+          <a:prstGeom prst="rect">
+            <a:avLst/>
+          </a:prstGeom>
+        </p:spPr>
+      </p:pic>
+      <p:sp>
+        <p:nvSpPr>
+          <p:cNvPr id="6" name="Textfeld 5">
+            <a:extLst>
+              <a:ext uri="{FF2B5EF4-FFF2-40B4-BE49-F238E27FC236}">
+                <a16:creationId xmlns:a16="http://schemas.microsoft.com/office/drawing/2014/main" id="{DCECC75F-50EE-DB4C-D44E-593BABFE1842}"/>
+              </a:ext>
+            </a:extLst>
+          </p:cNvPr>
+          <p:cNvSpPr txBox="1"/>
+          <p:nvPr/>
+        </p:nvSpPr>
+        <p:spPr>
+          <a:xfrm>
+            <a:off x="5500914" y="1892242"/>
+            <a:ext cx="3193143" cy="369332"/>
+          </a:xfrm>
+          <a:prstGeom prst="rect">
+            <a:avLst/>
+          </a:prstGeom>
+          <a:noFill/>
+        </p:spPr>
+        <p:txBody>
+          <a:bodyPr wrap="square">
+            <a:spAutoFit/>
+          </a:bodyPr>
+          <a:lstStyle/>
+          <a:p>
+            <a:r>
+              <a:rPr lang="de-DE" sz="1800" i="1" dirty="0">
+                <a:latin typeface="Berlin Sans FB Demi" panose="020E0802020502020306" pitchFamily="34" charset="0"/>
+              </a:rPr>
+              <a:t>(oder: Englisch für „Idiot“)</a:t>
+            </a:r>
+          </a:p>
+        </p:txBody>
+      </p:sp>
+    </p:spTree>
+    <p:extLst>
+      <p:ext uri="{BB962C8B-B14F-4D97-AF65-F5344CB8AC3E}">
+        <p14:creationId xmlns:p14="http://schemas.microsoft.com/office/powerpoint/2010/main" val="602657337"/>
       </p:ext>
     </p:extLst>
   </p:cSld>
@@ -8325,10 +11474,10 @@
       </p:grpSpPr>
       <p:sp>
         <p:nvSpPr>
-          <p:cNvPr id="2" name="Titel 1">
-            <a:extLst>
-              <a:ext uri="{FF2B5EF4-FFF2-40B4-BE49-F238E27FC236}">
-                <a16:creationId xmlns:a16="http://schemas.microsoft.com/office/drawing/2014/main" id="{F25F7313-ACED-5D11-931F-CFF944AC2B1C}"/>
+          <p:cNvPr id="4" name="Titel 3">
+            <a:extLst>
+              <a:ext uri="{FF2B5EF4-FFF2-40B4-BE49-F238E27FC236}">
+                <a16:creationId xmlns:a16="http://schemas.microsoft.com/office/drawing/2014/main" id="{B99E2AF1-282A-DA90-D13B-DF3A8F7832F6}"/>
               </a:ext>
             </a:extLst>
           </p:cNvPr>
@@ -8346,25 +11495,25 @@
           <a:p>
             <a:r>
               <a:rPr lang="de-DE" dirty="0"/>
-              <a:t>Voraussetzungen</a:t>
-            </a:r>
-          </a:p>
-        </p:txBody>
-      </p:sp>
-      <p:sp>
-        <p:nvSpPr>
-          <p:cNvPr id="3" name="Inhaltsplatzhalter 2">
-            <a:extLst>
-              <a:ext uri="{FF2B5EF4-FFF2-40B4-BE49-F238E27FC236}">
-                <a16:creationId xmlns:a16="http://schemas.microsoft.com/office/drawing/2014/main" id="{EC643B2E-A60A-28C5-F336-1096D23D4DC3}"/>
-              </a:ext>
-            </a:extLst>
-          </p:cNvPr>
-          <p:cNvSpPr>
-            <a:spLocks noGrp="1"/>
-          </p:cNvSpPr>
-          <p:nvPr>
-            <p:ph idx="1"/>
+              <a:t>Wer hat schon Erfahrungen mit Python im Rahmen FLL?</a:t>
+            </a:r>
+          </a:p>
+        </p:txBody>
+      </p:sp>
+      <p:sp>
+        <p:nvSpPr>
+          <p:cNvPr id="5" name="Textplatzhalter 4">
+            <a:extLst>
+              <a:ext uri="{FF2B5EF4-FFF2-40B4-BE49-F238E27FC236}">
+                <a16:creationId xmlns:a16="http://schemas.microsoft.com/office/drawing/2014/main" id="{19660B95-D15D-F14C-D433-EC33DE2B3FD2}"/>
+              </a:ext>
+            </a:extLst>
+          </p:cNvPr>
+          <p:cNvSpPr>
+            <a:spLocks noGrp="1"/>
+          </p:cNvSpPr>
+          <p:nvPr>
+            <p:ph type="body" idx="1"/>
           </p:nvPr>
         </p:nvSpPr>
         <p:spPr/>
@@ -8372,36 +11521,359 @@
           <a:bodyPr/>
           <a:lstStyle/>
           <a:p>
-            <a:r>
-              <a:rPr lang="de-DE" dirty="0"/>
-              <a:t>Programmier-Erfahrungen:</a:t>
-            </a:r>
-          </a:p>
-          <a:p>
-            <a:pPr lvl="1"/>
-            <a:r>
-              <a:rPr lang="de-DE" dirty="0"/>
-              <a:t>Scratch, Blocksprachen, etc.</a:t>
-            </a:r>
-          </a:p>
-          <a:p>
-            <a:r>
-              <a:rPr lang="de-DE" dirty="0"/>
-              <a:t>Englisch-Kenntnisse</a:t>
-            </a:r>
-          </a:p>
-          <a:p>
-            <a:r>
-              <a:rPr lang="de-DE" dirty="0"/>
-              <a:t>Equipment</a:t>
-            </a:r>
+            <a:endParaRPr lang="de-DE"/>
           </a:p>
         </p:txBody>
       </p:sp>
     </p:spTree>
     <p:extLst>
       <p:ext uri="{BB962C8B-B14F-4D97-AF65-F5344CB8AC3E}">
-        <p14:creationId xmlns:p14="http://schemas.microsoft.com/office/powerpoint/2010/main" val="3686910298"/>
+        <p14:creationId xmlns:p14="http://schemas.microsoft.com/office/powerpoint/2010/main" val="186666745"/>
+      </p:ext>
+    </p:extLst>
+  </p:cSld>
+  <p:clrMapOvr>
+    <a:masterClrMapping/>
+  </p:clrMapOvr>
+</p:sld>
+</file>
+
+<file path=ppt/slides/slide30.xml><?xml version="1.0" encoding="utf-8"?>
+<p:sld xmlns:a="http://schemas.openxmlformats.org/drawingml/2006/main" xmlns:r="http://schemas.openxmlformats.org/officeDocument/2006/relationships" xmlns:p="http://schemas.openxmlformats.org/presentationml/2006/main">
+  <p:cSld>
+    <p:spTree>
+      <p:nvGrpSpPr>
+        <p:cNvPr id="1" name=""/>
+        <p:cNvGrpSpPr/>
+        <p:nvPr/>
+      </p:nvGrpSpPr>
+      <p:grpSpPr>
+        <a:xfrm>
+          <a:off x="0" y="0"/>
+          <a:ext cx="0" cy="0"/>
+          <a:chOff x="0" y="0"/>
+          <a:chExt cx="0" cy="0"/>
+        </a:xfrm>
+      </p:grpSpPr>
+      <p:sp>
+        <p:nvSpPr>
+          <p:cNvPr id="2" name="Titel 1">
+            <a:extLst>
+              <a:ext uri="{FF2B5EF4-FFF2-40B4-BE49-F238E27FC236}">
+                <a16:creationId xmlns:a16="http://schemas.microsoft.com/office/drawing/2014/main" id="{63449BA4-647F-E7FF-1CDF-4006E31A4679}"/>
+              </a:ext>
+            </a:extLst>
+          </p:cNvPr>
+          <p:cNvSpPr>
+            <a:spLocks noGrp="1"/>
+          </p:cNvSpPr>
+          <p:nvPr>
+            <p:ph type="title"/>
+          </p:nvPr>
+        </p:nvSpPr>
+        <p:spPr/>
+        <p:txBody>
+          <a:bodyPr/>
+          <a:lstStyle/>
+          <a:p>
+            <a:r>
+              <a:rPr lang="de-DE" dirty="0"/>
+              <a:t>GitHub</a:t>
+            </a:r>
+          </a:p>
+        </p:txBody>
+      </p:sp>
+      <p:sp>
+        <p:nvSpPr>
+          <p:cNvPr id="3" name="Inhaltsplatzhalter 2">
+            <a:extLst>
+              <a:ext uri="{FF2B5EF4-FFF2-40B4-BE49-F238E27FC236}">
+                <a16:creationId xmlns:a16="http://schemas.microsoft.com/office/drawing/2014/main" id="{52CFD63E-13D1-2C5A-3DCE-813528E07464}"/>
+              </a:ext>
+            </a:extLst>
+          </p:cNvPr>
+          <p:cNvSpPr>
+            <a:spLocks noGrp="1"/>
+          </p:cNvSpPr>
+          <p:nvPr>
+            <p:ph idx="1"/>
+          </p:nvPr>
+        </p:nvSpPr>
+        <p:spPr/>
+        <p:txBody>
+          <a:bodyPr/>
+          <a:lstStyle/>
+          <a:p>
+            <a:endParaRPr lang="de-DE"/>
+          </a:p>
+        </p:txBody>
+      </p:sp>
+    </p:spTree>
+    <p:extLst>
+      <p:ext uri="{BB962C8B-B14F-4D97-AF65-F5344CB8AC3E}">
+        <p14:creationId xmlns:p14="http://schemas.microsoft.com/office/powerpoint/2010/main" val="667058642"/>
+      </p:ext>
+    </p:extLst>
+  </p:cSld>
+  <p:clrMapOvr>
+    <a:masterClrMapping/>
+  </p:clrMapOvr>
+</p:sld>
+</file>
+
+<file path=ppt/slides/slide31.xml><?xml version="1.0" encoding="utf-8"?>
+<p:sld xmlns:a="http://schemas.openxmlformats.org/drawingml/2006/main" xmlns:r="http://schemas.openxmlformats.org/officeDocument/2006/relationships" xmlns:p="http://schemas.openxmlformats.org/presentationml/2006/main">
+  <p:cSld>
+    <p:spTree>
+      <p:nvGrpSpPr>
+        <p:cNvPr id="1" name=""/>
+        <p:cNvGrpSpPr/>
+        <p:nvPr/>
+      </p:nvGrpSpPr>
+      <p:grpSpPr>
+        <a:xfrm>
+          <a:off x="0" y="0"/>
+          <a:ext cx="0" cy="0"/>
+          <a:chOff x="0" y="0"/>
+          <a:chExt cx="0" cy="0"/>
+        </a:xfrm>
+      </p:grpSpPr>
+      <p:sp>
+        <p:nvSpPr>
+          <p:cNvPr id="4" name="Titel 3">
+            <a:extLst>
+              <a:ext uri="{FF2B5EF4-FFF2-40B4-BE49-F238E27FC236}">
+                <a16:creationId xmlns:a16="http://schemas.microsoft.com/office/drawing/2014/main" id="{76768294-9FE7-5656-E64A-6328D4C58E44}"/>
+              </a:ext>
+            </a:extLst>
+          </p:cNvPr>
+          <p:cNvSpPr>
+            <a:spLocks noGrp="1"/>
+          </p:cNvSpPr>
+          <p:nvPr>
+            <p:ph type="title"/>
+          </p:nvPr>
+        </p:nvSpPr>
+        <p:spPr/>
+        <p:txBody>
+          <a:bodyPr/>
+          <a:lstStyle/>
+          <a:p>
+            <a:r>
+              <a:rPr lang="de-DE" dirty="0"/>
+              <a:t>Empfehlungen</a:t>
+            </a:r>
+          </a:p>
+        </p:txBody>
+      </p:sp>
+      <p:sp>
+        <p:nvSpPr>
+          <p:cNvPr id="5" name="Textplatzhalter 4">
+            <a:extLst>
+              <a:ext uri="{FF2B5EF4-FFF2-40B4-BE49-F238E27FC236}">
+                <a16:creationId xmlns:a16="http://schemas.microsoft.com/office/drawing/2014/main" id="{56008966-FEA9-9A11-5288-D35F46DDC271}"/>
+              </a:ext>
+            </a:extLst>
+          </p:cNvPr>
+          <p:cNvSpPr>
+            <a:spLocks noGrp="1"/>
+          </p:cNvSpPr>
+          <p:nvPr>
+            <p:ph type="body" idx="1"/>
+          </p:nvPr>
+        </p:nvSpPr>
+        <p:spPr/>
+        <p:txBody>
+          <a:bodyPr/>
+          <a:lstStyle/>
+          <a:p>
+            <a:endParaRPr lang="de-DE"/>
+          </a:p>
+        </p:txBody>
+      </p:sp>
+    </p:spTree>
+    <p:extLst>
+      <p:ext uri="{BB962C8B-B14F-4D97-AF65-F5344CB8AC3E}">
+        <p14:creationId xmlns:p14="http://schemas.microsoft.com/office/powerpoint/2010/main" val="2557587219"/>
+      </p:ext>
+    </p:extLst>
+  </p:cSld>
+  <p:clrMapOvr>
+    <a:masterClrMapping/>
+  </p:clrMapOvr>
+</p:sld>
+</file>
+
+<file path=ppt/slides/slide32.xml><?xml version="1.0" encoding="utf-8"?>
+<p:sld xmlns:a="http://schemas.openxmlformats.org/drawingml/2006/main" xmlns:r="http://schemas.openxmlformats.org/officeDocument/2006/relationships" xmlns:p="http://schemas.openxmlformats.org/presentationml/2006/main">
+  <p:cSld>
+    <p:spTree>
+      <p:nvGrpSpPr>
+        <p:cNvPr id="1" name=""/>
+        <p:cNvGrpSpPr/>
+        <p:nvPr/>
+      </p:nvGrpSpPr>
+      <p:grpSpPr>
+        <a:xfrm>
+          <a:off x="0" y="0"/>
+          <a:ext cx="0" cy="0"/>
+          <a:chOff x="0" y="0"/>
+          <a:chExt cx="0" cy="0"/>
+        </a:xfrm>
+      </p:grpSpPr>
+      <p:sp>
+        <p:nvSpPr>
+          <p:cNvPr id="4" name="Titel 3">
+            <a:extLst>
+              <a:ext uri="{FF2B5EF4-FFF2-40B4-BE49-F238E27FC236}">
+                <a16:creationId xmlns:a16="http://schemas.microsoft.com/office/drawing/2014/main" id="{DC62E89F-5219-D83B-DD75-22AE3E57A9D7}"/>
+              </a:ext>
+            </a:extLst>
+          </p:cNvPr>
+          <p:cNvSpPr>
+            <a:spLocks noGrp="1"/>
+          </p:cNvSpPr>
+          <p:nvPr>
+            <p:ph type="title"/>
+          </p:nvPr>
+        </p:nvSpPr>
+        <p:spPr/>
+        <p:txBody>
+          <a:bodyPr/>
+          <a:lstStyle/>
+          <a:p>
+            <a:r>
+              <a:rPr lang="de-DE" dirty="0"/>
+              <a:t>Empfehlungen</a:t>
+            </a:r>
+          </a:p>
+        </p:txBody>
+      </p:sp>
+      <p:sp>
+        <p:nvSpPr>
+          <p:cNvPr id="5" name="Inhaltsplatzhalter 4">
+            <a:extLst>
+              <a:ext uri="{FF2B5EF4-FFF2-40B4-BE49-F238E27FC236}">
+                <a16:creationId xmlns:a16="http://schemas.microsoft.com/office/drawing/2014/main" id="{895BC6A2-713D-329F-D81A-E5C90CDD2A12}"/>
+              </a:ext>
+            </a:extLst>
+          </p:cNvPr>
+          <p:cNvSpPr>
+            <a:spLocks noGrp="1"/>
+          </p:cNvSpPr>
+          <p:nvPr>
+            <p:ph idx="1"/>
+          </p:nvPr>
+        </p:nvSpPr>
+        <p:spPr/>
+        <p:txBody>
+          <a:bodyPr/>
+          <a:lstStyle/>
+          <a:p>
+            <a:r>
+              <a:rPr lang="de-DE" dirty="0"/>
+              <a:t>Nutzt GitHub (oder einen anderen Cloud-Dienst) als Datenablage für euer Team</a:t>
+            </a:r>
+          </a:p>
+          <a:p>
+            <a:endParaRPr lang="de-DE" dirty="0"/>
+          </a:p>
+        </p:txBody>
+      </p:sp>
+    </p:spTree>
+    <p:extLst>
+      <p:ext uri="{BB962C8B-B14F-4D97-AF65-F5344CB8AC3E}">
+        <p14:creationId xmlns:p14="http://schemas.microsoft.com/office/powerpoint/2010/main" val="1648815403"/>
+      </p:ext>
+    </p:extLst>
+  </p:cSld>
+  <p:clrMapOvr>
+    <a:masterClrMapping/>
+  </p:clrMapOvr>
+</p:sld>
+</file>
+
+<file path=ppt/slides/slide33.xml><?xml version="1.0" encoding="utf-8"?>
+<p:sld xmlns:a="http://schemas.openxmlformats.org/drawingml/2006/main" xmlns:r="http://schemas.openxmlformats.org/officeDocument/2006/relationships" xmlns:p="http://schemas.openxmlformats.org/presentationml/2006/main">
+  <p:cSld>
+    <p:spTree>
+      <p:nvGrpSpPr>
+        <p:cNvPr id="1" name=""/>
+        <p:cNvGrpSpPr/>
+        <p:nvPr/>
+      </p:nvGrpSpPr>
+      <p:grpSpPr>
+        <a:xfrm>
+          <a:off x="0" y="0"/>
+          <a:ext cx="0" cy="0"/>
+          <a:chOff x="0" y="0"/>
+          <a:chExt cx="0" cy="0"/>
+        </a:xfrm>
+      </p:grpSpPr>
+      <p:sp>
+        <p:nvSpPr>
+          <p:cNvPr id="4" name="Titel 3">
+            <a:extLst>
+              <a:ext uri="{FF2B5EF4-FFF2-40B4-BE49-F238E27FC236}">
+                <a16:creationId xmlns:a16="http://schemas.microsoft.com/office/drawing/2014/main" id="{F4820EE5-22F5-5CAA-88D3-ED31D4D6C93E}"/>
+              </a:ext>
+            </a:extLst>
+          </p:cNvPr>
+          <p:cNvSpPr>
+            <a:spLocks noGrp="1"/>
+          </p:cNvSpPr>
+          <p:nvPr>
+            <p:ph type="title"/>
+          </p:nvPr>
+        </p:nvSpPr>
+        <p:spPr/>
+        <p:txBody>
+          <a:bodyPr/>
+          <a:lstStyle/>
+          <a:p>
+            <a:r>
+              <a:rPr lang="de-DE" sz="5400" i="1" dirty="0"/>
+              <a:t>Offene Runde:</a:t>
+            </a:r>
+            <a:br>
+              <a:rPr lang="de-DE" dirty="0"/>
+            </a:br>
+            <a:r>
+              <a:rPr lang="de-DE" dirty="0"/>
+              <a:t>Welche Tipps habt ihr?</a:t>
+            </a:r>
+          </a:p>
+        </p:txBody>
+      </p:sp>
+      <p:sp>
+        <p:nvSpPr>
+          <p:cNvPr id="5" name="Textplatzhalter 4">
+            <a:extLst>
+              <a:ext uri="{FF2B5EF4-FFF2-40B4-BE49-F238E27FC236}">
+                <a16:creationId xmlns:a16="http://schemas.microsoft.com/office/drawing/2014/main" id="{C1F96FF1-00C1-7704-646A-387D432FB716}"/>
+              </a:ext>
+            </a:extLst>
+          </p:cNvPr>
+          <p:cNvSpPr>
+            <a:spLocks noGrp="1"/>
+          </p:cNvSpPr>
+          <p:nvPr>
+            <p:ph type="body" idx="1"/>
+          </p:nvPr>
+        </p:nvSpPr>
+        <p:spPr/>
+        <p:txBody>
+          <a:bodyPr/>
+          <a:lstStyle/>
+          <a:p>
+            <a:endParaRPr lang="de-DE"/>
+          </a:p>
+        </p:txBody>
+      </p:sp>
+    </p:spTree>
+    <p:extLst>
+      <p:ext uri="{BB962C8B-B14F-4D97-AF65-F5344CB8AC3E}">
+        <p14:creationId xmlns:p14="http://schemas.microsoft.com/office/powerpoint/2010/main" val="3661649730"/>
       </p:ext>
     </p:extLst>
   </p:cSld>
@@ -8430,10 +11902,10 @@
       </p:grpSpPr>
       <p:sp>
         <p:nvSpPr>
-          <p:cNvPr id="2" name="Titel 1">
-            <a:extLst>
-              <a:ext uri="{FF2B5EF4-FFF2-40B4-BE49-F238E27FC236}">
-                <a16:creationId xmlns:a16="http://schemas.microsoft.com/office/drawing/2014/main" id="{703644C5-B071-2DC7-2023-748E636CFD4F}"/>
+          <p:cNvPr id="4" name="Titel 3">
+            <a:extLst>
+              <a:ext uri="{FF2B5EF4-FFF2-40B4-BE49-F238E27FC236}">
+                <a16:creationId xmlns:a16="http://schemas.microsoft.com/office/drawing/2014/main" id="{327412C7-C24B-E14E-F9E8-B31414885F5A}"/>
               </a:ext>
             </a:extLst>
           </p:cNvPr>
@@ -8449,46 +11921,74 @@
           <a:bodyPr/>
           <a:lstStyle/>
           <a:p>
-            <a:pPr algn="ctr"/>
             <a:r>
               <a:rPr lang="de-DE" dirty="0"/>
-              <a:t>Programmiererfahrungen</a:t>
-            </a:r>
-          </a:p>
-        </p:txBody>
-      </p:sp>
-      <p:graphicFrame>
-        <p:nvGraphicFramePr>
-          <p:cNvPr id="9" name="Diagramm 8">
-            <a:extLst>
-              <a:ext uri="{FF2B5EF4-FFF2-40B4-BE49-F238E27FC236}">
-                <a16:creationId xmlns:a16="http://schemas.microsoft.com/office/drawing/2014/main" id="{9367F1DF-4A81-9511-8823-1E647F5C88C2}"/>
-              </a:ext>
-            </a:extLst>
-          </p:cNvPr>
-          <p:cNvGraphicFramePr/>
-          <p:nvPr>
-            <p:extLst>
-              <p:ext uri="{D42A27DB-BD31-4B8C-83A1-F6EECF244321}">
-                <p14:modId xmlns:p14="http://schemas.microsoft.com/office/powerpoint/2010/main" val="2970307674"/>
-              </p:ext>
-            </p:extLst>
-          </p:nvPr>
-        </p:nvGraphicFramePr>
-        <p:xfrm>
-          <a:off x="2032000" y="1690688"/>
-          <a:ext cx="8128000" cy="4910106"/>
-        </p:xfrm>
-        <a:graphic>
-          <a:graphicData uri="http://schemas.openxmlformats.org/drawingml/2006/diagram">
-            <dgm:relIds xmlns:dgm="http://schemas.openxmlformats.org/drawingml/2006/diagram" xmlns:r="http://schemas.openxmlformats.org/officeDocument/2006/relationships" r:dm="rId2" r:lo="rId3" r:qs="rId4" r:cs="rId5"/>
-          </a:graphicData>
-        </a:graphic>
-      </p:graphicFrame>
+              <a:t>Einstiegsfragen:</a:t>
+            </a:r>
+          </a:p>
+        </p:txBody>
+      </p:sp>
+      <p:sp>
+        <p:nvSpPr>
+          <p:cNvPr id="5" name="Inhaltsplatzhalter 4">
+            <a:extLst>
+              <a:ext uri="{FF2B5EF4-FFF2-40B4-BE49-F238E27FC236}">
+                <a16:creationId xmlns:a16="http://schemas.microsoft.com/office/drawing/2014/main" id="{D40CEB1B-191D-FF0F-920B-FCDB1531658B}"/>
+              </a:ext>
+            </a:extLst>
+          </p:cNvPr>
+          <p:cNvSpPr>
+            <a:spLocks noGrp="1"/>
+          </p:cNvSpPr>
+          <p:nvPr>
+            <p:ph idx="1"/>
+          </p:nvPr>
+        </p:nvSpPr>
+        <p:spPr/>
+        <p:txBody>
+          <a:bodyPr/>
+          <a:lstStyle/>
+          <a:p>
+            <a:r>
+              <a:rPr lang="de-DE" dirty="0"/>
+              <a:t>Welche Teams haben wir denn hier in der Session?</a:t>
+            </a:r>
+          </a:p>
+          <a:p>
+            <a:r>
+              <a:rPr lang="de-DE" dirty="0"/>
+              <a:t>Wie viele Coaches sind anwesend?</a:t>
+            </a:r>
+          </a:p>
+          <a:p>
+            <a:r>
+              <a:rPr lang="de-DE" dirty="0"/>
+              <a:t>Wer hat schon Erfahrungen mit Python im Rahmen der FLL?</a:t>
+            </a:r>
+          </a:p>
+          <a:p>
+            <a:r>
+              <a:rPr lang="de-DE" dirty="0"/>
+              <a:t>Welches Team nutzt </a:t>
+            </a:r>
+            <a:r>
+              <a:rPr lang="de-DE" dirty="0" err="1"/>
+              <a:t>Git</a:t>
+            </a:r>
+            <a:r>
+              <a:rPr lang="de-DE" dirty="0"/>
+              <a:t> oder GitHub?</a:t>
+            </a:r>
+          </a:p>
+          <a:p>
+            <a:endParaRPr lang="de-DE" dirty="0"/>
+          </a:p>
+        </p:txBody>
+      </p:sp>
     </p:spTree>
     <p:extLst>
       <p:ext uri="{BB962C8B-B14F-4D97-AF65-F5344CB8AC3E}">
-        <p14:creationId xmlns:p14="http://schemas.microsoft.com/office/powerpoint/2010/main" val="41752474"/>
+        <p14:creationId xmlns:p14="http://schemas.microsoft.com/office/powerpoint/2010/main" val="3636932260"/>
       </p:ext>
     </p:extLst>
   </p:cSld>
@@ -8520,7 +12020,7 @@
           <p:cNvPr id="2" name="Titel 1">
             <a:extLst>
               <a:ext uri="{FF2B5EF4-FFF2-40B4-BE49-F238E27FC236}">
-                <a16:creationId xmlns:a16="http://schemas.microsoft.com/office/drawing/2014/main" id="{8587CF54-F873-D9C1-5C26-89E82642E3B0}"/>
+                <a16:creationId xmlns:a16="http://schemas.microsoft.com/office/drawing/2014/main" id="{2547ABBF-07ED-52FA-8AB7-C06AD1A1DDB2}"/>
               </a:ext>
             </a:extLst>
           </p:cNvPr>
@@ -8536,19 +12036,21 @@
           <a:bodyPr/>
           <a:lstStyle/>
           <a:p>
-            <a:r>
-              <a:rPr lang="de-DE" dirty="0"/>
-              <a:t>Benötigtes Equipment</a:t>
-            </a:r>
-          </a:p>
-        </p:txBody>
-      </p:sp>
-      <p:sp>
-        <p:nvSpPr>
-          <p:cNvPr id="3" name="Inhaltsplatzhalter 2">
-            <a:extLst>
-              <a:ext uri="{FF2B5EF4-FFF2-40B4-BE49-F238E27FC236}">
-                <a16:creationId xmlns:a16="http://schemas.microsoft.com/office/drawing/2014/main" id="{1FB18A23-1DDD-4C50-C112-B796BEA2E40A}"/>
+            <a:pPr algn="ctr"/>
+            <a:r>
+              <a:rPr lang="de-DE" sz="6000" dirty="0"/>
+              <a:t>Disclaimer</a:t>
+            </a:r>
+            <a:endParaRPr lang="de-DE" dirty="0"/>
+          </a:p>
+        </p:txBody>
+      </p:sp>
+      <p:sp>
+        <p:nvSpPr>
+          <p:cNvPr id="5" name="Inhaltsplatzhalter 4">
+            <a:extLst>
+              <a:ext uri="{FF2B5EF4-FFF2-40B4-BE49-F238E27FC236}">
+                <a16:creationId xmlns:a16="http://schemas.microsoft.com/office/drawing/2014/main" id="{969B2A64-0D6D-2BE4-0F02-F25A1AC29985}"/>
               </a:ext>
             </a:extLst>
           </p:cNvPr>
@@ -8564,61 +12066,93 @@
           <a:bodyPr/>
           <a:lstStyle/>
           <a:p>
+            <a:pPr marL="514350" indent="-514350">
+              <a:buFont typeface="+mj-lt"/>
+              <a:buAutoNum type="arabicPeriod"/>
+            </a:pPr>
             <a:r>
               <a:rPr lang="de-DE" dirty="0"/>
-              <a:t>Spike Prime Set</a:t>
-            </a:r>
-          </a:p>
-          <a:p>
+              <a:t>Wir sind keine Experten?</a:t>
+            </a:r>
+          </a:p>
+          <a:p>
+            <a:pPr marL="514350" indent="-514350">
+              <a:buFont typeface="+mj-lt"/>
+              <a:buAutoNum type="arabicPeriod"/>
+            </a:pPr>
             <a:r>
               <a:rPr lang="de-DE" dirty="0"/>
-              <a:t>Computer mit </a:t>
-            </a:r>
-          </a:p>
-          <a:p>
-            <a:pPr lvl="1"/>
+              <a:t>Wir wollen euch die Möglichkeiten vorstellen, die genauen Details dahinter sind fürs erste nicht so relevant</a:t>
+            </a:r>
+          </a:p>
+          <a:p>
+            <a:pPr marL="971550" lvl="1" indent="-514350">
+              <a:buFont typeface="+mj-lt"/>
+              <a:buAutoNum type="arabicPeriod"/>
+            </a:pPr>
             <a:r>
               <a:rPr lang="de-DE" dirty="0"/>
-              <a:t>Bluetooth</a:t>
-            </a:r>
-          </a:p>
-          <a:p>
-            <a:pPr lvl="1"/>
+              <a:t>Beispiele: </a:t>
+            </a:r>
+          </a:p>
+          <a:p>
+            <a:pPr marL="1428750" lvl="2" indent="-514350">
+              <a:buFont typeface="+mj-lt"/>
+              <a:buAutoNum type="arabicPeriod"/>
+            </a:pPr>
             <a:r>
               <a:rPr lang="de-DE" dirty="0"/>
-              <a:t>Chromium-Browser (Edge, Chrome, etc.)</a:t>
-            </a:r>
-          </a:p>
-          <a:p>
-            <a:pPr lvl="1"/>
+              <a:t>Die Art und Weise, wie </a:t>
+            </a:r>
+            <a:r>
+              <a:rPr lang="de-DE" dirty="0" err="1"/>
+              <a:t>Git</a:t>
+            </a:r>
             <a:r>
               <a:rPr lang="de-DE" dirty="0"/>
-              <a:t>Internetanbindung (nach Installation v. </a:t>
-            </a:r>
+              <a:t> Informationen speichert</a:t>
+            </a:r>
+          </a:p>
+          <a:p>
+            <a:pPr marL="1428750" lvl="2" indent="-514350">
+              <a:buFont typeface="+mj-lt"/>
+              <a:buAutoNum type="arabicPeriod"/>
+            </a:pPr>
             <a:r>
               <a:rPr lang="de-DE" dirty="0" err="1"/>
-              <a:t>Pybricks</a:t>
+              <a:t>Micropython</a:t>
             </a:r>
             <a:r>
               <a:rPr lang="de-DE" dirty="0"/>
-              <a:t> IDE nicht mehr nötig)</a:t>
-            </a:r>
-          </a:p>
-          <a:p>
+              <a:t> auf Compiler-Level</a:t>
+            </a:r>
+          </a:p>
+          <a:p>
+            <a:pPr marL="514350" indent="-514350">
+              <a:buFont typeface="+mj-lt"/>
+              <a:buAutoNum type="arabicPeriod"/>
+            </a:pPr>
             <a:r>
               <a:rPr lang="de-DE" dirty="0"/>
-              <a:t>Micro-USB-Kabel</a:t>
-            </a:r>
-          </a:p>
-          <a:p>
-            <a:endParaRPr lang="de-DE" dirty="0"/>
+              <a:t>Falls wir bei irgendeinem Thema falsch liegen, werden wir folgende Antwort geben:</a:t>
+            </a:r>
+          </a:p>
+          <a:p>
+            <a:pPr marL="0" indent="0" algn="ctr">
+              <a:buNone/>
+            </a:pPr>
+            <a:r>
+              <a:rPr lang="de-DE" sz="4400" b="1" i="1" dirty="0"/>
+              <a:t>„Für Sydney hat‘s gereicht“</a:t>
+            </a:r>
+            <a:endParaRPr lang="de-DE" b="1" i="1" dirty="0"/>
           </a:p>
         </p:txBody>
       </p:sp>
     </p:spTree>
     <p:extLst>
       <p:ext uri="{BB962C8B-B14F-4D97-AF65-F5344CB8AC3E}">
-        <p14:creationId xmlns:p14="http://schemas.microsoft.com/office/powerpoint/2010/main" val="2778060836"/>
+        <p14:creationId xmlns:p14="http://schemas.microsoft.com/office/powerpoint/2010/main" val="2202442262"/>
       </p:ext>
     </p:extLst>
   </p:cSld>
@@ -8629,7 +12163,7 @@
 </file>
 
 <file path=ppt/slides/slide6.xml><?xml version="1.0" encoding="utf-8"?>
-<p:sld xmlns:a="http://schemas.openxmlformats.org/drawingml/2006/main" xmlns:r="http://schemas.openxmlformats.org/officeDocument/2006/relationships" xmlns:p="http://schemas.openxmlformats.org/presentationml/2006/main">
+<p:sld xmlns:a="http://schemas.openxmlformats.org/drawingml/2006/main" xmlns:r="http://schemas.openxmlformats.org/officeDocument/2006/relationships" xmlns:p="http://schemas.openxmlformats.org/presentationml/2006/main" show="0">
   <p:cSld>
     <p:spTree>
       <p:nvGrpSpPr>
@@ -8650,7 +12184,7 @@
           <p:cNvPr id="4" name="Titel 3">
             <a:extLst>
               <a:ext uri="{FF2B5EF4-FFF2-40B4-BE49-F238E27FC236}">
-                <a16:creationId xmlns:a16="http://schemas.microsoft.com/office/drawing/2014/main" id="{C6A31772-BF0E-FA32-BD92-E1FF5F5407F6}"/>
+                <a16:creationId xmlns:a16="http://schemas.microsoft.com/office/drawing/2014/main" id="{545EFD3D-3952-DB46-F460-757AB3EB0EA3}"/>
               </a:ext>
             </a:extLst>
           </p:cNvPr>
@@ -8667,14 +12201,11 @@
           <a:lstStyle/>
           <a:p>
             <a:r>
-              <a:rPr lang="de-DE" dirty="0"/>
-              <a:t>Python &amp; </a:t>
-            </a:r>
-            <a:r>
-              <a:rPr lang="de-DE" dirty="0" err="1"/>
-              <a:t>PyBricks</a:t>
-            </a:r>
-            <a:endParaRPr lang="de-DE" dirty="0"/>
+              <a:rPr lang="de-DE" dirty="0">
+                <a:latin typeface="Berlin Sans FB Demi" panose="020E0802020502020306" pitchFamily="34" charset="0"/>
+              </a:rPr>
+              <a:t>Wie kann ich mein Team beim Umstieg von Scratch auf Python unterstützen?</a:t>
+            </a:r>
           </a:p>
         </p:txBody>
       </p:sp>
@@ -8683,7 +12214,7 @@
           <p:cNvPr id="5" name="Textplatzhalter 4">
             <a:extLst>
               <a:ext uri="{FF2B5EF4-FFF2-40B4-BE49-F238E27FC236}">
-                <a16:creationId xmlns:a16="http://schemas.microsoft.com/office/drawing/2014/main" id="{1C76AAF9-6147-FEA2-8522-8B48B9A39AF6}"/>
+                <a16:creationId xmlns:a16="http://schemas.microsoft.com/office/drawing/2014/main" id="{3D096D93-6C16-F261-77D3-54E2A0FACE71}"/>
               </a:ext>
             </a:extLst>
           </p:cNvPr>
@@ -8699,132 +12230,14 @@
           <a:bodyPr/>
           <a:lstStyle/>
           <a:p>
-            <a:endParaRPr lang="de-DE" dirty="0"/>
-          </a:p>
-        </p:txBody>
-      </p:sp>
-      <p:pic>
-        <p:nvPicPr>
-          <p:cNvPr id="6" name="Grafik 5">
-            <a:extLst>
-              <a:ext uri="{FF2B5EF4-FFF2-40B4-BE49-F238E27FC236}">
-                <a16:creationId xmlns:a16="http://schemas.microsoft.com/office/drawing/2014/main" id="{4EA5347D-C2BE-80FF-2469-641894A9B101}"/>
-              </a:ext>
-            </a:extLst>
-          </p:cNvPr>
-          <p:cNvPicPr>
-            <a:picLocks noChangeAspect="1"/>
-          </p:cNvPicPr>
-          <p:nvPr/>
-        </p:nvPicPr>
-        <p:blipFill>
-          <a:blip r:embed="rId2">
-            <a:extLst>
-              <a:ext uri="{96DAC541-7B7A-43D3-8B79-37D633B846F1}">
-                <asvg:svgBlip xmlns:asvg="http://schemas.microsoft.com/office/drawing/2016/SVG/main" r:embed="rId3"/>
-              </a:ext>
-            </a:extLst>
-          </a:blip>
-          <a:stretch>
-            <a:fillRect/>
-          </a:stretch>
-        </p:blipFill>
-        <p:spPr>
-          <a:xfrm>
-            <a:off x="6174695" y="109595"/>
-            <a:ext cx="2757488" cy="3026511"/>
-          </a:xfrm>
-          <a:prstGeom prst="rect">
-            <a:avLst/>
-          </a:prstGeom>
-        </p:spPr>
-      </p:pic>
-      <p:pic>
-        <p:nvPicPr>
-          <p:cNvPr id="7" name="Grafik 6" descr="Ein Bild, das Grafiken, Logo, Electric Blue (Farbe), Schrift enthält.&#10;&#10;Automatisch generierte Beschreibung">
-            <a:extLst>
-              <a:ext uri="{FF2B5EF4-FFF2-40B4-BE49-F238E27FC236}">
-                <a16:creationId xmlns:a16="http://schemas.microsoft.com/office/drawing/2014/main" id="{B483452E-BC5E-D7B0-414E-94342EFCCB1E}"/>
-              </a:ext>
-            </a:extLst>
-          </p:cNvPr>
-          <p:cNvPicPr>
-            <a:picLocks noChangeAspect="1"/>
-          </p:cNvPicPr>
-          <p:nvPr/>
-        </p:nvPicPr>
-        <p:blipFill>
-          <a:blip r:embed="rId4">
-            <a:extLst>
-              <a:ext uri="{28A0092B-C50C-407E-A947-70E740481C1C}">
-                <a14:useLocalDpi xmlns:a14="http://schemas.microsoft.com/office/drawing/2010/main" val="0"/>
-              </a:ext>
-            </a:extLst>
-          </a:blip>
-          <a:stretch>
-            <a:fillRect/>
-          </a:stretch>
-        </p:blipFill>
-        <p:spPr>
-          <a:xfrm>
-            <a:off x="9220200" y="241299"/>
-            <a:ext cx="2714625" cy="2714625"/>
-          </a:xfrm>
-          <a:prstGeom prst="rect">
-            <a:avLst/>
-          </a:prstGeom>
-          <a:ln>
-            <a:solidFill>
-              <a:schemeClr val="tx1"/>
-            </a:solidFill>
-          </a:ln>
-        </p:spPr>
-      </p:pic>
-      <p:pic>
-        <p:nvPicPr>
-          <p:cNvPr id="8" name="Grafik 7" descr="Ein Bild, das Text, Schrift, Screenshot, Grafiken enthält.&#10;&#10;Automatisch generierte Beschreibung">
-            <a:extLst>
-              <a:ext uri="{FF2B5EF4-FFF2-40B4-BE49-F238E27FC236}">
-                <a16:creationId xmlns:a16="http://schemas.microsoft.com/office/drawing/2014/main" id="{C32F5122-77BA-08A6-E06E-BD56B22B6EF1}"/>
-              </a:ext>
-            </a:extLst>
-          </p:cNvPr>
-          <p:cNvPicPr>
-            <a:picLocks noChangeAspect="1"/>
-          </p:cNvPicPr>
-          <p:nvPr/>
-        </p:nvPicPr>
-        <p:blipFill>
-          <a:blip r:embed="rId5">
-            <a:extLst>
-              <a:ext uri="{28A0092B-C50C-407E-A947-70E740481C1C}">
-                <a14:useLocalDpi xmlns:a14="http://schemas.microsoft.com/office/drawing/2010/main" val="0"/>
-              </a:ext>
-            </a:extLst>
-          </a:blip>
-          <a:stretch>
-            <a:fillRect/>
-          </a:stretch>
-        </p:blipFill>
-        <p:spPr>
-          <a:xfrm>
-            <a:off x="8932183" y="3435996"/>
-            <a:ext cx="3002642" cy="3002642"/>
-          </a:xfrm>
-          <a:prstGeom prst="rect">
-            <a:avLst/>
-          </a:prstGeom>
-          <a:ln>
-            <a:solidFill>
-              <a:schemeClr val="tx1"/>
-            </a:solidFill>
-          </a:ln>
-        </p:spPr>
-      </p:pic>
+            <a:endParaRPr lang="de-DE"/>
+          </a:p>
+        </p:txBody>
+      </p:sp>
     </p:spTree>
     <p:extLst>
       <p:ext uri="{BB962C8B-B14F-4D97-AF65-F5344CB8AC3E}">
-        <p14:creationId xmlns:p14="http://schemas.microsoft.com/office/powerpoint/2010/main" val="2902711541"/>
+        <p14:creationId xmlns:p14="http://schemas.microsoft.com/office/powerpoint/2010/main" val="3787179269"/>
       </p:ext>
     </p:extLst>
   </p:cSld>
@@ -8856,7 +12269,7 @@
           <p:cNvPr id="2" name="Titel 1">
             <a:extLst>
               <a:ext uri="{FF2B5EF4-FFF2-40B4-BE49-F238E27FC236}">
-                <a16:creationId xmlns:a16="http://schemas.microsoft.com/office/drawing/2014/main" id="{2146F3F5-4039-AD8D-D2AD-C923C104D199}"/>
+                <a16:creationId xmlns:a16="http://schemas.microsoft.com/office/drawing/2014/main" id="{F25F7313-ACED-5D11-931F-CFF944AC2B1C}"/>
               </a:ext>
             </a:extLst>
           </p:cNvPr>
@@ -8874,7 +12287,7 @@
           <a:p>
             <a:r>
               <a:rPr lang="de-DE" dirty="0"/>
-              <a:t>Python</a:t>
+              <a:t>Voraussetzungen</a:t>
             </a:r>
           </a:p>
         </p:txBody>
@@ -8884,7 +12297,7 @@
           <p:cNvPr id="3" name="Inhaltsplatzhalter 2">
             <a:extLst>
               <a:ext uri="{FF2B5EF4-FFF2-40B4-BE49-F238E27FC236}">
-                <a16:creationId xmlns:a16="http://schemas.microsoft.com/office/drawing/2014/main" id="{287B3256-5A19-495A-D86A-03A4D22A56FB}"/>
+                <a16:creationId xmlns:a16="http://schemas.microsoft.com/office/drawing/2014/main" id="{EC643B2E-A60A-28C5-F336-1096D23D4DC3}"/>
               </a:ext>
             </a:extLst>
           </p:cNvPr>
@@ -8895,81 +12308,42 @@
             <p:ph idx="1"/>
           </p:nvPr>
         </p:nvSpPr>
-        <p:spPr>
-          <a:xfrm>
-            <a:off x="838200" y="1825625"/>
-            <a:ext cx="8277225" cy="4351338"/>
-          </a:xfrm>
-        </p:spPr>
+        <p:spPr/>
         <p:txBody>
           <a:bodyPr/>
           <a:lstStyle/>
           <a:p>
             <a:r>
               <a:rPr lang="de-DE" dirty="0"/>
-              <a:t>Höhere Programmiersprache mit universellen Anwendungen</a:t>
-            </a:r>
-          </a:p>
-          <a:p>
+              <a:t>Programmier-Erfahrungen:</a:t>
+            </a:r>
+          </a:p>
+          <a:p>
+            <a:pPr lvl="1"/>
             <a:r>
               <a:rPr lang="de-DE" dirty="0"/>
-              <a:t>Gut lesbar</a:t>
+              <a:t>Scratch, Blocksprachen, etc.</a:t>
             </a:r>
           </a:p>
           <a:p>
             <a:r>
               <a:rPr lang="de-DE" dirty="0"/>
-              <a:t>Programmierblöcke durch Einrückungen strukturiert (TAB)</a:t>
+              <a:t>Englisch-Kenntnisse</a:t>
             </a:r>
           </a:p>
           <a:p>
             <a:r>
               <a:rPr lang="de-DE" dirty="0"/>
-              <a:t>Besonderheit: Variablen haben keinen festen Datentyp</a:t>
-            </a:r>
-          </a:p>
-        </p:txBody>
-      </p:sp>
-      <p:pic>
-        <p:nvPicPr>
-          <p:cNvPr id="5" name="Grafik 4">
-            <a:extLst>
-              <a:ext uri="{FF2B5EF4-FFF2-40B4-BE49-F238E27FC236}">
-                <a16:creationId xmlns:a16="http://schemas.microsoft.com/office/drawing/2014/main" id="{B15CB195-0747-8B74-29B5-D46CE051CF98}"/>
-              </a:ext>
-            </a:extLst>
-          </p:cNvPr>
-          <p:cNvPicPr>
-            <a:picLocks noChangeAspect="1"/>
-          </p:cNvPicPr>
-          <p:nvPr/>
-        </p:nvPicPr>
-        <p:blipFill>
-          <a:blip r:embed="rId2">
-            <a:extLst>
-              <a:ext uri="{96DAC541-7B7A-43D3-8B79-37D633B846F1}">
-                <asvg:svgBlip xmlns:asvg="http://schemas.microsoft.com/office/drawing/2016/SVG/main" r:embed="rId3"/>
-              </a:ext>
-            </a:extLst>
-          </a:blip>
-          <a:stretch>
-            <a:fillRect/>
-          </a:stretch>
-        </p:blipFill>
-        <p:spPr>
-          <a:xfrm>
-            <a:off x="9215437" y="402489"/>
-            <a:ext cx="2757488" cy="3026511"/>
-          </a:xfrm>
-          <a:prstGeom prst="rect">
-            <a:avLst/>
-          </a:prstGeom>
-        </p:spPr>
-      </p:pic>
+              <a:t>Equipment</a:t>
+            </a:r>
+            <a:endParaRPr lang="de-DE" sz="1800" dirty="0"/>
+          </a:p>
+        </p:txBody>
+      </p:sp>
     </p:spTree>
     <p:extLst>
       <p:ext uri="{BB962C8B-B14F-4D97-AF65-F5344CB8AC3E}">
-        <p14:creationId xmlns:p14="http://schemas.microsoft.com/office/powerpoint/2010/main" val="4079635884"/>
+        <p14:creationId xmlns:p14="http://schemas.microsoft.com/office/powerpoint/2010/main" val="3686910298"/>
       </p:ext>
     </p:extLst>
   </p:cSld>
@@ -9001,7 +12375,7 @@
           <p:cNvPr id="2" name="Titel 1">
             <a:extLst>
               <a:ext uri="{FF2B5EF4-FFF2-40B4-BE49-F238E27FC236}">
-                <a16:creationId xmlns:a16="http://schemas.microsoft.com/office/drawing/2014/main" id="{2EBE1A68-A262-EB26-4917-F61383E493AE}"/>
+                <a16:creationId xmlns:a16="http://schemas.microsoft.com/office/drawing/2014/main" id="{8587CF54-F873-D9C1-5C26-89E82642E3B0}"/>
               </a:ext>
             </a:extLst>
           </p:cNvPr>
@@ -9019,7 +12393,7 @@
           <a:p>
             <a:r>
               <a:rPr lang="de-DE" dirty="0"/>
-              <a:t>Programmieren mit Python</a:t>
+              <a:t>Benötigtes Equipment</a:t>
             </a:r>
           </a:p>
         </p:txBody>
@@ -9029,7 +12403,7 @@
           <p:cNvPr id="3" name="Inhaltsplatzhalter 2">
             <a:extLst>
               <a:ext uri="{FF2B5EF4-FFF2-40B4-BE49-F238E27FC236}">
-                <a16:creationId xmlns:a16="http://schemas.microsoft.com/office/drawing/2014/main" id="{3F928FD9-0461-11A3-3F9B-13116E86F9ED}"/>
+                <a16:creationId xmlns:a16="http://schemas.microsoft.com/office/drawing/2014/main" id="{1FB18A23-1DDD-4C50-C112-B796BEA2E40A}"/>
               </a:ext>
             </a:extLst>
           </p:cNvPr>
@@ -9045,116 +12419,45 @@
           <a:bodyPr/>
           <a:lstStyle/>
           <a:p>
-            <a:pPr marL="0" indent="0">
-              <a:buNone/>
-            </a:pPr>
-            <a:r>
-              <a:rPr lang="de-DE" sz="3200" dirty="0"/>
-              <a:t>Grundlagen:</a:t>
-            </a:r>
-          </a:p>
-          <a:p>
             <a:r>
               <a:rPr lang="de-DE" dirty="0"/>
-              <a:t>Kommentare:</a:t>
+              <a:t>Spike Prime Set</a:t>
+            </a:r>
+          </a:p>
+          <a:p>
+            <a:r>
+              <a:rPr lang="de-DE" dirty="0"/>
+              <a:t>Computer mit </a:t>
             </a:r>
           </a:p>
           <a:p>
             <a:pPr lvl="1"/>
             <a:r>
-              <a:rPr lang="de-DE" dirty="0">
-                <a:latin typeface="Consolas" panose="020B0609020204030204" pitchFamily="49" charset="0"/>
-              </a:rPr>
-              <a:t>#</a:t>
-            </a:r>
-            <a:r>
               <a:rPr lang="de-DE" dirty="0"/>
-              <a:t> für einzeilige Kommentare</a:t>
+              <a:t>Bluetooth</a:t>
             </a:r>
           </a:p>
           <a:p>
             <a:pPr lvl="1"/>
             <a:r>
-              <a:rPr lang="de-DE" dirty="0">
-                <a:latin typeface="Consolas" panose="020B0609020204030204" pitchFamily="49" charset="0"/>
-              </a:rPr>
-              <a:t>'''</a:t>
-            </a:r>
-            <a:r>
               <a:rPr lang="de-DE" dirty="0"/>
-              <a:t> zum Anfangen und Beenden eines mehrzeiligen Kommentares</a:t>
-            </a:r>
-          </a:p>
-          <a:p>
+              <a:t>Chromium-Browser (Edge, Chrome, etc.)</a:t>
+            </a:r>
+          </a:p>
+          <a:p>
+            <a:pPr lvl="1"/>
             <a:r>
               <a:rPr lang="de-DE" dirty="0"/>
-              <a:t>Funktionen:</a:t>
-            </a:r>
-          </a:p>
-          <a:p>
-            <a:pPr lvl="1"/>
-            <a:r>
-              <a:rPr lang="de-DE" dirty="0" err="1">
-                <a:latin typeface="Consolas" panose="020B0609020204030204" pitchFamily="49" charset="0"/>
-              </a:rPr>
-              <a:t>def</a:t>
-            </a:r>
-            <a:r>
-              <a:rPr lang="de-DE" dirty="0">
-                <a:latin typeface="Consolas" panose="020B0609020204030204" pitchFamily="49" charset="0"/>
-              </a:rPr>
-              <a:t> </a:t>
-            </a:r>
-            <a:r>
-              <a:rPr lang="de-DE" dirty="0" err="1">
-                <a:latin typeface="Consolas" panose="020B0609020204030204" pitchFamily="49" charset="0"/>
-              </a:rPr>
-              <a:t>funktionsName</a:t>
-            </a:r>
-            <a:r>
-              <a:rPr lang="de-DE" dirty="0">
-                <a:latin typeface="Consolas" panose="020B0609020204030204" pitchFamily="49" charset="0"/>
-              </a:rPr>
-              <a:t>(Argumente):</a:t>
+              <a:t>Internetanbindung (nach Installation v. Pybricks IDE nicht mehr nötig)</a:t>
             </a:r>
           </a:p>
           <a:p>
             <a:r>
               <a:rPr lang="de-DE" dirty="0"/>
-              <a:t>Variablen:</a:t>
-            </a:r>
-          </a:p>
-          <a:p>
-            <a:pPr lvl="1"/>
-            <a:r>
-              <a:rPr lang="de-DE" dirty="0">
-                <a:latin typeface="Consolas" panose="020B0609020204030204" pitchFamily="49" charset="0"/>
-              </a:rPr>
-              <a:t>i = 2</a:t>
-            </a:r>
-          </a:p>
-          <a:p>
-            <a:pPr lvl="1"/>
-            <a:r>
-              <a:rPr lang="de-DE" dirty="0"/>
-              <a:t>Typ wird durch Funktionen definiert: </a:t>
-            </a:r>
-            <a:r>
-              <a:rPr lang="de-DE" dirty="0" err="1">
-                <a:latin typeface="Consolas" panose="020B0609020204030204" pitchFamily="49" charset="0"/>
-              </a:rPr>
-              <a:t>int</a:t>
-            </a:r>
-            <a:r>
-              <a:rPr lang="de-DE" dirty="0">
-                <a:latin typeface="Consolas" panose="020B0609020204030204" pitchFamily="49" charset="0"/>
-              </a:rPr>
-              <a:t>(i)</a:t>
-            </a:r>
-            <a:endParaRPr lang="de-DE" dirty="0"/>
-          </a:p>
-          <a:p>
-            <a:pPr lvl="1"/>
+              <a:t>Micro-USB-Kabel</a:t>
+            </a:r>
+          </a:p>
+          <a:p>
             <a:endParaRPr lang="de-DE" dirty="0"/>
           </a:p>
         </p:txBody>
@@ -9162,7 +12465,7 @@
     </p:spTree>
     <p:extLst>
       <p:ext uri="{BB962C8B-B14F-4D97-AF65-F5344CB8AC3E}">
-        <p14:creationId xmlns:p14="http://schemas.microsoft.com/office/powerpoint/2010/main" val="2453506539"/>
+        <p14:creationId xmlns:p14="http://schemas.microsoft.com/office/powerpoint/2010/main" val="2778060836"/>
       </p:ext>
     </p:extLst>
   </p:cSld>
@@ -9189,161 +12492,20 @@
           <a:chExt cx="0" cy="0"/>
         </a:xfrm>
       </p:grpSpPr>
-      <p:grpSp>
-        <p:nvGrpSpPr>
-          <p:cNvPr id="11" name="Gruppieren 10">
-            <a:extLst>
-              <a:ext uri="{FF2B5EF4-FFF2-40B4-BE49-F238E27FC236}">
-                <a16:creationId xmlns:a16="http://schemas.microsoft.com/office/drawing/2014/main" id="{E772F681-0BF4-BAD1-B530-34C077B1C878}"/>
-              </a:ext>
-            </a:extLst>
-          </p:cNvPr>
-          <p:cNvGrpSpPr/>
-          <p:nvPr/>
-        </p:nvGrpSpPr>
-        <p:grpSpPr>
-          <a:xfrm>
-            <a:off x="3087371" y="417364"/>
-            <a:ext cx="5880416" cy="1221084"/>
-            <a:chOff x="1692887" y="1013872"/>
-            <a:chExt cx="1353080" cy="859035"/>
-          </a:xfrm>
-        </p:grpSpPr>
-        <p:sp>
-          <p:nvSpPr>
-            <p:cNvPr id="12" name="Rechteck: abgerundete Ecken 11">
-              <a:extLst>
-                <a:ext uri="{FF2B5EF4-FFF2-40B4-BE49-F238E27FC236}">
-                  <a16:creationId xmlns:a16="http://schemas.microsoft.com/office/drawing/2014/main" id="{CFAB07D2-4C5B-D62A-04E1-794A312ADB59}"/>
-                </a:ext>
-              </a:extLst>
-            </p:cNvPr>
-            <p:cNvSpPr/>
-            <p:nvPr/>
-          </p:nvSpPr>
-          <p:spPr>
-            <a:xfrm>
-              <a:off x="1724374" y="1013872"/>
-              <a:ext cx="1321593" cy="859035"/>
-            </a:xfrm>
-            <a:prstGeom prst="roundRect">
-              <a:avLst/>
-            </a:prstGeom>
-          </p:spPr>
-          <p:style>
-            <a:lnRef idx="2">
-              <a:schemeClr val="lt1">
-                <a:hueOff val="0"/>
-                <a:satOff val="0"/>
-                <a:lumOff val="0"/>
-                <a:alphaOff val="0"/>
-              </a:schemeClr>
-            </a:lnRef>
-            <a:fillRef idx="1">
-              <a:schemeClr val="accent1">
-                <a:hueOff val="0"/>
-                <a:satOff val="0"/>
-                <a:lumOff val="0"/>
-                <a:alphaOff val="0"/>
-              </a:schemeClr>
-            </a:fillRef>
-            <a:effectRef idx="0">
-              <a:schemeClr val="accent1">
-                <a:hueOff val="0"/>
-                <a:satOff val="0"/>
-                <a:lumOff val="0"/>
-                <a:alphaOff val="0"/>
-              </a:schemeClr>
-            </a:effectRef>
-            <a:fontRef idx="minor">
-              <a:schemeClr val="lt1"/>
-            </a:fontRef>
-          </p:style>
-          <p:txBody>
-            <a:bodyPr/>
-            <a:lstStyle/>
-            <a:p>
-              <a:endParaRPr lang="de-DE"/>
-            </a:p>
-          </p:txBody>
-        </p:sp>
-        <p:sp>
-          <p:nvSpPr>
-            <p:cNvPr id="13" name="Rechteck: abgerundete Ecken 4">
-              <a:extLst>
-                <a:ext uri="{FF2B5EF4-FFF2-40B4-BE49-F238E27FC236}">
-                  <a16:creationId xmlns:a16="http://schemas.microsoft.com/office/drawing/2014/main" id="{B753524F-9A9A-FE30-D1C0-94CE2651609B}"/>
-                </a:ext>
-              </a:extLst>
-            </p:cNvPr>
-            <p:cNvSpPr txBox="1"/>
-            <p:nvPr/>
-          </p:nvSpPr>
-          <p:spPr>
-            <a:xfrm>
-              <a:off x="1692887" y="1055807"/>
-              <a:ext cx="1237723" cy="775165"/>
-            </a:xfrm>
-            <a:prstGeom prst="rect">
-              <a:avLst/>
-            </a:prstGeom>
-          </p:spPr>
-          <p:style>
-            <a:lnRef idx="0">
-              <a:scrgbClr r="0" g="0" b="0"/>
-            </a:lnRef>
-            <a:fillRef idx="0">
-              <a:scrgbClr r="0" g="0" b="0"/>
-            </a:fillRef>
-            <a:effectRef idx="0">
-              <a:scrgbClr r="0" g="0" b="0"/>
-            </a:effectRef>
-            <a:fontRef idx="minor">
-              <a:schemeClr val="lt1"/>
-            </a:fontRef>
-          </p:style>
-          <p:txBody>
-            <a:bodyPr spcFirstLastPara="0" vert="horz" wrap="square" lIns="64770" tIns="64770" rIns="64770" bIns="64770" numCol="1" spcCol="1270" anchor="ctr" anchorCtr="0">
-              <a:noAutofit/>
-            </a:bodyPr>
-            <a:lstStyle/>
-            <a:p>
-              <a:pPr marL="0" lvl="0" indent="0" algn="ctr" defTabSz="755650">
-                <a:lnSpc>
-                  <a:spcPct val="90000"/>
-                </a:lnSpc>
-                <a:spcBef>
-                  <a:spcPct val="0"/>
-                </a:spcBef>
-                <a:spcAft>
-                  <a:spcPct val="35000"/>
-                </a:spcAft>
-                <a:buNone/>
-              </a:pPr>
-              <a:r>
-                <a:rPr lang="de-DE" sz="3600" kern="1200" dirty="0">
-                  <a:latin typeface="Berlin Sans FB Demi" panose="020E0802020502020306" pitchFamily="34" charset="0"/>
-                </a:rPr>
-                <a:t>Programm-Struktur</a:t>
-              </a:r>
-            </a:p>
-          </p:txBody>
-        </p:sp>
-      </p:grpSp>
-      <p:sp>
-        <p:nvSpPr>
-          <p:cNvPr id="17" name="Inhaltsplatzhalter 16">
-            <a:extLst>
-              <a:ext uri="{FF2B5EF4-FFF2-40B4-BE49-F238E27FC236}">
-                <a16:creationId xmlns:a16="http://schemas.microsoft.com/office/drawing/2014/main" id="{37D7B1A0-6A64-22F5-1C24-07E7BB2638F4}"/>
-              </a:ext>
-            </a:extLst>
-          </p:cNvPr>
-          <p:cNvSpPr>
-            <a:spLocks noGrp="1"/>
-          </p:cNvSpPr>
-          <p:nvPr>
-            <p:ph idx="1"/>
+      <p:sp>
+        <p:nvSpPr>
+          <p:cNvPr id="2" name="Titel 1">
+            <a:extLst>
+              <a:ext uri="{FF2B5EF4-FFF2-40B4-BE49-F238E27FC236}">
+                <a16:creationId xmlns:a16="http://schemas.microsoft.com/office/drawing/2014/main" id="{703644C5-B071-2DC7-2023-748E636CFD4F}"/>
+              </a:ext>
+            </a:extLst>
+          </p:cNvPr>
+          <p:cNvSpPr>
+            <a:spLocks noGrp="1"/>
+          </p:cNvSpPr>
+          <p:nvPr>
+            <p:ph type="title"/>
           </p:nvPr>
         </p:nvSpPr>
         <p:spPr/>
@@ -9351,133 +12513,52 @@
           <a:bodyPr/>
           <a:lstStyle/>
           <a:p>
-            <a:pPr marL="514350" indent="-514350">
-              <a:buFont typeface="+mj-lt"/>
-              <a:buAutoNum type="arabicPeriod"/>
-            </a:pPr>
+            <a:pPr algn="ctr"/>
             <a:r>
               <a:rPr lang="de-DE" dirty="0"/>
-              <a:t>Aufruf der Bibliotheken</a:t>
-            </a:r>
-          </a:p>
-          <a:p>
-            <a:pPr marL="514350" indent="-514350">
-              <a:buFont typeface="+mj-lt"/>
-              <a:buAutoNum type="arabicPeriod"/>
-            </a:pPr>
-            <a:r>
-              <a:rPr lang="de-DE" dirty="0"/>
-              <a:t>Deklaration von </a:t>
-            </a:r>
-          </a:p>
-          <a:p>
-            <a:pPr marL="971550" lvl="1" indent="-514350">
-              <a:buFont typeface="+mj-lt"/>
-              <a:buAutoNum type="arabicPeriod"/>
-            </a:pPr>
-            <a:r>
-              <a:rPr lang="de-DE" dirty="0"/>
-              <a:t>Variablen &amp; Konstanten</a:t>
-            </a:r>
-          </a:p>
-          <a:p>
-            <a:pPr marL="971550" lvl="1" indent="-514350">
-              <a:buFont typeface="+mj-lt"/>
-              <a:buAutoNum type="arabicPeriod"/>
-            </a:pPr>
-            <a:r>
-              <a:rPr lang="de-DE" dirty="0"/>
-              <a:t>Objekten (Hub, </a:t>
-            </a:r>
-            <a:r>
-              <a:rPr lang="de-DE" dirty="0" err="1"/>
-              <a:t>DriveBase</a:t>
-            </a:r>
-            <a:r>
-              <a:rPr lang="de-DE" dirty="0"/>
-              <a:t>, etc.)</a:t>
-            </a:r>
-          </a:p>
-          <a:p>
-            <a:pPr marL="514350" indent="-514350">
-              <a:buFont typeface="+mj-lt"/>
-              <a:buAutoNum type="arabicPeriod"/>
-            </a:pPr>
-            <a:r>
-              <a:rPr lang="de-DE" dirty="0"/>
-              <a:t>Definition der Funktionen</a:t>
-            </a:r>
-          </a:p>
-          <a:p>
-            <a:pPr marL="971550" lvl="1" indent="-514350">
-              <a:buFont typeface="+mj-lt"/>
-              <a:buAutoNum type="arabicPeriod"/>
-            </a:pPr>
-            <a:r>
-              <a:rPr lang="de-DE" dirty="0"/>
-              <a:t>Normale Funktionen</a:t>
-            </a:r>
-          </a:p>
-          <a:p>
-            <a:pPr marL="971550" lvl="1" indent="-514350">
-              <a:buFont typeface="+mj-lt"/>
-              <a:buAutoNum type="arabicPeriod"/>
-            </a:pPr>
-            <a:r>
-              <a:rPr lang="de-DE" dirty="0"/>
-              <a:t>Fahrten</a:t>
-            </a:r>
-          </a:p>
-          <a:p>
-            <a:pPr marL="514350" indent="-514350">
-              <a:buFont typeface="+mj-lt"/>
-              <a:buAutoNum type="arabicPeriod"/>
-            </a:pPr>
-            <a:r>
-              <a:rPr lang="de-DE" dirty="0"/>
-              <a:t>Aufruf der Funktionen im Abschnitt </a:t>
-            </a:r>
-            <a:r>
-              <a:rPr lang="de-DE" dirty="0" err="1">
-                <a:latin typeface="Consolas" panose="020B0609020204030204" pitchFamily="49" charset="0"/>
-              </a:rPr>
-              <a:t>main</a:t>
-            </a:r>
-            <a:endParaRPr lang="de-DE" dirty="0">
-              <a:latin typeface="Consolas" panose="020B0609020204030204" pitchFamily="49" charset="0"/>
-            </a:endParaRPr>
-          </a:p>
-          <a:p>
-            <a:pPr marL="514350" indent="-514350">
-              <a:buFont typeface="+mj-lt"/>
-              <a:buAutoNum type="arabicPeriod"/>
-            </a:pPr>
-            <a:endParaRPr lang="de-DE" dirty="0"/>
-          </a:p>
-        </p:txBody>
-      </p:sp>
+              <a:t>Programmiererfahrungen</a:t>
+            </a:r>
+          </a:p>
+        </p:txBody>
+      </p:sp>
+      <p:graphicFrame>
+        <p:nvGraphicFramePr>
+          <p:cNvPr id="9" name="Diagramm 8">
+            <a:extLst>
+              <a:ext uri="{FF2B5EF4-FFF2-40B4-BE49-F238E27FC236}">
+                <a16:creationId xmlns:a16="http://schemas.microsoft.com/office/drawing/2014/main" id="{9367F1DF-4A81-9511-8823-1E647F5C88C2}"/>
+              </a:ext>
+            </a:extLst>
+          </p:cNvPr>
+          <p:cNvGraphicFramePr/>
+          <p:nvPr>
+            <p:extLst>
+              <p:ext uri="{D42A27DB-BD31-4B8C-83A1-F6EECF244321}">
+                <p14:modId xmlns:p14="http://schemas.microsoft.com/office/powerpoint/2010/main" val="2970307674"/>
+              </p:ext>
+            </p:extLst>
+          </p:nvPr>
+        </p:nvGraphicFramePr>
+        <p:xfrm>
+          <a:off x="2032000" y="1690688"/>
+          <a:ext cx="8128000" cy="4910106"/>
+        </p:xfrm>
+        <a:graphic>
+          <a:graphicData uri="http://schemas.openxmlformats.org/drawingml/2006/diagram">
+            <dgm:relIds xmlns:dgm="http://schemas.openxmlformats.org/drawingml/2006/diagram" xmlns:r="http://schemas.openxmlformats.org/officeDocument/2006/relationships" r:dm="rId2" r:lo="rId3" r:qs="rId4" r:cs="rId5"/>
+          </a:graphicData>
+        </a:graphic>
+      </p:graphicFrame>
     </p:spTree>
     <p:extLst>
       <p:ext uri="{BB962C8B-B14F-4D97-AF65-F5344CB8AC3E}">
-        <p14:creationId xmlns:p14="http://schemas.microsoft.com/office/powerpoint/2010/main" val="2336521558"/>
+        <p14:creationId xmlns:p14="http://schemas.microsoft.com/office/powerpoint/2010/main" val="41752474"/>
       </p:ext>
     </p:extLst>
   </p:cSld>
   <p:clrMapOvr>
     <a:masterClrMapping/>
   </p:clrMapOvr>
-  <mc:AlternateContent xmlns:mc="http://schemas.openxmlformats.org/markup-compatibility/2006">
-    <mc:Choice xmlns:p159="http://schemas.microsoft.com/office/powerpoint/2015/09/main" Requires="p159">
-      <p:transition xmlns:p14="http://schemas.microsoft.com/office/powerpoint/2010/main" spd="slow" p14:dur="2000">
-        <p159:morph option="byObject"/>
-      </p:transition>
-    </mc:Choice>
-    <mc:Fallback>
-      <p:transition spd="slow">
-        <p:fade/>
-      </p:transition>
-    </mc:Fallback>
-  </mc:AlternateContent>
 </p:sld>
 </file>
 
@@ -9794,4 +12875,319 @@
     </a:ext>
   </a:extLst>
 </a:theme>
+</file>
+
+<file path=ppt/theme/theme2.xml><?xml version="1.0" encoding="utf-8"?>
+<a:theme xmlns:a="http://schemas.openxmlformats.org/drawingml/2006/main" name="Office">
+  <a:themeElements>
+    <a:clrScheme name="Office">
+      <a:dk1>
+        <a:sysClr val="windowText" lastClr="000000"/>
+      </a:dk1>
+      <a:lt1>
+        <a:sysClr val="window" lastClr="FFFFFF"/>
+      </a:lt1>
+      <a:dk2>
+        <a:srgbClr val="0E2841"/>
+      </a:dk2>
+      <a:lt2>
+        <a:srgbClr val="E8E8E8"/>
+      </a:lt2>
+      <a:accent1>
+        <a:srgbClr val="156082"/>
+      </a:accent1>
+      <a:accent2>
+        <a:srgbClr val="E97132"/>
+      </a:accent2>
+      <a:accent3>
+        <a:srgbClr val="196B24"/>
+      </a:accent3>
+      <a:accent4>
+        <a:srgbClr val="0F9ED5"/>
+      </a:accent4>
+      <a:accent5>
+        <a:srgbClr val="A02B93"/>
+      </a:accent5>
+      <a:accent6>
+        <a:srgbClr val="4EA72E"/>
+      </a:accent6>
+      <a:hlink>
+        <a:srgbClr val="467886"/>
+      </a:hlink>
+      <a:folHlink>
+        <a:srgbClr val="96607D"/>
+      </a:folHlink>
+    </a:clrScheme>
+    <a:fontScheme name="Office">
+      <a:majorFont>
+        <a:latin typeface="Aptos Display" panose="02110004020202020204"/>
+        <a:ea typeface=""/>
+        <a:cs typeface=""/>
+        <a:font script="Jpan" typeface="游ゴシック Light"/>
+        <a:font script="Hang" typeface="맑은 고딕"/>
+        <a:font script="Hans" typeface="等线 Light"/>
+        <a:font script="Hant" typeface="新細明體"/>
+        <a:font script="Arab" typeface="Times New Roman"/>
+        <a:font script="Hebr" typeface="Times New Roman"/>
+        <a:font script="Thai" typeface="Angsana New"/>
+        <a:font script="Ethi" typeface="Nyala"/>
+        <a:font script="Beng" typeface="Vrinda"/>
+        <a:font script="Gujr" typeface="Shruti"/>
+        <a:font script="Khmr" typeface="MoolBoran"/>
+        <a:font script="Knda" typeface="Tunga"/>
+        <a:font script="Guru" typeface="Raavi"/>
+        <a:font script="Cans" typeface="Euphemia"/>
+        <a:font script="Cher" typeface="Plantagenet Cherokee"/>
+        <a:font script="Yiii" typeface="Microsoft Yi Baiti"/>
+        <a:font script="Tibt" typeface="Microsoft Himalaya"/>
+        <a:font script="Thaa" typeface="MV Boli"/>
+        <a:font script="Deva" typeface="Mangal"/>
+        <a:font script="Telu" typeface="Gautami"/>
+        <a:font script="Taml" typeface="Latha"/>
+        <a:font script="Syrc" typeface="Estrangelo Edessa"/>
+        <a:font script="Orya" typeface="Kalinga"/>
+        <a:font script="Mlym" typeface="Kartika"/>
+        <a:font script="Laoo" typeface="DokChampa"/>
+        <a:font script="Sinh" typeface="Iskoola Pota"/>
+        <a:font script="Mong" typeface="Mongolian Baiti"/>
+        <a:font script="Viet" typeface="Times New Roman"/>
+        <a:font script="Uigh" typeface="Microsoft Uighur"/>
+        <a:font script="Geor" typeface="Sylfaen"/>
+        <a:font script="Armn" typeface="Arial"/>
+        <a:font script="Bugi" typeface="Leelawadee UI"/>
+        <a:font script="Bopo" typeface="Microsoft JhengHei"/>
+        <a:font script="Java" typeface="Javanese Text"/>
+        <a:font script="Lisu" typeface="Segoe UI"/>
+        <a:font script="Mymr" typeface="Myanmar Text"/>
+        <a:font script="Nkoo" typeface="Ebrima"/>
+        <a:font script="Olck" typeface="Nirmala UI"/>
+        <a:font script="Osma" typeface="Ebrima"/>
+        <a:font script="Phag" typeface="Phagspa"/>
+        <a:font script="Syrn" typeface="Estrangelo Edessa"/>
+        <a:font script="Syrj" typeface="Estrangelo Edessa"/>
+        <a:font script="Syre" typeface="Estrangelo Edessa"/>
+        <a:font script="Sora" typeface="Nirmala UI"/>
+        <a:font script="Tale" typeface="Microsoft Tai Le"/>
+        <a:font script="Talu" typeface="Microsoft New Tai Lue"/>
+        <a:font script="Tfng" typeface="Ebrima"/>
+      </a:majorFont>
+      <a:minorFont>
+        <a:latin typeface="Aptos" panose="02110004020202020204"/>
+        <a:ea typeface=""/>
+        <a:cs typeface=""/>
+        <a:font script="Jpan" typeface="游ゴシック"/>
+        <a:font script="Hang" typeface="맑은 고딕"/>
+        <a:font script="Hans" typeface="等线"/>
+        <a:font script="Hant" typeface="新細明體"/>
+        <a:font script="Arab" typeface="Arial"/>
+        <a:font script="Hebr" typeface="Arial"/>
+        <a:font script="Thai" typeface="Cordia New"/>
+        <a:font script="Ethi" typeface="Nyala"/>
+        <a:font script="Beng" typeface="Vrinda"/>
+        <a:font script="Gujr" typeface="Shruti"/>
+        <a:font script="Khmr" typeface="DaunPenh"/>
+        <a:font script="Knda" typeface="Tunga"/>
+        <a:font script="Guru" typeface="Raavi"/>
+        <a:font script="Cans" typeface="Euphemia"/>
+        <a:font script="Cher" typeface="Plantagenet Cherokee"/>
+        <a:font script="Yiii" typeface="Microsoft Yi Baiti"/>
+        <a:font script="Tibt" typeface="Microsoft Himalaya"/>
+        <a:font script="Thaa" typeface="MV Boli"/>
+        <a:font script="Deva" typeface="Mangal"/>
+        <a:font script="Telu" typeface="Gautami"/>
+        <a:font script="Taml" typeface="Latha"/>
+        <a:font script="Syrc" typeface="Estrangelo Edessa"/>
+        <a:font script="Orya" typeface="Kalinga"/>
+        <a:font script="Mlym" typeface="Kartika"/>
+        <a:font script="Laoo" typeface="DokChampa"/>
+        <a:font script="Sinh" typeface="Iskoola Pota"/>
+        <a:font script="Mong" typeface="Mongolian Baiti"/>
+        <a:font script="Viet" typeface="Arial"/>
+        <a:font script="Uigh" typeface="Microsoft Uighur"/>
+        <a:font script="Geor" typeface="Sylfaen"/>
+        <a:font script="Armn" typeface="Arial"/>
+        <a:font script="Bugi" typeface="Leelawadee UI"/>
+        <a:font script="Bopo" typeface="Microsoft JhengHei"/>
+        <a:font script="Java" typeface="Javanese Text"/>
+        <a:font script="Lisu" typeface="Segoe UI"/>
+        <a:font script="Mymr" typeface="Myanmar Text"/>
+        <a:font script="Nkoo" typeface="Ebrima"/>
+        <a:font script="Olck" typeface="Nirmala UI"/>
+        <a:font script="Osma" typeface="Ebrima"/>
+        <a:font script="Phag" typeface="Phagspa"/>
+        <a:font script="Syrn" typeface="Estrangelo Edessa"/>
+        <a:font script="Syrj" typeface="Estrangelo Edessa"/>
+        <a:font script="Syre" typeface="Estrangelo Edessa"/>
+        <a:font script="Sora" typeface="Nirmala UI"/>
+        <a:font script="Tale" typeface="Microsoft Tai Le"/>
+        <a:font script="Talu" typeface="Microsoft New Tai Lue"/>
+        <a:font script="Tfng" typeface="Ebrima"/>
+      </a:minorFont>
+    </a:fontScheme>
+    <a:fmtScheme name="Office">
+      <a:fillStyleLst>
+        <a:solidFill>
+          <a:schemeClr val="phClr"/>
+        </a:solidFill>
+        <a:gradFill rotWithShape="1">
+          <a:gsLst>
+            <a:gs pos="0">
+              <a:schemeClr val="phClr">
+                <a:lumMod val="110000"/>
+                <a:satMod val="105000"/>
+                <a:tint val="67000"/>
+              </a:schemeClr>
+            </a:gs>
+            <a:gs pos="50000">
+              <a:schemeClr val="phClr">
+                <a:lumMod val="105000"/>
+                <a:satMod val="103000"/>
+                <a:tint val="73000"/>
+              </a:schemeClr>
+            </a:gs>
+            <a:gs pos="100000">
+              <a:schemeClr val="phClr">
+                <a:lumMod val="105000"/>
+                <a:satMod val="109000"/>
+                <a:tint val="81000"/>
+              </a:schemeClr>
+            </a:gs>
+          </a:gsLst>
+          <a:lin ang="5400000" scaled="0"/>
+        </a:gradFill>
+        <a:gradFill rotWithShape="1">
+          <a:gsLst>
+            <a:gs pos="0">
+              <a:schemeClr val="phClr">
+                <a:satMod val="103000"/>
+                <a:lumMod val="102000"/>
+                <a:tint val="94000"/>
+              </a:schemeClr>
+            </a:gs>
+            <a:gs pos="50000">
+              <a:schemeClr val="phClr">
+                <a:satMod val="110000"/>
+                <a:lumMod val="100000"/>
+                <a:shade val="100000"/>
+              </a:schemeClr>
+            </a:gs>
+            <a:gs pos="100000">
+              <a:schemeClr val="phClr">
+                <a:lumMod val="99000"/>
+                <a:satMod val="120000"/>
+                <a:shade val="78000"/>
+              </a:schemeClr>
+            </a:gs>
+          </a:gsLst>
+          <a:lin ang="5400000" scaled="0"/>
+        </a:gradFill>
+      </a:fillStyleLst>
+      <a:lnStyleLst>
+        <a:ln w="12700" cap="flat" cmpd="sng" algn="ctr">
+          <a:solidFill>
+            <a:schemeClr val="phClr"/>
+          </a:solidFill>
+          <a:prstDash val="solid"/>
+          <a:miter lim="800000"/>
+        </a:ln>
+        <a:ln w="19050" cap="flat" cmpd="sng" algn="ctr">
+          <a:solidFill>
+            <a:schemeClr val="phClr"/>
+          </a:solidFill>
+          <a:prstDash val="solid"/>
+          <a:miter lim="800000"/>
+        </a:ln>
+        <a:ln w="25400" cap="flat" cmpd="sng" algn="ctr">
+          <a:solidFill>
+            <a:schemeClr val="phClr"/>
+          </a:solidFill>
+          <a:prstDash val="solid"/>
+          <a:miter lim="800000"/>
+        </a:ln>
+      </a:lnStyleLst>
+      <a:effectStyleLst>
+        <a:effectStyle>
+          <a:effectLst/>
+        </a:effectStyle>
+        <a:effectStyle>
+          <a:effectLst/>
+        </a:effectStyle>
+        <a:effectStyle>
+          <a:effectLst>
+            <a:outerShdw blurRad="57150" dist="19050" dir="5400000" algn="ctr" rotWithShape="0">
+              <a:srgbClr val="000000">
+                <a:alpha val="63000"/>
+              </a:srgbClr>
+            </a:outerShdw>
+          </a:effectLst>
+        </a:effectStyle>
+      </a:effectStyleLst>
+      <a:bgFillStyleLst>
+        <a:solidFill>
+          <a:schemeClr val="phClr"/>
+        </a:solidFill>
+        <a:solidFill>
+          <a:schemeClr val="phClr">
+            <a:tint val="95000"/>
+            <a:satMod val="170000"/>
+          </a:schemeClr>
+        </a:solidFill>
+        <a:gradFill rotWithShape="1">
+          <a:gsLst>
+            <a:gs pos="0">
+              <a:schemeClr val="phClr">
+                <a:tint val="93000"/>
+                <a:satMod val="150000"/>
+                <a:shade val="98000"/>
+                <a:lumMod val="102000"/>
+              </a:schemeClr>
+            </a:gs>
+            <a:gs pos="50000">
+              <a:schemeClr val="phClr">
+                <a:tint val="98000"/>
+                <a:satMod val="130000"/>
+                <a:shade val="90000"/>
+                <a:lumMod val="103000"/>
+              </a:schemeClr>
+            </a:gs>
+            <a:gs pos="100000">
+              <a:schemeClr val="phClr">
+                <a:shade val="63000"/>
+                <a:satMod val="120000"/>
+              </a:schemeClr>
+            </a:gs>
+          </a:gsLst>
+          <a:lin ang="5400000" scaled="0"/>
+        </a:gradFill>
+      </a:bgFillStyleLst>
+    </a:fmtScheme>
+  </a:themeElements>
+  <a:objectDefaults>
+    <a:lnDef>
+      <a:spPr/>
+      <a:bodyPr/>
+      <a:lstStyle/>
+      <a:style>
+        <a:lnRef idx="2">
+          <a:schemeClr val="accent1"/>
+        </a:lnRef>
+        <a:fillRef idx="0">
+          <a:schemeClr val="accent1"/>
+        </a:fillRef>
+        <a:effectRef idx="1">
+          <a:schemeClr val="accent1"/>
+        </a:effectRef>
+        <a:fontRef idx="minor">
+          <a:schemeClr val="tx1"/>
+        </a:fontRef>
+      </a:style>
+    </a:lnDef>
+  </a:objectDefaults>
+  <a:extraClrSchemeLst/>
+  <a:extLst>
+    <a:ext uri="{05A4C25C-085E-4340-85A3-A5531E510DB2}">
+      <thm15:themeFamily xmlns:thm15="http://schemas.microsoft.com/office/thememl/2012/main" name="Office Theme" id="{2E142A2C-CD16-42D6-873A-C26D2A0506FA}" vid="{1BDDFF52-6CD6-40A5-AB3C-68EB2F1E4D0A}"/>
+    </a:ext>
+  </a:extLst>
+</a:theme>
 </file>
--- a/HoT-Meetup_2024_Pybricks.pptx
+++ b/HoT-Meetup_2024_Pybricks.pptx
@@ -5,7 +5,7 @@
     <p:sldMasterId id="2147483648" r:id="rId1"/>
   </p:sldMasterIdLst>
   <p:notesMasterIdLst>
-    <p:notesMasterId r:id="rId35"/>
+    <p:notesMasterId r:id="rId34"/>
   </p:notesMasterIdLst>
   <p:sldIdLst>
     <p:sldId id="256" r:id="rId2"/>
@@ -13,34 +13,33 @@
     <p:sldId id="278" r:id="rId4"/>
     <p:sldId id="280" r:id="rId5"/>
     <p:sldId id="281" r:id="rId6"/>
-    <p:sldId id="259" r:id="rId7"/>
-    <p:sldId id="257" r:id="rId8"/>
-    <p:sldId id="262" r:id="rId9"/>
-    <p:sldId id="260" r:id="rId10"/>
-    <p:sldId id="264" r:id="rId11"/>
-    <p:sldId id="263" r:id="rId12"/>
-    <p:sldId id="265" r:id="rId13"/>
-    <p:sldId id="261" r:id="rId14"/>
-    <p:sldId id="266" r:id="rId15"/>
-    <p:sldId id="277" r:id="rId16"/>
-    <p:sldId id="268" r:id="rId17"/>
-    <p:sldId id="271" r:id="rId18"/>
-    <p:sldId id="270" r:id="rId19"/>
-    <p:sldId id="276" r:id="rId20"/>
-    <p:sldId id="275" r:id="rId21"/>
-    <p:sldId id="269" r:id="rId22"/>
-    <p:sldId id="272" r:id="rId23"/>
-    <p:sldId id="274" r:id="rId24"/>
-    <p:sldId id="273" r:id="rId25"/>
-    <p:sldId id="282" r:id="rId26"/>
-    <p:sldId id="283" r:id="rId27"/>
-    <p:sldId id="284" r:id="rId28"/>
+    <p:sldId id="257" r:id="rId7"/>
+    <p:sldId id="262" r:id="rId8"/>
+    <p:sldId id="260" r:id="rId9"/>
+    <p:sldId id="264" r:id="rId10"/>
+    <p:sldId id="263" r:id="rId11"/>
+    <p:sldId id="265" r:id="rId12"/>
+    <p:sldId id="261" r:id="rId13"/>
+    <p:sldId id="266" r:id="rId14"/>
+    <p:sldId id="268" r:id="rId15"/>
+    <p:sldId id="271" r:id="rId16"/>
+    <p:sldId id="270" r:id="rId17"/>
+    <p:sldId id="276" r:id="rId18"/>
+    <p:sldId id="275" r:id="rId19"/>
+    <p:sldId id="269" r:id="rId20"/>
+    <p:sldId id="272" r:id="rId21"/>
+    <p:sldId id="274" r:id="rId22"/>
+    <p:sldId id="273" r:id="rId23"/>
+    <p:sldId id="282" r:id="rId24"/>
+    <p:sldId id="283" r:id="rId25"/>
+    <p:sldId id="285" r:id="rId26"/>
+    <p:sldId id="284" r:id="rId27"/>
+    <p:sldId id="291" r:id="rId28"/>
     <p:sldId id="286" r:id="rId29"/>
-    <p:sldId id="285" r:id="rId30"/>
-    <p:sldId id="287" r:id="rId31"/>
-    <p:sldId id="288" r:id="rId32"/>
-    <p:sldId id="289" r:id="rId33"/>
-    <p:sldId id="290" r:id="rId34"/>
+    <p:sldId id="287" r:id="rId30"/>
+    <p:sldId id="288" r:id="rId31"/>
+    <p:sldId id="289" r:id="rId32"/>
+    <p:sldId id="290" r:id="rId33"/>
   </p:sldIdLst>
   <p:sldSz cx="12192000" cy="6858000"/>
   <p:notesSz cx="6858000" cy="9144000"/>
@@ -149,7 +148,6 @@
             <p14:sldId id="278"/>
             <p14:sldId id="280"/>
             <p14:sldId id="281"/>
-            <p14:sldId id="259"/>
             <p14:sldId id="257"/>
             <p14:sldId id="262"/>
             <p14:sldId id="260"/>
@@ -162,7 +160,6 @@
             <p14:sldId id="265"/>
             <p14:sldId id="261"/>
             <p14:sldId id="266"/>
-            <p14:sldId id="277"/>
             <p14:sldId id="268"/>
             <p14:sldId id="271"/>
           </p14:sldIdLst>
@@ -186,9 +183,10 @@
           <p14:sldIdLst>
             <p14:sldId id="282"/>
             <p14:sldId id="283"/>
+            <p14:sldId id="285"/>
             <p14:sldId id="284"/>
+            <p14:sldId id="291"/>
             <p14:sldId id="286"/>
-            <p14:sldId id="285"/>
             <p14:sldId id="287"/>
             <p14:sldId id="288"/>
             <p14:sldId id="289"/>
@@ -3459,7 +3457,7 @@
           <a:p>
             <a:fld id="{099B0C14-BA6B-429A-881A-4F6393D808C3}" type="datetimeFigureOut">
               <a:rPr lang="de-DE" smtClean="0"/>
-              <a:t>25.10.2024</a:t>
+              <a:t>26.10.2024</a:t>
             </a:fld>
             <a:endParaRPr lang="de-DE"/>
           </a:p>
@@ -3962,7 +3960,7 @@
           <a:p>
             <a:fld id="{EB463D94-89EE-49D5-B83C-D8AF2FE5D3B4}" type="slidenum">
               <a:rPr lang="de-DE" smtClean="0"/>
-              <a:t>16</a:t>
+              <a:t>14</a:t>
             </a:fld>
             <a:endParaRPr lang="de-DE"/>
           </a:p>
@@ -4060,7 +4058,7 @@
           <a:p>
             <a:fld id="{EB463D94-89EE-49D5-B83C-D8AF2FE5D3B4}" type="slidenum">
               <a:rPr lang="de-DE" smtClean="0"/>
-              <a:t>20</a:t>
+              <a:t>18</a:t>
             </a:fld>
             <a:endParaRPr lang="de-DE"/>
           </a:p>
@@ -4147,7 +4145,7 @@
           <a:p>
             <a:fld id="{EB463D94-89EE-49D5-B83C-D8AF2FE5D3B4}" type="slidenum">
               <a:rPr lang="de-DE" smtClean="0"/>
-              <a:t>26</a:t>
+              <a:t>24</a:t>
             </a:fld>
             <a:endParaRPr lang="de-DE"/>
           </a:p>
@@ -4167,6 +4165,113 @@
 </file>
 
 <file path=ppt/notesSlides/notesSlide6.xml><?xml version="1.0" encoding="utf-8"?>
+<p:notes xmlns:a="http://schemas.openxmlformats.org/drawingml/2006/main" xmlns:r="http://schemas.openxmlformats.org/officeDocument/2006/relationships" xmlns:p="http://schemas.openxmlformats.org/presentationml/2006/main">
+  <p:cSld>
+    <p:spTree>
+      <p:nvGrpSpPr>
+        <p:cNvPr id="1" name=""/>
+        <p:cNvGrpSpPr/>
+        <p:nvPr/>
+      </p:nvGrpSpPr>
+      <p:grpSpPr>
+        <a:xfrm>
+          <a:off x="0" y="0"/>
+          <a:ext cx="0" cy="0"/>
+          <a:chOff x="0" y="0"/>
+          <a:chExt cx="0" cy="0"/>
+        </a:xfrm>
+      </p:grpSpPr>
+      <p:sp>
+        <p:nvSpPr>
+          <p:cNvPr id="2" name="Folienbildplatzhalter 1"/>
+          <p:cNvSpPr>
+            <a:spLocks noGrp="1" noRot="1" noChangeAspect="1"/>
+          </p:cNvSpPr>
+          <p:nvPr>
+            <p:ph type="sldImg"/>
+          </p:nvPr>
+        </p:nvSpPr>
+        <p:spPr/>
+      </p:sp>
+      <p:sp>
+        <p:nvSpPr>
+          <p:cNvPr id="3" name="Notizenplatzhalter 2"/>
+          <p:cNvSpPr>
+            <a:spLocks noGrp="1"/>
+          </p:cNvSpPr>
+          <p:nvPr>
+            <p:ph type="body" idx="1"/>
+          </p:nvPr>
+        </p:nvSpPr>
+        <p:spPr/>
+        <p:txBody>
+          <a:bodyPr/>
+          <a:lstStyle/>
+          <a:p>
+            <a:pPr marL="0" marR="0" lvl="0" indent="0" algn="l" defTabSz="914400" rtl="0" eaLnBrk="1" fontAlgn="auto" latinLnBrk="0" hangingPunct="1">
+              <a:lnSpc>
+                <a:spcPct val="100000"/>
+              </a:lnSpc>
+              <a:spcBef>
+                <a:spcPts val="0"/>
+              </a:spcBef>
+              <a:spcAft>
+                <a:spcPts val="0"/>
+              </a:spcAft>
+              <a:buClrTx/>
+              <a:buSzTx/>
+              <a:buFontTx/>
+              <a:buNone/>
+              <a:tabLst/>
+              <a:defRPr/>
+            </a:pPr>
+            <a:r>
+              <a:rPr lang="de-DE" dirty="0"/>
+              <a:t>Commit = Projektversion</a:t>
+            </a:r>
+          </a:p>
+          <a:p>
+            <a:endParaRPr lang="de-DE" dirty="0"/>
+          </a:p>
+        </p:txBody>
+      </p:sp>
+      <p:sp>
+        <p:nvSpPr>
+          <p:cNvPr id="4" name="Foliennummernplatzhalter 3"/>
+          <p:cNvSpPr>
+            <a:spLocks noGrp="1"/>
+          </p:cNvSpPr>
+          <p:nvPr>
+            <p:ph type="sldNum" sz="quarter" idx="5"/>
+          </p:nvPr>
+        </p:nvSpPr>
+        <p:spPr/>
+        <p:txBody>
+          <a:bodyPr/>
+          <a:lstStyle/>
+          <a:p>
+            <a:fld id="{EB463D94-89EE-49D5-B83C-D8AF2FE5D3B4}" type="slidenum">
+              <a:rPr lang="de-DE" smtClean="0"/>
+              <a:t>26</a:t>
+            </a:fld>
+            <a:endParaRPr lang="de-DE"/>
+          </a:p>
+        </p:txBody>
+      </p:sp>
+    </p:spTree>
+    <p:extLst>
+      <p:ext uri="{BB962C8B-B14F-4D97-AF65-F5344CB8AC3E}">
+        <p14:creationId xmlns:p14="http://schemas.microsoft.com/office/powerpoint/2010/main" val="665084190"/>
+      </p:ext>
+    </p:extLst>
+  </p:cSld>
+  <p:clrMapOvr>
+    <a:masterClrMapping/>
+  </p:clrMapOvr>
+</p:notes>
+</file>
+
+<file path=ppt/notesSlides/notesSlide7.xml><?xml version="1.0" encoding="utf-8"?>
 <p:notes xmlns:a="http://schemas.openxmlformats.org/drawingml/2006/main" xmlns:r="http://schemas.openxmlformats.org/officeDocument/2006/relationships" xmlns:p="http://schemas.openxmlformats.org/presentationml/2006/main">
   <p:cSld>
     <p:spTree>
@@ -4400,7 +4505,7 @@
           <a:p>
             <a:fld id="{01D46148-9C8E-4B79-A077-52CCDB86EE5D}" type="datetimeFigureOut">
               <a:rPr lang="de-DE" smtClean="0"/>
-              <a:t>25.10.2024</a:t>
+              <a:t>26.10.2024</a:t>
             </a:fld>
             <a:endParaRPr lang="de-DE"/>
           </a:p>
@@ -4598,7 +4703,7 @@
           <a:p>
             <a:fld id="{01D46148-9C8E-4B79-A077-52CCDB86EE5D}" type="datetimeFigureOut">
               <a:rPr lang="de-DE" smtClean="0"/>
-              <a:t>25.10.2024</a:t>
+              <a:t>26.10.2024</a:t>
             </a:fld>
             <a:endParaRPr lang="de-DE"/>
           </a:p>
@@ -4806,7 +4911,7 @@
           <a:p>
             <a:fld id="{01D46148-9C8E-4B79-A077-52CCDB86EE5D}" type="datetimeFigureOut">
               <a:rPr lang="de-DE" smtClean="0"/>
-              <a:t>25.10.2024</a:t>
+              <a:t>26.10.2024</a:t>
             </a:fld>
             <a:endParaRPr lang="de-DE"/>
           </a:p>
@@ -5004,7 +5109,7 @@
           <a:p>
             <a:fld id="{01D46148-9C8E-4B79-A077-52CCDB86EE5D}" type="datetimeFigureOut">
               <a:rPr lang="de-DE" smtClean="0"/>
-              <a:t>25.10.2024</a:t>
+              <a:t>26.10.2024</a:t>
             </a:fld>
             <a:endParaRPr lang="de-DE"/>
           </a:p>
@@ -5279,7 +5384,7 @@
           <a:p>
             <a:fld id="{01D46148-9C8E-4B79-A077-52CCDB86EE5D}" type="datetimeFigureOut">
               <a:rPr lang="de-DE" smtClean="0"/>
-              <a:t>25.10.2024</a:t>
+              <a:t>26.10.2024</a:t>
             </a:fld>
             <a:endParaRPr lang="de-DE"/>
           </a:p>
@@ -5544,7 +5649,7 @@
           <a:p>
             <a:fld id="{01D46148-9C8E-4B79-A077-52CCDB86EE5D}" type="datetimeFigureOut">
               <a:rPr lang="de-DE" smtClean="0"/>
-              <a:t>25.10.2024</a:t>
+              <a:t>26.10.2024</a:t>
             </a:fld>
             <a:endParaRPr lang="de-DE"/>
           </a:p>
@@ -5956,7 +6061,7 @@
           <a:p>
             <a:fld id="{01D46148-9C8E-4B79-A077-52CCDB86EE5D}" type="datetimeFigureOut">
               <a:rPr lang="de-DE" smtClean="0"/>
-              <a:t>25.10.2024</a:t>
+              <a:t>26.10.2024</a:t>
             </a:fld>
             <a:endParaRPr lang="de-DE"/>
           </a:p>
@@ -6097,7 +6202,7 @@
           <a:p>
             <a:fld id="{01D46148-9C8E-4B79-A077-52CCDB86EE5D}" type="datetimeFigureOut">
               <a:rPr lang="de-DE" smtClean="0"/>
-              <a:t>25.10.2024</a:t>
+              <a:t>26.10.2024</a:t>
             </a:fld>
             <a:endParaRPr lang="de-DE"/>
           </a:p>
@@ -6210,7 +6315,7 @@
           <a:p>
             <a:fld id="{01D46148-9C8E-4B79-A077-52CCDB86EE5D}" type="datetimeFigureOut">
               <a:rPr lang="de-DE" smtClean="0"/>
-              <a:t>25.10.2024</a:t>
+              <a:t>26.10.2024</a:t>
             </a:fld>
             <a:endParaRPr lang="de-DE"/>
           </a:p>
@@ -6521,7 +6626,7 @@
           <a:p>
             <a:fld id="{01D46148-9C8E-4B79-A077-52CCDB86EE5D}" type="datetimeFigureOut">
               <a:rPr lang="de-DE" smtClean="0"/>
-              <a:t>25.10.2024</a:t>
+              <a:t>26.10.2024</a:t>
             </a:fld>
             <a:endParaRPr lang="de-DE"/>
           </a:p>
@@ -6809,7 +6914,7 @@
           <a:p>
             <a:fld id="{01D46148-9C8E-4B79-A077-52CCDB86EE5D}" type="datetimeFigureOut">
               <a:rPr lang="de-DE" smtClean="0"/>
-              <a:t>25.10.2024</a:t>
+              <a:t>26.10.2024</a:t>
             </a:fld>
             <a:endParaRPr lang="de-DE"/>
           </a:p>
@@ -7050,7 +7155,7 @@
           <a:p>
             <a:fld id="{01D46148-9C8E-4B79-A077-52CCDB86EE5D}" type="datetimeFigureOut">
               <a:rPr lang="de-DE" smtClean="0"/>
-              <a:t>25.10.2024</a:t>
+              <a:t>26.10.2024</a:t>
             </a:fld>
             <a:endParaRPr lang="de-DE"/>
           </a:p>
@@ -7592,212 +7697,6 @@
       </p:grpSpPr>
       <p:sp>
         <p:nvSpPr>
-          <p:cNvPr id="4" name="Titel 3">
-            <a:extLst>
-              <a:ext uri="{FF2B5EF4-FFF2-40B4-BE49-F238E27FC236}">
-                <a16:creationId xmlns:a16="http://schemas.microsoft.com/office/drawing/2014/main" id="{C6A31772-BF0E-FA32-BD92-E1FF5F5407F6}"/>
-              </a:ext>
-            </a:extLst>
-          </p:cNvPr>
-          <p:cNvSpPr>
-            <a:spLocks noGrp="1"/>
-          </p:cNvSpPr>
-          <p:nvPr>
-            <p:ph type="title"/>
-          </p:nvPr>
-        </p:nvSpPr>
-        <p:spPr/>
-        <p:txBody>
-          <a:bodyPr/>
-          <a:lstStyle/>
-          <a:p>
-            <a:r>
-              <a:rPr lang="de-DE" dirty="0"/>
-              <a:t>Python &amp; </a:t>
-            </a:r>
-            <a:r>
-              <a:rPr lang="de-DE" dirty="0" err="1"/>
-              <a:t>PyBricks</a:t>
-            </a:r>
-            <a:endParaRPr lang="de-DE" dirty="0"/>
-          </a:p>
-        </p:txBody>
-      </p:sp>
-      <p:sp>
-        <p:nvSpPr>
-          <p:cNvPr id="5" name="Textplatzhalter 4">
-            <a:extLst>
-              <a:ext uri="{FF2B5EF4-FFF2-40B4-BE49-F238E27FC236}">
-                <a16:creationId xmlns:a16="http://schemas.microsoft.com/office/drawing/2014/main" id="{1C76AAF9-6147-FEA2-8522-8B48B9A39AF6}"/>
-              </a:ext>
-            </a:extLst>
-          </p:cNvPr>
-          <p:cNvSpPr>
-            <a:spLocks noGrp="1"/>
-          </p:cNvSpPr>
-          <p:nvPr>
-            <p:ph type="body" idx="1"/>
-          </p:nvPr>
-        </p:nvSpPr>
-        <p:spPr/>
-        <p:txBody>
-          <a:bodyPr/>
-          <a:lstStyle/>
-          <a:p>
-            <a:endParaRPr lang="de-DE" dirty="0"/>
-          </a:p>
-        </p:txBody>
-      </p:sp>
-      <p:pic>
-        <p:nvPicPr>
-          <p:cNvPr id="6" name="Grafik 5">
-            <a:extLst>
-              <a:ext uri="{FF2B5EF4-FFF2-40B4-BE49-F238E27FC236}">
-                <a16:creationId xmlns:a16="http://schemas.microsoft.com/office/drawing/2014/main" id="{4EA5347D-C2BE-80FF-2469-641894A9B101}"/>
-              </a:ext>
-            </a:extLst>
-          </p:cNvPr>
-          <p:cNvPicPr>
-            <a:picLocks noChangeAspect="1"/>
-          </p:cNvPicPr>
-          <p:nvPr/>
-        </p:nvPicPr>
-        <p:blipFill>
-          <a:blip r:embed="rId2">
-            <a:extLst>
-              <a:ext uri="{96DAC541-7B7A-43D3-8B79-37D633B846F1}">
-                <asvg:svgBlip xmlns:asvg="http://schemas.microsoft.com/office/drawing/2016/SVG/main" r:embed="rId3"/>
-              </a:ext>
-            </a:extLst>
-          </a:blip>
-          <a:stretch>
-            <a:fillRect/>
-          </a:stretch>
-        </p:blipFill>
-        <p:spPr>
-          <a:xfrm>
-            <a:off x="6174695" y="109595"/>
-            <a:ext cx="2757488" cy="3026511"/>
-          </a:xfrm>
-          <a:prstGeom prst="rect">
-            <a:avLst/>
-          </a:prstGeom>
-        </p:spPr>
-      </p:pic>
-      <p:pic>
-        <p:nvPicPr>
-          <p:cNvPr id="7" name="Grafik 6" descr="Ein Bild, das Grafiken, Logo, Electric Blue (Farbe), Schrift enthält.&#10;&#10;Automatisch generierte Beschreibung">
-            <a:extLst>
-              <a:ext uri="{FF2B5EF4-FFF2-40B4-BE49-F238E27FC236}">
-                <a16:creationId xmlns:a16="http://schemas.microsoft.com/office/drawing/2014/main" id="{B483452E-BC5E-D7B0-414E-94342EFCCB1E}"/>
-              </a:ext>
-            </a:extLst>
-          </p:cNvPr>
-          <p:cNvPicPr>
-            <a:picLocks noChangeAspect="1"/>
-          </p:cNvPicPr>
-          <p:nvPr/>
-        </p:nvPicPr>
-        <p:blipFill>
-          <a:blip r:embed="rId4">
-            <a:extLst>
-              <a:ext uri="{28A0092B-C50C-407E-A947-70E740481C1C}">
-                <a14:useLocalDpi xmlns:a14="http://schemas.microsoft.com/office/drawing/2010/main" val="0"/>
-              </a:ext>
-            </a:extLst>
-          </a:blip>
-          <a:stretch>
-            <a:fillRect/>
-          </a:stretch>
-        </p:blipFill>
-        <p:spPr>
-          <a:xfrm>
-            <a:off x="9220200" y="241299"/>
-            <a:ext cx="2714625" cy="2714625"/>
-          </a:xfrm>
-          <a:prstGeom prst="rect">
-            <a:avLst/>
-          </a:prstGeom>
-          <a:ln>
-            <a:solidFill>
-              <a:schemeClr val="tx1"/>
-            </a:solidFill>
-          </a:ln>
-        </p:spPr>
-      </p:pic>
-      <p:pic>
-        <p:nvPicPr>
-          <p:cNvPr id="8" name="Grafik 7" descr="Ein Bild, das Text, Schrift, Screenshot, Grafiken enthält.&#10;&#10;Automatisch generierte Beschreibung">
-            <a:extLst>
-              <a:ext uri="{FF2B5EF4-FFF2-40B4-BE49-F238E27FC236}">
-                <a16:creationId xmlns:a16="http://schemas.microsoft.com/office/drawing/2014/main" id="{C32F5122-77BA-08A6-E06E-BD56B22B6EF1}"/>
-              </a:ext>
-            </a:extLst>
-          </p:cNvPr>
-          <p:cNvPicPr>
-            <a:picLocks noChangeAspect="1"/>
-          </p:cNvPicPr>
-          <p:nvPr/>
-        </p:nvPicPr>
-        <p:blipFill>
-          <a:blip r:embed="rId5">
-            <a:extLst>
-              <a:ext uri="{28A0092B-C50C-407E-A947-70E740481C1C}">
-                <a14:useLocalDpi xmlns:a14="http://schemas.microsoft.com/office/drawing/2010/main" val="0"/>
-              </a:ext>
-            </a:extLst>
-          </a:blip>
-          <a:stretch>
-            <a:fillRect/>
-          </a:stretch>
-        </p:blipFill>
-        <p:spPr>
-          <a:xfrm>
-            <a:off x="8932183" y="3435996"/>
-            <a:ext cx="3002642" cy="3002642"/>
-          </a:xfrm>
-          <a:prstGeom prst="rect">
-            <a:avLst/>
-          </a:prstGeom>
-          <a:ln>
-            <a:solidFill>
-              <a:schemeClr val="tx1"/>
-            </a:solidFill>
-          </a:ln>
-        </p:spPr>
-      </p:pic>
-    </p:spTree>
-    <p:extLst>
-      <p:ext uri="{BB962C8B-B14F-4D97-AF65-F5344CB8AC3E}">
-        <p14:creationId xmlns:p14="http://schemas.microsoft.com/office/powerpoint/2010/main" val="2902711541"/>
-      </p:ext>
-    </p:extLst>
-  </p:cSld>
-  <p:clrMapOvr>
-    <a:masterClrMapping/>
-  </p:clrMapOvr>
-</p:sld>
-</file>
-
-<file path=ppt/slides/slide11.xml><?xml version="1.0" encoding="utf-8"?>
-<p:sld xmlns:a="http://schemas.openxmlformats.org/drawingml/2006/main" xmlns:r="http://schemas.openxmlformats.org/officeDocument/2006/relationships" xmlns:p="http://schemas.openxmlformats.org/presentationml/2006/main">
-  <p:cSld>
-    <p:spTree>
-      <p:nvGrpSpPr>
-        <p:cNvPr id="1" name=""/>
-        <p:cNvGrpSpPr/>
-        <p:nvPr/>
-      </p:nvGrpSpPr>
-      <p:grpSpPr>
-        <a:xfrm>
-          <a:off x="0" y="0"/>
-          <a:ext cx="0" cy="0"/>
-          <a:chOff x="0" y="0"/>
-          <a:chExt cx="0" cy="0"/>
-        </a:xfrm>
-      </p:grpSpPr>
-      <p:sp>
-        <p:nvSpPr>
           <p:cNvPr id="2" name="Titel 1">
             <a:extLst>
               <a:ext uri="{FF2B5EF4-FFF2-40B4-BE49-F238E27FC236}">
@@ -7924,7 +7823,7 @@
 </p:sld>
 </file>
 
-<file path=ppt/slides/slide12.xml><?xml version="1.0" encoding="utf-8"?>
+<file path=ppt/slides/slide11.xml><?xml version="1.0" encoding="utf-8"?>
 <p:sld xmlns:a="http://schemas.openxmlformats.org/drawingml/2006/main" xmlns:r="http://schemas.openxmlformats.org/officeDocument/2006/relationships" xmlns:p="http://schemas.openxmlformats.org/presentationml/2006/main">
   <p:cSld>
     <p:spTree>
@@ -8117,7 +8016,7 @@
 </p:sld>
 </file>
 
-<file path=ppt/slides/slide13.xml><?xml version="1.0" encoding="utf-8"?>
+<file path=ppt/slides/slide12.xml><?xml version="1.0" encoding="utf-8"?>
 <p:sld xmlns:a="http://schemas.openxmlformats.org/drawingml/2006/main" xmlns:r="http://schemas.openxmlformats.org/officeDocument/2006/relationships" xmlns:p="http://schemas.openxmlformats.org/presentationml/2006/main">
   <p:cSld>
     <p:spTree>
@@ -8312,7 +8211,7 @@
             </a:pPr>
             <a:r>
               <a:rPr lang="de-DE" dirty="0"/>
-              <a:t>Deklaration von </a:t>
+              <a:t>Deklaration von… </a:t>
             </a:r>
           </a:p>
           <a:p>
@@ -8414,7 +8313,7 @@
 </p:sld>
 </file>
 
-<file path=ppt/slides/slide14.xml><?xml version="1.0" encoding="utf-8"?>
+<file path=ppt/slides/slide13.xml><?xml version="1.0" encoding="utf-8"?>
 <p:sld xmlns:a="http://schemas.openxmlformats.org/drawingml/2006/main" xmlns:r="http://schemas.openxmlformats.org/officeDocument/2006/relationships" xmlns:p="http://schemas.openxmlformats.org/presentationml/2006/main">
   <p:cSld>
     <p:spTree>
@@ -8569,96 +8468,7 @@
 </p:sld>
 </file>
 
-<file path=ppt/slides/slide15.xml><?xml version="1.0" encoding="utf-8"?>
-<p:sld xmlns:a="http://schemas.openxmlformats.org/drawingml/2006/main" xmlns:r="http://schemas.openxmlformats.org/officeDocument/2006/relationships" xmlns:p="http://schemas.openxmlformats.org/presentationml/2006/main">
-  <p:cSld>
-    <p:spTree>
-      <p:nvGrpSpPr>
-        <p:cNvPr id="1" name=""/>
-        <p:cNvGrpSpPr/>
-        <p:nvPr/>
-      </p:nvGrpSpPr>
-      <p:grpSpPr>
-        <a:xfrm>
-          <a:off x="0" y="0"/>
-          <a:ext cx="0" cy="0"/>
-          <a:chOff x="0" y="0"/>
-          <a:chExt cx="0" cy="0"/>
-        </a:xfrm>
-      </p:grpSpPr>
-      <p:sp>
-        <p:nvSpPr>
-          <p:cNvPr id="2" name="Titel 1">
-            <a:extLst>
-              <a:ext uri="{FF2B5EF4-FFF2-40B4-BE49-F238E27FC236}">
-                <a16:creationId xmlns:a16="http://schemas.microsoft.com/office/drawing/2014/main" id="{1A4FD9B2-44D6-2DE6-2686-83384299E470}"/>
-              </a:ext>
-            </a:extLst>
-          </p:cNvPr>
-          <p:cNvSpPr>
-            <a:spLocks noGrp="1"/>
-          </p:cNvSpPr>
-          <p:nvPr>
-            <p:ph type="title"/>
-          </p:nvPr>
-        </p:nvSpPr>
-        <p:spPr/>
-        <p:txBody>
-          <a:bodyPr/>
-          <a:lstStyle/>
-          <a:p>
-            <a:r>
-              <a:rPr lang="de-DE" dirty="0"/>
-              <a:t>VS-Code Erweiterung erwähnen?</a:t>
-            </a:r>
-          </a:p>
-        </p:txBody>
-      </p:sp>
-      <p:sp>
-        <p:nvSpPr>
-          <p:cNvPr id="3" name="Inhaltsplatzhalter 2">
-            <a:extLst>
-              <a:ext uri="{FF2B5EF4-FFF2-40B4-BE49-F238E27FC236}">
-                <a16:creationId xmlns:a16="http://schemas.microsoft.com/office/drawing/2014/main" id="{2AFC08C2-0B8D-2824-E5E7-CC32093EA2B5}"/>
-              </a:ext>
-            </a:extLst>
-          </p:cNvPr>
-          <p:cNvSpPr>
-            <a:spLocks noGrp="1"/>
-          </p:cNvSpPr>
-          <p:nvPr>
-            <p:ph idx="1"/>
-          </p:nvPr>
-        </p:nvSpPr>
-        <p:spPr/>
-        <p:txBody>
-          <a:bodyPr/>
-          <a:lstStyle/>
-          <a:p>
-            <a:r>
-              <a:rPr lang="de-DE" dirty="0"/>
-              <a:t>Wir haben halt wenig Erfahrung damit ne</a:t>
-            </a:r>
-          </a:p>
-          <a:p>
-            <a:endParaRPr lang="de-DE" dirty="0"/>
-          </a:p>
-        </p:txBody>
-      </p:sp>
-    </p:spTree>
-    <p:extLst>
-      <p:ext uri="{BB962C8B-B14F-4D97-AF65-F5344CB8AC3E}">
-        <p14:creationId xmlns:p14="http://schemas.microsoft.com/office/powerpoint/2010/main" val="339649627"/>
-      </p:ext>
-    </p:extLst>
-  </p:cSld>
-  <p:clrMapOvr>
-    <a:masterClrMapping/>
-  </p:clrMapOvr>
-</p:sld>
-</file>
-
-<file path=ppt/slides/slide16.xml><?xml version="1.0" encoding="utf-8"?>
+<file path=ppt/slides/slide14.xml><?xml version="1.0" encoding="utf-8"?>
 <p:sld xmlns:a="http://schemas.openxmlformats.org/drawingml/2006/main" xmlns:r="http://schemas.openxmlformats.org/officeDocument/2006/relationships" xmlns:p="http://schemas.openxmlformats.org/presentationml/2006/main">
   <p:cSld>
     <p:spTree>
@@ -9015,7 +8825,7 @@
 </p:sld>
 </file>
 
-<file path=ppt/slides/slide17.xml><?xml version="1.0" encoding="utf-8"?>
+<file path=ppt/slides/slide15.xml><?xml version="1.0" encoding="utf-8"?>
 <p:sld xmlns:a="http://schemas.openxmlformats.org/drawingml/2006/main" xmlns:r="http://schemas.openxmlformats.org/officeDocument/2006/relationships" xmlns:p="http://schemas.openxmlformats.org/presentationml/2006/main">
   <p:cSld>
     <p:spTree>
@@ -9076,7 +8886,7 @@
             <p:ph idx="1"/>
             <p:extLst>
               <p:ext uri="{D42A27DB-BD31-4B8C-83A1-F6EECF244321}">
-                <p14:modId xmlns:p14="http://schemas.microsoft.com/office/powerpoint/2010/main" val="1442311154"/>
+                <p14:modId xmlns:p14="http://schemas.microsoft.com/office/powerpoint/2010/main" val="1392265483"/>
               </p:ext>
             </p:extLst>
           </p:nvPr>
@@ -9504,7 +9314,7 @@
                         <a:rPr lang="de-DE" sz="2000" dirty="0">
                           <a:latin typeface="Berlin Sans FB Demi" panose="020E0802020502020306" pitchFamily="34" charset="0"/>
                         </a:rPr>
-                        <a:t>Bessere Integration des Gyro-Sensors</a:t>
+                        <a:t>- Bessere Integration des Gyro-Sensors</a:t>
                       </a:r>
                       <a:br>
                         <a:rPr lang="de-DE" sz="2000" dirty="0">
@@ -9515,7 +9325,7 @@
                         <a:rPr lang="de-DE" sz="2000" dirty="0">
                           <a:latin typeface="Berlin Sans FB Demi" panose="020E0802020502020306" pitchFamily="34" charset="0"/>
                         </a:rPr>
-                        <a:t>Definition von Roboter-Orientierung</a:t>
+                        <a:t>- Definition von Roboter-Orientierung</a:t>
                       </a:r>
                     </a:p>
                     <a:p>
@@ -9536,6 +9346,12 @@
                         <a:tabLst/>
                         <a:defRPr/>
                       </a:pPr>
+                      <a:r>
+                        <a:rPr lang="de-DE" sz="2000" dirty="0">
+                          <a:latin typeface="Berlin Sans FB Demi" panose="020E0802020502020306" pitchFamily="34" charset="0"/>
+                        </a:rPr>
+                        <a:t>- </a:t>
+                      </a:r>
                       <a:r>
                         <a:rPr lang="de-DE" sz="2000" dirty="0" err="1">
                           <a:latin typeface="Berlin Sans FB Demi" panose="020E0802020502020306" pitchFamily="34" charset="0"/>
@@ -9575,7 +9391,7 @@
 </p:sld>
 </file>
 
-<file path=ppt/slides/slide18.xml><?xml version="1.0" encoding="utf-8"?>
+<file path=ppt/slides/slide16.xml><?xml version="1.0" encoding="utf-8"?>
 <p:sld xmlns:a="http://schemas.openxmlformats.org/drawingml/2006/main" xmlns:r="http://schemas.openxmlformats.org/officeDocument/2006/relationships" xmlns:p="http://schemas.openxmlformats.org/presentationml/2006/main">
   <p:cSld>
     <p:spTree>
@@ -9650,14 +9466,7 @@
           <a:p>
             <a:r>
               <a:rPr lang="de-DE" dirty="0"/>
-              <a:t>Gyro-unterstütze PID-Regelung </a:t>
-            </a:r>
-            <a:br>
-              <a:rPr lang="de-DE" dirty="0"/>
-            </a:br>
-            <a:r>
-              <a:rPr lang="de-DE" dirty="0"/>
-              <a:t>erlaubt komplexe Bewegungen:</a:t>
+              <a:t>Gyro-unterstütze PID-Regelung erlaubt komplexe Bewegungen:</a:t>
             </a:r>
           </a:p>
           <a:p>
@@ -9705,7 +9514,7 @@
 </p:sld>
 </file>
 
-<file path=ppt/slides/slide19.xml><?xml version="1.0" encoding="utf-8"?>
+<file path=ppt/slides/slide17.xml><?xml version="1.0" encoding="utf-8"?>
 <p:sld xmlns:a="http://schemas.openxmlformats.org/drawingml/2006/main" xmlns:r="http://schemas.openxmlformats.org/officeDocument/2006/relationships" xmlns:p="http://schemas.openxmlformats.org/presentationml/2006/main">
   <p:cSld>
     <p:spTree>
@@ -9801,6 +9610,227 @@
 </p:sld>
 </file>
 
+<file path=ppt/slides/slide18.xml><?xml version="1.0" encoding="utf-8"?>
+<p:sld xmlns:a="http://schemas.openxmlformats.org/drawingml/2006/main" xmlns:r="http://schemas.openxmlformats.org/officeDocument/2006/relationships" xmlns:p="http://schemas.openxmlformats.org/presentationml/2006/main">
+  <p:cSld>
+    <p:spTree>
+      <p:nvGrpSpPr>
+        <p:cNvPr id="1" name=""/>
+        <p:cNvGrpSpPr/>
+        <p:nvPr/>
+      </p:nvGrpSpPr>
+      <p:grpSpPr>
+        <a:xfrm>
+          <a:off x="0" y="0"/>
+          <a:ext cx="0" cy="0"/>
+          <a:chOff x="0" y="0"/>
+          <a:chExt cx="0" cy="0"/>
+        </a:xfrm>
+      </p:grpSpPr>
+      <p:sp>
+        <p:nvSpPr>
+          <p:cNvPr id="2" name="Titel 1">
+            <a:extLst>
+              <a:ext uri="{FF2B5EF4-FFF2-40B4-BE49-F238E27FC236}">
+                <a16:creationId xmlns:a16="http://schemas.microsoft.com/office/drawing/2014/main" id="{DFE25653-AF1B-147B-4D89-9EC851AAD03F}"/>
+              </a:ext>
+            </a:extLst>
+          </p:cNvPr>
+          <p:cNvSpPr>
+            <a:spLocks noGrp="1"/>
+          </p:cNvSpPr>
+          <p:nvPr>
+            <p:ph type="title"/>
+          </p:nvPr>
+        </p:nvSpPr>
+        <p:spPr/>
+        <p:txBody>
+          <a:bodyPr/>
+          <a:lstStyle/>
+          <a:p>
+            <a:r>
+              <a:rPr lang="de-DE" dirty="0" err="1"/>
+              <a:t>Drivebase</a:t>
+            </a:r>
+            <a:r>
+              <a:rPr lang="de-DE" dirty="0"/>
+              <a:t>: Verwendung</a:t>
+            </a:r>
+          </a:p>
+        </p:txBody>
+      </p:sp>
+      <p:pic>
+        <p:nvPicPr>
+          <p:cNvPr id="7" name="Grafik 6">
+            <a:extLst>
+              <a:ext uri="{FF2B5EF4-FFF2-40B4-BE49-F238E27FC236}">
+                <a16:creationId xmlns:a16="http://schemas.microsoft.com/office/drawing/2014/main" id="{39389F90-7517-5E76-6965-E122333E7391}"/>
+              </a:ext>
+            </a:extLst>
+          </p:cNvPr>
+          <p:cNvPicPr>
+            <a:picLocks noChangeAspect="1"/>
+          </p:cNvPicPr>
+          <p:nvPr/>
+        </p:nvPicPr>
+        <p:blipFill>
+          <a:blip r:embed="rId3">
+            <a:extLst>
+              <a:ext uri="{28A0092B-C50C-407E-A947-70E740481C1C}">
+                <a14:useLocalDpi xmlns:a14="http://schemas.microsoft.com/office/drawing/2010/main" val="0"/>
+              </a:ext>
+            </a:extLst>
+          </a:blip>
+          <a:srcRect/>
+          <a:stretch/>
+        </p:blipFill>
+        <p:spPr>
+          <a:xfrm>
+            <a:off x="4806760" y="3299381"/>
+            <a:ext cx="7159782" cy="3111931"/>
+          </a:xfrm>
+          <a:prstGeom prst="rect">
+            <a:avLst/>
+          </a:prstGeom>
+        </p:spPr>
+      </p:pic>
+      <p:pic>
+        <p:nvPicPr>
+          <p:cNvPr id="5" name="Inhaltsplatzhalter 4">
+            <a:extLst>
+              <a:ext uri="{FF2B5EF4-FFF2-40B4-BE49-F238E27FC236}">
+                <a16:creationId xmlns:a16="http://schemas.microsoft.com/office/drawing/2014/main" id="{8A24C23F-698B-F0E3-DCCF-466CF6103EFB}"/>
+              </a:ext>
+            </a:extLst>
+          </p:cNvPr>
+          <p:cNvPicPr>
+            <a:picLocks noGrp="1" noChangeAspect="1"/>
+          </p:cNvPicPr>
+          <p:nvPr>
+            <p:ph idx="1"/>
+          </p:nvPr>
+        </p:nvPicPr>
+        <p:blipFill>
+          <a:blip r:embed="rId4">
+            <a:extLst>
+              <a:ext uri="{28A0092B-C50C-407E-A947-70E740481C1C}">
+                <a14:useLocalDpi xmlns:a14="http://schemas.microsoft.com/office/drawing/2010/main" val="0"/>
+              </a:ext>
+            </a:extLst>
+          </a:blip>
+          <a:srcRect/>
+          <a:stretch/>
+        </p:blipFill>
+        <p:spPr>
+          <a:xfrm>
+            <a:off x="329906" y="1343529"/>
+            <a:ext cx="6608427" cy="3859025"/>
+          </a:xfrm>
+        </p:spPr>
+      </p:pic>
+    </p:spTree>
+    <p:extLst>
+      <p:ext uri="{BB962C8B-B14F-4D97-AF65-F5344CB8AC3E}">
+        <p14:creationId xmlns:p14="http://schemas.microsoft.com/office/powerpoint/2010/main" val="3829661927"/>
+      </p:ext>
+    </p:extLst>
+  </p:cSld>
+  <p:clrMapOvr>
+    <a:masterClrMapping/>
+  </p:clrMapOvr>
+</p:sld>
+</file>
+
+<file path=ppt/slides/slide19.xml><?xml version="1.0" encoding="utf-8"?>
+<p:sld xmlns:a="http://schemas.openxmlformats.org/drawingml/2006/main" xmlns:r="http://schemas.openxmlformats.org/officeDocument/2006/relationships" xmlns:p="http://schemas.openxmlformats.org/presentationml/2006/main">
+  <p:cSld>
+    <p:spTree>
+      <p:nvGrpSpPr>
+        <p:cNvPr id="1" name=""/>
+        <p:cNvGrpSpPr/>
+        <p:nvPr/>
+      </p:nvGrpSpPr>
+      <p:grpSpPr>
+        <a:xfrm>
+          <a:off x="0" y="0"/>
+          <a:ext cx="0" cy="0"/>
+          <a:chOff x="0" y="0"/>
+          <a:chExt cx="0" cy="0"/>
+        </a:xfrm>
+      </p:grpSpPr>
+      <p:sp>
+        <p:nvSpPr>
+          <p:cNvPr id="5" name="Titel 4">
+            <a:extLst>
+              <a:ext uri="{FF2B5EF4-FFF2-40B4-BE49-F238E27FC236}">
+                <a16:creationId xmlns:a16="http://schemas.microsoft.com/office/drawing/2014/main" id="{B5F26D4B-673A-83AE-E2BC-A142E13C4B0F}"/>
+              </a:ext>
+            </a:extLst>
+          </p:cNvPr>
+          <p:cNvSpPr>
+            <a:spLocks noGrp="1"/>
+          </p:cNvSpPr>
+          <p:nvPr>
+            <p:ph type="title"/>
+          </p:nvPr>
+        </p:nvSpPr>
+        <p:spPr/>
+        <p:txBody>
+          <a:bodyPr/>
+          <a:lstStyle/>
+          <a:p>
+            <a:r>
+              <a:rPr lang="de-DE" dirty="0"/>
+              <a:t>Live-Demo: </a:t>
+            </a:r>
+            <a:br>
+              <a:rPr lang="de-DE" dirty="0"/>
+            </a:br>
+            <a:r>
+              <a:rPr lang="de-DE" dirty="0"/>
+              <a:t>Pybricks-Firmware installieren</a:t>
+            </a:r>
+          </a:p>
+        </p:txBody>
+      </p:sp>
+      <p:sp>
+        <p:nvSpPr>
+          <p:cNvPr id="6" name="Textplatzhalter 5">
+            <a:extLst>
+              <a:ext uri="{FF2B5EF4-FFF2-40B4-BE49-F238E27FC236}">
+                <a16:creationId xmlns:a16="http://schemas.microsoft.com/office/drawing/2014/main" id="{B738C7F0-80A1-DA6C-1959-8E67A0E0F43D}"/>
+              </a:ext>
+            </a:extLst>
+          </p:cNvPr>
+          <p:cNvSpPr>
+            <a:spLocks noGrp="1"/>
+          </p:cNvSpPr>
+          <p:nvPr>
+            <p:ph type="body" idx="1"/>
+          </p:nvPr>
+        </p:nvSpPr>
+        <p:spPr/>
+        <p:txBody>
+          <a:bodyPr/>
+          <a:lstStyle/>
+          <a:p>
+            <a:endParaRPr lang="de-DE" dirty="0"/>
+          </a:p>
+        </p:txBody>
+      </p:sp>
+    </p:spTree>
+    <p:extLst>
+      <p:ext uri="{BB962C8B-B14F-4D97-AF65-F5344CB8AC3E}">
+        <p14:creationId xmlns:p14="http://schemas.microsoft.com/office/powerpoint/2010/main" val="2733101690"/>
+      </p:ext>
+    </p:extLst>
+  </p:cSld>
+  <p:clrMapOvr>
+    <a:masterClrMapping/>
+  </p:clrMapOvr>
+</p:sld>
+</file>
+
 <file path=ppt/slides/slide2.xml><?xml version="1.0" encoding="utf-8"?>
 <p:sld xmlns:a="http://schemas.openxmlformats.org/drawingml/2006/main" xmlns:r="http://schemas.openxmlformats.org/officeDocument/2006/relationships" xmlns:p="http://schemas.openxmlformats.org/presentationml/2006/main">
   <p:cSld>
@@ -9864,8 +9894,8 @@
         </p:nvSpPr>
         <p:spPr>
           <a:xfrm>
-            <a:off x="3084022" y="0"/>
-            <a:ext cx="8269778" cy="8794865"/>
+            <a:off x="3084022" y="365125"/>
+            <a:ext cx="8269778" cy="6492875"/>
           </a:xfrm>
         </p:spPr>
         <p:txBody>
@@ -9946,8 +9976,12 @@
           </a:p>
           <a:p>
             <a:r>
+              <a:rPr lang="de-DE" sz="2600" dirty="0"/>
+              <a:t>Versionskontrolle / </a:t>
+            </a:r>
+            <a:r>
               <a:rPr lang="de-DE" sz="2600" dirty="0" err="1"/>
-              <a:t>git</a:t>
+              <a:t>Git</a:t>
             </a:r>
             <a:endParaRPr lang="de-DE" sz="2600" dirty="0"/>
           </a:p>
@@ -9969,17 +10003,10 @@
           <a:p>
             <a:pPr lvl="1"/>
             <a:r>
-              <a:rPr lang="de-DE" sz="2200" dirty="0"/>
-              <a:t>Warum </a:t>
-            </a:r>
-            <a:r>
               <a:rPr lang="de-DE" sz="2200" dirty="0" err="1"/>
               <a:t>git</a:t>
             </a:r>
-            <a:r>
-              <a:rPr lang="de-DE" sz="2200" dirty="0"/>
-              <a:t>?</a:t>
-            </a:r>
+            <a:endParaRPr lang="de-DE" sz="2200" dirty="0"/>
           </a:p>
           <a:p>
             <a:pPr lvl="1"/>
@@ -10029,7 +10056,7 @@
           <p:cNvPr id="2" name="Titel 1">
             <a:extLst>
               <a:ext uri="{FF2B5EF4-FFF2-40B4-BE49-F238E27FC236}">
-                <a16:creationId xmlns:a16="http://schemas.microsoft.com/office/drawing/2014/main" id="{DFE25653-AF1B-147B-4D89-9EC851AAD03F}"/>
+                <a16:creationId xmlns:a16="http://schemas.microsoft.com/office/drawing/2014/main" id="{44DA5557-9C1F-5705-046D-E426D8F2C669}"/>
               </a:ext>
             </a:extLst>
           </p:cNvPr>
@@ -10046,89 +10073,48 @@
           <a:lstStyle/>
           <a:p>
             <a:r>
-              <a:rPr lang="de-DE" dirty="0" err="1"/>
-              <a:t>Drivebase</a:t>
-            </a:r>
-            <a:r>
-              <a:rPr lang="de-DE" dirty="0"/>
-              <a:t>: Verwendung</a:t>
-            </a:r>
-          </a:p>
-        </p:txBody>
-      </p:sp>
-      <p:pic>
-        <p:nvPicPr>
-          <p:cNvPr id="7" name="Grafik 6">
-            <a:extLst>
-              <a:ext uri="{FF2B5EF4-FFF2-40B4-BE49-F238E27FC236}">
-                <a16:creationId xmlns:a16="http://schemas.microsoft.com/office/drawing/2014/main" id="{39389F90-7517-5E76-6965-E122333E7391}"/>
-              </a:ext>
-            </a:extLst>
-          </p:cNvPr>
-          <p:cNvPicPr>
-            <a:picLocks noChangeAspect="1"/>
-          </p:cNvPicPr>
-          <p:nvPr/>
-        </p:nvPicPr>
-        <p:blipFill>
-          <a:blip r:embed="rId3">
-            <a:extLst>
-              <a:ext uri="{28A0092B-C50C-407E-A947-70E740481C1C}">
-                <a14:useLocalDpi xmlns:a14="http://schemas.microsoft.com/office/drawing/2010/main" val="0"/>
-              </a:ext>
-            </a:extLst>
-          </a:blip>
-          <a:srcRect/>
-          <a:stretch/>
-        </p:blipFill>
-        <p:spPr>
-          <a:xfrm>
-            <a:off x="4806760" y="3299381"/>
-            <a:ext cx="7159782" cy="3111931"/>
-          </a:xfrm>
-          <a:prstGeom prst="rect">
-            <a:avLst/>
-          </a:prstGeom>
-        </p:spPr>
-      </p:pic>
-      <p:pic>
-        <p:nvPicPr>
-          <p:cNvPr id="5" name="Inhaltsplatzhalter 4">
-            <a:extLst>
-              <a:ext uri="{FF2B5EF4-FFF2-40B4-BE49-F238E27FC236}">
-                <a16:creationId xmlns:a16="http://schemas.microsoft.com/office/drawing/2014/main" id="{8A24C23F-698B-F0E3-DCCF-466CF6103EFB}"/>
-              </a:ext>
-            </a:extLst>
-          </p:cNvPr>
-          <p:cNvPicPr>
-            <a:picLocks noGrp="1" noChangeAspect="1"/>
-          </p:cNvPicPr>
-          <p:nvPr>
-            <p:ph idx="1"/>
-          </p:nvPr>
-        </p:nvPicPr>
-        <p:blipFill>
-          <a:blip r:embed="rId4">
-            <a:extLst>
-              <a:ext uri="{28A0092B-C50C-407E-A947-70E740481C1C}">
-                <a14:useLocalDpi xmlns:a14="http://schemas.microsoft.com/office/drawing/2010/main" val="0"/>
-              </a:ext>
-            </a:extLst>
-          </a:blip>
-          <a:srcRect/>
-          <a:stretch/>
-        </p:blipFill>
-        <p:spPr>
-          <a:xfrm>
-            <a:off x="329906" y="1343529"/>
-            <a:ext cx="6608427" cy="3859025"/>
-          </a:xfrm>
-        </p:spPr>
-      </p:pic>
+              <a:rPr lang="de-DE" dirty="0"/>
+              <a:t>Live-Demo:</a:t>
+            </a:r>
+            <a:br>
+              <a:rPr lang="de-DE" dirty="0"/>
+            </a:br>
+            <a:r>
+              <a:rPr lang="de-DE" dirty="0"/>
+              <a:t>Beispiel-Aufgabe</a:t>
+            </a:r>
+          </a:p>
+        </p:txBody>
+      </p:sp>
+      <p:sp>
+        <p:nvSpPr>
+          <p:cNvPr id="3" name="Textplatzhalter 2">
+            <a:extLst>
+              <a:ext uri="{FF2B5EF4-FFF2-40B4-BE49-F238E27FC236}">
+                <a16:creationId xmlns:a16="http://schemas.microsoft.com/office/drawing/2014/main" id="{8CAC3B4A-BCD1-4F35-5C90-D81F02154C0D}"/>
+              </a:ext>
+            </a:extLst>
+          </p:cNvPr>
+          <p:cNvSpPr>
+            <a:spLocks noGrp="1"/>
+          </p:cNvSpPr>
+          <p:nvPr>
+            <p:ph type="body" idx="1"/>
+          </p:nvPr>
+        </p:nvSpPr>
+        <p:spPr/>
+        <p:txBody>
+          <a:bodyPr/>
+          <a:lstStyle/>
+          <a:p>
+            <a:endParaRPr lang="de-DE" dirty="0"/>
+          </a:p>
+        </p:txBody>
+      </p:sp>
     </p:spTree>
     <p:extLst>
       <p:ext uri="{BB962C8B-B14F-4D97-AF65-F5344CB8AC3E}">
-        <p14:creationId xmlns:p14="http://schemas.microsoft.com/office/powerpoint/2010/main" val="3829661927"/>
+        <p14:creationId xmlns:p14="http://schemas.microsoft.com/office/powerpoint/2010/main" val="2145304375"/>
       </p:ext>
     </p:extLst>
   </p:cSld>
@@ -10157,10 +10143,10 @@
       </p:grpSpPr>
       <p:sp>
         <p:nvSpPr>
-          <p:cNvPr id="5" name="Titel 4">
-            <a:extLst>
-              <a:ext uri="{FF2B5EF4-FFF2-40B4-BE49-F238E27FC236}">
-                <a16:creationId xmlns:a16="http://schemas.microsoft.com/office/drawing/2014/main" id="{B5F26D4B-673A-83AE-E2BC-A142E13C4B0F}"/>
+          <p:cNvPr id="4" name="Titel 3">
+            <a:extLst>
+              <a:ext uri="{FF2B5EF4-FFF2-40B4-BE49-F238E27FC236}">
+                <a16:creationId xmlns:a16="http://schemas.microsoft.com/office/drawing/2014/main" id="{3369538A-5422-7035-8D0C-E53CDC0319EA}"/>
               </a:ext>
             </a:extLst>
           </p:cNvPr>
@@ -10178,32 +10164,25 @@
           <a:p>
             <a:r>
               <a:rPr lang="de-DE" dirty="0"/>
-              <a:t>Live-Demo: </a:t>
-            </a:r>
-            <a:br>
-              <a:rPr lang="de-DE" dirty="0"/>
-            </a:br>
-            <a:r>
-              <a:rPr lang="de-DE" dirty="0"/>
-              <a:t>Pybricks-Firmware installieren</a:t>
-            </a:r>
-          </a:p>
-        </p:txBody>
-      </p:sp>
-      <p:sp>
-        <p:nvSpPr>
-          <p:cNvPr id="6" name="Textplatzhalter 5">
-            <a:extLst>
-              <a:ext uri="{FF2B5EF4-FFF2-40B4-BE49-F238E27FC236}">
-                <a16:creationId xmlns:a16="http://schemas.microsoft.com/office/drawing/2014/main" id="{B738C7F0-80A1-DA6C-1959-8E67A0E0F43D}"/>
-              </a:ext>
-            </a:extLst>
-          </p:cNvPr>
-          <p:cNvSpPr>
-            <a:spLocks noGrp="1"/>
-          </p:cNvSpPr>
-          <p:nvPr>
-            <p:ph type="body" idx="1"/>
+              <a:t>Aufgabenumfang</a:t>
+            </a:r>
+          </a:p>
+        </p:txBody>
+      </p:sp>
+      <p:sp>
+        <p:nvSpPr>
+          <p:cNvPr id="5" name="Inhaltsplatzhalter 4">
+            <a:extLst>
+              <a:ext uri="{FF2B5EF4-FFF2-40B4-BE49-F238E27FC236}">
+                <a16:creationId xmlns:a16="http://schemas.microsoft.com/office/drawing/2014/main" id="{75AD413C-A744-42D7-C1EC-FA56FA1959BE}"/>
+              </a:ext>
+            </a:extLst>
+          </p:cNvPr>
+          <p:cNvSpPr>
+            <a:spLocks noGrp="1"/>
+          </p:cNvSpPr>
+          <p:nvPr>
+            <p:ph idx="1"/>
           </p:nvPr>
         </p:nvSpPr>
         <p:spPr/>
@@ -10211,14 +10190,14 @@
           <a:bodyPr/>
           <a:lstStyle/>
           <a:p>
-            <a:endParaRPr lang="de-DE" dirty="0"/>
+            <a:endParaRPr lang="de-DE"/>
           </a:p>
         </p:txBody>
       </p:sp>
     </p:spTree>
     <p:extLst>
       <p:ext uri="{BB962C8B-B14F-4D97-AF65-F5344CB8AC3E}">
-        <p14:creationId xmlns:p14="http://schemas.microsoft.com/office/powerpoint/2010/main" val="2733101690"/>
+        <p14:creationId xmlns:p14="http://schemas.microsoft.com/office/powerpoint/2010/main" val="2147833742"/>
       </p:ext>
     </p:extLst>
   </p:cSld>
@@ -10247,179 +10226,6 @@
       </p:grpSpPr>
       <p:sp>
         <p:nvSpPr>
-          <p:cNvPr id="2" name="Titel 1">
-            <a:extLst>
-              <a:ext uri="{FF2B5EF4-FFF2-40B4-BE49-F238E27FC236}">
-                <a16:creationId xmlns:a16="http://schemas.microsoft.com/office/drawing/2014/main" id="{44DA5557-9C1F-5705-046D-E426D8F2C669}"/>
-              </a:ext>
-            </a:extLst>
-          </p:cNvPr>
-          <p:cNvSpPr>
-            <a:spLocks noGrp="1"/>
-          </p:cNvSpPr>
-          <p:nvPr>
-            <p:ph type="title"/>
-          </p:nvPr>
-        </p:nvSpPr>
-        <p:spPr/>
-        <p:txBody>
-          <a:bodyPr/>
-          <a:lstStyle/>
-          <a:p>
-            <a:r>
-              <a:rPr lang="de-DE" dirty="0"/>
-              <a:t>Live-Demo:</a:t>
-            </a:r>
-            <a:br>
-              <a:rPr lang="de-DE" dirty="0"/>
-            </a:br>
-            <a:r>
-              <a:rPr lang="de-DE" dirty="0"/>
-              <a:t>Beispiel-Aufgabe</a:t>
-            </a:r>
-          </a:p>
-        </p:txBody>
-      </p:sp>
-      <p:sp>
-        <p:nvSpPr>
-          <p:cNvPr id="3" name="Textplatzhalter 2">
-            <a:extLst>
-              <a:ext uri="{FF2B5EF4-FFF2-40B4-BE49-F238E27FC236}">
-                <a16:creationId xmlns:a16="http://schemas.microsoft.com/office/drawing/2014/main" id="{8CAC3B4A-BCD1-4F35-5C90-D81F02154C0D}"/>
-              </a:ext>
-            </a:extLst>
-          </p:cNvPr>
-          <p:cNvSpPr>
-            <a:spLocks noGrp="1"/>
-          </p:cNvSpPr>
-          <p:nvPr>
-            <p:ph type="body" idx="1"/>
-          </p:nvPr>
-        </p:nvSpPr>
-        <p:spPr/>
-        <p:txBody>
-          <a:bodyPr/>
-          <a:lstStyle/>
-          <a:p>
-            <a:endParaRPr lang="de-DE" dirty="0"/>
-          </a:p>
-        </p:txBody>
-      </p:sp>
-    </p:spTree>
-    <p:extLst>
-      <p:ext uri="{BB962C8B-B14F-4D97-AF65-F5344CB8AC3E}">
-        <p14:creationId xmlns:p14="http://schemas.microsoft.com/office/powerpoint/2010/main" val="2145304375"/>
-      </p:ext>
-    </p:extLst>
-  </p:cSld>
-  <p:clrMapOvr>
-    <a:masterClrMapping/>
-  </p:clrMapOvr>
-</p:sld>
-</file>
-
-<file path=ppt/slides/slide23.xml><?xml version="1.0" encoding="utf-8"?>
-<p:sld xmlns:a="http://schemas.openxmlformats.org/drawingml/2006/main" xmlns:r="http://schemas.openxmlformats.org/officeDocument/2006/relationships" xmlns:p="http://schemas.openxmlformats.org/presentationml/2006/main">
-  <p:cSld>
-    <p:spTree>
-      <p:nvGrpSpPr>
-        <p:cNvPr id="1" name=""/>
-        <p:cNvGrpSpPr/>
-        <p:nvPr/>
-      </p:nvGrpSpPr>
-      <p:grpSpPr>
-        <a:xfrm>
-          <a:off x="0" y="0"/>
-          <a:ext cx="0" cy="0"/>
-          <a:chOff x="0" y="0"/>
-          <a:chExt cx="0" cy="0"/>
-        </a:xfrm>
-      </p:grpSpPr>
-      <p:sp>
-        <p:nvSpPr>
-          <p:cNvPr id="4" name="Titel 3">
-            <a:extLst>
-              <a:ext uri="{FF2B5EF4-FFF2-40B4-BE49-F238E27FC236}">
-                <a16:creationId xmlns:a16="http://schemas.microsoft.com/office/drawing/2014/main" id="{3369538A-5422-7035-8D0C-E53CDC0319EA}"/>
-              </a:ext>
-            </a:extLst>
-          </p:cNvPr>
-          <p:cNvSpPr>
-            <a:spLocks noGrp="1"/>
-          </p:cNvSpPr>
-          <p:nvPr>
-            <p:ph type="title"/>
-          </p:nvPr>
-        </p:nvSpPr>
-        <p:spPr/>
-        <p:txBody>
-          <a:bodyPr/>
-          <a:lstStyle/>
-          <a:p>
-            <a:r>
-              <a:rPr lang="de-DE" dirty="0"/>
-              <a:t>Aufgabenumfang</a:t>
-            </a:r>
-          </a:p>
-        </p:txBody>
-      </p:sp>
-      <p:sp>
-        <p:nvSpPr>
-          <p:cNvPr id="5" name="Inhaltsplatzhalter 4">
-            <a:extLst>
-              <a:ext uri="{FF2B5EF4-FFF2-40B4-BE49-F238E27FC236}">
-                <a16:creationId xmlns:a16="http://schemas.microsoft.com/office/drawing/2014/main" id="{75AD413C-A744-42D7-C1EC-FA56FA1959BE}"/>
-              </a:ext>
-            </a:extLst>
-          </p:cNvPr>
-          <p:cNvSpPr>
-            <a:spLocks noGrp="1"/>
-          </p:cNvSpPr>
-          <p:nvPr>
-            <p:ph idx="1"/>
-          </p:nvPr>
-        </p:nvSpPr>
-        <p:spPr/>
-        <p:txBody>
-          <a:bodyPr/>
-          <a:lstStyle/>
-          <a:p>
-            <a:endParaRPr lang="de-DE"/>
-          </a:p>
-        </p:txBody>
-      </p:sp>
-    </p:spTree>
-    <p:extLst>
-      <p:ext uri="{BB962C8B-B14F-4D97-AF65-F5344CB8AC3E}">
-        <p14:creationId xmlns:p14="http://schemas.microsoft.com/office/powerpoint/2010/main" val="2147833742"/>
-      </p:ext>
-    </p:extLst>
-  </p:cSld>
-  <p:clrMapOvr>
-    <a:masterClrMapping/>
-  </p:clrMapOvr>
-</p:sld>
-</file>
-
-<file path=ppt/slides/slide24.xml><?xml version="1.0" encoding="utf-8"?>
-<p:sld xmlns:a="http://schemas.openxmlformats.org/drawingml/2006/main" xmlns:r="http://schemas.openxmlformats.org/officeDocument/2006/relationships" xmlns:p="http://schemas.openxmlformats.org/presentationml/2006/main">
-  <p:cSld>
-    <p:spTree>
-      <p:nvGrpSpPr>
-        <p:cNvPr id="1" name=""/>
-        <p:cNvGrpSpPr/>
-        <p:nvPr/>
-      </p:nvGrpSpPr>
-      <p:grpSpPr>
-        <a:xfrm>
-          <a:off x="0" y="0"/>
-          <a:ext cx="0" cy="0"/>
-          <a:chOff x="0" y="0"/>
-          <a:chExt cx="0" cy="0"/>
-        </a:xfrm>
-      </p:grpSpPr>
-      <p:sp>
-        <p:nvSpPr>
           <p:cNvPr id="4" name="Titel 3">
             <a:extLst>
               <a:ext uri="{FF2B5EF4-FFF2-40B4-BE49-F238E27FC236}">
@@ -10484,7 +10290,7 @@
 </p:sld>
 </file>
 
-<file path=ppt/slides/slide25.xml><?xml version="1.0" encoding="utf-8"?>
+<file path=ppt/slides/slide23.xml><?xml version="1.0" encoding="utf-8"?>
 <p:sld xmlns:a="http://schemas.openxmlformats.org/drawingml/2006/main" xmlns:r="http://schemas.openxmlformats.org/officeDocument/2006/relationships" xmlns:p="http://schemas.openxmlformats.org/presentationml/2006/main">
   <p:cSld>
     <p:bg>
@@ -10537,8 +10343,8 @@
         </p:blipFill>
         <p:spPr>
           <a:xfrm>
-            <a:off x="643467" y="1152118"/>
-            <a:ext cx="10905066" cy="4553763"/>
+            <a:off x="1715105" y="720725"/>
+            <a:ext cx="8761790" cy="3658769"/>
           </a:xfrm>
           <a:prstGeom prst="rect">
             <a:avLst/>
@@ -10760,6 +10566,40 @@
           </a:p>
         </p:txBody>
       </p:sp>
+      <p:sp>
+        <p:nvSpPr>
+          <p:cNvPr id="4" name="Titel 3">
+            <a:extLst>
+              <a:ext uri="{FF2B5EF4-FFF2-40B4-BE49-F238E27FC236}">
+                <a16:creationId xmlns:a16="http://schemas.microsoft.com/office/drawing/2014/main" id="{1AE3A58D-DBA1-67E4-5279-E365250B70E5}"/>
+              </a:ext>
+            </a:extLst>
+          </p:cNvPr>
+          <p:cNvSpPr>
+            <a:spLocks noGrp="1"/>
+          </p:cNvSpPr>
+          <p:nvPr>
+            <p:ph type="title"/>
+          </p:nvPr>
+        </p:nvSpPr>
+        <p:spPr>
+          <a:xfrm>
+            <a:off x="838200" y="3284538"/>
+            <a:ext cx="10515600" cy="2852737"/>
+          </a:xfrm>
+        </p:spPr>
+        <p:txBody>
+          <a:bodyPr/>
+          <a:lstStyle/>
+          <a:p>
+            <a:pPr algn="ctr"/>
+            <a:r>
+              <a:rPr lang="de-DE" dirty="0"/>
+              <a:t>Versionskontrolle</a:t>
+            </a:r>
+          </a:p>
+        </p:txBody>
+      </p:sp>
     </p:spTree>
     <p:extLst>
       <p:ext uri="{BB962C8B-B14F-4D97-AF65-F5344CB8AC3E}">
@@ -10864,6 +10704,368 @@
 </p:sld>
 </file>
 
+<file path=ppt/slides/slide24.xml><?xml version="1.0" encoding="utf-8"?>
+<p:sld xmlns:a="http://schemas.openxmlformats.org/drawingml/2006/main" xmlns:r="http://schemas.openxmlformats.org/officeDocument/2006/relationships" xmlns:p="http://schemas.openxmlformats.org/presentationml/2006/main">
+  <p:cSld>
+    <p:spTree>
+      <p:nvGrpSpPr>
+        <p:cNvPr id="1" name=""/>
+        <p:cNvGrpSpPr/>
+        <p:nvPr/>
+      </p:nvGrpSpPr>
+      <p:grpSpPr>
+        <a:xfrm>
+          <a:off x="0" y="0"/>
+          <a:ext cx="0" cy="0"/>
+          <a:chOff x="0" y="0"/>
+          <a:chExt cx="0" cy="0"/>
+        </a:xfrm>
+      </p:grpSpPr>
+      <p:sp>
+        <p:nvSpPr>
+          <p:cNvPr id="4" name="Titel 3">
+            <a:extLst>
+              <a:ext uri="{FF2B5EF4-FFF2-40B4-BE49-F238E27FC236}">
+                <a16:creationId xmlns:a16="http://schemas.microsoft.com/office/drawing/2014/main" id="{99DB71E1-9647-1525-C28C-47BA19D61339}"/>
+              </a:ext>
+            </a:extLst>
+          </p:cNvPr>
+          <p:cNvSpPr>
+            <a:spLocks noGrp="1"/>
+          </p:cNvSpPr>
+          <p:nvPr>
+            <p:ph type="title"/>
+          </p:nvPr>
+        </p:nvSpPr>
+        <p:spPr/>
+        <p:txBody>
+          <a:bodyPr/>
+          <a:lstStyle/>
+          <a:p>
+            <a:r>
+              <a:rPr lang="de-DE" dirty="0"/>
+              <a:t>Warum Versionskontrolle?</a:t>
+            </a:r>
+          </a:p>
+        </p:txBody>
+      </p:sp>
+      <p:sp>
+        <p:nvSpPr>
+          <p:cNvPr id="5" name="Inhaltsplatzhalter 4">
+            <a:extLst>
+              <a:ext uri="{FF2B5EF4-FFF2-40B4-BE49-F238E27FC236}">
+                <a16:creationId xmlns:a16="http://schemas.microsoft.com/office/drawing/2014/main" id="{50A41A64-3A62-F722-DF2C-3482CA31147B}"/>
+              </a:ext>
+            </a:extLst>
+          </p:cNvPr>
+          <p:cNvSpPr>
+            <a:spLocks noGrp="1"/>
+          </p:cNvSpPr>
+          <p:nvPr>
+            <p:ph idx="1"/>
+          </p:nvPr>
+        </p:nvSpPr>
+        <p:spPr/>
+        <p:txBody>
+          <a:bodyPr/>
+          <a:lstStyle/>
+          <a:p>
+            <a:r>
+              <a:rPr lang="de-DE" dirty="0"/>
+              <a:t>„Was habe ich nochmal an meinem Code geändert??“</a:t>
+            </a:r>
+          </a:p>
+          <a:p>
+            <a:r>
+              <a:rPr lang="de-DE" dirty="0"/>
+              <a:t>„Wer hat diesen Code das letzte Mal angefasst?? </a:t>
+            </a:r>
+            <a:br>
+              <a:rPr lang="de-DE" dirty="0"/>
+            </a:br>
+            <a:r>
+              <a:rPr lang="de-DE" dirty="0"/>
+              <a:t>  Er funktioniert nicht mehr!“</a:t>
+            </a:r>
+          </a:p>
+          <a:p>
+            <a:r>
+              <a:rPr lang="de-DE" dirty="0"/>
+              <a:t>„Wer hat die neuste Version des Codes?“</a:t>
+            </a:r>
+          </a:p>
+          <a:p>
+            <a:r>
+              <a:rPr lang="de-DE" dirty="0"/>
+              <a:t>„Wenn ich doch nur die Zeit zurückdrehen könnte!“</a:t>
+            </a:r>
+          </a:p>
+          <a:p>
+            <a:r>
+              <a:rPr lang="de-DE" dirty="0"/>
+              <a:t>„Also letzten Donnerstag hat das noch funktioniert!“</a:t>
+            </a:r>
+          </a:p>
+          <a:p>
+            <a:pPr marL="0" indent="0">
+              <a:buNone/>
+            </a:pPr>
+            <a:endParaRPr lang="de-DE" dirty="0"/>
+          </a:p>
+        </p:txBody>
+      </p:sp>
+    </p:spTree>
+    <p:extLst>
+      <p:ext uri="{BB962C8B-B14F-4D97-AF65-F5344CB8AC3E}">
+        <p14:creationId xmlns:p14="http://schemas.microsoft.com/office/powerpoint/2010/main" val="3812971024"/>
+      </p:ext>
+    </p:extLst>
+  </p:cSld>
+  <p:clrMapOvr>
+    <a:masterClrMapping/>
+  </p:clrMapOvr>
+</p:sld>
+</file>
+
+<file path=ppt/slides/slide25.xml><?xml version="1.0" encoding="utf-8"?>
+<p:sld xmlns:a="http://schemas.openxmlformats.org/drawingml/2006/main" xmlns:r="http://schemas.openxmlformats.org/officeDocument/2006/relationships" xmlns:p="http://schemas.openxmlformats.org/presentationml/2006/main">
+  <p:cSld>
+    <p:spTree>
+      <p:nvGrpSpPr>
+        <p:cNvPr id="1" name=""/>
+        <p:cNvGrpSpPr/>
+        <p:nvPr/>
+      </p:nvGrpSpPr>
+      <p:grpSpPr>
+        <a:xfrm>
+          <a:off x="0" y="0"/>
+          <a:ext cx="0" cy="0"/>
+          <a:chOff x="0" y="0"/>
+          <a:chExt cx="0" cy="0"/>
+        </a:xfrm>
+      </p:grpSpPr>
+      <p:sp>
+        <p:nvSpPr>
+          <p:cNvPr id="2" name="Titel 1">
+            <a:extLst>
+              <a:ext uri="{FF2B5EF4-FFF2-40B4-BE49-F238E27FC236}">
+                <a16:creationId xmlns:a16="http://schemas.microsoft.com/office/drawing/2014/main" id="{47B95371-FB67-A5ED-3137-B28A810544E0}"/>
+              </a:ext>
+            </a:extLst>
+          </p:cNvPr>
+          <p:cNvSpPr>
+            <a:spLocks noGrp="1"/>
+          </p:cNvSpPr>
+          <p:nvPr>
+            <p:ph type="title"/>
+          </p:nvPr>
+        </p:nvSpPr>
+        <p:spPr/>
+        <p:txBody>
+          <a:bodyPr/>
+          <a:lstStyle/>
+          <a:p>
+            <a:r>
+              <a:rPr lang="de-DE" dirty="0" err="1"/>
+              <a:t>git</a:t>
+            </a:r>
+            <a:endParaRPr lang="de-DE" dirty="0"/>
+          </a:p>
+        </p:txBody>
+      </p:sp>
+      <p:sp>
+        <p:nvSpPr>
+          <p:cNvPr id="3" name="Inhaltsplatzhalter 2">
+            <a:extLst>
+              <a:ext uri="{FF2B5EF4-FFF2-40B4-BE49-F238E27FC236}">
+                <a16:creationId xmlns:a16="http://schemas.microsoft.com/office/drawing/2014/main" id="{34D07182-57ED-4BF8-7468-3B9A525601F6}"/>
+              </a:ext>
+            </a:extLst>
+          </p:cNvPr>
+          <p:cNvSpPr>
+            <a:spLocks noGrp="1"/>
+          </p:cNvSpPr>
+          <p:nvPr>
+            <p:ph idx="1"/>
+          </p:nvPr>
+        </p:nvSpPr>
+        <p:spPr/>
+        <p:txBody>
+          <a:bodyPr/>
+          <a:lstStyle/>
+          <a:p>
+            <a:pPr marL="0" indent="0">
+              <a:buNone/>
+            </a:pPr>
+            <a:r>
+              <a:rPr lang="de-DE" i="1" dirty="0"/>
+              <a:t>Global </a:t>
+            </a:r>
+            <a:r>
+              <a:rPr lang="de-DE" i="1" dirty="0" err="1"/>
+              <a:t>information</a:t>
+            </a:r>
+            <a:r>
+              <a:rPr lang="de-DE" i="1" dirty="0"/>
+              <a:t> </a:t>
+            </a:r>
+            <a:r>
+              <a:rPr lang="de-DE" i="1" dirty="0" err="1"/>
+              <a:t>tracker</a:t>
+            </a:r>
+            <a:endParaRPr lang="de-DE" i="1" dirty="0"/>
+          </a:p>
+          <a:p>
+            <a:r>
+              <a:rPr lang="de-DE" dirty="0"/>
+              <a:t>Arbeiten mit „</a:t>
+            </a:r>
+            <a:r>
+              <a:rPr lang="de-DE" dirty="0" err="1"/>
+              <a:t>Commits</a:t>
+            </a:r>
+            <a:r>
+              <a:rPr lang="de-DE" dirty="0"/>
+              <a:t>“ &amp; „</a:t>
+            </a:r>
+            <a:r>
+              <a:rPr lang="de-DE" dirty="0" err="1"/>
+              <a:t>Branches</a:t>
+            </a:r>
+            <a:r>
+              <a:rPr lang="de-DE" dirty="0"/>
+              <a:t>“</a:t>
+            </a:r>
+          </a:p>
+          <a:p>
+            <a:r>
+              <a:rPr lang="de-DE" dirty="0"/>
+              <a:t>Fokus auf:</a:t>
+            </a:r>
+          </a:p>
+          <a:p>
+            <a:pPr lvl="1"/>
+            <a:r>
+              <a:rPr lang="de-DE" dirty="0"/>
+              <a:t>Kollaborative Entwicklung</a:t>
+            </a:r>
+          </a:p>
+          <a:p>
+            <a:pPr lvl="1"/>
+            <a:r>
+              <a:rPr lang="de-DE" dirty="0"/>
+              <a:t>Nicht-lineare Entwicklung</a:t>
+            </a:r>
+          </a:p>
+          <a:p>
+            <a:r>
+              <a:rPr lang="de-DE" dirty="0" err="1"/>
+              <a:t>Git</a:t>
+            </a:r>
+            <a:r>
+              <a:rPr lang="de-DE" dirty="0"/>
+              <a:t>-Server zur kollaborativen Nutzung: GitHub, </a:t>
+            </a:r>
+            <a:r>
+              <a:rPr lang="de-DE" dirty="0" err="1"/>
+              <a:t>Codeberg</a:t>
+            </a:r>
+            <a:r>
+              <a:rPr lang="de-DE" dirty="0"/>
+              <a:t>, etc.</a:t>
+            </a:r>
+          </a:p>
+          <a:p>
+            <a:endParaRPr lang="de-DE" dirty="0"/>
+          </a:p>
+        </p:txBody>
+      </p:sp>
+      <p:pic>
+        <p:nvPicPr>
+          <p:cNvPr id="4" name="Grafik 3">
+            <a:extLst>
+              <a:ext uri="{FF2B5EF4-FFF2-40B4-BE49-F238E27FC236}">
+                <a16:creationId xmlns:a16="http://schemas.microsoft.com/office/drawing/2014/main" id="{967B55DE-EDBF-A03E-22D7-B6B43E9023DD}"/>
+              </a:ext>
+            </a:extLst>
+          </p:cNvPr>
+          <p:cNvPicPr>
+            <a:picLocks noChangeAspect="1"/>
+          </p:cNvPicPr>
+          <p:nvPr/>
+        </p:nvPicPr>
+        <p:blipFill>
+          <a:blip r:embed="rId2">
+            <a:extLst>
+              <a:ext uri="{96DAC541-7B7A-43D3-8B79-37D633B846F1}">
+                <asvg:svgBlip xmlns:asvg="http://schemas.microsoft.com/office/drawing/2016/SVG/main" r:embed="rId3"/>
+              </a:ext>
+            </a:extLst>
+          </a:blip>
+          <a:stretch>
+            <a:fillRect/>
+          </a:stretch>
+        </p:blipFill>
+        <p:spPr>
+          <a:xfrm>
+            <a:off x="8077199" y="365125"/>
+            <a:ext cx="3776133" cy="1576846"/>
+          </a:xfrm>
+          <a:prstGeom prst="rect">
+            <a:avLst/>
+          </a:prstGeom>
+        </p:spPr>
+      </p:pic>
+      <p:sp>
+        <p:nvSpPr>
+          <p:cNvPr id="6" name="Textfeld 5">
+            <a:extLst>
+              <a:ext uri="{FF2B5EF4-FFF2-40B4-BE49-F238E27FC236}">
+                <a16:creationId xmlns:a16="http://schemas.microsoft.com/office/drawing/2014/main" id="{DCECC75F-50EE-DB4C-D44E-593BABFE1842}"/>
+              </a:ext>
+            </a:extLst>
+          </p:cNvPr>
+          <p:cNvSpPr txBox="1"/>
+          <p:nvPr/>
+        </p:nvSpPr>
+        <p:spPr>
+          <a:xfrm>
+            <a:off x="5500914" y="1892242"/>
+            <a:ext cx="3193143" cy="369332"/>
+          </a:xfrm>
+          <a:prstGeom prst="rect">
+            <a:avLst/>
+          </a:prstGeom>
+          <a:noFill/>
+        </p:spPr>
+        <p:txBody>
+          <a:bodyPr wrap="square">
+            <a:spAutoFit/>
+          </a:bodyPr>
+          <a:lstStyle/>
+          <a:p>
+            <a:r>
+              <a:rPr lang="de-DE" sz="1800" i="1" dirty="0">
+                <a:latin typeface="Berlin Sans FB Demi" panose="020E0802020502020306" pitchFamily="34" charset="0"/>
+              </a:rPr>
+              <a:t>(oder: Englisch für „Idiot“)</a:t>
+            </a:r>
+          </a:p>
+        </p:txBody>
+      </p:sp>
+    </p:spTree>
+    <p:extLst>
+      <p:ext uri="{BB962C8B-B14F-4D97-AF65-F5344CB8AC3E}">
+        <p14:creationId xmlns:p14="http://schemas.microsoft.com/office/powerpoint/2010/main" val="602657337"/>
+      </p:ext>
+    </p:extLst>
+  </p:cSld>
+  <p:clrMapOvr>
+    <a:masterClrMapping/>
+  </p:clrMapOvr>
+</p:sld>
+</file>
+
 <file path=ppt/slides/slide26.xml><?xml version="1.0" encoding="utf-8"?>
 <p:sld xmlns:a="http://schemas.openxmlformats.org/drawingml/2006/main" xmlns:r="http://schemas.openxmlformats.org/officeDocument/2006/relationships" xmlns:p="http://schemas.openxmlformats.org/presentationml/2006/main">
   <p:cSld>
@@ -10883,10 +11085,10 @@
       </p:grpSpPr>
       <p:sp>
         <p:nvSpPr>
-          <p:cNvPr id="4" name="Titel 3">
-            <a:extLst>
-              <a:ext uri="{FF2B5EF4-FFF2-40B4-BE49-F238E27FC236}">
-                <a16:creationId xmlns:a16="http://schemas.microsoft.com/office/drawing/2014/main" id="{99DB71E1-9647-1525-C28C-47BA19D61339}"/>
+          <p:cNvPr id="12" name="Titel 11">
+            <a:extLst>
+              <a:ext uri="{FF2B5EF4-FFF2-40B4-BE49-F238E27FC236}">
+                <a16:creationId xmlns:a16="http://schemas.microsoft.com/office/drawing/2014/main" id="{4E27DF29-A241-3335-530F-379B3859CC53}"/>
               </a:ext>
             </a:extLst>
           </p:cNvPr>
@@ -10904,25 +11106,25 @@
           <a:p>
             <a:r>
               <a:rPr lang="de-DE" dirty="0"/>
-              <a:t>Warum Versionskontrolle?</a:t>
-            </a:r>
-          </a:p>
-        </p:txBody>
-      </p:sp>
-      <p:sp>
-        <p:nvSpPr>
-          <p:cNvPr id="5" name="Inhaltsplatzhalter 4">
-            <a:extLst>
-              <a:ext uri="{FF2B5EF4-FFF2-40B4-BE49-F238E27FC236}">
-                <a16:creationId xmlns:a16="http://schemas.microsoft.com/office/drawing/2014/main" id="{50A41A64-3A62-F722-DF2C-3482CA31147B}"/>
-              </a:ext>
-            </a:extLst>
-          </p:cNvPr>
-          <p:cNvSpPr>
-            <a:spLocks noGrp="1"/>
-          </p:cNvSpPr>
-          <p:nvPr>
-            <p:ph idx="1"/>
+              <a:t>Konzept von Versionskontrolle</a:t>
+            </a:r>
+          </a:p>
+        </p:txBody>
+      </p:sp>
+      <p:sp>
+        <p:nvSpPr>
+          <p:cNvPr id="7" name="Inhaltsplatzhalter 6">
+            <a:extLst>
+              <a:ext uri="{FF2B5EF4-FFF2-40B4-BE49-F238E27FC236}">
+                <a16:creationId xmlns:a16="http://schemas.microsoft.com/office/drawing/2014/main" id="{D85E7FF5-C5F9-A76F-6475-B96CC5C14043}"/>
+              </a:ext>
+            </a:extLst>
+          </p:cNvPr>
+          <p:cNvSpPr>
+            <a:spLocks noGrp="1"/>
+          </p:cNvSpPr>
+          <p:nvPr>
+            <p:ph sz="half" idx="1"/>
           </p:nvPr>
         </p:nvSpPr>
         <p:spPr/>
@@ -10932,52 +11134,98 @@
           <a:p>
             <a:r>
               <a:rPr lang="de-DE" dirty="0"/>
-              <a:t>„Was habe ich nochmal an meinem Code geändert??“</a:t>
-            </a:r>
-          </a:p>
-          <a:p>
-            <a:r>
-              <a:rPr lang="de-DE" dirty="0"/>
-              <a:t>„Wer hat diesen Code das letzte Mal angefasst?? </a:t>
-            </a:r>
-            <a:br>
-              <a:rPr lang="de-DE" dirty="0"/>
-            </a:br>
-            <a:r>
-              <a:rPr lang="de-DE" dirty="0"/>
-              <a:t>  Er funktioniert nicht mehr!“</a:t>
-            </a:r>
-          </a:p>
-          <a:p>
-            <a:r>
-              <a:rPr lang="de-DE" dirty="0"/>
-              <a:t>„Wer hat die neuste Version des Codes?“</a:t>
-            </a:r>
-          </a:p>
-          <a:p>
-            <a:r>
-              <a:rPr lang="de-DE" dirty="0"/>
-              <a:t>„Wenn ich doch nur die Zeit zurückdrehen könnte!“</a:t>
-            </a:r>
-          </a:p>
-          <a:p>
-            <a:r>
-              <a:rPr lang="de-DE" dirty="0"/>
-              <a:t>„Also letzten Donnerstag hat das noch funktioniert!“</a:t>
-            </a:r>
-          </a:p>
-          <a:p>
-            <a:pPr marL="0" indent="0">
-              <a:buNone/>
-            </a:pPr>
+              <a:t>Festhalten von Zuständen von Dateien</a:t>
+            </a:r>
+          </a:p>
+          <a:p>
+            <a:pPr lvl="1"/>
+            <a:r>
+              <a:rPr lang="de-DE" dirty="0"/>
+              <a:t>Änderungen an Dateien</a:t>
+            </a:r>
+          </a:p>
+          <a:p>
+            <a:pPr lvl="1"/>
+            <a:r>
+              <a:rPr lang="de-DE" dirty="0"/>
+              <a:t>Hinzufügen neuer Dateien</a:t>
+            </a:r>
+          </a:p>
+          <a:p>
+            <a:pPr lvl="1"/>
+            <a:r>
+              <a:rPr lang="de-DE" dirty="0"/>
+              <a:t>Entfernen von Dateien</a:t>
+            </a:r>
+          </a:p>
+          <a:p>
+            <a:r>
+              <a:rPr lang="de-DE" dirty="0"/>
+              <a:t>Vorteile:</a:t>
+            </a:r>
+          </a:p>
+          <a:p>
+            <a:pPr lvl="1"/>
+            <a:r>
+              <a:rPr lang="de-DE" dirty="0"/>
+              <a:t>Umfassender Änderungsverlauf</a:t>
+            </a:r>
+          </a:p>
+          <a:p>
+            <a:pPr lvl="1"/>
+            <a:r>
+              <a:rPr lang="de-DE" dirty="0"/>
+              <a:t>Nachverfolgbarkeit</a:t>
+            </a:r>
+          </a:p>
+          <a:p>
+            <a:pPr lvl="1"/>
             <a:endParaRPr lang="de-DE" dirty="0"/>
           </a:p>
         </p:txBody>
       </p:sp>
+      <p:pic>
+        <p:nvPicPr>
+          <p:cNvPr id="18" name="Inhaltsplatzhalter 17" descr="Ein Bild, das Text, Screenshot, Schrift, Zahl enthält.&#10;&#10;Automatisch generierte Beschreibung">
+            <a:extLst>
+              <a:ext uri="{FF2B5EF4-FFF2-40B4-BE49-F238E27FC236}">
+                <a16:creationId xmlns:a16="http://schemas.microsoft.com/office/drawing/2014/main" id="{0E6B64A1-52D9-305B-93B8-4034107EAB37}"/>
+              </a:ext>
+            </a:extLst>
+          </p:cNvPr>
+          <p:cNvPicPr>
+            <a:picLocks noGrp="1" noChangeAspect="1"/>
+          </p:cNvPicPr>
+          <p:nvPr>
+            <p:ph sz="half" idx="2"/>
+          </p:nvPr>
+        </p:nvPicPr>
+        <p:blipFill>
+          <a:blip r:embed="rId3">
+            <a:extLst>
+              <a:ext uri="{28A0092B-C50C-407E-A947-70E740481C1C}">
+                <a14:useLocalDpi xmlns:a14="http://schemas.microsoft.com/office/drawing/2010/main" val="0"/>
+              </a:ext>
+            </a:extLst>
+          </a:blip>
+          <a:stretch>
+            <a:fillRect/>
+          </a:stretch>
+        </p:blipFill>
+        <p:spPr>
+          <a:xfrm>
+            <a:off x="6215875" y="1825625"/>
+            <a:ext cx="5094249" cy="4351338"/>
+          </a:xfrm>
+          <a:prstGeom prst="rect">
+            <a:avLst/>
+          </a:prstGeom>
+        </p:spPr>
+      </p:pic>
     </p:spTree>
     <p:extLst>
       <p:ext uri="{BB962C8B-B14F-4D97-AF65-F5344CB8AC3E}">
-        <p14:creationId xmlns:p14="http://schemas.microsoft.com/office/powerpoint/2010/main" val="3812971024"/>
+        <p14:creationId xmlns:p14="http://schemas.microsoft.com/office/powerpoint/2010/main" val="228809835"/>
       </p:ext>
     </p:extLst>
   </p:cSld>
@@ -11006,10 +11254,10 @@
       </p:grpSpPr>
       <p:sp>
         <p:nvSpPr>
-          <p:cNvPr id="12" name="Titel 11">
-            <a:extLst>
-              <a:ext uri="{FF2B5EF4-FFF2-40B4-BE49-F238E27FC236}">
-                <a16:creationId xmlns:a16="http://schemas.microsoft.com/office/drawing/2014/main" id="{4E27DF29-A241-3335-530F-379B3859CC53}"/>
+          <p:cNvPr id="2" name="Titel 1">
+            <a:extLst>
+              <a:ext uri="{FF2B5EF4-FFF2-40B4-BE49-F238E27FC236}">
+                <a16:creationId xmlns:a16="http://schemas.microsoft.com/office/drawing/2014/main" id="{CFE8E1F1-BF87-4B8E-DECC-D2D15A7A28B9}"/>
               </a:ext>
             </a:extLst>
           </p:cNvPr>
@@ -11027,25 +11275,25 @@
           <a:p>
             <a:r>
               <a:rPr lang="de-DE" dirty="0"/>
-              <a:t>Konzept von Versionskontrolle</a:t>
-            </a:r>
-          </a:p>
-        </p:txBody>
-      </p:sp>
-      <p:sp>
-        <p:nvSpPr>
-          <p:cNvPr id="7" name="Inhaltsplatzhalter 6">
-            <a:extLst>
-              <a:ext uri="{FF2B5EF4-FFF2-40B4-BE49-F238E27FC236}">
-                <a16:creationId xmlns:a16="http://schemas.microsoft.com/office/drawing/2014/main" id="{D85E7FF5-C5F9-A76F-6475-B96CC5C14043}"/>
-              </a:ext>
-            </a:extLst>
-          </p:cNvPr>
-          <p:cNvSpPr>
-            <a:spLocks noGrp="1"/>
-          </p:cNvSpPr>
-          <p:nvPr>
-            <p:ph sz="half" idx="1"/>
+              <a:t>Der Commit - Projektversion</a:t>
+            </a:r>
+          </a:p>
+        </p:txBody>
+      </p:sp>
+      <p:sp>
+        <p:nvSpPr>
+          <p:cNvPr id="3" name="Inhaltsplatzhalter 2">
+            <a:extLst>
+              <a:ext uri="{FF2B5EF4-FFF2-40B4-BE49-F238E27FC236}">
+                <a16:creationId xmlns:a16="http://schemas.microsoft.com/office/drawing/2014/main" id="{561FE4F0-9549-8BDE-94AF-C906BD0B1E79}"/>
+              </a:ext>
+            </a:extLst>
+          </p:cNvPr>
+          <p:cNvSpPr>
+            <a:spLocks noGrp="1"/>
+          </p:cNvSpPr>
+          <p:nvPr>
+            <p:ph idx="1"/>
           </p:nvPr>
         </p:nvSpPr>
         <p:spPr/>
@@ -11055,48 +11303,70 @@
           <a:p>
             <a:r>
               <a:rPr lang="de-DE" dirty="0"/>
-              <a:t>Festhalten von Zuständen von Dateien</a:t>
+              <a:t>Geänderte Dateien im Repository werden als vorläufige Änderungen angezeigt</a:t>
+            </a:r>
+          </a:p>
+          <a:p>
+            <a:r>
+              <a:rPr lang="de-DE" dirty="0"/>
+              <a:t>Mit dem Erstellen eines </a:t>
+            </a:r>
+            <a:r>
+              <a:rPr lang="de-DE" dirty="0" err="1"/>
+              <a:t>Commits</a:t>
+            </a:r>
+            <a:r>
+              <a:rPr lang="de-DE" dirty="0"/>
+              <a:t> wird eine neue „Projektversion“ in die Historie des </a:t>
+            </a:r>
+            <a:r>
+              <a:rPr lang="de-DE" dirty="0" err="1"/>
+              <a:t>Repositorys</a:t>
+            </a:r>
+            <a:r>
+              <a:rPr lang="de-DE" dirty="0"/>
+              <a:t> (Ordners) eingebunden:</a:t>
             </a:r>
           </a:p>
           <a:p>
             <a:pPr lvl="1"/>
             <a:r>
               <a:rPr lang="de-DE" dirty="0"/>
-              <a:t>Änderungen an Dateien</a:t>
+              <a:t>Commit-Hash – Prüfziffer</a:t>
             </a:r>
           </a:p>
           <a:p>
             <a:pPr lvl="1"/>
             <a:r>
               <a:rPr lang="de-DE" dirty="0"/>
-              <a:t>Hinzufügen neuer Dateien</a:t>
+              <a:t>Commit-Nachricht – Beschreibung der Änderungen</a:t>
             </a:r>
           </a:p>
           <a:p>
             <a:pPr lvl="1"/>
             <a:r>
               <a:rPr lang="de-DE" dirty="0"/>
-              <a:t>Entfernen von Dateien</a:t>
-            </a:r>
-          </a:p>
-          <a:p>
-            <a:r>
-              <a:rPr lang="de-DE" dirty="0"/>
-              <a:t>Vorteile:</a:t>
-            </a:r>
-          </a:p>
-          <a:p>
-            <a:pPr lvl="1"/>
-            <a:r>
-              <a:rPr lang="de-DE" dirty="0"/>
-              <a:t>Umfassender Änderungsverlauf</a:t>
-            </a:r>
-          </a:p>
-          <a:p>
-            <a:pPr lvl="1"/>
-            <a:r>
-              <a:rPr lang="de-DE" dirty="0"/>
-              <a:t>Nachverfolgbarkeit</a:t>
+              <a:t>Pfad des </a:t>
+            </a:r>
+            <a:r>
+              <a:rPr lang="de-DE" dirty="0" err="1"/>
+              <a:t>Commits</a:t>
+            </a:r>
+            <a:r>
+              <a:rPr lang="de-DE" dirty="0"/>
+              <a:t> – „</a:t>
+            </a:r>
+            <a:r>
+              <a:rPr lang="de-DE" dirty="0" err="1"/>
+              <a:t>main</a:t>
+            </a:r>
+            <a:r>
+              <a:rPr lang="de-DE" dirty="0"/>
+              <a:t>“/Haupt-Zweig </a:t>
+            </a:r>
+            <a:r>
+              <a:rPr lang="de-DE"/>
+              <a:t>oder Entwicklungszweig</a:t>
             </a:r>
           </a:p>
           <a:p>
@@ -11105,48 +11375,10 @@
           </a:p>
         </p:txBody>
       </p:sp>
-      <p:pic>
-        <p:nvPicPr>
-          <p:cNvPr id="18" name="Inhaltsplatzhalter 17" descr="Ein Bild, das Text, Screenshot, Schrift, Zahl enthält.&#10;&#10;Automatisch generierte Beschreibung">
-            <a:extLst>
-              <a:ext uri="{FF2B5EF4-FFF2-40B4-BE49-F238E27FC236}">
-                <a16:creationId xmlns:a16="http://schemas.microsoft.com/office/drawing/2014/main" id="{0E6B64A1-52D9-305B-93B8-4034107EAB37}"/>
-              </a:ext>
-            </a:extLst>
-          </p:cNvPr>
-          <p:cNvPicPr>
-            <a:picLocks noGrp="1" noChangeAspect="1"/>
-          </p:cNvPicPr>
-          <p:nvPr>
-            <p:ph sz="half" idx="2"/>
-          </p:nvPr>
-        </p:nvPicPr>
-        <p:blipFill>
-          <a:blip r:embed="rId2">
-            <a:extLst>
-              <a:ext uri="{28A0092B-C50C-407E-A947-70E740481C1C}">
-                <a14:useLocalDpi xmlns:a14="http://schemas.microsoft.com/office/drawing/2010/main" val="0"/>
-              </a:ext>
-            </a:extLst>
-          </a:blip>
-          <a:stretch>
-            <a:fillRect/>
-          </a:stretch>
-        </p:blipFill>
-        <p:spPr>
-          <a:xfrm>
-            <a:off x="6215875" y="1825625"/>
-            <a:ext cx="5094249" cy="4351338"/>
-          </a:xfrm>
-          <a:prstGeom prst="rect">
-            <a:avLst/>
-          </a:prstGeom>
-        </p:spPr>
-      </p:pic>
     </p:spTree>
     <p:extLst>
       <p:ext uri="{BB962C8B-B14F-4D97-AF65-F5344CB8AC3E}">
-        <p14:creationId xmlns:p14="http://schemas.microsoft.com/office/powerpoint/2010/main" val="228809835"/>
+        <p14:creationId xmlns:p14="http://schemas.microsoft.com/office/powerpoint/2010/main" val="1699690210"/>
       </p:ext>
     </p:extLst>
   </p:cSld>
@@ -11273,7 +11505,7 @@
           <p:cNvPr id="2" name="Titel 1">
             <a:extLst>
               <a:ext uri="{FF2B5EF4-FFF2-40B4-BE49-F238E27FC236}">
-                <a16:creationId xmlns:a16="http://schemas.microsoft.com/office/drawing/2014/main" id="{47B95371-FB67-A5ED-3137-B28A810544E0}"/>
+                <a16:creationId xmlns:a16="http://schemas.microsoft.com/office/drawing/2014/main" id="{63449BA4-647F-E7FF-1CDF-4006E31A4679}"/>
               </a:ext>
             </a:extLst>
           </p:cNvPr>
@@ -11290,10 +11522,9 @@
           <a:lstStyle/>
           <a:p>
             <a:r>
-              <a:rPr lang="de-DE" dirty="0" err="1"/>
-              <a:t>git</a:t>
-            </a:r>
-            <a:endParaRPr lang="de-DE" dirty="0"/>
+              <a:rPr lang="de-DE" dirty="0"/>
+              <a:t>GitHub</a:t>
+            </a:r>
           </a:p>
         </p:txBody>
       </p:sp>
@@ -11302,7 +11533,7 @@
           <p:cNvPr id="3" name="Inhaltsplatzhalter 2">
             <a:extLst>
               <a:ext uri="{FF2B5EF4-FFF2-40B4-BE49-F238E27FC236}">
-                <a16:creationId xmlns:a16="http://schemas.microsoft.com/office/drawing/2014/main" id="{34D07182-57ED-4BF8-7468-3B9A525601F6}"/>
+                <a16:creationId xmlns:a16="http://schemas.microsoft.com/office/drawing/2014/main" id="{52CFD63E-13D1-2C5A-3DCE-813528E07464}"/>
               </a:ext>
             </a:extLst>
           </p:cNvPr>
@@ -11318,134 +11549,14 @@
           <a:bodyPr/>
           <a:lstStyle/>
           <a:p>
-            <a:pPr marL="0" indent="0">
-              <a:buNone/>
-            </a:pPr>
-            <a:r>
-              <a:rPr lang="de-DE" i="1" dirty="0"/>
-              <a:t>Global </a:t>
-            </a:r>
-            <a:r>
-              <a:rPr lang="de-DE" i="1" dirty="0" err="1"/>
-              <a:t>information</a:t>
-            </a:r>
-            <a:r>
-              <a:rPr lang="de-DE" i="1" dirty="0"/>
-              <a:t> </a:t>
-            </a:r>
-            <a:r>
-              <a:rPr lang="de-DE" i="1" dirty="0" err="1"/>
-              <a:t>tracker</a:t>
-            </a:r>
-            <a:endParaRPr lang="de-DE" i="1" dirty="0"/>
-          </a:p>
-          <a:p>
-            <a:r>
-              <a:rPr lang="de-DE" dirty="0"/>
-              <a:t>Arbeiten mit „</a:t>
-            </a:r>
-            <a:r>
-              <a:rPr lang="de-DE" dirty="0" err="1"/>
-              <a:t>Commits</a:t>
-            </a:r>
-            <a:r>
-              <a:rPr lang="de-DE" dirty="0"/>
-              <a:t>“ &amp; „</a:t>
-            </a:r>
-            <a:r>
-              <a:rPr lang="de-DE" dirty="0" err="1"/>
-              <a:t>Branches</a:t>
-            </a:r>
-            <a:r>
-              <a:rPr lang="de-DE" dirty="0"/>
-              <a:t>“</a:t>
-            </a:r>
-          </a:p>
-          <a:p>
-            <a:r>
-              <a:rPr lang="de-DE" dirty="0"/>
-              <a:t>Serveranbindung: z.B. GitHub</a:t>
-            </a:r>
-          </a:p>
-        </p:txBody>
-      </p:sp>
-      <p:pic>
-        <p:nvPicPr>
-          <p:cNvPr id="4" name="Grafik 3">
-            <a:extLst>
-              <a:ext uri="{FF2B5EF4-FFF2-40B4-BE49-F238E27FC236}">
-                <a16:creationId xmlns:a16="http://schemas.microsoft.com/office/drawing/2014/main" id="{967B55DE-EDBF-A03E-22D7-B6B43E9023DD}"/>
-              </a:ext>
-            </a:extLst>
-          </p:cNvPr>
-          <p:cNvPicPr>
-            <a:picLocks noChangeAspect="1"/>
-          </p:cNvPicPr>
-          <p:nvPr/>
-        </p:nvPicPr>
-        <p:blipFill>
-          <a:blip r:embed="rId2">
-            <a:extLst>
-              <a:ext uri="{96DAC541-7B7A-43D3-8B79-37D633B846F1}">
-                <asvg:svgBlip xmlns:asvg="http://schemas.microsoft.com/office/drawing/2016/SVG/main" r:embed="rId3"/>
-              </a:ext>
-            </a:extLst>
-          </a:blip>
-          <a:stretch>
-            <a:fillRect/>
-          </a:stretch>
-        </p:blipFill>
-        <p:spPr>
-          <a:xfrm>
-            <a:off x="8077199" y="365125"/>
-            <a:ext cx="3776133" cy="1576846"/>
-          </a:xfrm>
-          <a:prstGeom prst="rect">
-            <a:avLst/>
-          </a:prstGeom>
-        </p:spPr>
-      </p:pic>
-      <p:sp>
-        <p:nvSpPr>
-          <p:cNvPr id="6" name="Textfeld 5">
-            <a:extLst>
-              <a:ext uri="{FF2B5EF4-FFF2-40B4-BE49-F238E27FC236}">
-                <a16:creationId xmlns:a16="http://schemas.microsoft.com/office/drawing/2014/main" id="{DCECC75F-50EE-DB4C-D44E-593BABFE1842}"/>
-              </a:ext>
-            </a:extLst>
-          </p:cNvPr>
-          <p:cNvSpPr txBox="1"/>
-          <p:nvPr/>
-        </p:nvSpPr>
-        <p:spPr>
-          <a:xfrm>
-            <a:off x="5500914" y="1892242"/>
-            <a:ext cx="3193143" cy="369332"/>
-          </a:xfrm>
-          <a:prstGeom prst="rect">
-            <a:avLst/>
-          </a:prstGeom>
-          <a:noFill/>
-        </p:spPr>
-        <p:txBody>
-          <a:bodyPr wrap="square">
-            <a:spAutoFit/>
-          </a:bodyPr>
-          <a:lstStyle/>
-          <a:p>
-            <a:r>
-              <a:rPr lang="de-DE" sz="1800" i="1" dirty="0">
-                <a:latin typeface="Berlin Sans FB Demi" panose="020E0802020502020306" pitchFamily="34" charset="0"/>
-              </a:rPr>
-              <a:t>(oder: Englisch für „Idiot“)</a:t>
-            </a:r>
+            <a:endParaRPr lang="de-DE"/>
           </a:p>
         </p:txBody>
       </p:sp>
     </p:spTree>
     <p:extLst>
       <p:ext uri="{BB962C8B-B14F-4D97-AF65-F5344CB8AC3E}">
-        <p14:creationId xmlns:p14="http://schemas.microsoft.com/office/powerpoint/2010/main" val="602657337"/>
+        <p14:creationId xmlns:p14="http://schemas.microsoft.com/office/powerpoint/2010/main" val="667058642"/>
       </p:ext>
     </p:extLst>
   </p:cSld>
@@ -11495,7 +11606,22 @@
           <a:p>
             <a:r>
               <a:rPr lang="de-DE" dirty="0"/>
-              <a:t>Wer hat schon Erfahrungen mit Python im Rahmen FLL?</a:t>
+              <a:t>Wer hat schon Erfahrungen mit Python/</a:t>
+            </a:r>
+            <a:r>
+              <a:rPr lang="de-DE" dirty="0" err="1"/>
+              <a:t>git</a:t>
+            </a:r>
+            <a:r>
+              <a:rPr lang="de-DE" dirty="0"/>
+              <a:t> </a:t>
+            </a:r>
+            <a:br>
+              <a:rPr lang="de-DE" dirty="0"/>
+            </a:br>
+            <a:r>
+              <a:rPr lang="de-DE" dirty="0"/>
+              <a:t>im Rahmen FLL?</a:t>
             </a:r>
           </a:p>
         </p:txBody>
@@ -11557,10 +11683,10 @@
       </p:grpSpPr>
       <p:sp>
         <p:nvSpPr>
-          <p:cNvPr id="2" name="Titel 1">
-            <a:extLst>
-              <a:ext uri="{FF2B5EF4-FFF2-40B4-BE49-F238E27FC236}">
-                <a16:creationId xmlns:a16="http://schemas.microsoft.com/office/drawing/2014/main" id="{63449BA4-647F-E7FF-1CDF-4006E31A4679}"/>
+          <p:cNvPr id="4" name="Titel 3">
+            <a:extLst>
+              <a:ext uri="{FF2B5EF4-FFF2-40B4-BE49-F238E27FC236}">
+                <a16:creationId xmlns:a16="http://schemas.microsoft.com/office/drawing/2014/main" id="{76768294-9FE7-5656-E64A-6328D4C58E44}"/>
               </a:ext>
             </a:extLst>
           </p:cNvPr>
@@ -11578,25 +11704,25 @@
           <a:p>
             <a:r>
               <a:rPr lang="de-DE" dirty="0"/>
-              <a:t>GitHub</a:t>
-            </a:r>
-          </a:p>
-        </p:txBody>
-      </p:sp>
-      <p:sp>
-        <p:nvSpPr>
-          <p:cNvPr id="3" name="Inhaltsplatzhalter 2">
-            <a:extLst>
-              <a:ext uri="{FF2B5EF4-FFF2-40B4-BE49-F238E27FC236}">
-                <a16:creationId xmlns:a16="http://schemas.microsoft.com/office/drawing/2014/main" id="{52CFD63E-13D1-2C5A-3DCE-813528E07464}"/>
-              </a:ext>
-            </a:extLst>
-          </p:cNvPr>
-          <p:cNvSpPr>
-            <a:spLocks noGrp="1"/>
-          </p:cNvSpPr>
-          <p:nvPr>
-            <p:ph idx="1"/>
+              <a:t>Empfehlungen</a:t>
+            </a:r>
+          </a:p>
+        </p:txBody>
+      </p:sp>
+      <p:sp>
+        <p:nvSpPr>
+          <p:cNvPr id="5" name="Textplatzhalter 4">
+            <a:extLst>
+              <a:ext uri="{FF2B5EF4-FFF2-40B4-BE49-F238E27FC236}">
+                <a16:creationId xmlns:a16="http://schemas.microsoft.com/office/drawing/2014/main" id="{56008966-FEA9-9A11-5288-D35F46DDC271}"/>
+              </a:ext>
+            </a:extLst>
+          </p:cNvPr>
+          <p:cNvSpPr>
+            <a:spLocks noGrp="1"/>
+          </p:cNvSpPr>
+          <p:nvPr>
+            <p:ph type="body" idx="1"/>
           </p:nvPr>
         </p:nvSpPr>
         <p:spPr/>
@@ -11611,7 +11737,7 @@
     </p:spTree>
     <p:extLst>
       <p:ext uri="{BB962C8B-B14F-4D97-AF65-F5344CB8AC3E}">
-        <p14:creationId xmlns:p14="http://schemas.microsoft.com/office/powerpoint/2010/main" val="667058642"/>
+        <p14:creationId xmlns:p14="http://schemas.microsoft.com/office/powerpoint/2010/main" val="2557587219"/>
       </p:ext>
     </p:extLst>
   </p:cSld>
@@ -11643,7 +11769,7 @@
           <p:cNvPr id="4" name="Titel 3">
             <a:extLst>
               <a:ext uri="{FF2B5EF4-FFF2-40B4-BE49-F238E27FC236}">
-                <a16:creationId xmlns:a16="http://schemas.microsoft.com/office/drawing/2014/main" id="{76768294-9FE7-5656-E64A-6328D4C58E44}"/>
+                <a16:creationId xmlns:a16="http://schemas.microsoft.com/office/drawing/2014/main" id="{DC62E89F-5219-D83B-DD75-22AE3E57A9D7}"/>
               </a:ext>
             </a:extLst>
           </p:cNvPr>
@@ -11668,18 +11794,18 @@
       </p:sp>
       <p:sp>
         <p:nvSpPr>
-          <p:cNvPr id="5" name="Textplatzhalter 4">
-            <a:extLst>
-              <a:ext uri="{FF2B5EF4-FFF2-40B4-BE49-F238E27FC236}">
-                <a16:creationId xmlns:a16="http://schemas.microsoft.com/office/drawing/2014/main" id="{56008966-FEA9-9A11-5288-D35F46DDC271}"/>
-              </a:ext>
-            </a:extLst>
-          </p:cNvPr>
-          <p:cNvSpPr>
-            <a:spLocks noGrp="1"/>
-          </p:cNvSpPr>
-          <p:nvPr>
-            <p:ph type="body" idx="1"/>
+          <p:cNvPr id="5" name="Inhaltsplatzhalter 4">
+            <a:extLst>
+              <a:ext uri="{FF2B5EF4-FFF2-40B4-BE49-F238E27FC236}">
+                <a16:creationId xmlns:a16="http://schemas.microsoft.com/office/drawing/2014/main" id="{895BC6A2-713D-329F-D81A-E5C90CDD2A12}"/>
+              </a:ext>
+            </a:extLst>
+          </p:cNvPr>
+          <p:cNvSpPr>
+            <a:spLocks noGrp="1"/>
+          </p:cNvSpPr>
+          <p:nvPr>
+            <p:ph idx="1"/>
           </p:nvPr>
         </p:nvSpPr>
         <p:spPr/>
@@ -11687,14 +11813,52 @@
           <a:bodyPr/>
           <a:lstStyle/>
           <a:p>
-            <a:endParaRPr lang="de-DE"/>
+            <a:r>
+              <a:rPr lang="de-DE" dirty="0"/>
+              <a:t>Nutzt GitHub (oder einen anderen Cloud-Dienst) als Datenablage für euer Team!</a:t>
+            </a:r>
+          </a:p>
+          <a:p>
+            <a:pPr lvl="1"/>
+            <a:r>
+              <a:rPr lang="de-DE" dirty="0" err="1"/>
+              <a:t>Robotgame</a:t>
+            </a:r>
+            <a:endParaRPr lang="de-DE" dirty="0"/>
+          </a:p>
+          <a:p>
+            <a:pPr lvl="1"/>
+            <a:r>
+              <a:rPr lang="de-DE" dirty="0"/>
+              <a:t>Forschungsprojekt</a:t>
+            </a:r>
+          </a:p>
+          <a:p>
+            <a:pPr lvl="1"/>
+            <a:r>
+              <a:rPr lang="de-DE" dirty="0" err="1"/>
+              <a:t>Robotdesign</a:t>
+            </a:r>
+            <a:endParaRPr lang="de-DE" dirty="0"/>
+          </a:p>
+          <a:p>
+            <a:r>
+              <a:rPr lang="de-DE" dirty="0"/>
+              <a:t>Nutzt Kommentare!</a:t>
+            </a:r>
+          </a:p>
+          <a:p>
+            <a:r>
+              <a:rPr lang="de-DE" dirty="0"/>
+              <a:t>Schreibt sinnvolle Commit-Nachrichten!</a:t>
+            </a:r>
           </a:p>
         </p:txBody>
       </p:sp>
     </p:spTree>
     <p:extLst>
       <p:ext uri="{BB962C8B-B14F-4D97-AF65-F5344CB8AC3E}">
-        <p14:creationId xmlns:p14="http://schemas.microsoft.com/office/powerpoint/2010/main" val="2557587219"/>
+        <p14:creationId xmlns:p14="http://schemas.microsoft.com/office/powerpoint/2010/main" val="1648815403"/>
       </p:ext>
     </p:extLst>
   </p:cSld>
@@ -11726,7 +11890,7 @@
           <p:cNvPr id="4" name="Titel 3">
             <a:extLst>
               <a:ext uri="{FF2B5EF4-FFF2-40B4-BE49-F238E27FC236}">
-                <a16:creationId xmlns:a16="http://schemas.microsoft.com/office/drawing/2014/main" id="{DC62E89F-5219-D83B-DD75-22AE3E57A9D7}"/>
+                <a16:creationId xmlns:a16="http://schemas.microsoft.com/office/drawing/2014/main" id="{F4820EE5-22F5-5CAA-88D3-ED31D4D6C93E}"/>
               </a:ext>
             </a:extLst>
           </p:cNvPr>
@@ -11743,26 +11907,40 @@
           <a:lstStyle/>
           <a:p>
             <a:r>
-              <a:rPr lang="de-DE" dirty="0"/>
-              <a:t>Empfehlungen</a:t>
-            </a:r>
-          </a:p>
-        </p:txBody>
-      </p:sp>
-      <p:sp>
-        <p:nvSpPr>
-          <p:cNvPr id="5" name="Inhaltsplatzhalter 4">
-            <a:extLst>
-              <a:ext uri="{FF2B5EF4-FFF2-40B4-BE49-F238E27FC236}">
-                <a16:creationId xmlns:a16="http://schemas.microsoft.com/office/drawing/2014/main" id="{895BC6A2-713D-329F-D81A-E5C90CDD2A12}"/>
-              </a:ext>
-            </a:extLst>
-          </p:cNvPr>
-          <p:cNvSpPr>
-            <a:spLocks noGrp="1"/>
-          </p:cNvSpPr>
-          <p:nvPr>
-            <p:ph idx="1"/>
+              <a:rPr lang="de-DE" sz="5400" i="1" dirty="0"/>
+              <a:t>Offene Runde:</a:t>
+            </a:r>
+            <a:br>
+              <a:rPr lang="de-DE" dirty="0"/>
+            </a:br>
+            <a:r>
+              <a:rPr lang="de-DE" dirty="0"/>
+              <a:t>Welche Tipps habt ihr?</a:t>
+            </a:r>
+            <a:br>
+              <a:rPr lang="de-DE" dirty="0"/>
+            </a:br>
+            <a:r>
+              <a:rPr lang="de-DE" dirty="0"/>
+              <a:t>Gibt es Fragen?</a:t>
+            </a:r>
+          </a:p>
+        </p:txBody>
+      </p:sp>
+      <p:sp>
+        <p:nvSpPr>
+          <p:cNvPr id="5" name="Textplatzhalter 4">
+            <a:extLst>
+              <a:ext uri="{FF2B5EF4-FFF2-40B4-BE49-F238E27FC236}">
+                <a16:creationId xmlns:a16="http://schemas.microsoft.com/office/drawing/2014/main" id="{C1F96FF1-00C1-7704-646A-387D432FB716}"/>
+              </a:ext>
+            </a:extLst>
+          </p:cNvPr>
+          <p:cNvSpPr>
+            <a:spLocks noGrp="1"/>
+          </p:cNvSpPr>
+          <p:nvPr>
+            <p:ph type="body" idx="1"/>
           </p:nvPr>
         </p:nvSpPr>
         <p:spPr/>
@@ -11770,103 +11948,7 @@
           <a:bodyPr/>
           <a:lstStyle/>
           <a:p>
-            <a:r>
-              <a:rPr lang="de-DE" dirty="0"/>
-              <a:t>Nutzt GitHub (oder einen anderen Cloud-Dienst) als Datenablage für euer Team</a:t>
-            </a:r>
-          </a:p>
-          <a:p>
             <a:endParaRPr lang="de-DE" dirty="0"/>
-          </a:p>
-        </p:txBody>
-      </p:sp>
-    </p:spTree>
-    <p:extLst>
-      <p:ext uri="{BB962C8B-B14F-4D97-AF65-F5344CB8AC3E}">
-        <p14:creationId xmlns:p14="http://schemas.microsoft.com/office/powerpoint/2010/main" val="1648815403"/>
-      </p:ext>
-    </p:extLst>
-  </p:cSld>
-  <p:clrMapOvr>
-    <a:masterClrMapping/>
-  </p:clrMapOvr>
-</p:sld>
-</file>
-
-<file path=ppt/slides/slide33.xml><?xml version="1.0" encoding="utf-8"?>
-<p:sld xmlns:a="http://schemas.openxmlformats.org/drawingml/2006/main" xmlns:r="http://schemas.openxmlformats.org/officeDocument/2006/relationships" xmlns:p="http://schemas.openxmlformats.org/presentationml/2006/main">
-  <p:cSld>
-    <p:spTree>
-      <p:nvGrpSpPr>
-        <p:cNvPr id="1" name=""/>
-        <p:cNvGrpSpPr/>
-        <p:nvPr/>
-      </p:nvGrpSpPr>
-      <p:grpSpPr>
-        <a:xfrm>
-          <a:off x="0" y="0"/>
-          <a:ext cx="0" cy="0"/>
-          <a:chOff x="0" y="0"/>
-          <a:chExt cx="0" cy="0"/>
-        </a:xfrm>
-      </p:grpSpPr>
-      <p:sp>
-        <p:nvSpPr>
-          <p:cNvPr id="4" name="Titel 3">
-            <a:extLst>
-              <a:ext uri="{FF2B5EF4-FFF2-40B4-BE49-F238E27FC236}">
-                <a16:creationId xmlns:a16="http://schemas.microsoft.com/office/drawing/2014/main" id="{F4820EE5-22F5-5CAA-88D3-ED31D4D6C93E}"/>
-              </a:ext>
-            </a:extLst>
-          </p:cNvPr>
-          <p:cNvSpPr>
-            <a:spLocks noGrp="1"/>
-          </p:cNvSpPr>
-          <p:nvPr>
-            <p:ph type="title"/>
-          </p:nvPr>
-        </p:nvSpPr>
-        <p:spPr/>
-        <p:txBody>
-          <a:bodyPr/>
-          <a:lstStyle/>
-          <a:p>
-            <a:r>
-              <a:rPr lang="de-DE" sz="5400" i="1" dirty="0"/>
-              <a:t>Offene Runde:</a:t>
-            </a:r>
-            <a:br>
-              <a:rPr lang="de-DE" dirty="0"/>
-            </a:br>
-            <a:r>
-              <a:rPr lang="de-DE" dirty="0"/>
-              <a:t>Welche Tipps habt ihr?</a:t>
-            </a:r>
-          </a:p>
-        </p:txBody>
-      </p:sp>
-      <p:sp>
-        <p:nvSpPr>
-          <p:cNvPr id="5" name="Textplatzhalter 4">
-            <a:extLst>
-              <a:ext uri="{FF2B5EF4-FFF2-40B4-BE49-F238E27FC236}">
-                <a16:creationId xmlns:a16="http://schemas.microsoft.com/office/drawing/2014/main" id="{C1F96FF1-00C1-7704-646A-387D432FB716}"/>
-              </a:ext>
-            </a:extLst>
-          </p:cNvPr>
-          <p:cNvSpPr>
-            <a:spLocks noGrp="1"/>
-          </p:cNvSpPr>
-          <p:nvPr>
-            <p:ph type="body" idx="1"/>
-          </p:nvPr>
-        </p:nvSpPr>
-        <p:spPr/>
-        <p:txBody>
-          <a:bodyPr/>
-          <a:lstStyle/>
-          <a:p>
-            <a:endParaRPr lang="de-DE"/>
           </a:p>
         </p:txBody>
       </p:sp>
@@ -11969,7 +12051,7 @@
           <a:p>
             <a:r>
               <a:rPr lang="de-DE" dirty="0"/>
-              <a:t>Welches Team nutzt </a:t>
+              <a:t>Welche Teams nutzen </a:t>
             </a:r>
             <a:r>
               <a:rPr lang="de-DE" dirty="0" err="1"/>
@@ -12163,7 +12245,7 @@
 </file>
 
 <file path=ppt/slides/slide6.xml><?xml version="1.0" encoding="utf-8"?>
-<p:sld xmlns:a="http://schemas.openxmlformats.org/drawingml/2006/main" xmlns:r="http://schemas.openxmlformats.org/officeDocument/2006/relationships" xmlns:p="http://schemas.openxmlformats.org/presentationml/2006/main" show="0">
+<p:sld xmlns:a="http://schemas.openxmlformats.org/drawingml/2006/main" xmlns:r="http://schemas.openxmlformats.org/officeDocument/2006/relationships" xmlns:p="http://schemas.openxmlformats.org/presentationml/2006/main">
   <p:cSld>
     <p:spTree>
       <p:nvGrpSpPr>
@@ -12181,10 +12263,10 @@
       </p:grpSpPr>
       <p:sp>
         <p:nvSpPr>
-          <p:cNvPr id="4" name="Titel 3">
-            <a:extLst>
-              <a:ext uri="{FF2B5EF4-FFF2-40B4-BE49-F238E27FC236}">
-                <a16:creationId xmlns:a16="http://schemas.microsoft.com/office/drawing/2014/main" id="{545EFD3D-3952-DB46-F460-757AB3EB0EA3}"/>
+          <p:cNvPr id="2" name="Titel 1">
+            <a:extLst>
+              <a:ext uri="{FF2B5EF4-FFF2-40B4-BE49-F238E27FC236}">
+                <a16:creationId xmlns:a16="http://schemas.microsoft.com/office/drawing/2014/main" id="{F25F7313-ACED-5D11-931F-CFF944AC2B1C}"/>
               </a:ext>
             </a:extLst>
           </p:cNvPr>
@@ -12201,28 +12283,26 @@
           <a:lstStyle/>
           <a:p>
             <a:r>
-              <a:rPr lang="de-DE" dirty="0">
-                <a:latin typeface="Berlin Sans FB Demi" panose="020E0802020502020306" pitchFamily="34" charset="0"/>
-              </a:rPr>
-              <a:t>Wie kann ich mein Team beim Umstieg von Scratch auf Python unterstützen?</a:t>
-            </a:r>
-          </a:p>
-        </p:txBody>
-      </p:sp>
-      <p:sp>
-        <p:nvSpPr>
-          <p:cNvPr id="5" name="Textplatzhalter 4">
-            <a:extLst>
-              <a:ext uri="{FF2B5EF4-FFF2-40B4-BE49-F238E27FC236}">
-                <a16:creationId xmlns:a16="http://schemas.microsoft.com/office/drawing/2014/main" id="{3D096D93-6C16-F261-77D3-54E2A0FACE71}"/>
-              </a:ext>
-            </a:extLst>
-          </p:cNvPr>
-          <p:cNvSpPr>
-            <a:spLocks noGrp="1"/>
-          </p:cNvSpPr>
-          <p:nvPr>
-            <p:ph type="body" idx="1"/>
+              <a:rPr lang="de-DE" dirty="0"/>
+              <a:t>Voraussetzungen</a:t>
+            </a:r>
+          </a:p>
+        </p:txBody>
+      </p:sp>
+      <p:sp>
+        <p:nvSpPr>
+          <p:cNvPr id="3" name="Inhaltsplatzhalter 2">
+            <a:extLst>
+              <a:ext uri="{FF2B5EF4-FFF2-40B4-BE49-F238E27FC236}">
+                <a16:creationId xmlns:a16="http://schemas.microsoft.com/office/drawing/2014/main" id="{EC643B2E-A60A-28C5-F336-1096D23D4DC3}"/>
+              </a:ext>
+            </a:extLst>
+          </p:cNvPr>
+          <p:cNvSpPr>
+            <a:spLocks noGrp="1"/>
+          </p:cNvSpPr>
+          <p:nvPr>
+            <p:ph idx="1"/>
           </p:nvPr>
         </p:nvSpPr>
         <p:spPr/>
@@ -12230,14 +12310,37 @@
           <a:bodyPr/>
           <a:lstStyle/>
           <a:p>
-            <a:endParaRPr lang="de-DE"/>
+            <a:r>
+              <a:rPr lang="de-DE" dirty="0"/>
+              <a:t>Programmier-Erfahrungen:</a:t>
+            </a:r>
+          </a:p>
+          <a:p>
+            <a:pPr lvl="1"/>
+            <a:r>
+              <a:rPr lang="de-DE" dirty="0"/>
+              <a:t>Scratch, Blocksprachen, etc.</a:t>
+            </a:r>
+          </a:p>
+          <a:p>
+            <a:r>
+              <a:rPr lang="de-DE" dirty="0"/>
+              <a:t>Englisch-Kenntnisse</a:t>
+            </a:r>
+          </a:p>
+          <a:p>
+            <a:r>
+              <a:rPr lang="de-DE" dirty="0"/>
+              <a:t>Equipment:</a:t>
+            </a:r>
+            <a:endParaRPr lang="de-DE" sz="1800" dirty="0"/>
           </a:p>
         </p:txBody>
       </p:sp>
     </p:spTree>
     <p:extLst>
       <p:ext uri="{BB962C8B-B14F-4D97-AF65-F5344CB8AC3E}">
-        <p14:creationId xmlns:p14="http://schemas.microsoft.com/office/powerpoint/2010/main" val="3787179269"/>
+        <p14:creationId xmlns:p14="http://schemas.microsoft.com/office/powerpoint/2010/main" val="3686910298"/>
       </p:ext>
     </p:extLst>
   </p:cSld>
@@ -12269,7 +12372,7 @@
           <p:cNvPr id="2" name="Titel 1">
             <a:extLst>
               <a:ext uri="{FF2B5EF4-FFF2-40B4-BE49-F238E27FC236}">
-                <a16:creationId xmlns:a16="http://schemas.microsoft.com/office/drawing/2014/main" id="{F25F7313-ACED-5D11-931F-CFF944AC2B1C}"/>
+                <a16:creationId xmlns:a16="http://schemas.microsoft.com/office/drawing/2014/main" id="{8587CF54-F873-D9C1-5C26-89E82642E3B0}"/>
               </a:ext>
             </a:extLst>
           </p:cNvPr>
@@ -12287,7 +12390,7 @@
           <a:p>
             <a:r>
               <a:rPr lang="de-DE" dirty="0"/>
-              <a:t>Voraussetzungen</a:t>
+              <a:t>Benötigtes Equipment</a:t>
             </a:r>
           </a:p>
         </p:txBody>
@@ -12297,7 +12400,7 @@
           <p:cNvPr id="3" name="Inhaltsplatzhalter 2">
             <a:extLst>
               <a:ext uri="{FF2B5EF4-FFF2-40B4-BE49-F238E27FC236}">
-                <a16:creationId xmlns:a16="http://schemas.microsoft.com/office/drawing/2014/main" id="{EC643B2E-A60A-28C5-F336-1096D23D4DC3}"/>
+                <a16:creationId xmlns:a16="http://schemas.microsoft.com/office/drawing/2014/main" id="{1FB18A23-1DDD-4C50-C112-B796BEA2E40A}"/>
               </a:ext>
             </a:extLst>
           </p:cNvPr>
@@ -12315,35 +12418,51 @@
           <a:p>
             <a:r>
               <a:rPr lang="de-DE" dirty="0"/>
-              <a:t>Programmier-Erfahrungen:</a:t>
+              <a:t>Spike Prime Set</a:t>
+            </a:r>
+          </a:p>
+          <a:p>
+            <a:r>
+              <a:rPr lang="de-DE" dirty="0"/>
+              <a:t>Computer mit </a:t>
             </a:r>
           </a:p>
           <a:p>
             <a:pPr lvl="1"/>
             <a:r>
               <a:rPr lang="de-DE" dirty="0"/>
-              <a:t>Scratch, Blocksprachen, etc.</a:t>
-            </a:r>
-          </a:p>
-          <a:p>
-            <a:r>
-              <a:rPr lang="de-DE" dirty="0"/>
-              <a:t>Englisch-Kenntnisse</a:t>
-            </a:r>
-          </a:p>
-          <a:p>
-            <a:r>
-              <a:rPr lang="de-DE" dirty="0"/>
-              <a:t>Equipment</a:t>
-            </a:r>
-            <a:endParaRPr lang="de-DE" sz="1800" dirty="0"/>
+              <a:t>Bluetooth</a:t>
+            </a:r>
+          </a:p>
+          <a:p>
+            <a:pPr lvl="1"/>
+            <a:r>
+              <a:rPr lang="de-DE" dirty="0"/>
+              <a:t>Chromium-Browser (Edge, Chrome, etc.)</a:t>
+            </a:r>
+          </a:p>
+          <a:p>
+            <a:pPr lvl="1"/>
+            <a:r>
+              <a:rPr lang="de-DE" dirty="0"/>
+              <a:t>Internetanbindung (nach Installation v. Pybricks IDE nicht mehr nötig)</a:t>
+            </a:r>
+          </a:p>
+          <a:p>
+            <a:r>
+              <a:rPr lang="de-DE" dirty="0"/>
+              <a:t>Micro-USB-Kabel</a:t>
+            </a:r>
+          </a:p>
+          <a:p>
+            <a:endParaRPr lang="de-DE" dirty="0"/>
           </a:p>
         </p:txBody>
       </p:sp>
     </p:spTree>
     <p:extLst>
       <p:ext uri="{BB962C8B-B14F-4D97-AF65-F5344CB8AC3E}">
-        <p14:creationId xmlns:p14="http://schemas.microsoft.com/office/powerpoint/2010/main" val="3686910298"/>
+        <p14:creationId xmlns:p14="http://schemas.microsoft.com/office/powerpoint/2010/main" val="2778060836"/>
       </p:ext>
     </p:extLst>
   </p:cSld>
@@ -12375,7 +12494,7 @@
           <p:cNvPr id="2" name="Titel 1">
             <a:extLst>
               <a:ext uri="{FF2B5EF4-FFF2-40B4-BE49-F238E27FC236}">
-                <a16:creationId xmlns:a16="http://schemas.microsoft.com/office/drawing/2014/main" id="{8587CF54-F873-D9C1-5C26-89E82642E3B0}"/>
+                <a16:creationId xmlns:a16="http://schemas.microsoft.com/office/drawing/2014/main" id="{703644C5-B071-2DC7-2023-748E636CFD4F}"/>
               </a:ext>
             </a:extLst>
           </p:cNvPr>
@@ -12391,81 +12510,46 @@
           <a:bodyPr/>
           <a:lstStyle/>
           <a:p>
-            <a:r>
-              <a:rPr lang="de-DE" dirty="0"/>
-              <a:t>Benötigtes Equipment</a:t>
-            </a:r>
-          </a:p>
-        </p:txBody>
-      </p:sp>
-      <p:sp>
-        <p:nvSpPr>
-          <p:cNvPr id="3" name="Inhaltsplatzhalter 2">
-            <a:extLst>
-              <a:ext uri="{FF2B5EF4-FFF2-40B4-BE49-F238E27FC236}">
-                <a16:creationId xmlns:a16="http://schemas.microsoft.com/office/drawing/2014/main" id="{1FB18A23-1DDD-4C50-C112-B796BEA2E40A}"/>
-              </a:ext>
-            </a:extLst>
-          </p:cNvPr>
-          <p:cNvSpPr>
-            <a:spLocks noGrp="1"/>
-          </p:cNvSpPr>
-          <p:nvPr>
-            <p:ph idx="1"/>
-          </p:nvPr>
-        </p:nvSpPr>
-        <p:spPr/>
-        <p:txBody>
-          <a:bodyPr/>
-          <a:lstStyle/>
-          <a:p>
-            <a:r>
-              <a:rPr lang="de-DE" dirty="0"/>
-              <a:t>Spike Prime Set</a:t>
-            </a:r>
-          </a:p>
-          <a:p>
-            <a:r>
-              <a:rPr lang="de-DE" dirty="0"/>
-              <a:t>Computer mit </a:t>
-            </a:r>
-          </a:p>
-          <a:p>
-            <a:pPr lvl="1"/>
-            <a:r>
-              <a:rPr lang="de-DE" dirty="0"/>
-              <a:t>Bluetooth</a:t>
-            </a:r>
-          </a:p>
-          <a:p>
-            <a:pPr lvl="1"/>
-            <a:r>
-              <a:rPr lang="de-DE" dirty="0"/>
-              <a:t>Chromium-Browser (Edge, Chrome, etc.)</a:t>
-            </a:r>
-          </a:p>
-          <a:p>
-            <a:pPr lvl="1"/>
-            <a:r>
-              <a:rPr lang="de-DE" dirty="0"/>
-              <a:t>Internetanbindung (nach Installation v. Pybricks IDE nicht mehr nötig)</a:t>
-            </a:r>
-          </a:p>
-          <a:p>
-            <a:r>
-              <a:rPr lang="de-DE" dirty="0"/>
-              <a:t>Micro-USB-Kabel</a:t>
-            </a:r>
-          </a:p>
-          <a:p>
-            <a:endParaRPr lang="de-DE" dirty="0"/>
-          </a:p>
-        </p:txBody>
-      </p:sp>
+            <a:pPr algn="ctr"/>
+            <a:r>
+              <a:rPr lang="de-DE" dirty="0"/>
+              <a:t>Programmiererfahrungen</a:t>
+            </a:r>
+          </a:p>
+        </p:txBody>
+      </p:sp>
+      <p:graphicFrame>
+        <p:nvGraphicFramePr>
+          <p:cNvPr id="9" name="Diagramm 8">
+            <a:extLst>
+              <a:ext uri="{FF2B5EF4-FFF2-40B4-BE49-F238E27FC236}">
+                <a16:creationId xmlns:a16="http://schemas.microsoft.com/office/drawing/2014/main" id="{9367F1DF-4A81-9511-8823-1E647F5C88C2}"/>
+              </a:ext>
+            </a:extLst>
+          </p:cNvPr>
+          <p:cNvGraphicFramePr/>
+          <p:nvPr>
+            <p:extLst>
+              <p:ext uri="{D42A27DB-BD31-4B8C-83A1-F6EECF244321}">
+                <p14:modId xmlns:p14="http://schemas.microsoft.com/office/powerpoint/2010/main" val="2970307674"/>
+              </p:ext>
+            </p:extLst>
+          </p:nvPr>
+        </p:nvGraphicFramePr>
+        <p:xfrm>
+          <a:off x="2032000" y="1690688"/>
+          <a:ext cx="8128000" cy="4910106"/>
+        </p:xfrm>
+        <a:graphic>
+          <a:graphicData uri="http://schemas.openxmlformats.org/drawingml/2006/diagram">
+            <dgm:relIds xmlns:dgm="http://schemas.openxmlformats.org/drawingml/2006/diagram" xmlns:r="http://schemas.openxmlformats.org/officeDocument/2006/relationships" r:dm="rId2" r:lo="rId3" r:qs="rId4" r:cs="rId5"/>
+          </a:graphicData>
+        </a:graphic>
+      </p:graphicFrame>
     </p:spTree>
     <p:extLst>
       <p:ext uri="{BB962C8B-B14F-4D97-AF65-F5344CB8AC3E}">
-        <p14:creationId xmlns:p14="http://schemas.microsoft.com/office/powerpoint/2010/main" val="2778060836"/>
+        <p14:creationId xmlns:p14="http://schemas.microsoft.com/office/powerpoint/2010/main" val="41752474"/>
       </p:ext>
     </p:extLst>
   </p:cSld>
@@ -12494,10 +12578,10 @@
       </p:grpSpPr>
       <p:sp>
         <p:nvSpPr>
-          <p:cNvPr id="2" name="Titel 1">
-            <a:extLst>
-              <a:ext uri="{FF2B5EF4-FFF2-40B4-BE49-F238E27FC236}">
-                <a16:creationId xmlns:a16="http://schemas.microsoft.com/office/drawing/2014/main" id="{703644C5-B071-2DC7-2023-748E636CFD4F}"/>
+          <p:cNvPr id="4" name="Titel 3">
+            <a:extLst>
+              <a:ext uri="{FF2B5EF4-FFF2-40B4-BE49-F238E27FC236}">
+                <a16:creationId xmlns:a16="http://schemas.microsoft.com/office/drawing/2014/main" id="{C6A31772-BF0E-FA32-BD92-E1FF5F5407F6}"/>
               </a:ext>
             </a:extLst>
           </p:cNvPr>
@@ -12513,46 +12597,165 @@
           <a:bodyPr/>
           <a:lstStyle/>
           <a:p>
-            <a:pPr algn="ctr"/>
-            <a:r>
-              <a:rPr lang="de-DE" dirty="0"/>
-              <a:t>Programmiererfahrungen</a:t>
-            </a:r>
-          </a:p>
-        </p:txBody>
-      </p:sp>
-      <p:graphicFrame>
-        <p:nvGraphicFramePr>
-          <p:cNvPr id="9" name="Diagramm 8">
-            <a:extLst>
-              <a:ext uri="{FF2B5EF4-FFF2-40B4-BE49-F238E27FC236}">
-                <a16:creationId xmlns:a16="http://schemas.microsoft.com/office/drawing/2014/main" id="{9367F1DF-4A81-9511-8823-1E647F5C88C2}"/>
-              </a:ext>
-            </a:extLst>
-          </p:cNvPr>
-          <p:cNvGraphicFramePr/>
-          <p:nvPr>
-            <p:extLst>
-              <p:ext uri="{D42A27DB-BD31-4B8C-83A1-F6EECF244321}">
-                <p14:modId xmlns:p14="http://schemas.microsoft.com/office/powerpoint/2010/main" val="2970307674"/>
-              </p:ext>
-            </p:extLst>
-          </p:nvPr>
-        </p:nvGraphicFramePr>
-        <p:xfrm>
-          <a:off x="2032000" y="1690688"/>
-          <a:ext cx="8128000" cy="4910106"/>
-        </p:xfrm>
-        <a:graphic>
-          <a:graphicData uri="http://schemas.openxmlformats.org/drawingml/2006/diagram">
-            <dgm:relIds xmlns:dgm="http://schemas.openxmlformats.org/drawingml/2006/diagram" xmlns:r="http://schemas.openxmlformats.org/officeDocument/2006/relationships" r:dm="rId2" r:lo="rId3" r:qs="rId4" r:cs="rId5"/>
-          </a:graphicData>
-        </a:graphic>
-      </p:graphicFrame>
+            <a:r>
+              <a:rPr lang="de-DE" dirty="0"/>
+              <a:t>Python &amp; </a:t>
+            </a:r>
+            <a:r>
+              <a:rPr lang="de-DE" dirty="0" err="1"/>
+              <a:t>PyBricks</a:t>
+            </a:r>
+            <a:endParaRPr lang="de-DE" dirty="0"/>
+          </a:p>
+        </p:txBody>
+      </p:sp>
+      <p:sp>
+        <p:nvSpPr>
+          <p:cNvPr id="5" name="Textplatzhalter 4">
+            <a:extLst>
+              <a:ext uri="{FF2B5EF4-FFF2-40B4-BE49-F238E27FC236}">
+                <a16:creationId xmlns:a16="http://schemas.microsoft.com/office/drawing/2014/main" id="{1C76AAF9-6147-FEA2-8522-8B48B9A39AF6}"/>
+              </a:ext>
+            </a:extLst>
+          </p:cNvPr>
+          <p:cNvSpPr>
+            <a:spLocks noGrp="1"/>
+          </p:cNvSpPr>
+          <p:nvPr>
+            <p:ph type="body" idx="1"/>
+          </p:nvPr>
+        </p:nvSpPr>
+        <p:spPr/>
+        <p:txBody>
+          <a:bodyPr/>
+          <a:lstStyle/>
+          <a:p>
+            <a:endParaRPr lang="de-DE" dirty="0"/>
+          </a:p>
+        </p:txBody>
+      </p:sp>
+      <p:pic>
+        <p:nvPicPr>
+          <p:cNvPr id="6" name="Grafik 5">
+            <a:extLst>
+              <a:ext uri="{FF2B5EF4-FFF2-40B4-BE49-F238E27FC236}">
+                <a16:creationId xmlns:a16="http://schemas.microsoft.com/office/drawing/2014/main" id="{4EA5347D-C2BE-80FF-2469-641894A9B101}"/>
+              </a:ext>
+            </a:extLst>
+          </p:cNvPr>
+          <p:cNvPicPr>
+            <a:picLocks noChangeAspect="1"/>
+          </p:cNvPicPr>
+          <p:nvPr/>
+        </p:nvPicPr>
+        <p:blipFill>
+          <a:blip r:embed="rId2">
+            <a:extLst>
+              <a:ext uri="{96DAC541-7B7A-43D3-8B79-37D633B846F1}">
+                <asvg:svgBlip xmlns:asvg="http://schemas.microsoft.com/office/drawing/2016/SVG/main" r:embed="rId3"/>
+              </a:ext>
+            </a:extLst>
+          </a:blip>
+          <a:stretch>
+            <a:fillRect/>
+          </a:stretch>
+        </p:blipFill>
+        <p:spPr>
+          <a:xfrm>
+            <a:off x="6174695" y="109595"/>
+            <a:ext cx="2757488" cy="3026511"/>
+          </a:xfrm>
+          <a:prstGeom prst="rect">
+            <a:avLst/>
+          </a:prstGeom>
+        </p:spPr>
+      </p:pic>
+      <p:pic>
+        <p:nvPicPr>
+          <p:cNvPr id="7" name="Grafik 6" descr="Ein Bild, das Grafiken, Logo, Electric Blue (Farbe), Schrift enthält.&#10;&#10;Automatisch generierte Beschreibung">
+            <a:extLst>
+              <a:ext uri="{FF2B5EF4-FFF2-40B4-BE49-F238E27FC236}">
+                <a16:creationId xmlns:a16="http://schemas.microsoft.com/office/drawing/2014/main" id="{B483452E-BC5E-D7B0-414E-94342EFCCB1E}"/>
+              </a:ext>
+            </a:extLst>
+          </p:cNvPr>
+          <p:cNvPicPr>
+            <a:picLocks noChangeAspect="1"/>
+          </p:cNvPicPr>
+          <p:nvPr/>
+        </p:nvPicPr>
+        <p:blipFill>
+          <a:blip r:embed="rId4">
+            <a:extLst>
+              <a:ext uri="{28A0092B-C50C-407E-A947-70E740481C1C}">
+                <a14:useLocalDpi xmlns:a14="http://schemas.microsoft.com/office/drawing/2010/main" val="0"/>
+              </a:ext>
+            </a:extLst>
+          </a:blip>
+          <a:stretch>
+            <a:fillRect/>
+          </a:stretch>
+        </p:blipFill>
+        <p:spPr>
+          <a:xfrm>
+            <a:off x="9220200" y="241299"/>
+            <a:ext cx="2714625" cy="2714625"/>
+          </a:xfrm>
+          <a:prstGeom prst="rect">
+            <a:avLst/>
+          </a:prstGeom>
+          <a:ln>
+            <a:solidFill>
+              <a:schemeClr val="tx1"/>
+            </a:solidFill>
+          </a:ln>
+        </p:spPr>
+      </p:pic>
+      <p:pic>
+        <p:nvPicPr>
+          <p:cNvPr id="8" name="Grafik 7" descr="Ein Bild, das Text, Schrift, Screenshot, Grafiken enthält.&#10;&#10;Automatisch generierte Beschreibung">
+            <a:extLst>
+              <a:ext uri="{FF2B5EF4-FFF2-40B4-BE49-F238E27FC236}">
+                <a16:creationId xmlns:a16="http://schemas.microsoft.com/office/drawing/2014/main" id="{C32F5122-77BA-08A6-E06E-BD56B22B6EF1}"/>
+              </a:ext>
+            </a:extLst>
+          </p:cNvPr>
+          <p:cNvPicPr>
+            <a:picLocks noChangeAspect="1"/>
+          </p:cNvPicPr>
+          <p:nvPr/>
+        </p:nvPicPr>
+        <p:blipFill>
+          <a:blip r:embed="rId5">
+            <a:extLst>
+              <a:ext uri="{28A0092B-C50C-407E-A947-70E740481C1C}">
+                <a14:useLocalDpi xmlns:a14="http://schemas.microsoft.com/office/drawing/2010/main" val="0"/>
+              </a:ext>
+            </a:extLst>
+          </a:blip>
+          <a:stretch>
+            <a:fillRect/>
+          </a:stretch>
+        </p:blipFill>
+        <p:spPr>
+          <a:xfrm>
+            <a:off x="8932183" y="3435996"/>
+            <a:ext cx="3002642" cy="3002642"/>
+          </a:xfrm>
+          <a:prstGeom prst="rect">
+            <a:avLst/>
+          </a:prstGeom>
+          <a:ln>
+            <a:solidFill>
+              <a:schemeClr val="tx1"/>
+            </a:solidFill>
+          </a:ln>
+        </p:spPr>
+      </p:pic>
     </p:spTree>
     <p:extLst>
       <p:ext uri="{BB962C8B-B14F-4D97-AF65-F5344CB8AC3E}">
-        <p14:creationId xmlns:p14="http://schemas.microsoft.com/office/powerpoint/2010/main" val="41752474"/>
+        <p14:creationId xmlns:p14="http://schemas.microsoft.com/office/powerpoint/2010/main" val="2902711541"/>
       </p:ext>
     </p:extLst>
   </p:cSld>

--- a/HoT-Meetup_2024_Pybricks.pptx
+++ b/HoT-Meetup_2024_Pybricks.pptx
@@ -5,7 +5,7 @@
     <p:sldMasterId id="2147483648" r:id="rId1"/>
   </p:sldMasterIdLst>
   <p:notesMasterIdLst>
-    <p:notesMasterId r:id="rId34"/>
+    <p:notesMasterId r:id="rId32"/>
   </p:notesMasterIdLst>
   <p:sldIdLst>
     <p:sldId id="256" r:id="rId2"/>
@@ -27,19 +27,17 @@
     <p:sldId id="276" r:id="rId18"/>
     <p:sldId id="275" r:id="rId19"/>
     <p:sldId id="269" r:id="rId20"/>
-    <p:sldId id="272" r:id="rId21"/>
-    <p:sldId id="274" r:id="rId22"/>
-    <p:sldId id="273" r:id="rId23"/>
-    <p:sldId id="282" r:id="rId24"/>
-    <p:sldId id="283" r:id="rId25"/>
-    <p:sldId id="285" r:id="rId26"/>
-    <p:sldId id="284" r:id="rId27"/>
-    <p:sldId id="291" r:id="rId28"/>
-    <p:sldId id="286" r:id="rId29"/>
-    <p:sldId id="287" r:id="rId30"/>
-    <p:sldId id="288" r:id="rId31"/>
-    <p:sldId id="289" r:id="rId32"/>
-    <p:sldId id="290" r:id="rId33"/>
+    <p:sldId id="282" r:id="rId21"/>
+    <p:sldId id="283" r:id="rId22"/>
+    <p:sldId id="285" r:id="rId23"/>
+    <p:sldId id="284" r:id="rId24"/>
+    <p:sldId id="291" r:id="rId25"/>
+    <p:sldId id="286" r:id="rId26"/>
+    <p:sldId id="287" r:id="rId27"/>
+    <p:sldId id="272" r:id="rId28"/>
+    <p:sldId id="288" r:id="rId29"/>
+    <p:sldId id="289" r:id="rId30"/>
+    <p:sldId id="290" r:id="rId31"/>
   </p:sldIdLst>
   <p:sldSz cx="12192000" cy="6858000"/>
   <p:notesSz cx="6858000" cy="9144000"/>
@@ -174,9 +172,6 @@
         <p14:section name="Live-Demo" id="{00D922A0-EABE-4397-9BA3-50B944CE5C80}">
           <p14:sldIdLst>
             <p14:sldId id="269"/>
-            <p14:sldId id="272"/>
-            <p14:sldId id="274"/>
-            <p14:sldId id="273"/>
           </p14:sldIdLst>
         </p14:section>
         <p14:section name="Git" id="{094718F1-F2F7-4602-9AB4-5E1F90AA6641}">
@@ -188,6 +183,15 @@
             <p14:sldId id="291"/>
             <p14:sldId id="286"/>
             <p14:sldId id="287"/>
+          </p14:sldIdLst>
+        </p14:section>
+        <p14:section name="Live-Demo" id="{F822BD45-6371-43A7-BA57-63A19ADDEF29}">
+          <p14:sldIdLst>
+            <p14:sldId id="272"/>
+          </p14:sldIdLst>
+        </p14:section>
+        <p14:section name="Abschluss" id="{7871D16C-3403-4AF0-95C2-919AA2893CEA}">
+          <p14:sldIdLst>
             <p14:sldId id="288"/>
             <p14:sldId id="289"/>
             <p14:sldId id="290"/>
@@ -3852,6 +3856,48 @@
           <a:bodyPr/>
           <a:lstStyle/>
           <a:p>
+            <a:pPr marL="971550" lvl="1" indent="-514350">
+              <a:buFont typeface="+mj-lt"/>
+              <a:buAutoNum type="arabicPeriod"/>
+            </a:pPr>
+            <a:r>
+              <a:rPr lang="de-DE" dirty="0"/>
+              <a:t>Beispiele: </a:t>
+            </a:r>
+          </a:p>
+          <a:p>
+            <a:pPr marL="1428750" lvl="2" indent="-514350">
+              <a:buFont typeface="+mj-lt"/>
+              <a:buAutoNum type="arabicPeriod"/>
+            </a:pPr>
+            <a:r>
+              <a:rPr lang="de-DE" dirty="0"/>
+              <a:t>Die Art und Weise, wie </a:t>
+            </a:r>
+            <a:r>
+              <a:rPr lang="de-DE" dirty="0" err="1"/>
+              <a:t>Git</a:t>
+            </a:r>
+            <a:r>
+              <a:rPr lang="de-DE" dirty="0"/>
+              <a:t> Informationen speichert</a:t>
+            </a:r>
+          </a:p>
+          <a:p>
+            <a:pPr marL="1428750" lvl="2" indent="-514350">
+              <a:buFont typeface="+mj-lt"/>
+              <a:buAutoNum type="arabicPeriod"/>
+            </a:pPr>
+            <a:r>
+              <a:rPr lang="de-DE" dirty="0" err="1"/>
+              <a:t>Micropython</a:t>
+            </a:r>
+            <a:r>
+              <a:rPr lang="de-DE" dirty="0"/>
+              <a:t> auf Compiler-Level</a:t>
+            </a:r>
+          </a:p>
+          <a:p>
             <a:endParaRPr lang="de-DE" dirty="0"/>
           </a:p>
         </p:txBody>
@@ -3938,7 +3984,7 @@
           <a:p>
             <a:r>
               <a:rPr lang="de-DE" dirty="0"/>
-              <a:t>Wurde explizit mit dem Ziel gegründet, um einfach Motorsteuerung zu ermöglichen, ohne jedes mal einen kompletten PID-Controller zu schreiben</a:t>
+              <a:t>Keine festen Datentypen: Fluch und Segen zugleich</a:t>
             </a:r>
           </a:p>
         </p:txBody>
@@ -3960,7 +4006,7 @@
           <a:p>
             <a:fld id="{EB463D94-89EE-49D5-B83C-D8AF2FE5D3B4}" type="slidenum">
               <a:rPr lang="de-DE" smtClean="0"/>
-              <a:t>14</a:t>
+              <a:t>10</a:t>
             </a:fld>
             <a:endParaRPr lang="de-DE"/>
           </a:p>
@@ -3969,7 +4015,7 @@
     </p:spTree>
     <p:extLst>
       <p:ext uri="{BB962C8B-B14F-4D97-AF65-F5344CB8AC3E}">
-        <p14:creationId xmlns:p14="http://schemas.microsoft.com/office/powerpoint/2010/main" val="3030708624"/>
+        <p14:creationId xmlns:p14="http://schemas.microsoft.com/office/powerpoint/2010/main" val="4014712063"/>
       </p:ext>
     </p:extLst>
   </p:cSld>
@@ -4025,19 +4071,8 @@
           <a:p>
             <a:r>
               <a:rPr lang="de-DE" dirty="0"/>
-              <a:t>Sobald man die </a:t>
-            </a:r>
-            <a:r>
-              <a:rPr lang="de-DE" dirty="0" err="1"/>
-              <a:t>Drivebase</a:t>
-            </a:r>
-            <a:r>
-              <a:rPr lang="de-DE" dirty="0"/>
-              <a:t> als Objekt initialisiert hat, kann man es jederzeit wieder aufrufen, um verschiedene Bewegungen aufzurufen.</a:t>
-            </a:r>
-          </a:p>
-          <a:p>
-            <a:endParaRPr lang="de-DE" dirty="0"/>
+              <a:t>Wurde explizit mit dem Ziel gegründet, um einfach Motorsteuerung zu ermöglichen, ohne jedes mal einen kompletten PID-Controller zu schreiben</a:t>
+            </a:r>
           </a:p>
         </p:txBody>
       </p:sp>
@@ -4058,7 +4093,7 @@
           <a:p>
             <a:fld id="{EB463D94-89EE-49D5-B83C-D8AF2FE5D3B4}" type="slidenum">
               <a:rPr lang="de-DE" smtClean="0"/>
-              <a:t>18</a:t>
+              <a:t>14</a:t>
             </a:fld>
             <a:endParaRPr lang="de-DE"/>
           </a:p>
@@ -4067,7 +4102,7 @@
     </p:spTree>
     <p:extLst>
       <p:ext uri="{BB962C8B-B14F-4D97-AF65-F5344CB8AC3E}">
-        <p14:creationId xmlns:p14="http://schemas.microsoft.com/office/powerpoint/2010/main" val="456690427"/>
+        <p14:creationId xmlns:p14="http://schemas.microsoft.com/office/powerpoint/2010/main" val="3030708624"/>
       </p:ext>
     </p:extLst>
   </p:cSld>
@@ -4123,8 +4158,19 @@
           <a:p>
             <a:r>
               <a:rPr lang="de-DE" dirty="0"/>
-              <a:t>Kennen wir es nicht alle?</a:t>
-            </a:r>
+              <a:t>Sobald man die </a:t>
+            </a:r>
+            <a:r>
+              <a:rPr lang="de-DE" dirty="0" err="1"/>
+              <a:t>Drivebase</a:t>
+            </a:r>
+            <a:r>
+              <a:rPr lang="de-DE" dirty="0"/>
+              <a:t> als Objekt initialisiert hat, kann man es jederzeit wieder aufrufen, um verschiedene Bewegungen aufzurufen.</a:t>
+            </a:r>
+          </a:p>
+          <a:p>
+            <a:endParaRPr lang="de-DE" dirty="0"/>
           </a:p>
         </p:txBody>
       </p:sp>
@@ -4145,7 +4191,7 @@
           <a:p>
             <a:fld id="{EB463D94-89EE-49D5-B83C-D8AF2FE5D3B4}" type="slidenum">
               <a:rPr lang="de-DE" smtClean="0"/>
-              <a:t>24</a:t>
+              <a:t>18</a:t>
             </a:fld>
             <a:endParaRPr lang="de-DE"/>
           </a:p>
@@ -4154,7 +4200,7 @@
     </p:spTree>
     <p:extLst>
       <p:ext uri="{BB962C8B-B14F-4D97-AF65-F5344CB8AC3E}">
-        <p14:creationId xmlns:p14="http://schemas.microsoft.com/office/powerpoint/2010/main" val="3808348575"/>
+        <p14:creationId xmlns:p14="http://schemas.microsoft.com/office/powerpoint/2010/main" val="456690427"/>
       </p:ext>
     </p:extLst>
   </p:cSld>
@@ -4208,30 +4254,10 @@
           <a:bodyPr/>
           <a:lstStyle/>
           <a:p>
-            <a:pPr marL="0" marR="0" lvl="0" indent="0" algn="l" defTabSz="914400" rtl="0" eaLnBrk="1" fontAlgn="auto" latinLnBrk="0" hangingPunct="1">
-              <a:lnSpc>
-                <a:spcPct val="100000"/>
-              </a:lnSpc>
-              <a:spcBef>
-                <a:spcPts val="0"/>
-              </a:spcBef>
-              <a:spcAft>
-                <a:spcPts val="0"/>
-              </a:spcAft>
-              <a:buClrTx/>
-              <a:buSzTx/>
-              <a:buFontTx/>
-              <a:buNone/>
-              <a:tabLst/>
-              <a:defRPr/>
-            </a:pPr>
-            <a:r>
-              <a:rPr lang="de-DE" dirty="0"/>
-              <a:t>Commit = Projektversion</a:t>
-            </a:r>
-          </a:p>
-          <a:p>
-            <a:endParaRPr lang="de-DE" dirty="0"/>
+            <a:r>
+              <a:rPr lang="de-DE" dirty="0"/>
+              <a:t>Kennen wir es nicht alle?</a:t>
+            </a:r>
           </a:p>
         </p:txBody>
       </p:sp>
@@ -4252,7 +4278,7 @@
           <a:p>
             <a:fld id="{EB463D94-89EE-49D5-B83C-D8AF2FE5D3B4}" type="slidenum">
               <a:rPr lang="de-DE" smtClean="0"/>
-              <a:t>26</a:t>
+              <a:t>21</a:t>
             </a:fld>
             <a:endParaRPr lang="de-DE"/>
           </a:p>
@@ -4261,7 +4287,7 @@
     </p:spTree>
     <p:extLst>
       <p:ext uri="{BB962C8B-B14F-4D97-AF65-F5344CB8AC3E}">
-        <p14:creationId xmlns:p14="http://schemas.microsoft.com/office/powerpoint/2010/main" val="665084190"/>
+        <p14:creationId xmlns:p14="http://schemas.microsoft.com/office/powerpoint/2010/main" val="3808348575"/>
       </p:ext>
     </p:extLst>
   </p:cSld>
@@ -4315,10 +4341,7 @@
           <a:bodyPr/>
           <a:lstStyle/>
           <a:p>
-            <a:r>
-              <a:rPr lang="de-DE" dirty="0"/>
-              <a:t>Commit = Projektversion</a:t>
-            </a:r>
+            <a:endParaRPr lang="de-DE" dirty="0"/>
           </a:p>
         </p:txBody>
       </p:sp>
@@ -4339,7 +4362,201 @@
           <a:p>
             <a:fld id="{EB463D94-89EE-49D5-B83C-D8AF2FE5D3B4}" type="slidenum">
               <a:rPr lang="de-DE" smtClean="0"/>
-              <a:t>28</a:t>
+              <a:t>22</a:t>
+            </a:fld>
+            <a:endParaRPr lang="de-DE"/>
+          </a:p>
+        </p:txBody>
+      </p:sp>
+    </p:spTree>
+    <p:extLst>
+      <p:ext uri="{BB962C8B-B14F-4D97-AF65-F5344CB8AC3E}">
+        <p14:creationId xmlns:p14="http://schemas.microsoft.com/office/powerpoint/2010/main" val="555663312"/>
+      </p:ext>
+    </p:extLst>
+  </p:cSld>
+  <p:clrMapOvr>
+    <a:masterClrMapping/>
+  </p:clrMapOvr>
+</p:notes>
+</file>
+
+<file path=ppt/notesSlides/notesSlide8.xml><?xml version="1.0" encoding="utf-8"?>
+<p:notes xmlns:a="http://schemas.openxmlformats.org/drawingml/2006/main" xmlns:r="http://schemas.openxmlformats.org/officeDocument/2006/relationships" xmlns:p="http://schemas.openxmlformats.org/presentationml/2006/main">
+  <p:cSld>
+    <p:spTree>
+      <p:nvGrpSpPr>
+        <p:cNvPr id="1" name=""/>
+        <p:cNvGrpSpPr/>
+        <p:nvPr/>
+      </p:nvGrpSpPr>
+      <p:grpSpPr>
+        <a:xfrm>
+          <a:off x="0" y="0"/>
+          <a:ext cx="0" cy="0"/>
+          <a:chOff x="0" y="0"/>
+          <a:chExt cx="0" cy="0"/>
+        </a:xfrm>
+      </p:grpSpPr>
+      <p:sp>
+        <p:nvSpPr>
+          <p:cNvPr id="2" name="Folienbildplatzhalter 1"/>
+          <p:cNvSpPr>
+            <a:spLocks noGrp="1" noRot="1" noChangeAspect="1"/>
+          </p:cNvSpPr>
+          <p:nvPr>
+            <p:ph type="sldImg"/>
+          </p:nvPr>
+        </p:nvSpPr>
+        <p:spPr/>
+      </p:sp>
+      <p:sp>
+        <p:nvSpPr>
+          <p:cNvPr id="3" name="Notizenplatzhalter 2"/>
+          <p:cNvSpPr>
+            <a:spLocks noGrp="1"/>
+          </p:cNvSpPr>
+          <p:nvPr>
+            <p:ph type="body" idx="1"/>
+          </p:nvPr>
+        </p:nvSpPr>
+        <p:spPr/>
+        <p:txBody>
+          <a:bodyPr/>
+          <a:lstStyle/>
+          <a:p>
+            <a:pPr marL="0" marR="0" lvl="0" indent="0" algn="l" defTabSz="914400" rtl="0" eaLnBrk="1" fontAlgn="auto" latinLnBrk="0" hangingPunct="1">
+              <a:lnSpc>
+                <a:spcPct val="100000"/>
+              </a:lnSpc>
+              <a:spcBef>
+                <a:spcPts val="0"/>
+              </a:spcBef>
+              <a:spcAft>
+                <a:spcPts val="0"/>
+              </a:spcAft>
+              <a:buClrTx/>
+              <a:buSzTx/>
+              <a:buFontTx/>
+              <a:buNone/>
+              <a:tabLst/>
+              <a:defRPr/>
+            </a:pPr>
+            <a:r>
+              <a:rPr lang="de-DE" dirty="0"/>
+              <a:t>Commit = Projektversion</a:t>
+            </a:r>
+          </a:p>
+          <a:p>
+            <a:endParaRPr lang="de-DE" dirty="0"/>
+          </a:p>
+        </p:txBody>
+      </p:sp>
+      <p:sp>
+        <p:nvSpPr>
+          <p:cNvPr id="4" name="Foliennummernplatzhalter 3"/>
+          <p:cNvSpPr>
+            <a:spLocks noGrp="1"/>
+          </p:cNvSpPr>
+          <p:nvPr>
+            <p:ph type="sldNum" sz="quarter" idx="5"/>
+          </p:nvPr>
+        </p:nvSpPr>
+        <p:spPr/>
+        <p:txBody>
+          <a:bodyPr/>
+          <a:lstStyle/>
+          <a:p>
+            <a:fld id="{EB463D94-89EE-49D5-B83C-D8AF2FE5D3B4}" type="slidenum">
+              <a:rPr lang="de-DE" smtClean="0"/>
+              <a:t>23</a:t>
+            </a:fld>
+            <a:endParaRPr lang="de-DE"/>
+          </a:p>
+        </p:txBody>
+      </p:sp>
+    </p:spTree>
+    <p:extLst>
+      <p:ext uri="{BB962C8B-B14F-4D97-AF65-F5344CB8AC3E}">
+        <p14:creationId xmlns:p14="http://schemas.microsoft.com/office/powerpoint/2010/main" val="665084190"/>
+      </p:ext>
+    </p:extLst>
+  </p:cSld>
+  <p:clrMapOvr>
+    <a:masterClrMapping/>
+  </p:clrMapOvr>
+</p:notes>
+</file>
+
+<file path=ppt/notesSlides/notesSlide9.xml><?xml version="1.0" encoding="utf-8"?>
+<p:notes xmlns:a="http://schemas.openxmlformats.org/drawingml/2006/main" xmlns:r="http://schemas.openxmlformats.org/officeDocument/2006/relationships" xmlns:p="http://schemas.openxmlformats.org/presentationml/2006/main">
+  <p:cSld>
+    <p:spTree>
+      <p:nvGrpSpPr>
+        <p:cNvPr id="1" name=""/>
+        <p:cNvGrpSpPr/>
+        <p:nvPr/>
+      </p:nvGrpSpPr>
+      <p:grpSpPr>
+        <a:xfrm>
+          <a:off x="0" y="0"/>
+          <a:ext cx="0" cy="0"/>
+          <a:chOff x="0" y="0"/>
+          <a:chExt cx="0" cy="0"/>
+        </a:xfrm>
+      </p:grpSpPr>
+      <p:sp>
+        <p:nvSpPr>
+          <p:cNvPr id="2" name="Folienbildplatzhalter 1"/>
+          <p:cNvSpPr>
+            <a:spLocks noGrp="1" noRot="1" noChangeAspect="1"/>
+          </p:cNvSpPr>
+          <p:nvPr>
+            <p:ph type="sldImg"/>
+          </p:nvPr>
+        </p:nvSpPr>
+        <p:spPr/>
+      </p:sp>
+      <p:sp>
+        <p:nvSpPr>
+          <p:cNvPr id="3" name="Notizenplatzhalter 2"/>
+          <p:cNvSpPr>
+            <a:spLocks noGrp="1"/>
+          </p:cNvSpPr>
+          <p:nvPr>
+            <p:ph type="body" idx="1"/>
+          </p:nvPr>
+        </p:nvSpPr>
+        <p:spPr/>
+        <p:txBody>
+          <a:bodyPr/>
+          <a:lstStyle/>
+          <a:p>
+            <a:r>
+              <a:rPr lang="de-DE" dirty="0"/>
+              <a:t>Commit = Projektversion</a:t>
+            </a:r>
+          </a:p>
+        </p:txBody>
+      </p:sp>
+      <p:sp>
+        <p:nvSpPr>
+          <p:cNvPr id="4" name="Foliennummernplatzhalter 3"/>
+          <p:cNvSpPr>
+            <a:spLocks noGrp="1"/>
+          </p:cNvSpPr>
+          <p:nvPr>
+            <p:ph type="sldNum" sz="quarter" idx="5"/>
+          </p:nvPr>
+        </p:nvSpPr>
+        <p:spPr/>
+        <p:txBody>
+          <a:bodyPr/>
+          <a:lstStyle/>
+          <a:p>
+            <a:fld id="{EB463D94-89EE-49D5-B83C-D8AF2FE5D3B4}" type="slidenum">
+              <a:rPr lang="de-DE" smtClean="0"/>
+              <a:t>25</a:t>
             </a:fld>
             <a:endParaRPr lang="de-DE"/>
           </a:p>
@@ -7789,10 +8006,10 @@
           <p:nvPr/>
         </p:nvPicPr>
         <p:blipFill>
-          <a:blip r:embed="rId2">
+          <a:blip r:embed="rId3">
             <a:extLst>
               <a:ext uri="{96DAC541-7B7A-43D3-8B79-37D633B846F1}">
-                <asvg:svgBlip xmlns:asvg="http://schemas.microsoft.com/office/drawing/2016/SVG/main" r:embed="rId3"/>
+                <asvg:svgBlip xmlns:asvg="http://schemas.microsoft.com/office/drawing/2016/SVG/main" r:embed="rId4"/>
               </a:ext>
             </a:extLst>
           </a:blip>
@@ -9894,8 +10111,8 @@
         </p:nvSpPr>
         <p:spPr>
           <a:xfrm>
-            <a:off x="3084022" y="365125"/>
-            <a:ext cx="8269778" cy="6492875"/>
+            <a:off x="4124528" y="817123"/>
+            <a:ext cx="7229272" cy="6040877"/>
           </a:xfrm>
         </p:spPr>
         <p:txBody>
@@ -10035,262 +10252,6 @@
 </file>
 
 <file path=ppt/slides/slide20.xml><?xml version="1.0" encoding="utf-8"?>
-<p:sld xmlns:a="http://schemas.openxmlformats.org/drawingml/2006/main" xmlns:r="http://schemas.openxmlformats.org/officeDocument/2006/relationships" xmlns:p="http://schemas.openxmlformats.org/presentationml/2006/main">
-  <p:cSld>
-    <p:spTree>
-      <p:nvGrpSpPr>
-        <p:cNvPr id="1" name=""/>
-        <p:cNvGrpSpPr/>
-        <p:nvPr/>
-      </p:nvGrpSpPr>
-      <p:grpSpPr>
-        <a:xfrm>
-          <a:off x="0" y="0"/>
-          <a:ext cx="0" cy="0"/>
-          <a:chOff x="0" y="0"/>
-          <a:chExt cx="0" cy="0"/>
-        </a:xfrm>
-      </p:grpSpPr>
-      <p:sp>
-        <p:nvSpPr>
-          <p:cNvPr id="2" name="Titel 1">
-            <a:extLst>
-              <a:ext uri="{FF2B5EF4-FFF2-40B4-BE49-F238E27FC236}">
-                <a16:creationId xmlns:a16="http://schemas.microsoft.com/office/drawing/2014/main" id="{44DA5557-9C1F-5705-046D-E426D8F2C669}"/>
-              </a:ext>
-            </a:extLst>
-          </p:cNvPr>
-          <p:cNvSpPr>
-            <a:spLocks noGrp="1"/>
-          </p:cNvSpPr>
-          <p:nvPr>
-            <p:ph type="title"/>
-          </p:nvPr>
-        </p:nvSpPr>
-        <p:spPr/>
-        <p:txBody>
-          <a:bodyPr/>
-          <a:lstStyle/>
-          <a:p>
-            <a:r>
-              <a:rPr lang="de-DE" dirty="0"/>
-              <a:t>Live-Demo:</a:t>
-            </a:r>
-            <a:br>
-              <a:rPr lang="de-DE" dirty="0"/>
-            </a:br>
-            <a:r>
-              <a:rPr lang="de-DE" dirty="0"/>
-              <a:t>Beispiel-Aufgabe</a:t>
-            </a:r>
-          </a:p>
-        </p:txBody>
-      </p:sp>
-      <p:sp>
-        <p:nvSpPr>
-          <p:cNvPr id="3" name="Textplatzhalter 2">
-            <a:extLst>
-              <a:ext uri="{FF2B5EF4-FFF2-40B4-BE49-F238E27FC236}">
-                <a16:creationId xmlns:a16="http://schemas.microsoft.com/office/drawing/2014/main" id="{8CAC3B4A-BCD1-4F35-5C90-D81F02154C0D}"/>
-              </a:ext>
-            </a:extLst>
-          </p:cNvPr>
-          <p:cNvSpPr>
-            <a:spLocks noGrp="1"/>
-          </p:cNvSpPr>
-          <p:nvPr>
-            <p:ph type="body" idx="1"/>
-          </p:nvPr>
-        </p:nvSpPr>
-        <p:spPr/>
-        <p:txBody>
-          <a:bodyPr/>
-          <a:lstStyle/>
-          <a:p>
-            <a:endParaRPr lang="de-DE" dirty="0"/>
-          </a:p>
-        </p:txBody>
-      </p:sp>
-    </p:spTree>
-    <p:extLst>
-      <p:ext uri="{BB962C8B-B14F-4D97-AF65-F5344CB8AC3E}">
-        <p14:creationId xmlns:p14="http://schemas.microsoft.com/office/powerpoint/2010/main" val="2145304375"/>
-      </p:ext>
-    </p:extLst>
-  </p:cSld>
-  <p:clrMapOvr>
-    <a:masterClrMapping/>
-  </p:clrMapOvr>
-</p:sld>
-</file>
-
-<file path=ppt/slides/slide21.xml><?xml version="1.0" encoding="utf-8"?>
-<p:sld xmlns:a="http://schemas.openxmlformats.org/drawingml/2006/main" xmlns:r="http://schemas.openxmlformats.org/officeDocument/2006/relationships" xmlns:p="http://schemas.openxmlformats.org/presentationml/2006/main">
-  <p:cSld>
-    <p:spTree>
-      <p:nvGrpSpPr>
-        <p:cNvPr id="1" name=""/>
-        <p:cNvGrpSpPr/>
-        <p:nvPr/>
-      </p:nvGrpSpPr>
-      <p:grpSpPr>
-        <a:xfrm>
-          <a:off x="0" y="0"/>
-          <a:ext cx="0" cy="0"/>
-          <a:chOff x="0" y="0"/>
-          <a:chExt cx="0" cy="0"/>
-        </a:xfrm>
-      </p:grpSpPr>
-      <p:sp>
-        <p:nvSpPr>
-          <p:cNvPr id="4" name="Titel 3">
-            <a:extLst>
-              <a:ext uri="{FF2B5EF4-FFF2-40B4-BE49-F238E27FC236}">
-                <a16:creationId xmlns:a16="http://schemas.microsoft.com/office/drawing/2014/main" id="{3369538A-5422-7035-8D0C-E53CDC0319EA}"/>
-              </a:ext>
-            </a:extLst>
-          </p:cNvPr>
-          <p:cNvSpPr>
-            <a:spLocks noGrp="1"/>
-          </p:cNvSpPr>
-          <p:nvPr>
-            <p:ph type="title"/>
-          </p:nvPr>
-        </p:nvSpPr>
-        <p:spPr/>
-        <p:txBody>
-          <a:bodyPr/>
-          <a:lstStyle/>
-          <a:p>
-            <a:r>
-              <a:rPr lang="de-DE" dirty="0"/>
-              <a:t>Aufgabenumfang</a:t>
-            </a:r>
-          </a:p>
-        </p:txBody>
-      </p:sp>
-      <p:sp>
-        <p:nvSpPr>
-          <p:cNvPr id="5" name="Inhaltsplatzhalter 4">
-            <a:extLst>
-              <a:ext uri="{FF2B5EF4-FFF2-40B4-BE49-F238E27FC236}">
-                <a16:creationId xmlns:a16="http://schemas.microsoft.com/office/drawing/2014/main" id="{75AD413C-A744-42D7-C1EC-FA56FA1959BE}"/>
-              </a:ext>
-            </a:extLst>
-          </p:cNvPr>
-          <p:cNvSpPr>
-            <a:spLocks noGrp="1"/>
-          </p:cNvSpPr>
-          <p:nvPr>
-            <p:ph idx="1"/>
-          </p:nvPr>
-        </p:nvSpPr>
-        <p:spPr/>
-        <p:txBody>
-          <a:bodyPr/>
-          <a:lstStyle/>
-          <a:p>
-            <a:endParaRPr lang="de-DE"/>
-          </a:p>
-        </p:txBody>
-      </p:sp>
-    </p:spTree>
-    <p:extLst>
-      <p:ext uri="{BB962C8B-B14F-4D97-AF65-F5344CB8AC3E}">
-        <p14:creationId xmlns:p14="http://schemas.microsoft.com/office/powerpoint/2010/main" val="2147833742"/>
-      </p:ext>
-    </p:extLst>
-  </p:cSld>
-  <p:clrMapOvr>
-    <a:masterClrMapping/>
-  </p:clrMapOvr>
-</p:sld>
-</file>
-
-<file path=ppt/slides/slide22.xml><?xml version="1.0" encoding="utf-8"?>
-<p:sld xmlns:a="http://schemas.openxmlformats.org/drawingml/2006/main" xmlns:r="http://schemas.openxmlformats.org/officeDocument/2006/relationships" xmlns:p="http://schemas.openxmlformats.org/presentationml/2006/main">
-  <p:cSld>
-    <p:spTree>
-      <p:nvGrpSpPr>
-        <p:cNvPr id="1" name=""/>
-        <p:cNvGrpSpPr/>
-        <p:nvPr/>
-      </p:nvGrpSpPr>
-      <p:grpSpPr>
-        <a:xfrm>
-          <a:off x="0" y="0"/>
-          <a:ext cx="0" cy="0"/>
-          <a:chOff x="0" y="0"/>
-          <a:chExt cx="0" cy="0"/>
-        </a:xfrm>
-      </p:grpSpPr>
-      <p:sp>
-        <p:nvSpPr>
-          <p:cNvPr id="4" name="Titel 3">
-            <a:extLst>
-              <a:ext uri="{FF2B5EF4-FFF2-40B4-BE49-F238E27FC236}">
-                <a16:creationId xmlns:a16="http://schemas.microsoft.com/office/drawing/2014/main" id="{6FCAC3D1-B3E9-3A41-E00F-B268B215538E}"/>
-              </a:ext>
-            </a:extLst>
-          </p:cNvPr>
-          <p:cNvSpPr>
-            <a:spLocks noGrp="1"/>
-          </p:cNvSpPr>
-          <p:nvPr>
-            <p:ph type="title"/>
-          </p:nvPr>
-        </p:nvSpPr>
-        <p:spPr/>
-        <p:txBody>
-          <a:bodyPr/>
-          <a:lstStyle/>
-          <a:p>
-            <a:r>
-              <a:rPr lang="de-DE" dirty="0"/>
-              <a:t>Aufbau</a:t>
-            </a:r>
-          </a:p>
-        </p:txBody>
-      </p:sp>
-      <p:sp>
-        <p:nvSpPr>
-          <p:cNvPr id="5" name="Inhaltsplatzhalter 4">
-            <a:extLst>
-              <a:ext uri="{FF2B5EF4-FFF2-40B4-BE49-F238E27FC236}">
-                <a16:creationId xmlns:a16="http://schemas.microsoft.com/office/drawing/2014/main" id="{5118891A-B2A9-E95F-C353-2633172A0ED6}"/>
-              </a:ext>
-            </a:extLst>
-          </p:cNvPr>
-          <p:cNvSpPr>
-            <a:spLocks noGrp="1"/>
-          </p:cNvSpPr>
-          <p:nvPr>
-            <p:ph idx="1"/>
-          </p:nvPr>
-        </p:nvSpPr>
-        <p:spPr/>
-        <p:txBody>
-          <a:bodyPr/>
-          <a:lstStyle/>
-          <a:p>
-            <a:endParaRPr lang="de-DE"/>
-          </a:p>
-        </p:txBody>
-      </p:sp>
-    </p:spTree>
-    <p:extLst>
-      <p:ext uri="{BB962C8B-B14F-4D97-AF65-F5344CB8AC3E}">
-        <p14:creationId xmlns:p14="http://schemas.microsoft.com/office/powerpoint/2010/main" val="2159942892"/>
-      </p:ext>
-    </p:extLst>
-  </p:cSld>
-  <p:clrMapOvr>
-    <a:masterClrMapping/>
-  </p:clrMapOvr>
-</p:sld>
-</file>
-
-<file path=ppt/slides/slide23.xml><?xml version="1.0" encoding="utf-8"?>
 <p:sld xmlns:a="http://schemas.openxmlformats.org/drawingml/2006/main" xmlns:r="http://schemas.openxmlformats.org/officeDocument/2006/relationships" xmlns:p="http://schemas.openxmlformats.org/presentationml/2006/main">
   <p:cSld>
     <p:bg>
@@ -10610,6 +10571,368 @@
   <p:clrMapOvr>
     <a:masterClrMapping/>
   </p:clrMapOvr>
+</p:sld>
+</file>
+
+<file path=ppt/slides/slide21.xml><?xml version="1.0" encoding="utf-8"?>
+<p:sld xmlns:a="http://schemas.openxmlformats.org/drawingml/2006/main" xmlns:r="http://schemas.openxmlformats.org/officeDocument/2006/relationships" xmlns:p="http://schemas.openxmlformats.org/presentationml/2006/main">
+  <p:cSld>
+    <p:spTree>
+      <p:nvGrpSpPr>
+        <p:cNvPr id="1" name=""/>
+        <p:cNvGrpSpPr/>
+        <p:nvPr/>
+      </p:nvGrpSpPr>
+      <p:grpSpPr>
+        <a:xfrm>
+          <a:off x="0" y="0"/>
+          <a:ext cx="0" cy="0"/>
+          <a:chOff x="0" y="0"/>
+          <a:chExt cx="0" cy="0"/>
+        </a:xfrm>
+      </p:grpSpPr>
+      <p:sp>
+        <p:nvSpPr>
+          <p:cNvPr id="4" name="Titel 3">
+            <a:extLst>
+              <a:ext uri="{FF2B5EF4-FFF2-40B4-BE49-F238E27FC236}">
+                <a16:creationId xmlns:a16="http://schemas.microsoft.com/office/drawing/2014/main" id="{99DB71E1-9647-1525-C28C-47BA19D61339}"/>
+              </a:ext>
+            </a:extLst>
+          </p:cNvPr>
+          <p:cNvSpPr>
+            <a:spLocks noGrp="1"/>
+          </p:cNvSpPr>
+          <p:nvPr>
+            <p:ph type="title"/>
+          </p:nvPr>
+        </p:nvSpPr>
+        <p:spPr/>
+        <p:txBody>
+          <a:bodyPr/>
+          <a:lstStyle/>
+          <a:p>
+            <a:r>
+              <a:rPr lang="de-DE" dirty="0"/>
+              <a:t>Warum Versionskontrolle?</a:t>
+            </a:r>
+          </a:p>
+        </p:txBody>
+      </p:sp>
+      <p:sp>
+        <p:nvSpPr>
+          <p:cNvPr id="5" name="Inhaltsplatzhalter 4">
+            <a:extLst>
+              <a:ext uri="{FF2B5EF4-FFF2-40B4-BE49-F238E27FC236}">
+                <a16:creationId xmlns:a16="http://schemas.microsoft.com/office/drawing/2014/main" id="{50A41A64-3A62-F722-DF2C-3482CA31147B}"/>
+              </a:ext>
+            </a:extLst>
+          </p:cNvPr>
+          <p:cNvSpPr>
+            <a:spLocks noGrp="1"/>
+          </p:cNvSpPr>
+          <p:nvPr>
+            <p:ph idx="1"/>
+          </p:nvPr>
+        </p:nvSpPr>
+        <p:spPr/>
+        <p:txBody>
+          <a:bodyPr/>
+          <a:lstStyle/>
+          <a:p>
+            <a:r>
+              <a:rPr lang="de-DE" dirty="0"/>
+              <a:t>„Was habe ich nochmal an meinem Code geändert??“</a:t>
+            </a:r>
+          </a:p>
+          <a:p>
+            <a:r>
+              <a:rPr lang="de-DE" dirty="0"/>
+              <a:t>„Wer hat diesen Code das letzte Mal angefasst?? </a:t>
+            </a:r>
+            <a:br>
+              <a:rPr lang="de-DE" dirty="0"/>
+            </a:br>
+            <a:r>
+              <a:rPr lang="de-DE" dirty="0"/>
+              <a:t>  Er funktioniert nicht mehr!“</a:t>
+            </a:r>
+          </a:p>
+          <a:p>
+            <a:r>
+              <a:rPr lang="de-DE" dirty="0"/>
+              <a:t>„Wer hat die neuste Version des Codes?“</a:t>
+            </a:r>
+          </a:p>
+          <a:p>
+            <a:r>
+              <a:rPr lang="de-DE" dirty="0"/>
+              <a:t>„Wenn ich doch nur die Zeit zurückdrehen könnte!“</a:t>
+            </a:r>
+          </a:p>
+          <a:p>
+            <a:r>
+              <a:rPr lang="de-DE" dirty="0"/>
+              <a:t>„Also letzten Donnerstag hat das noch funktioniert!“</a:t>
+            </a:r>
+          </a:p>
+          <a:p>
+            <a:pPr marL="0" indent="0">
+              <a:buNone/>
+            </a:pPr>
+            <a:endParaRPr lang="de-DE" dirty="0"/>
+          </a:p>
+        </p:txBody>
+      </p:sp>
+    </p:spTree>
+    <p:extLst>
+      <p:ext uri="{BB962C8B-B14F-4D97-AF65-F5344CB8AC3E}">
+        <p14:creationId xmlns:p14="http://schemas.microsoft.com/office/powerpoint/2010/main" val="3812971024"/>
+      </p:ext>
+    </p:extLst>
+  </p:cSld>
+  <p:clrMapOvr>
+    <a:masterClrMapping/>
+  </p:clrMapOvr>
+</p:sld>
+</file>
+
+<file path=ppt/slides/slide22.xml><?xml version="1.0" encoding="utf-8"?>
+<p:sld xmlns:a="http://schemas.openxmlformats.org/drawingml/2006/main" xmlns:r="http://schemas.openxmlformats.org/officeDocument/2006/relationships" xmlns:p="http://schemas.openxmlformats.org/presentationml/2006/main">
+  <p:cSld>
+    <p:spTree>
+      <p:nvGrpSpPr>
+        <p:cNvPr id="1" name=""/>
+        <p:cNvGrpSpPr/>
+        <p:nvPr/>
+      </p:nvGrpSpPr>
+      <p:grpSpPr>
+        <a:xfrm>
+          <a:off x="0" y="0"/>
+          <a:ext cx="0" cy="0"/>
+          <a:chOff x="0" y="0"/>
+          <a:chExt cx="0" cy="0"/>
+        </a:xfrm>
+      </p:grpSpPr>
+      <p:sp>
+        <p:nvSpPr>
+          <p:cNvPr id="2" name="Titel 1">
+            <a:extLst>
+              <a:ext uri="{FF2B5EF4-FFF2-40B4-BE49-F238E27FC236}">
+                <a16:creationId xmlns:a16="http://schemas.microsoft.com/office/drawing/2014/main" id="{47B95371-FB67-A5ED-3137-B28A810544E0}"/>
+              </a:ext>
+            </a:extLst>
+          </p:cNvPr>
+          <p:cNvSpPr>
+            <a:spLocks noGrp="1"/>
+          </p:cNvSpPr>
+          <p:nvPr>
+            <p:ph type="title"/>
+          </p:nvPr>
+        </p:nvSpPr>
+        <p:spPr/>
+        <p:txBody>
+          <a:bodyPr/>
+          <a:lstStyle/>
+          <a:p>
+            <a:r>
+              <a:rPr lang="de-DE" dirty="0" err="1"/>
+              <a:t>git</a:t>
+            </a:r>
+            <a:endParaRPr lang="de-DE" dirty="0"/>
+          </a:p>
+        </p:txBody>
+      </p:sp>
+      <p:sp>
+        <p:nvSpPr>
+          <p:cNvPr id="3" name="Inhaltsplatzhalter 2">
+            <a:extLst>
+              <a:ext uri="{FF2B5EF4-FFF2-40B4-BE49-F238E27FC236}">
+                <a16:creationId xmlns:a16="http://schemas.microsoft.com/office/drawing/2014/main" id="{34D07182-57ED-4BF8-7468-3B9A525601F6}"/>
+              </a:ext>
+            </a:extLst>
+          </p:cNvPr>
+          <p:cNvSpPr>
+            <a:spLocks noGrp="1"/>
+          </p:cNvSpPr>
+          <p:nvPr>
+            <p:ph idx="1"/>
+          </p:nvPr>
+        </p:nvSpPr>
+        <p:spPr/>
+        <p:txBody>
+          <a:bodyPr/>
+          <a:lstStyle/>
+          <a:p>
+            <a:pPr marL="0" indent="0">
+              <a:buNone/>
+            </a:pPr>
+            <a:r>
+              <a:rPr lang="de-DE" i="1" dirty="0"/>
+              <a:t>Global </a:t>
+            </a:r>
+            <a:r>
+              <a:rPr lang="de-DE" i="1" dirty="0" err="1"/>
+              <a:t>information</a:t>
+            </a:r>
+            <a:r>
+              <a:rPr lang="de-DE" i="1" dirty="0"/>
+              <a:t> </a:t>
+            </a:r>
+            <a:r>
+              <a:rPr lang="de-DE" i="1" dirty="0" err="1"/>
+              <a:t>tracker</a:t>
+            </a:r>
+            <a:endParaRPr lang="de-DE" i="1" dirty="0"/>
+          </a:p>
+          <a:p>
+            <a:r>
+              <a:rPr lang="de-DE" dirty="0"/>
+              <a:t>Arbeiten mit „</a:t>
+            </a:r>
+            <a:r>
+              <a:rPr lang="de-DE" dirty="0" err="1"/>
+              <a:t>Commits</a:t>
+            </a:r>
+            <a:r>
+              <a:rPr lang="de-DE" dirty="0"/>
+              <a:t>“ &amp; „</a:t>
+            </a:r>
+            <a:r>
+              <a:rPr lang="de-DE" dirty="0" err="1"/>
+              <a:t>Branches</a:t>
+            </a:r>
+            <a:r>
+              <a:rPr lang="de-DE" dirty="0"/>
+              <a:t>“</a:t>
+            </a:r>
+          </a:p>
+          <a:p>
+            <a:r>
+              <a:rPr lang="de-DE" dirty="0"/>
+              <a:t>Fokus auf:</a:t>
+            </a:r>
+          </a:p>
+          <a:p>
+            <a:pPr lvl="1"/>
+            <a:r>
+              <a:rPr lang="de-DE" dirty="0"/>
+              <a:t>Kollaborative Entwicklung</a:t>
+            </a:r>
+          </a:p>
+          <a:p>
+            <a:pPr lvl="1"/>
+            <a:r>
+              <a:rPr lang="de-DE" dirty="0"/>
+              <a:t>Nicht-lineare Entwicklung</a:t>
+            </a:r>
+          </a:p>
+          <a:p>
+            <a:r>
+              <a:rPr lang="de-DE" dirty="0" err="1"/>
+              <a:t>Git</a:t>
+            </a:r>
+            <a:r>
+              <a:rPr lang="de-DE" dirty="0"/>
+              <a:t>-Server zur kollaborativen Nutzung: GitHub, </a:t>
+            </a:r>
+            <a:r>
+              <a:rPr lang="de-DE" dirty="0" err="1"/>
+              <a:t>Codeberg</a:t>
+            </a:r>
+            <a:r>
+              <a:rPr lang="de-DE" dirty="0"/>
+              <a:t>, etc.</a:t>
+            </a:r>
+          </a:p>
+          <a:p>
+            <a:endParaRPr lang="de-DE" dirty="0"/>
+          </a:p>
+        </p:txBody>
+      </p:sp>
+      <p:pic>
+        <p:nvPicPr>
+          <p:cNvPr id="4" name="Grafik 3">
+            <a:extLst>
+              <a:ext uri="{FF2B5EF4-FFF2-40B4-BE49-F238E27FC236}">
+                <a16:creationId xmlns:a16="http://schemas.microsoft.com/office/drawing/2014/main" id="{967B55DE-EDBF-A03E-22D7-B6B43E9023DD}"/>
+              </a:ext>
+            </a:extLst>
+          </p:cNvPr>
+          <p:cNvPicPr>
+            <a:picLocks noChangeAspect="1"/>
+          </p:cNvPicPr>
+          <p:nvPr/>
+        </p:nvPicPr>
+        <p:blipFill>
+          <a:blip r:embed="rId3">
+            <a:extLst>
+              <a:ext uri="{96DAC541-7B7A-43D3-8B79-37D633B846F1}">
+                <asvg:svgBlip xmlns:asvg="http://schemas.microsoft.com/office/drawing/2016/SVG/main" r:embed="rId4"/>
+              </a:ext>
+            </a:extLst>
+          </a:blip>
+          <a:stretch>
+            <a:fillRect/>
+          </a:stretch>
+        </p:blipFill>
+        <p:spPr>
+          <a:xfrm>
+            <a:off x="8077199" y="365125"/>
+            <a:ext cx="3776133" cy="1576846"/>
+          </a:xfrm>
+          <a:prstGeom prst="rect">
+            <a:avLst/>
+          </a:prstGeom>
+        </p:spPr>
+      </p:pic>
+      <p:sp>
+        <p:nvSpPr>
+          <p:cNvPr id="6" name="Textfeld 5">
+            <a:extLst>
+              <a:ext uri="{FF2B5EF4-FFF2-40B4-BE49-F238E27FC236}">
+                <a16:creationId xmlns:a16="http://schemas.microsoft.com/office/drawing/2014/main" id="{DCECC75F-50EE-DB4C-D44E-593BABFE1842}"/>
+              </a:ext>
+            </a:extLst>
+          </p:cNvPr>
+          <p:cNvSpPr txBox="1"/>
+          <p:nvPr/>
+        </p:nvSpPr>
+        <p:spPr>
+          <a:xfrm>
+            <a:off x="5455518" y="1825625"/>
+            <a:ext cx="3193143" cy="369332"/>
+          </a:xfrm>
+          <a:prstGeom prst="rect">
+            <a:avLst/>
+          </a:prstGeom>
+          <a:noFill/>
+        </p:spPr>
+        <p:txBody>
+          <a:bodyPr wrap="square">
+            <a:spAutoFit/>
+          </a:bodyPr>
+          <a:lstStyle/>
+          <a:p>
+            <a:r>
+              <a:rPr lang="de-DE" sz="1800" i="1" dirty="0">
+                <a:latin typeface="Berlin Sans FB Demi" panose="020E0802020502020306" pitchFamily="34" charset="0"/>
+              </a:rPr>
+              <a:t>(oder: Englisch für „Idiot“)</a:t>
+            </a:r>
+          </a:p>
+        </p:txBody>
+      </p:sp>
+    </p:spTree>
+    <p:extLst>
+      <p:ext uri="{BB962C8B-B14F-4D97-AF65-F5344CB8AC3E}">
+        <p14:creationId xmlns:p14="http://schemas.microsoft.com/office/powerpoint/2010/main" val="602657337"/>
+      </p:ext>
+    </p:extLst>
+  </p:cSld>
+  <p:clrMapOvr>
+    <a:masterClrMapping/>
+  </p:clrMapOvr>
   <p:timing>
     <p:tnLst>
       <p:par>
@@ -10631,15 +10954,10 @@
                             </p:stCondLst>
                             <p:childTnLst>
                               <p:par>
-                                <p:cTn id="5" presetID="10" presetClass="entr" presetSubtype="0" fill="hold" grpId="0" nodeType="clickEffect" nodePh="1">
+                                <p:cTn id="5" presetID="10" presetClass="entr" presetSubtype="0" fill="hold" grpId="0" nodeType="clickEffect">
                                   <p:stCondLst>
                                     <p:cond delay="0"/>
                                   </p:stCondLst>
-                                  <p:endCondLst>
-                                    <p:cond evt="begin" delay="0">
-                                      <p:tn val="5"/>
-                                    </p:cond>
-                                  </p:endCondLst>
                                   <p:childTnLst>
                                     <p:set>
                                       <p:cBhvr>
@@ -10704,369 +11022,7 @@
 </p:sld>
 </file>
 
-<file path=ppt/slides/slide24.xml><?xml version="1.0" encoding="utf-8"?>
-<p:sld xmlns:a="http://schemas.openxmlformats.org/drawingml/2006/main" xmlns:r="http://schemas.openxmlformats.org/officeDocument/2006/relationships" xmlns:p="http://schemas.openxmlformats.org/presentationml/2006/main">
-  <p:cSld>
-    <p:spTree>
-      <p:nvGrpSpPr>
-        <p:cNvPr id="1" name=""/>
-        <p:cNvGrpSpPr/>
-        <p:nvPr/>
-      </p:nvGrpSpPr>
-      <p:grpSpPr>
-        <a:xfrm>
-          <a:off x="0" y="0"/>
-          <a:ext cx="0" cy="0"/>
-          <a:chOff x="0" y="0"/>
-          <a:chExt cx="0" cy="0"/>
-        </a:xfrm>
-      </p:grpSpPr>
-      <p:sp>
-        <p:nvSpPr>
-          <p:cNvPr id="4" name="Titel 3">
-            <a:extLst>
-              <a:ext uri="{FF2B5EF4-FFF2-40B4-BE49-F238E27FC236}">
-                <a16:creationId xmlns:a16="http://schemas.microsoft.com/office/drawing/2014/main" id="{99DB71E1-9647-1525-C28C-47BA19D61339}"/>
-              </a:ext>
-            </a:extLst>
-          </p:cNvPr>
-          <p:cNvSpPr>
-            <a:spLocks noGrp="1"/>
-          </p:cNvSpPr>
-          <p:nvPr>
-            <p:ph type="title"/>
-          </p:nvPr>
-        </p:nvSpPr>
-        <p:spPr/>
-        <p:txBody>
-          <a:bodyPr/>
-          <a:lstStyle/>
-          <a:p>
-            <a:r>
-              <a:rPr lang="de-DE" dirty="0"/>
-              <a:t>Warum Versionskontrolle?</a:t>
-            </a:r>
-          </a:p>
-        </p:txBody>
-      </p:sp>
-      <p:sp>
-        <p:nvSpPr>
-          <p:cNvPr id="5" name="Inhaltsplatzhalter 4">
-            <a:extLst>
-              <a:ext uri="{FF2B5EF4-FFF2-40B4-BE49-F238E27FC236}">
-                <a16:creationId xmlns:a16="http://schemas.microsoft.com/office/drawing/2014/main" id="{50A41A64-3A62-F722-DF2C-3482CA31147B}"/>
-              </a:ext>
-            </a:extLst>
-          </p:cNvPr>
-          <p:cNvSpPr>
-            <a:spLocks noGrp="1"/>
-          </p:cNvSpPr>
-          <p:nvPr>
-            <p:ph idx="1"/>
-          </p:nvPr>
-        </p:nvSpPr>
-        <p:spPr/>
-        <p:txBody>
-          <a:bodyPr/>
-          <a:lstStyle/>
-          <a:p>
-            <a:r>
-              <a:rPr lang="de-DE" dirty="0"/>
-              <a:t>„Was habe ich nochmal an meinem Code geändert??“</a:t>
-            </a:r>
-          </a:p>
-          <a:p>
-            <a:r>
-              <a:rPr lang="de-DE" dirty="0"/>
-              <a:t>„Wer hat diesen Code das letzte Mal angefasst?? </a:t>
-            </a:r>
-            <a:br>
-              <a:rPr lang="de-DE" dirty="0"/>
-            </a:br>
-            <a:r>
-              <a:rPr lang="de-DE" dirty="0"/>
-              <a:t>  Er funktioniert nicht mehr!“</a:t>
-            </a:r>
-          </a:p>
-          <a:p>
-            <a:r>
-              <a:rPr lang="de-DE" dirty="0"/>
-              <a:t>„Wer hat die neuste Version des Codes?“</a:t>
-            </a:r>
-          </a:p>
-          <a:p>
-            <a:r>
-              <a:rPr lang="de-DE" dirty="0"/>
-              <a:t>„Wenn ich doch nur die Zeit zurückdrehen könnte!“</a:t>
-            </a:r>
-          </a:p>
-          <a:p>
-            <a:r>
-              <a:rPr lang="de-DE" dirty="0"/>
-              <a:t>„Also letzten Donnerstag hat das noch funktioniert!“</a:t>
-            </a:r>
-          </a:p>
-          <a:p>
-            <a:pPr marL="0" indent="0">
-              <a:buNone/>
-            </a:pPr>
-            <a:endParaRPr lang="de-DE" dirty="0"/>
-          </a:p>
-        </p:txBody>
-      </p:sp>
-    </p:spTree>
-    <p:extLst>
-      <p:ext uri="{BB962C8B-B14F-4D97-AF65-F5344CB8AC3E}">
-        <p14:creationId xmlns:p14="http://schemas.microsoft.com/office/powerpoint/2010/main" val="3812971024"/>
-      </p:ext>
-    </p:extLst>
-  </p:cSld>
-  <p:clrMapOvr>
-    <a:masterClrMapping/>
-  </p:clrMapOvr>
-</p:sld>
-</file>
-
-<file path=ppt/slides/slide25.xml><?xml version="1.0" encoding="utf-8"?>
-<p:sld xmlns:a="http://schemas.openxmlformats.org/drawingml/2006/main" xmlns:r="http://schemas.openxmlformats.org/officeDocument/2006/relationships" xmlns:p="http://schemas.openxmlformats.org/presentationml/2006/main">
-  <p:cSld>
-    <p:spTree>
-      <p:nvGrpSpPr>
-        <p:cNvPr id="1" name=""/>
-        <p:cNvGrpSpPr/>
-        <p:nvPr/>
-      </p:nvGrpSpPr>
-      <p:grpSpPr>
-        <a:xfrm>
-          <a:off x="0" y="0"/>
-          <a:ext cx="0" cy="0"/>
-          <a:chOff x="0" y="0"/>
-          <a:chExt cx="0" cy="0"/>
-        </a:xfrm>
-      </p:grpSpPr>
-      <p:sp>
-        <p:nvSpPr>
-          <p:cNvPr id="2" name="Titel 1">
-            <a:extLst>
-              <a:ext uri="{FF2B5EF4-FFF2-40B4-BE49-F238E27FC236}">
-                <a16:creationId xmlns:a16="http://schemas.microsoft.com/office/drawing/2014/main" id="{47B95371-FB67-A5ED-3137-B28A810544E0}"/>
-              </a:ext>
-            </a:extLst>
-          </p:cNvPr>
-          <p:cNvSpPr>
-            <a:spLocks noGrp="1"/>
-          </p:cNvSpPr>
-          <p:nvPr>
-            <p:ph type="title"/>
-          </p:nvPr>
-        </p:nvSpPr>
-        <p:spPr/>
-        <p:txBody>
-          <a:bodyPr/>
-          <a:lstStyle/>
-          <a:p>
-            <a:r>
-              <a:rPr lang="de-DE" dirty="0" err="1"/>
-              <a:t>git</a:t>
-            </a:r>
-            <a:endParaRPr lang="de-DE" dirty="0"/>
-          </a:p>
-        </p:txBody>
-      </p:sp>
-      <p:sp>
-        <p:nvSpPr>
-          <p:cNvPr id="3" name="Inhaltsplatzhalter 2">
-            <a:extLst>
-              <a:ext uri="{FF2B5EF4-FFF2-40B4-BE49-F238E27FC236}">
-                <a16:creationId xmlns:a16="http://schemas.microsoft.com/office/drawing/2014/main" id="{34D07182-57ED-4BF8-7468-3B9A525601F6}"/>
-              </a:ext>
-            </a:extLst>
-          </p:cNvPr>
-          <p:cNvSpPr>
-            <a:spLocks noGrp="1"/>
-          </p:cNvSpPr>
-          <p:nvPr>
-            <p:ph idx="1"/>
-          </p:nvPr>
-        </p:nvSpPr>
-        <p:spPr/>
-        <p:txBody>
-          <a:bodyPr/>
-          <a:lstStyle/>
-          <a:p>
-            <a:pPr marL="0" indent="0">
-              <a:buNone/>
-            </a:pPr>
-            <a:r>
-              <a:rPr lang="de-DE" i="1" dirty="0"/>
-              <a:t>Global </a:t>
-            </a:r>
-            <a:r>
-              <a:rPr lang="de-DE" i="1" dirty="0" err="1"/>
-              <a:t>information</a:t>
-            </a:r>
-            <a:r>
-              <a:rPr lang="de-DE" i="1" dirty="0"/>
-              <a:t> </a:t>
-            </a:r>
-            <a:r>
-              <a:rPr lang="de-DE" i="1" dirty="0" err="1"/>
-              <a:t>tracker</a:t>
-            </a:r>
-            <a:endParaRPr lang="de-DE" i="1" dirty="0"/>
-          </a:p>
-          <a:p>
-            <a:r>
-              <a:rPr lang="de-DE" dirty="0"/>
-              <a:t>Arbeiten mit „</a:t>
-            </a:r>
-            <a:r>
-              <a:rPr lang="de-DE" dirty="0" err="1"/>
-              <a:t>Commits</a:t>
-            </a:r>
-            <a:r>
-              <a:rPr lang="de-DE" dirty="0"/>
-              <a:t>“ &amp; „</a:t>
-            </a:r>
-            <a:r>
-              <a:rPr lang="de-DE" dirty="0" err="1"/>
-              <a:t>Branches</a:t>
-            </a:r>
-            <a:r>
-              <a:rPr lang="de-DE" dirty="0"/>
-              <a:t>“</a:t>
-            </a:r>
-          </a:p>
-          <a:p>
-            <a:r>
-              <a:rPr lang="de-DE" dirty="0"/>
-              <a:t>Fokus auf:</a:t>
-            </a:r>
-          </a:p>
-          <a:p>
-            <a:pPr lvl="1"/>
-            <a:r>
-              <a:rPr lang="de-DE" dirty="0"/>
-              <a:t>Kollaborative Entwicklung</a:t>
-            </a:r>
-          </a:p>
-          <a:p>
-            <a:pPr lvl="1"/>
-            <a:r>
-              <a:rPr lang="de-DE" dirty="0"/>
-              <a:t>Nicht-lineare Entwicklung</a:t>
-            </a:r>
-          </a:p>
-          <a:p>
-            <a:r>
-              <a:rPr lang="de-DE" dirty="0" err="1"/>
-              <a:t>Git</a:t>
-            </a:r>
-            <a:r>
-              <a:rPr lang="de-DE" dirty="0"/>
-              <a:t>-Server zur kollaborativen Nutzung: GitHub, </a:t>
-            </a:r>
-            <a:r>
-              <a:rPr lang="de-DE" dirty="0" err="1"/>
-              <a:t>Codeberg</a:t>
-            </a:r>
-            <a:r>
-              <a:rPr lang="de-DE" dirty="0"/>
-              <a:t>, etc.</a:t>
-            </a:r>
-          </a:p>
-          <a:p>
-            <a:endParaRPr lang="de-DE" dirty="0"/>
-          </a:p>
-        </p:txBody>
-      </p:sp>
-      <p:pic>
-        <p:nvPicPr>
-          <p:cNvPr id="4" name="Grafik 3">
-            <a:extLst>
-              <a:ext uri="{FF2B5EF4-FFF2-40B4-BE49-F238E27FC236}">
-                <a16:creationId xmlns:a16="http://schemas.microsoft.com/office/drawing/2014/main" id="{967B55DE-EDBF-A03E-22D7-B6B43E9023DD}"/>
-              </a:ext>
-            </a:extLst>
-          </p:cNvPr>
-          <p:cNvPicPr>
-            <a:picLocks noChangeAspect="1"/>
-          </p:cNvPicPr>
-          <p:nvPr/>
-        </p:nvPicPr>
-        <p:blipFill>
-          <a:blip r:embed="rId2">
-            <a:extLst>
-              <a:ext uri="{96DAC541-7B7A-43D3-8B79-37D633B846F1}">
-                <asvg:svgBlip xmlns:asvg="http://schemas.microsoft.com/office/drawing/2016/SVG/main" r:embed="rId3"/>
-              </a:ext>
-            </a:extLst>
-          </a:blip>
-          <a:stretch>
-            <a:fillRect/>
-          </a:stretch>
-        </p:blipFill>
-        <p:spPr>
-          <a:xfrm>
-            <a:off x="8077199" y="365125"/>
-            <a:ext cx="3776133" cy="1576846"/>
-          </a:xfrm>
-          <a:prstGeom prst="rect">
-            <a:avLst/>
-          </a:prstGeom>
-        </p:spPr>
-      </p:pic>
-      <p:sp>
-        <p:nvSpPr>
-          <p:cNvPr id="6" name="Textfeld 5">
-            <a:extLst>
-              <a:ext uri="{FF2B5EF4-FFF2-40B4-BE49-F238E27FC236}">
-                <a16:creationId xmlns:a16="http://schemas.microsoft.com/office/drawing/2014/main" id="{DCECC75F-50EE-DB4C-D44E-593BABFE1842}"/>
-              </a:ext>
-            </a:extLst>
-          </p:cNvPr>
-          <p:cNvSpPr txBox="1"/>
-          <p:nvPr/>
-        </p:nvSpPr>
-        <p:spPr>
-          <a:xfrm>
-            <a:off x="5500914" y="1892242"/>
-            <a:ext cx="3193143" cy="369332"/>
-          </a:xfrm>
-          <a:prstGeom prst="rect">
-            <a:avLst/>
-          </a:prstGeom>
-          <a:noFill/>
-        </p:spPr>
-        <p:txBody>
-          <a:bodyPr wrap="square">
-            <a:spAutoFit/>
-          </a:bodyPr>
-          <a:lstStyle/>
-          <a:p>
-            <a:r>
-              <a:rPr lang="de-DE" sz="1800" i="1" dirty="0">
-                <a:latin typeface="Berlin Sans FB Demi" panose="020E0802020502020306" pitchFamily="34" charset="0"/>
-              </a:rPr>
-              <a:t>(oder: Englisch für „Idiot“)</a:t>
-            </a:r>
-          </a:p>
-        </p:txBody>
-      </p:sp>
-    </p:spTree>
-    <p:extLst>
-      <p:ext uri="{BB962C8B-B14F-4D97-AF65-F5344CB8AC3E}">
-        <p14:creationId xmlns:p14="http://schemas.microsoft.com/office/powerpoint/2010/main" val="602657337"/>
-      </p:ext>
-    </p:extLst>
-  </p:cSld>
-  <p:clrMapOvr>
-    <a:masterClrMapping/>
-  </p:clrMapOvr>
-</p:sld>
-</file>
-
-<file path=ppt/slides/slide26.xml><?xml version="1.0" encoding="utf-8"?>
+<file path=ppt/slides/slide23.xml><?xml version="1.0" encoding="utf-8"?>
 <p:sld xmlns:a="http://schemas.openxmlformats.org/drawingml/2006/main" xmlns:r="http://schemas.openxmlformats.org/officeDocument/2006/relationships" xmlns:p="http://schemas.openxmlformats.org/presentationml/2006/main">
   <p:cSld>
     <p:spTree>
@@ -11235,7 +11191,7 @@
 </p:sld>
 </file>
 
-<file path=ppt/slides/slide27.xml><?xml version="1.0" encoding="utf-8"?>
+<file path=ppt/slides/slide24.xml><?xml version="1.0" encoding="utf-8"?>
 <p:sld xmlns:a="http://schemas.openxmlformats.org/drawingml/2006/main" xmlns:r="http://schemas.openxmlformats.org/officeDocument/2006/relationships" xmlns:p="http://schemas.openxmlformats.org/presentationml/2006/main">
   <p:cSld>
     <p:spTree>
@@ -11388,7 +11344,7 @@
 </p:sld>
 </file>
 
-<file path=ppt/slides/slide28.xml><?xml version="1.0" encoding="utf-8"?>
+<file path=ppt/slides/slide25.xml><?xml version="1.0" encoding="utf-8"?>
 <p:sld xmlns:a="http://schemas.openxmlformats.org/drawingml/2006/main" xmlns:r="http://schemas.openxmlformats.org/officeDocument/2006/relationships" xmlns:p="http://schemas.openxmlformats.org/presentationml/2006/main">
   <p:cSld>
     <p:spTree>
@@ -11483,6 +11439,326 @@
 </p:sld>
 </file>
 
+<file path=ppt/slides/slide26.xml><?xml version="1.0" encoding="utf-8"?>
+<p:sld xmlns:a="http://schemas.openxmlformats.org/drawingml/2006/main" xmlns:r="http://schemas.openxmlformats.org/officeDocument/2006/relationships" xmlns:p="http://schemas.openxmlformats.org/presentationml/2006/main">
+  <p:cSld>
+    <p:spTree>
+      <p:nvGrpSpPr>
+        <p:cNvPr id="1" name=""/>
+        <p:cNvGrpSpPr/>
+        <p:nvPr/>
+      </p:nvGrpSpPr>
+      <p:grpSpPr>
+        <a:xfrm>
+          <a:off x="0" y="0"/>
+          <a:ext cx="0" cy="0"/>
+          <a:chOff x="0" y="0"/>
+          <a:chExt cx="0" cy="0"/>
+        </a:xfrm>
+      </p:grpSpPr>
+      <p:sp>
+        <p:nvSpPr>
+          <p:cNvPr id="2" name="Titel 1">
+            <a:extLst>
+              <a:ext uri="{FF2B5EF4-FFF2-40B4-BE49-F238E27FC236}">
+                <a16:creationId xmlns:a16="http://schemas.microsoft.com/office/drawing/2014/main" id="{63449BA4-647F-E7FF-1CDF-4006E31A4679}"/>
+              </a:ext>
+            </a:extLst>
+          </p:cNvPr>
+          <p:cNvSpPr>
+            <a:spLocks noGrp="1"/>
+          </p:cNvSpPr>
+          <p:nvPr>
+            <p:ph type="title"/>
+          </p:nvPr>
+        </p:nvSpPr>
+        <p:spPr/>
+        <p:txBody>
+          <a:bodyPr/>
+          <a:lstStyle/>
+          <a:p>
+            <a:r>
+              <a:rPr lang="de-DE" dirty="0"/>
+              <a:t>GitHub</a:t>
+            </a:r>
+          </a:p>
+        </p:txBody>
+      </p:sp>
+      <p:sp>
+        <p:nvSpPr>
+          <p:cNvPr id="3" name="Inhaltsplatzhalter 2">
+            <a:extLst>
+              <a:ext uri="{FF2B5EF4-FFF2-40B4-BE49-F238E27FC236}">
+                <a16:creationId xmlns:a16="http://schemas.microsoft.com/office/drawing/2014/main" id="{52CFD63E-13D1-2C5A-3DCE-813528E07464}"/>
+              </a:ext>
+            </a:extLst>
+          </p:cNvPr>
+          <p:cNvSpPr>
+            <a:spLocks noGrp="1"/>
+          </p:cNvSpPr>
+          <p:nvPr>
+            <p:ph idx="1"/>
+          </p:nvPr>
+        </p:nvSpPr>
+        <p:spPr/>
+        <p:txBody>
+          <a:bodyPr/>
+          <a:lstStyle/>
+          <a:p>
+            <a:r>
+              <a:rPr lang="de-DE" dirty="0"/>
+              <a:t>Cloud-Plattform von Microsoft zum…</a:t>
+            </a:r>
+          </a:p>
+          <a:p>
+            <a:pPr lvl="1"/>
+            <a:r>
+              <a:rPr lang="de-DE" dirty="0"/>
+              <a:t>Speichern</a:t>
+            </a:r>
+          </a:p>
+          <a:p>
+            <a:pPr lvl="1"/>
+            <a:r>
+              <a:rPr lang="de-DE" dirty="0"/>
+              <a:t>Veröffentlichen </a:t>
+            </a:r>
+          </a:p>
+          <a:p>
+            <a:pPr lvl="1"/>
+            <a:r>
+              <a:rPr lang="de-DE" dirty="0"/>
+              <a:t>Kollaborieren</a:t>
+            </a:r>
+          </a:p>
+          <a:p>
+            <a:r>
+              <a:rPr lang="de-DE" dirty="0"/>
+              <a:t>Vorteile:</a:t>
+            </a:r>
+          </a:p>
+          <a:p>
+            <a:pPr lvl="1"/>
+            <a:r>
+              <a:rPr lang="de-DE" dirty="0"/>
+              <a:t>Hohes Datenlimit</a:t>
+            </a:r>
+          </a:p>
+          <a:p>
+            <a:pPr lvl="1"/>
+            <a:r>
+              <a:rPr lang="de-DE" dirty="0"/>
+              <a:t>Kostenlos</a:t>
+            </a:r>
+          </a:p>
+          <a:p>
+            <a:pPr lvl="1"/>
+            <a:r>
+              <a:rPr lang="de-DE" dirty="0"/>
+              <a:t>Gemeinsame Cloud</a:t>
+            </a:r>
+          </a:p>
+          <a:p>
+            <a:pPr lvl="1"/>
+            <a:r>
+              <a:rPr lang="de-DE" dirty="0" err="1"/>
+              <a:t>Commits</a:t>
+            </a:r>
+            <a:r>
+              <a:rPr lang="de-DE" dirty="0"/>
+              <a:t> sorgen für Klarheit beim Versionsstand</a:t>
+            </a:r>
+          </a:p>
+          <a:p>
+            <a:pPr lvl="1"/>
+            <a:endParaRPr lang="de-DE" dirty="0"/>
+          </a:p>
+        </p:txBody>
+      </p:sp>
+    </p:spTree>
+    <p:extLst>
+      <p:ext uri="{BB962C8B-B14F-4D97-AF65-F5344CB8AC3E}">
+        <p14:creationId xmlns:p14="http://schemas.microsoft.com/office/powerpoint/2010/main" val="667058642"/>
+      </p:ext>
+    </p:extLst>
+  </p:cSld>
+  <p:clrMapOvr>
+    <a:masterClrMapping/>
+  </p:clrMapOvr>
+</p:sld>
+</file>
+
+<file path=ppt/slides/slide27.xml><?xml version="1.0" encoding="utf-8"?>
+<p:sld xmlns:a="http://schemas.openxmlformats.org/drawingml/2006/main" xmlns:r="http://schemas.openxmlformats.org/officeDocument/2006/relationships" xmlns:p="http://schemas.openxmlformats.org/presentationml/2006/main">
+  <p:cSld>
+    <p:spTree>
+      <p:nvGrpSpPr>
+        <p:cNvPr id="1" name=""/>
+        <p:cNvGrpSpPr/>
+        <p:nvPr/>
+      </p:nvGrpSpPr>
+      <p:grpSpPr>
+        <a:xfrm>
+          <a:off x="0" y="0"/>
+          <a:ext cx="0" cy="0"/>
+          <a:chOff x="0" y="0"/>
+          <a:chExt cx="0" cy="0"/>
+        </a:xfrm>
+      </p:grpSpPr>
+      <p:sp>
+        <p:nvSpPr>
+          <p:cNvPr id="2" name="Titel 1">
+            <a:extLst>
+              <a:ext uri="{FF2B5EF4-FFF2-40B4-BE49-F238E27FC236}">
+                <a16:creationId xmlns:a16="http://schemas.microsoft.com/office/drawing/2014/main" id="{44DA5557-9C1F-5705-046D-E426D8F2C669}"/>
+              </a:ext>
+            </a:extLst>
+          </p:cNvPr>
+          <p:cNvSpPr>
+            <a:spLocks noGrp="1"/>
+          </p:cNvSpPr>
+          <p:nvPr>
+            <p:ph type="title"/>
+          </p:nvPr>
+        </p:nvSpPr>
+        <p:spPr/>
+        <p:txBody>
+          <a:bodyPr/>
+          <a:lstStyle/>
+          <a:p>
+            <a:r>
+              <a:rPr lang="de-DE" dirty="0"/>
+              <a:t>Live-Demo:</a:t>
+            </a:r>
+          </a:p>
+        </p:txBody>
+      </p:sp>
+      <p:sp>
+        <p:nvSpPr>
+          <p:cNvPr id="3" name="Textplatzhalter 2">
+            <a:extLst>
+              <a:ext uri="{FF2B5EF4-FFF2-40B4-BE49-F238E27FC236}">
+                <a16:creationId xmlns:a16="http://schemas.microsoft.com/office/drawing/2014/main" id="{8CAC3B4A-BCD1-4F35-5C90-D81F02154C0D}"/>
+              </a:ext>
+            </a:extLst>
+          </p:cNvPr>
+          <p:cNvSpPr>
+            <a:spLocks noGrp="1"/>
+          </p:cNvSpPr>
+          <p:nvPr>
+            <p:ph type="body" idx="1"/>
+          </p:nvPr>
+        </p:nvSpPr>
+        <p:spPr/>
+        <p:txBody>
+          <a:bodyPr>
+            <a:normAutofit/>
+          </a:bodyPr>
+          <a:lstStyle/>
+          <a:p>
+            <a:r>
+              <a:rPr lang="de-DE" sz="4000" dirty="0"/>
+              <a:t>Lösen einer einfachen Sammel-Aufgabe</a:t>
+            </a:r>
+          </a:p>
+        </p:txBody>
+      </p:sp>
+    </p:spTree>
+    <p:extLst>
+      <p:ext uri="{BB962C8B-B14F-4D97-AF65-F5344CB8AC3E}">
+        <p14:creationId xmlns:p14="http://schemas.microsoft.com/office/powerpoint/2010/main" val="2145304375"/>
+      </p:ext>
+    </p:extLst>
+  </p:cSld>
+  <p:clrMapOvr>
+    <a:masterClrMapping/>
+  </p:clrMapOvr>
+</p:sld>
+</file>
+
+<file path=ppt/slides/slide28.xml><?xml version="1.0" encoding="utf-8"?>
+<p:sld xmlns:a="http://schemas.openxmlformats.org/drawingml/2006/main" xmlns:r="http://schemas.openxmlformats.org/officeDocument/2006/relationships" xmlns:p="http://schemas.openxmlformats.org/presentationml/2006/main">
+  <p:cSld>
+    <p:spTree>
+      <p:nvGrpSpPr>
+        <p:cNvPr id="1" name=""/>
+        <p:cNvGrpSpPr/>
+        <p:nvPr/>
+      </p:nvGrpSpPr>
+      <p:grpSpPr>
+        <a:xfrm>
+          <a:off x="0" y="0"/>
+          <a:ext cx="0" cy="0"/>
+          <a:chOff x="0" y="0"/>
+          <a:chExt cx="0" cy="0"/>
+        </a:xfrm>
+      </p:grpSpPr>
+      <p:sp>
+        <p:nvSpPr>
+          <p:cNvPr id="4" name="Titel 3">
+            <a:extLst>
+              <a:ext uri="{FF2B5EF4-FFF2-40B4-BE49-F238E27FC236}">
+                <a16:creationId xmlns:a16="http://schemas.microsoft.com/office/drawing/2014/main" id="{76768294-9FE7-5656-E64A-6328D4C58E44}"/>
+              </a:ext>
+            </a:extLst>
+          </p:cNvPr>
+          <p:cNvSpPr>
+            <a:spLocks noGrp="1"/>
+          </p:cNvSpPr>
+          <p:nvPr>
+            <p:ph type="title"/>
+          </p:nvPr>
+        </p:nvSpPr>
+        <p:spPr/>
+        <p:txBody>
+          <a:bodyPr/>
+          <a:lstStyle/>
+          <a:p>
+            <a:r>
+              <a:rPr lang="de-DE" dirty="0"/>
+              <a:t>Empfehlungen</a:t>
+            </a:r>
+          </a:p>
+        </p:txBody>
+      </p:sp>
+      <p:sp>
+        <p:nvSpPr>
+          <p:cNvPr id="5" name="Textplatzhalter 4">
+            <a:extLst>
+              <a:ext uri="{FF2B5EF4-FFF2-40B4-BE49-F238E27FC236}">
+                <a16:creationId xmlns:a16="http://schemas.microsoft.com/office/drawing/2014/main" id="{56008966-FEA9-9A11-5288-D35F46DDC271}"/>
+              </a:ext>
+            </a:extLst>
+          </p:cNvPr>
+          <p:cNvSpPr>
+            <a:spLocks noGrp="1"/>
+          </p:cNvSpPr>
+          <p:nvPr>
+            <p:ph type="body" idx="1"/>
+          </p:nvPr>
+        </p:nvSpPr>
+        <p:spPr/>
+        <p:txBody>
+          <a:bodyPr/>
+          <a:lstStyle/>
+          <a:p>
+            <a:endParaRPr lang="de-DE"/>
+          </a:p>
+        </p:txBody>
+      </p:sp>
+    </p:spTree>
+    <p:extLst>
+      <p:ext uri="{BB962C8B-B14F-4D97-AF65-F5344CB8AC3E}">
+        <p14:creationId xmlns:p14="http://schemas.microsoft.com/office/powerpoint/2010/main" val="2557587219"/>
+      </p:ext>
+    </p:extLst>
+  </p:cSld>
+  <p:clrMapOvr>
+    <a:masterClrMapping/>
+  </p:clrMapOvr>
+</p:sld>
+</file>
+
 <file path=ppt/slides/slide29.xml><?xml version="1.0" encoding="utf-8"?>
 <p:sld xmlns:a="http://schemas.openxmlformats.org/drawingml/2006/main" xmlns:r="http://schemas.openxmlformats.org/officeDocument/2006/relationships" xmlns:p="http://schemas.openxmlformats.org/presentationml/2006/main">
   <p:cSld>
@@ -11502,10 +11778,10 @@
       </p:grpSpPr>
       <p:sp>
         <p:nvSpPr>
-          <p:cNvPr id="2" name="Titel 1">
+          <p:cNvPr id="4" name="Titel 3">
             <a:extLst>
               <a:ext uri="{FF2B5EF4-FFF2-40B4-BE49-F238E27FC236}">
-                <a16:creationId xmlns:a16="http://schemas.microsoft.com/office/drawing/2014/main" id="{63449BA4-647F-E7FF-1CDF-4006E31A4679}"/>
+                <a16:creationId xmlns:a16="http://schemas.microsoft.com/office/drawing/2014/main" id="{DC62E89F-5219-D83B-DD75-22AE3E57A9D7}"/>
               </a:ext>
             </a:extLst>
           </p:cNvPr>
@@ -11523,17 +11799,17 @@
           <a:p>
             <a:r>
               <a:rPr lang="de-DE" dirty="0"/>
-              <a:t>GitHub</a:t>
-            </a:r>
-          </a:p>
-        </p:txBody>
-      </p:sp>
-      <p:sp>
-        <p:nvSpPr>
-          <p:cNvPr id="3" name="Inhaltsplatzhalter 2">
+              <a:t>Empfehlungen</a:t>
+            </a:r>
+          </a:p>
+        </p:txBody>
+      </p:sp>
+      <p:sp>
+        <p:nvSpPr>
+          <p:cNvPr id="5" name="Inhaltsplatzhalter 4">
             <a:extLst>
               <a:ext uri="{FF2B5EF4-FFF2-40B4-BE49-F238E27FC236}">
-                <a16:creationId xmlns:a16="http://schemas.microsoft.com/office/drawing/2014/main" id="{52CFD63E-13D1-2C5A-3DCE-813528E07464}"/>
+                <a16:creationId xmlns:a16="http://schemas.microsoft.com/office/drawing/2014/main" id="{895BC6A2-713D-329F-D81A-E5C90CDD2A12}"/>
               </a:ext>
             </a:extLst>
           </p:cNvPr>
@@ -11549,14 +11825,52 @@
           <a:bodyPr/>
           <a:lstStyle/>
           <a:p>
-            <a:endParaRPr lang="de-DE"/>
+            <a:r>
+              <a:rPr lang="de-DE" dirty="0"/>
+              <a:t>Nutzt GitHub (oder einen anderen Cloud-Dienst) als Datenablage für euer Team!</a:t>
+            </a:r>
+          </a:p>
+          <a:p>
+            <a:pPr lvl="1"/>
+            <a:r>
+              <a:rPr lang="de-DE" dirty="0" err="1"/>
+              <a:t>Robotgame</a:t>
+            </a:r>
+            <a:endParaRPr lang="de-DE" dirty="0"/>
+          </a:p>
+          <a:p>
+            <a:pPr lvl="1"/>
+            <a:r>
+              <a:rPr lang="de-DE" dirty="0"/>
+              <a:t>Forschungsprojekt</a:t>
+            </a:r>
+          </a:p>
+          <a:p>
+            <a:pPr lvl="1"/>
+            <a:r>
+              <a:rPr lang="de-DE" dirty="0" err="1"/>
+              <a:t>Robotdesign</a:t>
+            </a:r>
+            <a:endParaRPr lang="de-DE" dirty="0"/>
+          </a:p>
+          <a:p>
+            <a:r>
+              <a:rPr lang="de-DE" dirty="0"/>
+              <a:t>Nutzt Kommentare!</a:t>
+            </a:r>
+          </a:p>
+          <a:p>
+            <a:r>
+              <a:rPr lang="de-DE" dirty="0"/>
+              <a:t>Schreibt sinnvolle Commit-Nachrichten!</a:t>
+            </a:r>
           </a:p>
         </p:txBody>
       </p:sp>
     </p:spTree>
     <p:extLst>
       <p:ext uri="{BB962C8B-B14F-4D97-AF65-F5344CB8AC3E}">
-        <p14:creationId xmlns:p14="http://schemas.microsoft.com/office/powerpoint/2010/main" val="667058642"/>
+        <p14:creationId xmlns:p14="http://schemas.microsoft.com/office/powerpoint/2010/main" val="1648815403"/>
       </p:ext>
     </p:extLst>
   </p:cSld>
@@ -11647,7 +11961,7 @@
           <a:bodyPr/>
           <a:lstStyle/>
           <a:p>
-            <a:endParaRPr lang="de-DE"/>
+            <a:endParaRPr lang="de-DE" dirty="0"/>
           </a:p>
         </p:txBody>
       </p:sp>
@@ -11686,210 +12000,6 @@
           <p:cNvPr id="4" name="Titel 3">
             <a:extLst>
               <a:ext uri="{FF2B5EF4-FFF2-40B4-BE49-F238E27FC236}">
-                <a16:creationId xmlns:a16="http://schemas.microsoft.com/office/drawing/2014/main" id="{76768294-9FE7-5656-E64A-6328D4C58E44}"/>
-              </a:ext>
-            </a:extLst>
-          </p:cNvPr>
-          <p:cNvSpPr>
-            <a:spLocks noGrp="1"/>
-          </p:cNvSpPr>
-          <p:nvPr>
-            <p:ph type="title"/>
-          </p:nvPr>
-        </p:nvSpPr>
-        <p:spPr/>
-        <p:txBody>
-          <a:bodyPr/>
-          <a:lstStyle/>
-          <a:p>
-            <a:r>
-              <a:rPr lang="de-DE" dirty="0"/>
-              <a:t>Empfehlungen</a:t>
-            </a:r>
-          </a:p>
-        </p:txBody>
-      </p:sp>
-      <p:sp>
-        <p:nvSpPr>
-          <p:cNvPr id="5" name="Textplatzhalter 4">
-            <a:extLst>
-              <a:ext uri="{FF2B5EF4-FFF2-40B4-BE49-F238E27FC236}">
-                <a16:creationId xmlns:a16="http://schemas.microsoft.com/office/drawing/2014/main" id="{56008966-FEA9-9A11-5288-D35F46DDC271}"/>
-              </a:ext>
-            </a:extLst>
-          </p:cNvPr>
-          <p:cNvSpPr>
-            <a:spLocks noGrp="1"/>
-          </p:cNvSpPr>
-          <p:nvPr>
-            <p:ph type="body" idx="1"/>
-          </p:nvPr>
-        </p:nvSpPr>
-        <p:spPr/>
-        <p:txBody>
-          <a:bodyPr/>
-          <a:lstStyle/>
-          <a:p>
-            <a:endParaRPr lang="de-DE"/>
-          </a:p>
-        </p:txBody>
-      </p:sp>
-    </p:spTree>
-    <p:extLst>
-      <p:ext uri="{BB962C8B-B14F-4D97-AF65-F5344CB8AC3E}">
-        <p14:creationId xmlns:p14="http://schemas.microsoft.com/office/powerpoint/2010/main" val="2557587219"/>
-      </p:ext>
-    </p:extLst>
-  </p:cSld>
-  <p:clrMapOvr>
-    <a:masterClrMapping/>
-  </p:clrMapOvr>
-</p:sld>
-</file>
-
-<file path=ppt/slides/slide31.xml><?xml version="1.0" encoding="utf-8"?>
-<p:sld xmlns:a="http://schemas.openxmlformats.org/drawingml/2006/main" xmlns:r="http://schemas.openxmlformats.org/officeDocument/2006/relationships" xmlns:p="http://schemas.openxmlformats.org/presentationml/2006/main">
-  <p:cSld>
-    <p:spTree>
-      <p:nvGrpSpPr>
-        <p:cNvPr id="1" name=""/>
-        <p:cNvGrpSpPr/>
-        <p:nvPr/>
-      </p:nvGrpSpPr>
-      <p:grpSpPr>
-        <a:xfrm>
-          <a:off x="0" y="0"/>
-          <a:ext cx="0" cy="0"/>
-          <a:chOff x="0" y="0"/>
-          <a:chExt cx="0" cy="0"/>
-        </a:xfrm>
-      </p:grpSpPr>
-      <p:sp>
-        <p:nvSpPr>
-          <p:cNvPr id="4" name="Titel 3">
-            <a:extLst>
-              <a:ext uri="{FF2B5EF4-FFF2-40B4-BE49-F238E27FC236}">
-                <a16:creationId xmlns:a16="http://schemas.microsoft.com/office/drawing/2014/main" id="{DC62E89F-5219-D83B-DD75-22AE3E57A9D7}"/>
-              </a:ext>
-            </a:extLst>
-          </p:cNvPr>
-          <p:cNvSpPr>
-            <a:spLocks noGrp="1"/>
-          </p:cNvSpPr>
-          <p:nvPr>
-            <p:ph type="title"/>
-          </p:nvPr>
-        </p:nvSpPr>
-        <p:spPr/>
-        <p:txBody>
-          <a:bodyPr/>
-          <a:lstStyle/>
-          <a:p>
-            <a:r>
-              <a:rPr lang="de-DE" dirty="0"/>
-              <a:t>Empfehlungen</a:t>
-            </a:r>
-          </a:p>
-        </p:txBody>
-      </p:sp>
-      <p:sp>
-        <p:nvSpPr>
-          <p:cNvPr id="5" name="Inhaltsplatzhalter 4">
-            <a:extLst>
-              <a:ext uri="{FF2B5EF4-FFF2-40B4-BE49-F238E27FC236}">
-                <a16:creationId xmlns:a16="http://schemas.microsoft.com/office/drawing/2014/main" id="{895BC6A2-713D-329F-D81A-E5C90CDD2A12}"/>
-              </a:ext>
-            </a:extLst>
-          </p:cNvPr>
-          <p:cNvSpPr>
-            <a:spLocks noGrp="1"/>
-          </p:cNvSpPr>
-          <p:nvPr>
-            <p:ph idx="1"/>
-          </p:nvPr>
-        </p:nvSpPr>
-        <p:spPr/>
-        <p:txBody>
-          <a:bodyPr/>
-          <a:lstStyle/>
-          <a:p>
-            <a:r>
-              <a:rPr lang="de-DE" dirty="0"/>
-              <a:t>Nutzt GitHub (oder einen anderen Cloud-Dienst) als Datenablage für euer Team!</a:t>
-            </a:r>
-          </a:p>
-          <a:p>
-            <a:pPr lvl="1"/>
-            <a:r>
-              <a:rPr lang="de-DE" dirty="0" err="1"/>
-              <a:t>Robotgame</a:t>
-            </a:r>
-            <a:endParaRPr lang="de-DE" dirty="0"/>
-          </a:p>
-          <a:p>
-            <a:pPr lvl="1"/>
-            <a:r>
-              <a:rPr lang="de-DE" dirty="0"/>
-              <a:t>Forschungsprojekt</a:t>
-            </a:r>
-          </a:p>
-          <a:p>
-            <a:pPr lvl="1"/>
-            <a:r>
-              <a:rPr lang="de-DE" dirty="0" err="1"/>
-              <a:t>Robotdesign</a:t>
-            </a:r>
-            <a:endParaRPr lang="de-DE" dirty="0"/>
-          </a:p>
-          <a:p>
-            <a:r>
-              <a:rPr lang="de-DE" dirty="0"/>
-              <a:t>Nutzt Kommentare!</a:t>
-            </a:r>
-          </a:p>
-          <a:p>
-            <a:r>
-              <a:rPr lang="de-DE" dirty="0"/>
-              <a:t>Schreibt sinnvolle Commit-Nachrichten!</a:t>
-            </a:r>
-          </a:p>
-        </p:txBody>
-      </p:sp>
-    </p:spTree>
-    <p:extLst>
-      <p:ext uri="{BB962C8B-B14F-4D97-AF65-F5344CB8AC3E}">
-        <p14:creationId xmlns:p14="http://schemas.microsoft.com/office/powerpoint/2010/main" val="1648815403"/>
-      </p:ext>
-    </p:extLst>
-  </p:cSld>
-  <p:clrMapOvr>
-    <a:masterClrMapping/>
-  </p:clrMapOvr>
-</p:sld>
-</file>
-
-<file path=ppt/slides/slide32.xml><?xml version="1.0" encoding="utf-8"?>
-<p:sld xmlns:a="http://schemas.openxmlformats.org/drawingml/2006/main" xmlns:r="http://schemas.openxmlformats.org/officeDocument/2006/relationships" xmlns:p="http://schemas.openxmlformats.org/presentationml/2006/main">
-  <p:cSld>
-    <p:spTree>
-      <p:nvGrpSpPr>
-        <p:cNvPr id="1" name=""/>
-        <p:cNvGrpSpPr/>
-        <p:nvPr/>
-      </p:nvGrpSpPr>
-      <p:grpSpPr>
-        <a:xfrm>
-          <a:off x="0" y="0"/>
-          <a:ext cx="0" cy="0"/>
-          <a:chOff x="0" y="0"/>
-          <a:chExt cx="0" cy="0"/>
-        </a:xfrm>
-      </p:grpSpPr>
-      <p:sp>
-        <p:nvSpPr>
-          <p:cNvPr id="4" name="Titel 3">
-            <a:extLst>
-              <a:ext uri="{FF2B5EF4-FFF2-40B4-BE49-F238E27FC236}">
                 <a16:creationId xmlns:a16="http://schemas.microsoft.com/office/drawing/2014/main" id="{F4820EE5-22F5-5CAA-88D3-ED31D4D6C93E}"/>
               </a:ext>
             </a:extLst>
@@ -12055,7 +12165,7 @@
             </a:r>
             <a:r>
               <a:rPr lang="de-DE" dirty="0" err="1"/>
-              <a:t>Git</a:t>
+              <a:t>git</a:t>
             </a:r>
             <a:r>
               <a:rPr lang="de-DE" dirty="0"/>
@@ -12168,48 +12278,6 @@
             </a:r>
           </a:p>
           <a:p>
-            <a:pPr marL="971550" lvl="1" indent="-514350">
-              <a:buFont typeface="+mj-lt"/>
-              <a:buAutoNum type="arabicPeriod"/>
-            </a:pPr>
-            <a:r>
-              <a:rPr lang="de-DE" dirty="0"/>
-              <a:t>Beispiele: </a:t>
-            </a:r>
-          </a:p>
-          <a:p>
-            <a:pPr marL="1428750" lvl="2" indent="-514350">
-              <a:buFont typeface="+mj-lt"/>
-              <a:buAutoNum type="arabicPeriod"/>
-            </a:pPr>
-            <a:r>
-              <a:rPr lang="de-DE" dirty="0"/>
-              <a:t>Die Art und Weise, wie </a:t>
-            </a:r>
-            <a:r>
-              <a:rPr lang="de-DE" dirty="0" err="1"/>
-              <a:t>Git</a:t>
-            </a:r>
-            <a:r>
-              <a:rPr lang="de-DE" dirty="0"/>
-              <a:t> Informationen speichert</a:t>
-            </a:r>
-          </a:p>
-          <a:p>
-            <a:pPr marL="1428750" lvl="2" indent="-514350">
-              <a:buFont typeface="+mj-lt"/>
-              <a:buAutoNum type="arabicPeriod"/>
-            </a:pPr>
-            <a:r>
-              <a:rPr lang="de-DE" dirty="0" err="1"/>
-              <a:t>Micropython</a:t>
-            </a:r>
-            <a:r>
-              <a:rPr lang="de-DE" dirty="0"/>
-              <a:t> auf Compiler-Level</a:t>
-            </a:r>
-          </a:p>
-          <a:p>
             <a:pPr marL="514350" indent="-514350">
               <a:buFont typeface="+mj-lt"/>
               <a:buAutoNum type="arabicPeriod"/>
@@ -12337,6 +12405,103 @@
           </a:p>
         </p:txBody>
       </p:sp>
+      <mc:AlternateContent xmlns:mc="http://schemas.openxmlformats.org/markup-compatibility/2006">
+        <mc:Choice xmlns:pslz="http://schemas.microsoft.com/office/powerpoint/2016/slidezoom" Requires="pslz">
+          <p:graphicFrame>
+            <p:nvGraphicFramePr>
+              <p:cNvPr id="5" name="Folienzoom 4">
+                <a:extLst>
+                  <a:ext uri="{FF2B5EF4-FFF2-40B4-BE49-F238E27FC236}">
+                    <a16:creationId xmlns:a16="http://schemas.microsoft.com/office/drawing/2014/main" id="{B74994A9-B269-F157-96FA-B816EEBB67C3}"/>
+                  </a:ext>
+                </a:extLst>
+              </p:cNvPr>
+              <p:cNvGraphicFramePr>
+                <a:graphicFrameLocks noChangeAspect="1"/>
+              </p:cNvGraphicFramePr>
+              <p:nvPr>
+                <p:extLst>
+                  <p:ext uri="{D42A27DB-BD31-4B8C-83A1-F6EECF244321}">
+                    <p14:modId xmlns:p14="http://schemas.microsoft.com/office/powerpoint/2010/main" val="1383073284"/>
+                  </p:ext>
+                </p:extLst>
+              </p:nvPr>
+            </p:nvGraphicFramePr>
+            <p:xfrm>
+              <a:off x="1050587" y="3849503"/>
+              <a:ext cx="4585119" cy="2579130"/>
+            </p:xfrm>
+            <a:graphic>
+              <a:graphicData uri="http://schemas.microsoft.com/office/powerpoint/2016/slidezoom">
+                <pslz:sldZm>
+                  <pslz:sldZmObj sldId="262" cId="2778060836">
+                    <pslz:zmPr id="{F698A951-5708-4202-AE97-73DA3B05C08F}" returnToParent="0" transitionDur="1000">
+                      <p166:blipFill xmlns:p166="http://schemas.microsoft.com/office/powerpoint/2016/6/main">
+                        <a:blip r:embed="rId2"/>
+                        <a:stretch>
+                          <a:fillRect/>
+                        </a:stretch>
+                      </p166:blipFill>
+                      <p166:spPr xmlns:p166="http://schemas.microsoft.com/office/powerpoint/2016/6/main">
+                        <a:xfrm>
+                          <a:off x="0" y="0"/>
+                          <a:ext cx="4585119" cy="2579130"/>
+                        </a:xfrm>
+                        <a:prstGeom prst="rect">
+                          <a:avLst/>
+                        </a:prstGeom>
+                        <a:ln w="3175">
+                          <a:solidFill>
+                            <a:prstClr val="ltGray"/>
+                          </a:solidFill>
+                        </a:ln>
+                      </p166:spPr>
+                    </pslz:zmPr>
+                  </pslz:sldZmObj>
+                </pslz:sldZm>
+              </a:graphicData>
+            </a:graphic>
+          </p:graphicFrame>
+        </mc:Choice>
+        <mc:Fallback>
+          <p:pic>
+            <p:nvPicPr>
+              <p:cNvPr id="5" name="Folienzoom 4">
+                <a:hlinkClick r:id="rId3" action="ppaction://hlinksldjump"/>
+                <a:extLst>
+                  <a:ext uri="{FF2B5EF4-FFF2-40B4-BE49-F238E27FC236}">
+                    <a16:creationId xmlns:a16="http://schemas.microsoft.com/office/drawing/2014/main" id="{B74994A9-B269-F157-96FA-B816EEBB67C3}"/>
+                  </a:ext>
+                </a:extLst>
+              </p:cNvPr>
+              <p:cNvPicPr>
+                <a:picLocks noGrp="1" noRot="1" noChangeAspect="1" noMove="1" noResize="1" noEditPoints="1" noAdjustHandles="1" noChangeArrowheads="1" noChangeShapeType="1"/>
+              </p:cNvPicPr>
+              <p:nvPr/>
+            </p:nvPicPr>
+            <p:blipFill>
+              <a:blip r:embed="rId2"/>
+              <a:stretch>
+                <a:fillRect/>
+              </a:stretch>
+            </p:blipFill>
+            <p:spPr>
+              <a:xfrm>
+                <a:off x="1050587" y="3849503"/>
+                <a:ext cx="4585119" cy="2579130"/>
+              </a:xfrm>
+              <a:prstGeom prst="rect">
+                <a:avLst/>
+              </a:prstGeom>
+              <a:ln w="3175">
+                <a:solidFill>
+                  <a:prstClr val="ltGray"/>
+                </a:solidFill>
+              </a:ln>
+            </p:spPr>
+          </p:pic>
+        </mc:Fallback>
+      </mc:AlternateContent>
     </p:spTree>
     <p:extLst>
       <p:ext uri="{BB962C8B-B14F-4D97-AF65-F5344CB8AC3E}">

--- a/HoT-Meetup_2024_Pybricks.pptx
+++ b/HoT-Meetup_2024_Pybricks.pptx
@@ -10122,119 +10122,81 @@
           <a:lstStyle/>
           <a:p>
             <a:r>
-              <a:rPr lang="de-DE" sz="2400" dirty="0"/>
+              <a:rPr lang="de-DE" dirty="0"/>
               <a:t>Einstieg: Fragerunde</a:t>
             </a:r>
           </a:p>
           <a:p>
             <a:r>
-              <a:rPr lang="de-DE" sz="2400" dirty="0"/>
+              <a:rPr lang="de-DE" dirty="0"/>
               <a:t>Übersicht Python &amp; Spike Prime</a:t>
             </a:r>
           </a:p>
           <a:p>
-            <a:r>
-              <a:rPr lang="de-DE" sz="2400" dirty="0"/>
+            <a:pPr lvl="1"/>
+            <a:r>
+              <a:rPr lang="de-DE" dirty="0"/>
               <a:t>Pybricks</a:t>
             </a:r>
           </a:p>
           <a:p>
             <a:r>
-              <a:rPr lang="de-DE" sz="2400" dirty="0"/>
-              <a:t>Live-Demo:</a:t>
+              <a:rPr lang="de-DE" dirty="0"/>
+              <a:t>Live-Demos:</a:t>
             </a:r>
           </a:p>
           <a:p>
             <a:pPr lvl="1"/>
             <a:r>
-              <a:rPr lang="de-DE" sz="2000" dirty="0"/>
+              <a:rPr lang="de-DE" dirty="0"/>
               <a:t>Firmware auf Spike Prime installieren</a:t>
             </a:r>
           </a:p>
           <a:p>
             <a:pPr lvl="1"/>
             <a:r>
-              <a:rPr lang="de-DE" sz="2000" dirty="0"/>
+              <a:rPr lang="de-DE" dirty="0"/>
               <a:t>Beispiel-Aufgabe</a:t>
             </a:r>
           </a:p>
           <a:p>
-            <a:pPr lvl="2"/>
-            <a:r>
-              <a:rPr lang="de-DE" sz="1800" dirty="0"/>
-              <a:t>Übersicht</a:t>
-            </a:r>
-          </a:p>
-          <a:p>
-            <a:pPr lvl="2"/>
-            <a:r>
-              <a:rPr lang="de-DE" sz="1800" dirty="0"/>
-              <a:t>Übersicht Programm</a:t>
-            </a:r>
-          </a:p>
-          <a:p>
-            <a:pPr lvl="2"/>
-            <a:r>
-              <a:rPr lang="de-DE" sz="1800" dirty="0"/>
-              <a:t>Erster Entwurf</a:t>
-            </a:r>
-          </a:p>
-          <a:p>
-            <a:pPr lvl="2"/>
-            <a:r>
-              <a:rPr lang="de-DE" sz="1800" dirty="0"/>
-              <a:t>Übergang zu </a:t>
-            </a:r>
-            <a:r>
-              <a:rPr lang="de-DE" sz="1800" dirty="0" err="1"/>
+            <a:r>
+              <a:rPr lang="de-DE" dirty="0"/>
+              <a:t>Versionskontrolle / </a:t>
+            </a:r>
+            <a:r>
+              <a:rPr lang="de-DE" dirty="0" err="1"/>
+              <a:t>Git</a:t>
+            </a:r>
+            <a:endParaRPr lang="de-DE" dirty="0"/>
+          </a:p>
+          <a:p>
+            <a:pPr lvl="1"/>
+            <a:r>
+              <a:rPr lang="de-DE" dirty="0"/>
+              <a:t>Was ist Versionskontrolle?</a:t>
+            </a:r>
+          </a:p>
+          <a:p>
+            <a:pPr lvl="1"/>
+            <a:r>
+              <a:rPr lang="de-DE" dirty="0" err="1"/>
               <a:t>git</a:t>
             </a:r>
-            <a:endParaRPr lang="de-DE" sz="1800" dirty="0"/>
-          </a:p>
-          <a:p>
-            <a:r>
-              <a:rPr lang="de-DE" sz="2600" dirty="0"/>
-              <a:t>Versionskontrolle / </a:t>
-            </a:r>
-            <a:r>
-              <a:rPr lang="de-DE" sz="2600" dirty="0" err="1"/>
-              <a:t>Git</a:t>
-            </a:r>
-            <a:endParaRPr lang="de-DE" sz="2600" dirty="0"/>
+            <a:endParaRPr lang="de-DE" dirty="0"/>
           </a:p>
           <a:p>
             <a:pPr lvl="1"/>
             <a:r>
-              <a:rPr lang="de-DE" sz="2200" dirty="0"/>
-              <a:t>Was ist </a:t>
-            </a:r>
-            <a:r>
-              <a:rPr lang="de-DE" sz="2200" dirty="0" err="1"/>
-              <a:t>git</a:t>
-            </a:r>
-            <a:r>
-              <a:rPr lang="de-DE" sz="2200" dirty="0"/>
-              <a:t>?</a:t>
-            </a:r>
-          </a:p>
-          <a:p>
-            <a:pPr lvl="1"/>
-            <a:r>
-              <a:rPr lang="de-DE" sz="2200" dirty="0" err="1"/>
-              <a:t>git</a:t>
-            </a:r>
-            <a:endParaRPr lang="de-DE" sz="2200" dirty="0"/>
-          </a:p>
-          <a:p>
-            <a:pPr lvl="1"/>
-            <a:r>
-              <a:rPr lang="de-DE" sz="2200" dirty="0"/>
+              <a:rPr lang="de-DE" dirty="0"/>
               <a:t>GitHub</a:t>
             </a:r>
           </a:p>
           <a:p>
-            <a:pPr lvl="1"/>
-            <a:endParaRPr lang="de-DE" sz="2200" dirty="0"/>
+            <a:r>
+              <a:rPr lang="de-DE" dirty="0"/>
+              <a:t>Tipps &amp; Austausch</a:t>
+            </a:r>
           </a:p>
         </p:txBody>
       </p:sp>
@@ -10637,15 +10599,27 @@
         </p:nvSpPr>
         <p:spPr/>
         <p:txBody>
-          <a:bodyPr/>
+          <a:bodyPr>
+            <a:normAutofit lnSpcReduction="10000"/>
+          </a:bodyPr>
           <a:lstStyle/>
           <a:p>
+            <a:pPr>
+              <a:lnSpc>
+                <a:spcPct val="150000"/>
+              </a:lnSpc>
+            </a:pPr>
             <a:r>
               <a:rPr lang="de-DE" dirty="0"/>
               <a:t>„Was habe ich nochmal an meinem Code geändert??“</a:t>
             </a:r>
           </a:p>
           <a:p>
+            <a:pPr>
+              <a:lnSpc>
+                <a:spcPct val="150000"/>
+              </a:lnSpc>
+            </a:pPr>
             <a:r>
               <a:rPr lang="de-DE" dirty="0"/>
               <a:t>„Wer hat diesen Code das letzte Mal angefasst?? </a:t>
@@ -10659,18 +10633,33 @@
             </a:r>
           </a:p>
           <a:p>
+            <a:pPr>
+              <a:lnSpc>
+                <a:spcPct val="150000"/>
+              </a:lnSpc>
+            </a:pPr>
             <a:r>
               <a:rPr lang="de-DE" dirty="0"/>
               <a:t>„Wer hat die neuste Version des Codes?“</a:t>
             </a:r>
           </a:p>
           <a:p>
+            <a:pPr>
+              <a:lnSpc>
+                <a:spcPct val="150000"/>
+              </a:lnSpc>
+            </a:pPr>
             <a:r>
               <a:rPr lang="de-DE" dirty="0"/>
               <a:t>„Wenn ich doch nur die Zeit zurückdrehen könnte!“</a:t>
             </a:r>
           </a:p>
           <a:p>
+            <a:pPr>
+              <a:lnSpc>
+                <a:spcPct val="150000"/>
+              </a:lnSpc>
+            </a:pPr>
             <a:r>
               <a:rPr lang="de-DE" dirty="0"/>
               <a:t>„Also letzten Donnerstag hat das noch funktioniert!“</a:t>
@@ -10678,6 +10667,9 @@
           </a:p>
           <a:p>
             <a:pPr marL="0" indent="0">
+              <a:lnSpc>
+                <a:spcPct val="150000"/>
+              </a:lnSpc>
               <a:buNone/>
             </a:pPr>
             <a:endParaRPr lang="de-DE" dirty="0"/>
@@ -11716,7 +11708,7 @@
           <a:p>
             <a:r>
               <a:rPr lang="de-DE" dirty="0"/>
-              <a:t>Empfehlungen</a:t>
+              <a:t>Empfehlungen &amp; Tipps</a:t>
             </a:r>
           </a:p>
         </p:txBody>
@@ -11742,7 +11734,10 @@
           <a:bodyPr/>
           <a:lstStyle/>
           <a:p>
-            <a:endParaRPr lang="de-DE"/>
+            <a:r>
+              <a:rPr lang="de-DE" dirty="0"/>
+              <a:t>Was kann ich von dieser Session mitnehmen?</a:t>
+            </a:r>
           </a:p>
         </p:txBody>
       </p:sp>
@@ -11799,7 +11794,7 @@
           <a:p>
             <a:r>
               <a:rPr lang="de-DE" dirty="0"/>
-              <a:t>Empfehlungen</a:t>
+              <a:t>Unsere Empfehlungen:</a:t>
             </a:r>
           </a:p>
         </p:txBody>
@@ -11856,7 +11851,7 @@
           <a:p>
             <a:r>
               <a:rPr lang="de-DE" dirty="0"/>
-              <a:t>Nutzt Kommentare!</a:t>
+              <a:t>Nutzt Kommentar! (im Programmcode)</a:t>
             </a:r>
           </a:p>
           <a:p>
@@ -11920,7 +11915,7 @@
           <a:p>
             <a:r>
               <a:rPr lang="de-DE" dirty="0"/>
-              <a:t>Wer hat schon Erfahrungen mit Python/</a:t>
+              <a:t>Wer hat schon Erfahrungen mit Python / </a:t>
             </a:r>
             <a:r>
               <a:rPr lang="de-DE" dirty="0" err="1"/>
@@ -12287,15 +12282,45 @@
               <a:t>Falls wir bei irgendeinem Thema falsch liegen, werden wir folgende Antwort geben:</a:t>
             </a:r>
           </a:p>
+        </p:txBody>
+      </p:sp>
+      <p:sp>
+        <p:nvSpPr>
+          <p:cNvPr id="7" name="Textfeld 6">
+            <a:extLst>
+              <a:ext uri="{FF2B5EF4-FFF2-40B4-BE49-F238E27FC236}">
+                <a16:creationId xmlns:a16="http://schemas.microsoft.com/office/drawing/2014/main" id="{9AB5A273-CF28-613D-3707-8B99C7EB053C}"/>
+              </a:ext>
+            </a:extLst>
+          </p:cNvPr>
+          <p:cNvSpPr txBox="1"/>
+          <p:nvPr/>
+        </p:nvSpPr>
+        <p:spPr>
+          <a:xfrm>
+            <a:off x="1491574" y="5012987"/>
+            <a:ext cx="9208851" cy="830997"/>
+          </a:xfrm>
+          <a:prstGeom prst="rect">
+            <a:avLst/>
+          </a:prstGeom>
+          <a:noFill/>
+        </p:spPr>
+        <p:txBody>
+          <a:bodyPr wrap="square">
+            <a:spAutoFit/>
+          </a:bodyPr>
+          <a:lstStyle/>
           <a:p>
             <a:pPr marL="0" indent="0" algn="ctr">
               <a:buNone/>
             </a:pPr>
             <a:r>
-              <a:rPr lang="de-DE" sz="4400" b="1" i="1" dirty="0"/>
+              <a:rPr lang="de-DE" sz="4800" b="1" i="1" dirty="0">
+                <a:latin typeface="Berlin Sans FB Demi" panose="020E0802020502020306" pitchFamily="34" charset="0"/>
+              </a:rPr>
               <a:t>„Für Sydney hat‘s gereicht“</a:t>
             </a:r>
-            <a:endParaRPr lang="de-DE" b="1" i="1" dirty="0"/>
           </a:p>
         </p:txBody>
       </p:sp>
@@ -12309,6 +12334,130 @@
   <p:clrMapOvr>
     <a:masterClrMapping/>
   </p:clrMapOvr>
+  <p:timing>
+    <p:tnLst>
+      <p:par>
+        <p:cTn id="1" dur="indefinite" restart="never" nodeType="tmRoot">
+          <p:childTnLst>
+            <p:seq concurrent="1" nextAc="seek">
+              <p:cTn id="2" dur="indefinite" nodeType="mainSeq">
+                <p:childTnLst>
+                  <p:par>
+                    <p:cTn id="3" fill="hold">
+                      <p:stCondLst>
+                        <p:cond delay="indefinite"/>
+                      </p:stCondLst>
+                      <p:childTnLst>
+                        <p:par>
+                          <p:cTn id="4" fill="hold">
+                            <p:stCondLst>
+                              <p:cond delay="0"/>
+                            </p:stCondLst>
+                            <p:childTnLst>
+                              <p:par>
+                                <p:cTn id="5" presetID="2" presetClass="entr" presetSubtype="4" fill="hold" grpId="0" nodeType="clickEffect">
+                                  <p:stCondLst>
+                                    <p:cond delay="0"/>
+                                  </p:stCondLst>
+                                  <p:childTnLst>
+                                    <p:set>
+                                      <p:cBhvr>
+                                        <p:cTn id="6" dur="1" fill="hold">
+                                          <p:stCondLst>
+                                            <p:cond delay="0"/>
+                                          </p:stCondLst>
+                                        </p:cTn>
+                                        <p:tgtEl>
+                                          <p:spTgt spid="7"/>
+                                        </p:tgtEl>
+                                        <p:attrNameLst>
+                                          <p:attrName>style.visibility</p:attrName>
+                                        </p:attrNameLst>
+                                      </p:cBhvr>
+                                      <p:to>
+                                        <p:strVal val="visible"/>
+                                      </p:to>
+                                    </p:set>
+                                    <p:anim calcmode="lin" valueType="num">
+                                      <p:cBhvr additive="base">
+                                        <p:cTn id="7" dur="500" fill="hold"/>
+                                        <p:tgtEl>
+                                          <p:spTgt spid="7"/>
+                                        </p:tgtEl>
+                                        <p:attrNameLst>
+                                          <p:attrName>ppt_x</p:attrName>
+                                        </p:attrNameLst>
+                                      </p:cBhvr>
+                                      <p:tavLst>
+                                        <p:tav tm="0">
+                                          <p:val>
+                                            <p:strVal val="#ppt_x"/>
+                                          </p:val>
+                                        </p:tav>
+                                        <p:tav tm="100000">
+                                          <p:val>
+                                            <p:strVal val="#ppt_x"/>
+                                          </p:val>
+                                        </p:tav>
+                                      </p:tavLst>
+                                    </p:anim>
+                                    <p:anim calcmode="lin" valueType="num">
+                                      <p:cBhvr additive="base">
+                                        <p:cTn id="8" dur="500" fill="hold"/>
+                                        <p:tgtEl>
+                                          <p:spTgt spid="7"/>
+                                        </p:tgtEl>
+                                        <p:attrNameLst>
+                                          <p:attrName>ppt_y</p:attrName>
+                                        </p:attrNameLst>
+                                      </p:cBhvr>
+                                      <p:tavLst>
+                                        <p:tav tm="0">
+                                          <p:val>
+                                            <p:strVal val="1+#ppt_h/2"/>
+                                          </p:val>
+                                        </p:tav>
+                                        <p:tav tm="100000">
+                                          <p:val>
+                                            <p:strVal val="#ppt_y"/>
+                                          </p:val>
+                                        </p:tav>
+                                      </p:tavLst>
+                                    </p:anim>
+                                  </p:childTnLst>
+                                </p:cTn>
+                              </p:par>
+                            </p:childTnLst>
+                          </p:cTn>
+                        </p:par>
+                      </p:childTnLst>
+                    </p:cTn>
+                  </p:par>
+                </p:childTnLst>
+              </p:cTn>
+              <p:prevCondLst>
+                <p:cond evt="onPrev" delay="0">
+                  <p:tgtEl>
+                    <p:sldTgt/>
+                  </p:tgtEl>
+                </p:cond>
+              </p:prevCondLst>
+              <p:nextCondLst>
+                <p:cond evt="onNext" delay="0">
+                  <p:tgtEl>
+                    <p:sldTgt/>
+                  </p:tgtEl>
+                </p:cond>
+              </p:nextCondLst>
+            </p:seq>
+          </p:childTnLst>
+        </p:cTn>
+      </p:par>
+    </p:tnLst>
+    <p:bldLst>
+      <p:bldP spid="7" grpId="0"/>
+    </p:bldLst>
+  </p:timing>
 </p:sld>
 </file>
 
@@ -12405,8 +12554,8 @@
           </a:p>
         </p:txBody>
       </p:sp>
-      <mc:AlternateContent xmlns:mc="http://schemas.openxmlformats.org/markup-compatibility/2006">
-        <mc:Choice xmlns:pslz="http://schemas.microsoft.com/office/powerpoint/2016/slidezoom" Requires="pslz">
+      <mc:AlternateContent xmlns:mc="http://schemas.openxmlformats.org/markup-compatibility/2006" xmlns:pslz="http://schemas.microsoft.com/office/powerpoint/2016/slidezoom">
+        <mc:Choice Requires="pslz">
           <p:graphicFrame>
             <p:nvGraphicFramePr>
               <p:cNvPr id="5" name="Folienzoom 4">
@@ -12463,7 +12612,7 @@
             </a:graphic>
           </p:graphicFrame>
         </mc:Choice>
-        <mc:Fallback>
+        <mc:Fallback xmlns="">
           <p:pic>
             <p:nvPicPr>
               <p:cNvPr id="5" name="Folienzoom 4">
@@ -12480,7 +12629,7 @@
               <p:nvPr/>
             </p:nvPicPr>
             <p:blipFill>
-              <a:blip r:embed="rId2"/>
+              <a:blip r:embed="rId4"/>
               <a:stretch>
                 <a:fillRect/>
               </a:stretch>

--- a/HoT-Meetup_2024_Pybricks.pptx
+++ b/HoT-Meetup_2024_Pybricks.pptx
@@ -8854,8 +8854,8 @@
         </p:blipFill>
         <p:spPr>
           <a:xfrm>
-            <a:off x="9220200" y="241299"/>
-            <a:ext cx="2714625" cy="2714625"/>
+            <a:off x="8550950" y="241299"/>
+            <a:ext cx="3383875" cy="3383875"/>
           </a:xfrm>
           <a:prstGeom prst="rect">
             <a:avLst/>
@@ -12976,7 +12976,7 @@
         </p:blipFill>
         <p:spPr>
           <a:xfrm>
-            <a:off x="6174695" y="109595"/>
+            <a:off x="915274" y="297663"/>
             <a:ext cx="2757488" cy="3026511"/>
           </a:xfrm>
           <a:prstGeom prst="rect">
@@ -13012,7 +13012,7 @@
         </p:blipFill>
         <p:spPr>
           <a:xfrm>
-            <a:off x="9220200" y="241299"/>
+            <a:off x="4460133" y="352425"/>
             <a:ext cx="2714625" cy="2714625"/>
           </a:xfrm>
           <a:prstGeom prst="rect">
@@ -13053,7 +13053,7 @@
         </p:blipFill>
         <p:spPr>
           <a:xfrm>
-            <a:off x="8932183" y="3435996"/>
+            <a:off x="8659808" y="309597"/>
             <a:ext cx="3002642" cy="3002642"/>
           </a:xfrm>
           <a:prstGeom prst="rect">
